--- a/IniciacionDePracticasExternas.pptx
+++ b/IniciacionDePracticasExternas.pptx
@@ -5555,10 +5555,10 @@
       </p:sp>
       <p:pic>
         <p:nvPicPr>
-          <p:cNvPr id="1028" name="Picture 4" descr="No es solo el logo - ULL - Noticias">
-            <a:extLst>
-              <a:ext uri="{FF2B5EF4-FFF2-40B4-BE49-F238E27FC236}">
-                <a16:creationId xmlns:a16="http://schemas.microsoft.com/office/drawing/2014/main" id="{1725CBC5-C9A3-46B4-9EB4-4CBD6AF162A2}"/>
+          <p:cNvPr id="1026" name="Picture 2" descr="Universidad de La Laguna (ULL) – 9º Encuentro BID">
+            <a:extLst>
+              <a:ext uri="{FF2B5EF4-FFF2-40B4-BE49-F238E27FC236}">
+                <a16:creationId xmlns:a16="http://schemas.microsoft.com/office/drawing/2014/main" id="{71F28010-16EF-4CBC-82AC-7C4159510DCB}"/>
               </a:ext>
             </a:extLst>
           </p:cNvPr>
@@ -5582,8 +5582,8 @@
         </p:blipFill>
         <p:spPr bwMode="auto">
           <a:xfrm>
-            <a:off x="-87086" y="5333605"/>
-            <a:ext cx="3723398" cy="2094411"/>
+            <a:off x="420194" y="5774111"/>
+            <a:ext cx="3715580" cy="890329"/>
           </a:xfrm>
           <a:prstGeom prst="rect">
             <a:avLst/>
@@ -6109,10 +6109,10 @@
       </p:sp>
       <p:pic>
         <p:nvPicPr>
-          <p:cNvPr id="5" name="Picture 4" descr="No es solo el logo - ULL - Noticias">
-            <a:extLst>
-              <a:ext uri="{FF2B5EF4-FFF2-40B4-BE49-F238E27FC236}">
-                <a16:creationId xmlns:a16="http://schemas.microsoft.com/office/drawing/2014/main" id="{4C1868E8-4087-4178-BE19-E7507A709BF0}"/>
+          <p:cNvPr id="2050" name="Picture 2" descr="Universidad de La Laguna (ULL) – 9º Encuentro BID">
+            <a:extLst>
+              <a:ext uri="{FF2B5EF4-FFF2-40B4-BE49-F238E27FC236}">
+                <a16:creationId xmlns:a16="http://schemas.microsoft.com/office/drawing/2014/main" id="{882940A1-F76E-46F8-8D6F-3B268F96020C}"/>
               </a:ext>
             </a:extLst>
           </p:cNvPr>
@@ -6136,8 +6136,8 @@
         </p:blipFill>
         <p:spPr bwMode="auto">
           <a:xfrm>
-            <a:off x="8485570" y="0"/>
-            <a:ext cx="1973424" cy="1110051"/>
+            <a:off x="8621351" y="295682"/>
+            <a:ext cx="1828935" cy="438250"/>
           </a:xfrm>
           <a:prstGeom prst="rect">
             <a:avLst/>
@@ -6918,10 +6918,10 @@
       </p:sp>
       <p:pic>
         <p:nvPicPr>
-          <p:cNvPr id="27" name="Picture 4" descr="No es solo el logo - ULL - Noticias">
-            <a:extLst>
-              <a:ext uri="{FF2B5EF4-FFF2-40B4-BE49-F238E27FC236}">
-                <a16:creationId xmlns:a16="http://schemas.microsoft.com/office/drawing/2014/main" id="{524674E9-2F4A-453B-B70F-A7E948CC44DA}"/>
+          <p:cNvPr id="29" name="Picture 2" descr="Universidad de La Laguna (ULL) – 9º Encuentro BID">
+            <a:extLst>
+              <a:ext uri="{FF2B5EF4-FFF2-40B4-BE49-F238E27FC236}">
+                <a16:creationId xmlns:a16="http://schemas.microsoft.com/office/drawing/2014/main" id="{8A5729B5-076D-4877-B435-899362EAB932}"/>
               </a:ext>
             </a:extLst>
           </p:cNvPr>
@@ -6945,8 +6945,8 @@
         </p:blipFill>
         <p:spPr bwMode="auto">
           <a:xfrm>
-            <a:off x="8485570" y="0"/>
-            <a:ext cx="1973424" cy="1110051"/>
+            <a:off x="8621351" y="295682"/>
+            <a:ext cx="1828935" cy="438250"/>
           </a:xfrm>
           <a:prstGeom prst="rect">
             <a:avLst/>
@@ -7503,57 +7503,6 @@
 </file>
 
 <file path=customXml/item1.xml><?xml version="1.0" encoding="utf-8"?>
-<p:properties xmlns:p="http://schemas.microsoft.com/office/2006/metadata/properties" xmlns:xsi="http://www.w3.org/2001/XMLSchema-instance" xmlns:pc="http://schemas.microsoft.com/office/infopath/2007/PartnerControls">
-  <documentManagement>
-    <TaxCatchAll xmlns="6dedcb10-c833-433a-ac85-a71007a78acc">
-      <Value>4</Value>
-      <Value>10</Value>
-      <Value>2</Value>
-      <Value>3</Value>
-    </TaxCatchAll>
-    <Abstract xmlns="51e2b858-bf58-46a2-91b2-3dafa82a619b" xsi:nil="true"/>
-    <neda87fc916d4e679a7e41b9a8103b08 xmlns="51e2b858-bf58-46a2-91b2-3dafa82a619b">
-      <Terms xmlns="http://schemas.microsoft.com/office/infopath/2007/PartnerControls">
-        <TermInfo xmlns="http://schemas.microsoft.com/office/infopath/2007/PartnerControls">
-          <TermName xmlns="http://schemas.microsoft.com/office/infopath/2007/PartnerControls">C - valid</TermName>
-          <TermId xmlns="http://schemas.microsoft.com/office/infopath/2007/PartnerControls">0c95109a-f409-44c4-ba27-12fbc6f76f24</TermId>
-        </TermInfo>
-      </Terms>
-    </neda87fc916d4e679a7e41b9a8103b08>
-    <j1058322525a448cbab87226107f51c4 xmlns="51e2b858-bf58-46a2-91b2-3dafa82a619b">
-      <Terms xmlns="http://schemas.microsoft.com/office/infopath/2007/PartnerControls">
-        <TermInfo xmlns="http://schemas.microsoft.com/office/infopath/2007/PartnerControls">
-          <TermName xmlns="http://schemas.microsoft.com/office/infopath/2007/PartnerControls">Documentation</TermName>
-          <TermId xmlns="http://schemas.microsoft.com/office/infopath/2007/PartnerControls">4374477c-d144-4e1f-bf15-77ba8dc2d6ee</TermId>
-        </TermInfo>
-      </Terms>
-    </j1058322525a448cbab87226107f51c4>
-    <fad0ae6618ec41d8bed90675241c3993 xmlns="51e2b858-bf58-46a2-91b2-3dafa82a619b">
-      <Terms xmlns="http://schemas.microsoft.com/office/infopath/2007/PartnerControls">
-        <TermInfo xmlns="http://schemas.microsoft.com/office/infopath/2007/PartnerControls">
-          <TermName xmlns="http://schemas.microsoft.com/office/infopath/2007/PartnerControls">A - internal</TermName>
-          <TermId xmlns="http://schemas.microsoft.com/office/infopath/2007/PartnerControls">b9f71f92-fb46-4487-9019-025349c14948</TermId>
-        </TermInfo>
-      </Terms>
-    </fad0ae6618ec41d8bed90675241c3993>
-    <ba46f578df2f4cc59a79294d268b0c87 xmlns="51e2b858-bf58-46a2-91b2-3dafa82a619b">
-      <Terms xmlns="http://schemas.microsoft.com/office/infopath/2007/PartnerControls">
-        <TermInfo xmlns="http://schemas.microsoft.com/office/infopath/2007/PartnerControls">
-          <TermName xmlns="http://schemas.microsoft.com/office/infopath/2007/PartnerControls">No solution</TermName>
-          <TermId xmlns="http://schemas.microsoft.com/office/infopath/2007/PartnerControls">227ba552-7fd7-40d5-abf3-76f160b7a704</TermId>
-        </TermInfo>
-      </Terms>
-    </ba46f578df2f4cc59a79294d268b0c87>
-    <_dlc_DocId xmlns="6dedcb10-c833-433a-ac85-a71007a78acc">KJNT26DDK5R3-2073477213-2081</_dlc_DocId>
-    <_dlc_DocIdUrl xmlns="6dedcb10-c833-433a-ac85-a71007a78acc">
-      <Url>https://tecalliance.sharepoint.com/sites/TA_Templates/_layouts/15/DocIdRedir.aspx?ID=KJNT26DDK5R3-2073477213-2081</Url>
-      <Description>KJNT26DDK5R3-2073477213-2081</Description>
-    </_dlc_DocIdUrl>
-  </documentManagement>
-</p:properties>
-</file>
-
-<file path=customXml/item2.xml><?xml version="1.0" encoding="utf-8"?>
 <ct:contentTypeSchema xmlns:ct="http://schemas.microsoft.com/office/2006/metadata/contentType" xmlns:ma="http://schemas.microsoft.com/office/2006/metadata/properties/metaAttributes" ct:_="" ma:_="" ma:contentTypeName="Document" ma:contentTypeID="0x010100CCD2CB7645A6664EBA7D2C1B319298D9" ma:contentTypeVersion="20" ma:contentTypeDescription="Create a new document." ma:contentTypeScope="" ma:versionID="1b89333854ece0126e4211b82251641e">
   <xsd:schema xmlns:xsd="http://www.w3.org/2001/XMLSchema" xmlns:xs="http://www.w3.org/2001/XMLSchema" xmlns:p="http://schemas.microsoft.com/office/2006/metadata/properties" xmlns:ns2="6dedcb10-c833-433a-ac85-a71007a78acc" xmlns:ns3="51e2b858-bf58-46a2-91b2-3dafa82a619b" targetNamespace="http://schemas.microsoft.com/office/2006/metadata/properties" ma:root="true" ma:fieldsID="ff5f21df02492c208f9b75ad1252c953" ns2:_="" ns3:_="">
     <xsd:import namespace="6dedcb10-c833-433a-ac85-a71007a78acc"/>
@@ -7833,7 +7782,67 @@
 </ct:contentTypeSchema>
 </file>
 
+<file path=customXml/item2.xml><?xml version="1.0" encoding="utf-8"?>
+<p:properties xmlns:p="http://schemas.microsoft.com/office/2006/metadata/properties" xmlns:xsi="http://www.w3.org/2001/XMLSchema-instance" xmlns:pc="http://schemas.microsoft.com/office/infopath/2007/PartnerControls">
+  <documentManagement>
+    <TaxCatchAll xmlns="6dedcb10-c833-433a-ac85-a71007a78acc">
+      <Value>4</Value>
+      <Value>10</Value>
+      <Value>2</Value>
+      <Value>3</Value>
+    </TaxCatchAll>
+    <Abstract xmlns="51e2b858-bf58-46a2-91b2-3dafa82a619b" xsi:nil="true"/>
+    <neda87fc916d4e679a7e41b9a8103b08 xmlns="51e2b858-bf58-46a2-91b2-3dafa82a619b">
+      <Terms xmlns="http://schemas.microsoft.com/office/infopath/2007/PartnerControls">
+        <TermInfo xmlns="http://schemas.microsoft.com/office/infopath/2007/PartnerControls">
+          <TermName xmlns="http://schemas.microsoft.com/office/infopath/2007/PartnerControls">C - valid</TermName>
+          <TermId xmlns="http://schemas.microsoft.com/office/infopath/2007/PartnerControls">0c95109a-f409-44c4-ba27-12fbc6f76f24</TermId>
+        </TermInfo>
+      </Terms>
+    </neda87fc916d4e679a7e41b9a8103b08>
+    <j1058322525a448cbab87226107f51c4 xmlns="51e2b858-bf58-46a2-91b2-3dafa82a619b">
+      <Terms xmlns="http://schemas.microsoft.com/office/infopath/2007/PartnerControls">
+        <TermInfo xmlns="http://schemas.microsoft.com/office/infopath/2007/PartnerControls">
+          <TermName xmlns="http://schemas.microsoft.com/office/infopath/2007/PartnerControls">Documentation</TermName>
+          <TermId xmlns="http://schemas.microsoft.com/office/infopath/2007/PartnerControls">4374477c-d144-4e1f-bf15-77ba8dc2d6ee</TermId>
+        </TermInfo>
+      </Terms>
+    </j1058322525a448cbab87226107f51c4>
+    <fad0ae6618ec41d8bed90675241c3993 xmlns="51e2b858-bf58-46a2-91b2-3dafa82a619b">
+      <Terms xmlns="http://schemas.microsoft.com/office/infopath/2007/PartnerControls">
+        <TermInfo xmlns="http://schemas.microsoft.com/office/infopath/2007/PartnerControls">
+          <TermName xmlns="http://schemas.microsoft.com/office/infopath/2007/PartnerControls">A - internal</TermName>
+          <TermId xmlns="http://schemas.microsoft.com/office/infopath/2007/PartnerControls">b9f71f92-fb46-4487-9019-025349c14948</TermId>
+        </TermInfo>
+      </Terms>
+    </fad0ae6618ec41d8bed90675241c3993>
+    <ba46f578df2f4cc59a79294d268b0c87 xmlns="51e2b858-bf58-46a2-91b2-3dafa82a619b">
+      <Terms xmlns="http://schemas.microsoft.com/office/infopath/2007/PartnerControls">
+        <TermInfo xmlns="http://schemas.microsoft.com/office/infopath/2007/PartnerControls">
+          <TermName xmlns="http://schemas.microsoft.com/office/infopath/2007/PartnerControls">No solution</TermName>
+          <TermId xmlns="http://schemas.microsoft.com/office/infopath/2007/PartnerControls">227ba552-7fd7-40d5-abf3-76f160b7a704</TermId>
+        </TermInfo>
+      </Terms>
+    </ba46f578df2f4cc59a79294d268b0c87>
+    <_dlc_DocId xmlns="6dedcb10-c833-433a-ac85-a71007a78acc">KJNT26DDK5R3-2073477213-2081</_dlc_DocId>
+    <_dlc_DocIdUrl xmlns="6dedcb10-c833-433a-ac85-a71007a78acc">
+      <Url>https://tecalliance.sharepoint.com/sites/TA_Templates/_layouts/15/DocIdRedir.aspx?ID=KJNT26DDK5R3-2073477213-2081</Url>
+      <Description>KJNT26DDK5R3-2073477213-2081</Description>
+    </_dlc_DocIdUrl>
+  </documentManagement>
+</p:properties>
+</file>
+
 <file path=customXml/item3.xml><?xml version="1.0" encoding="utf-8"?>
+<?mso-contentType ?>
+<FormTemplates xmlns="http://schemas.microsoft.com/sharepoint/v3/contenttype/forms">
+  <Display>DocumentLibraryForm</Display>
+  <Edit>DocumentLibraryForm</Edit>
+  <New>DocumentLibraryForm</New>
+</FormTemplates>
+</file>
+
+<file path=customXml/item4.xml><?xml version="1.0" encoding="utf-8"?>
 <?mso-contentType ?>
 <spe:Receivers xmlns:spe="http://schemas.microsoft.com/sharepoint/events">
   <Receiver>
@@ -7883,16 +7892,26 @@
 </spe:Receivers>
 </file>
 
-<file path=customXml/item4.xml><?xml version="1.0" encoding="utf-8"?>
-<?mso-contentType ?>
-<FormTemplates xmlns="http://schemas.microsoft.com/sharepoint/v3/contenttype/forms">
-  <Display>DocumentLibraryForm</Display>
-  <Edit>DocumentLibraryForm</Edit>
-  <New>DocumentLibraryForm</New>
-</FormTemplates>
+<file path=customXml/itemProps1.xml><?xml version="1.0" encoding="utf-8"?>
+<ds:datastoreItem xmlns:ds="http://schemas.openxmlformats.org/officeDocument/2006/customXml" ds:itemID="{DB98A7B3-6CBB-482F-883D-79C2A86A89A9}">
+  <ds:schemaRefs>
+    <ds:schemaRef ds:uri="http://schemas.microsoft.com/office/2006/metadata/contentType"/>
+    <ds:schemaRef ds:uri="http://schemas.microsoft.com/office/2006/metadata/properties/metaAttributes"/>
+    <ds:schemaRef ds:uri="http://www.w3.org/2001/XMLSchema"/>
+    <ds:schemaRef ds:uri="http://schemas.microsoft.com/office/2006/metadata/properties"/>
+    <ds:schemaRef ds:uri="6dedcb10-c833-433a-ac85-a71007a78acc"/>
+    <ds:schemaRef ds:uri="51e2b858-bf58-46a2-91b2-3dafa82a619b"/>
+    <ds:schemaRef ds:uri="http://schemas.microsoft.com/office/2006/documentManagement/types"/>
+    <ds:schemaRef ds:uri="http://schemas.microsoft.com/office/infopath/2007/PartnerControls"/>
+    <ds:schemaRef ds:uri="http://schemas.openxmlformats.org/package/2006/metadata/core-properties"/>
+    <ds:schemaRef ds:uri="http://purl.org/dc/elements/1.1/"/>
+    <ds:schemaRef ds:uri="http://purl.org/dc/terms/"/>
+    <ds:schemaRef ds:uri="http://schemas.microsoft.com/internal/obd"/>
+  </ds:schemaRefs>
+</ds:datastoreItem>
 </file>
 
-<file path=customXml/itemProps1.xml><?xml version="1.0" encoding="utf-8"?>
+<file path=customXml/itemProps2.xml><?xml version="1.0" encoding="utf-8"?>
 <ds:datastoreItem xmlns:ds="http://schemas.openxmlformats.org/officeDocument/2006/customXml" ds:itemID="{7949718B-A5E5-46E7-AFC7-B9ECBEAA9285}">
   <ds:schemaRefs>
     <ds:schemaRef ds:uri="http://schemas.microsoft.com/office/2006/metadata/properties"/>
@@ -7911,37 +7930,18 @@
 </ds:datastoreItem>
 </file>
 
-<file path=customXml/itemProps2.xml><?xml version="1.0" encoding="utf-8"?>
-<ds:datastoreItem xmlns:ds="http://schemas.openxmlformats.org/officeDocument/2006/customXml" ds:itemID="{DB98A7B3-6CBB-482F-883D-79C2A86A89A9}">
+<file path=customXml/itemProps3.xml><?xml version="1.0" encoding="utf-8"?>
+<ds:datastoreItem xmlns:ds="http://schemas.openxmlformats.org/officeDocument/2006/customXml" ds:itemID="{FA16A6F6-BA94-4BC1-82EC-740C029F7F2E}">
   <ds:schemaRefs>
-    <ds:schemaRef ds:uri="http://schemas.microsoft.com/office/2006/metadata/contentType"/>
-    <ds:schemaRef ds:uri="http://schemas.microsoft.com/office/2006/metadata/properties/metaAttributes"/>
-    <ds:schemaRef ds:uri="http://www.w3.org/2001/XMLSchema"/>
-    <ds:schemaRef ds:uri="http://schemas.microsoft.com/office/2006/metadata/properties"/>
-    <ds:schemaRef ds:uri="6dedcb10-c833-433a-ac85-a71007a78acc"/>
-    <ds:schemaRef ds:uri="51e2b858-bf58-46a2-91b2-3dafa82a619b"/>
-    <ds:schemaRef ds:uri="http://schemas.microsoft.com/office/2006/documentManagement/types"/>
-    <ds:schemaRef ds:uri="http://schemas.microsoft.com/office/infopath/2007/PartnerControls"/>
-    <ds:schemaRef ds:uri="http://schemas.openxmlformats.org/package/2006/metadata/core-properties"/>
-    <ds:schemaRef ds:uri="http://purl.org/dc/elements/1.1/"/>
-    <ds:schemaRef ds:uri="http://purl.org/dc/terms/"/>
-    <ds:schemaRef ds:uri="http://schemas.microsoft.com/internal/obd"/>
+    <ds:schemaRef ds:uri="http://schemas.microsoft.com/sharepoint/v3/contenttype/forms"/>
   </ds:schemaRefs>
 </ds:datastoreItem>
 </file>
 
-<file path=customXml/itemProps3.xml><?xml version="1.0" encoding="utf-8"?>
+<file path=customXml/itemProps4.xml><?xml version="1.0" encoding="utf-8"?>
 <ds:datastoreItem xmlns:ds="http://schemas.openxmlformats.org/officeDocument/2006/customXml" ds:itemID="{C2D3F007-E527-40F2-825C-916613B331EC}">
   <ds:schemaRefs>
     <ds:schemaRef ds:uri="http://schemas.microsoft.com/sharepoint/events"/>
   </ds:schemaRefs>
 </ds:datastoreItem>
-</file>
-
-<file path=customXml/itemProps4.xml><?xml version="1.0" encoding="utf-8"?>
-<ds:datastoreItem xmlns:ds="http://schemas.openxmlformats.org/officeDocument/2006/customXml" ds:itemID="{FA16A6F6-BA94-4BC1-82EC-740C029F7F2E}">
-  <ds:schemaRefs>
-    <ds:schemaRef ds:uri="http://schemas.microsoft.com/sharepoint/v3/contenttype/forms"/>
-  </ds:schemaRefs>
-</ds:datastoreItem>
 </file>
--- a/IniciacionDePracticasExternas.pptx
+++ b/IniciacionDePracticasExternas.pptx
@@ -5,12 +5,13 @@
     <p:sldMasterId id="2147483648" r:id="rId5"/>
   </p:sldMasterIdLst>
   <p:handoutMasterIdLst>
-    <p:handoutMasterId r:id="rId9"/>
+    <p:handoutMasterId r:id="rId10"/>
   </p:handoutMasterIdLst>
   <p:sldIdLst>
     <p:sldId id="256" r:id="rId6"/>
     <p:sldId id="261" r:id="rId7"/>
-    <p:sldId id="274" r:id="rId8"/>
+    <p:sldId id="276" r:id="rId8"/>
+    <p:sldId id="274" r:id="rId9"/>
   </p:sldIdLst>
   <p:sldSz cx="12192000" cy="6858000"/>
   <p:notesSz cx="6858000" cy="9144000"/>
@@ -5654,39 +5655,8 @@
           <a:lstStyle/>
           <a:p>
             <a:r>
-              <a:rPr lang="de-DE" dirty="0"/>
-              <a:t>Primer </a:t>
-            </a:r>
-            <a:r>
-              <a:rPr lang="de-DE" dirty="0" err="1"/>
-              <a:t>proyecto</a:t>
-            </a:r>
-            <a:r>
-              <a:rPr lang="de-DE" dirty="0"/>
-              <a:t>: </a:t>
-            </a:r>
-            <a:br>
-              <a:rPr lang="de-DE" dirty="0"/>
-            </a:br>
-            <a:r>
-              <a:rPr lang="de-DE" dirty="0" err="1"/>
-              <a:t>Proceso</a:t>
-            </a:r>
-            <a:r>
-              <a:rPr lang="de-DE" dirty="0"/>
-              <a:t> de </a:t>
-            </a:r>
-            <a:r>
-              <a:rPr lang="de-DE" dirty="0" err="1"/>
-              <a:t>desarrollo</a:t>
-            </a:r>
-            <a:r>
-              <a:rPr lang="de-DE" dirty="0"/>
-              <a:t> </a:t>
-            </a:r>
-            <a:r>
-              <a:rPr lang="de-DE" dirty="0" err="1"/>
-              <a:t>completo</a:t>
+              <a:rPr lang="pl-PL" dirty="0" err="1"/>
+              <a:t>Objetivo</a:t>
             </a:r>
             <a:endParaRPr lang="de-DE" dirty="0"/>
           </a:p>
@@ -5716,393 +5686,13 @@
             <a:pPr marL="0" indent="0" algn="just">
               <a:buNone/>
             </a:pPr>
-            <a:endParaRPr lang="de-DE" dirty="0"/>
+            <a:endParaRPr lang="en-US" dirty="0"/>
           </a:p>
           <a:p>
             <a:pPr algn="just"/>
             <a:r>
-              <a:rPr lang="de-DE" dirty="0"/>
-              <a:t>El </a:t>
-            </a:r>
-            <a:r>
-              <a:rPr lang="de-DE" dirty="0" err="1"/>
-              <a:t>objetivo</a:t>
-            </a:r>
-            <a:r>
-              <a:rPr lang="de-DE" dirty="0"/>
-              <a:t> de </a:t>
-            </a:r>
-            <a:r>
-              <a:rPr lang="de-DE" dirty="0" err="1"/>
-              <a:t>este</a:t>
-            </a:r>
-            <a:r>
-              <a:rPr lang="de-DE" dirty="0"/>
-              <a:t> </a:t>
-            </a:r>
-            <a:r>
-              <a:rPr lang="de-DE" dirty="0" err="1"/>
-              <a:t>ejercicio</a:t>
-            </a:r>
-            <a:r>
-              <a:rPr lang="de-DE" dirty="0"/>
-              <a:t> es </a:t>
-            </a:r>
-            <a:r>
-              <a:rPr lang="de-DE" dirty="0" err="1"/>
-              <a:t>pasar</a:t>
-            </a:r>
-            <a:r>
-              <a:rPr lang="de-DE" dirty="0"/>
-              <a:t> </a:t>
-            </a:r>
-            <a:r>
-              <a:rPr lang="de-DE" dirty="0" err="1"/>
-              <a:t>por</a:t>
-            </a:r>
-            <a:r>
-              <a:rPr lang="de-DE" dirty="0"/>
-              <a:t> </a:t>
-            </a:r>
-            <a:r>
-              <a:rPr lang="de-DE" dirty="0" err="1"/>
-              <a:t>todas</a:t>
-            </a:r>
-            <a:r>
-              <a:rPr lang="de-DE" dirty="0"/>
-              <a:t> las </a:t>
-            </a:r>
-            <a:r>
-              <a:rPr lang="de-DE" dirty="0" err="1"/>
-              <a:t>fases</a:t>
-            </a:r>
-            <a:r>
-              <a:rPr lang="de-DE" dirty="0"/>
-              <a:t> del </a:t>
-            </a:r>
-            <a:r>
-              <a:rPr lang="de-DE" dirty="0" err="1"/>
-              <a:t>desarrollo</a:t>
-            </a:r>
-            <a:r>
-              <a:rPr lang="de-DE" dirty="0"/>
-              <a:t> de </a:t>
-            </a:r>
-            <a:r>
-              <a:rPr lang="de-DE" dirty="0" err="1"/>
-              <a:t>una</a:t>
-            </a:r>
-            <a:r>
-              <a:rPr lang="de-DE" dirty="0"/>
-              <a:t> </a:t>
-            </a:r>
-            <a:r>
-              <a:rPr lang="de-DE" dirty="0" err="1"/>
-              <a:t>aplicación</a:t>
-            </a:r>
-            <a:r>
-              <a:rPr lang="de-DE" dirty="0"/>
-              <a:t> web </a:t>
-            </a:r>
-            <a:r>
-              <a:rPr lang="de-DE" dirty="0" err="1"/>
-              <a:t>para</a:t>
-            </a:r>
-            <a:r>
-              <a:rPr lang="de-DE" dirty="0"/>
-              <a:t> </a:t>
-            </a:r>
-            <a:r>
-              <a:rPr lang="de-DE" dirty="0" err="1"/>
-              <a:t>familiarizarse</a:t>
-            </a:r>
-            <a:r>
-              <a:rPr lang="de-DE" dirty="0"/>
-              <a:t> </a:t>
-            </a:r>
-            <a:r>
-              <a:rPr lang="de-DE" dirty="0" err="1"/>
-              <a:t>con</a:t>
-            </a:r>
-            <a:r>
-              <a:rPr lang="de-DE" dirty="0"/>
-              <a:t> </a:t>
-            </a:r>
-            <a:r>
-              <a:rPr lang="de-DE" dirty="0" err="1"/>
-              <a:t>todas</a:t>
-            </a:r>
-            <a:r>
-              <a:rPr lang="de-DE" dirty="0"/>
-              <a:t> las </a:t>
-            </a:r>
-            <a:r>
-              <a:rPr lang="de-DE" dirty="0" err="1"/>
-              <a:t>tecnologías</a:t>
-            </a:r>
-            <a:r>
-              <a:rPr lang="de-DE" dirty="0"/>
-              <a:t> </a:t>
-            </a:r>
-            <a:r>
-              <a:rPr lang="de-DE" dirty="0" err="1"/>
-              <a:t>que</a:t>
-            </a:r>
-            <a:r>
-              <a:rPr lang="de-DE" dirty="0"/>
-              <a:t> se </a:t>
-            </a:r>
-            <a:r>
-              <a:rPr lang="de-DE" dirty="0" err="1"/>
-              <a:t>encuentran</a:t>
-            </a:r>
-            <a:r>
-              <a:rPr lang="de-DE" dirty="0"/>
-              <a:t> en </a:t>
-            </a:r>
-            <a:r>
-              <a:rPr lang="de-DE" dirty="0" err="1"/>
-              <a:t>este</a:t>
-            </a:r>
-            <a:r>
-              <a:rPr lang="de-DE" dirty="0"/>
-              <a:t> </a:t>
-            </a:r>
-            <a:r>
-              <a:rPr lang="de-DE" dirty="0" err="1"/>
-              <a:t>dentro</a:t>
-            </a:r>
-            <a:r>
-              <a:rPr lang="de-DE" dirty="0"/>
-              <a:t> de </a:t>
-            </a:r>
-            <a:r>
-              <a:rPr lang="de-DE" dirty="0" err="1"/>
-              <a:t>una</a:t>
-            </a:r>
-            <a:r>
-              <a:rPr lang="de-DE" dirty="0"/>
-              <a:t> </a:t>
-            </a:r>
-            <a:r>
-              <a:rPr lang="de-DE" dirty="0" err="1"/>
-              <a:t>empresa</a:t>
-            </a:r>
-            <a:r>
-              <a:rPr lang="de-DE" dirty="0"/>
-              <a:t>.</a:t>
-            </a:r>
-          </a:p>
-          <a:p>
-            <a:pPr algn="just"/>
-            <a:r>
-              <a:rPr lang="de-DE" dirty="0"/>
-              <a:t>La </a:t>
-            </a:r>
-            <a:r>
-              <a:rPr lang="de-DE" dirty="0" err="1"/>
-              <a:t>temática</a:t>
-            </a:r>
-            <a:r>
-              <a:rPr lang="de-DE" dirty="0"/>
-              <a:t> de la </a:t>
-            </a:r>
-            <a:r>
-              <a:rPr lang="de-DE" dirty="0" err="1"/>
-              <a:t>aplicación</a:t>
-            </a:r>
-            <a:r>
-              <a:rPr lang="de-DE" dirty="0"/>
-              <a:t> a </a:t>
-            </a:r>
-            <a:r>
-              <a:rPr lang="de-DE" dirty="0" err="1"/>
-              <a:t>realizar</a:t>
-            </a:r>
-            <a:r>
-              <a:rPr lang="de-DE" dirty="0"/>
-              <a:t> </a:t>
-            </a:r>
-            <a:r>
-              <a:rPr lang="de-DE" dirty="0" err="1"/>
-              <a:t>será</a:t>
-            </a:r>
-            <a:r>
-              <a:rPr lang="de-DE" dirty="0"/>
-              <a:t> </a:t>
-            </a:r>
-            <a:r>
-              <a:rPr lang="de-DE" dirty="0" err="1"/>
-              <a:t>una</a:t>
-            </a:r>
-            <a:r>
-              <a:rPr lang="de-DE" dirty="0"/>
-              <a:t> </a:t>
-            </a:r>
-            <a:r>
-              <a:rPr lang="de-DE" dirty="0" err="1"/>
-              <a:t>página</a:t>
-            </a:r>
-            <a:r>
-              <a:rPr lang="de-DE" dirty="0"/>
-              <a:t> </a:t>
-            </a:r>
-            <a:r>
-              <a:rPr lang="de-DE" dirty="0" err="1"/>
-              <a:t>con</a:t>
-            </a:r>
-            <a:r>
-              <a:rPr lang="de-DE" dirty="0"/>
-              <a:t> </a:t>
-            </a:r>
-            <a:r>
-              <a:rPr lang="de-DE" dirty="0" err="1"/>
-              <a:t>autentificación</a:t>
-            </a:r>
-            <a:r>
-              <a:rPr lang="de-DE" dirty="0"/>
-              <a:t> </a:t>
-            </a:r>
-            <a:r>
-              <a:rPr lang="de-DE" dirty="0" err="1"/>
-              <a:t>que</a:t>
-            </a:r>
-            <a:r>
-              <a:rPr lang="de-DE" dirty="0"/>
-              <a:t> </a:t>
-            </a:r>
-            <a:r>
-              <a:rPr lang="de-DE" dirty="0" err="1"/>
-              <a:t>consulte</a:t>
-            </a:r>
-            <a:r>
-              <a:rPr lang="de-DE" dirty="0"/>
-              <a:t> </a:t>
-            </a:r>
-            <a:r>
-              <a:rPr lang="de-DE" dirty="0" err="1"/>
-              <a:t>una</a:t>
-            </a:r>
-            <a:r>
-              <a:rPr lang="de-DE" dirty="0"/>
-              <a:t> </a:t>
-            </a:r>
-            <a:r>
-              <a:rPr lang="de-DE" dirty="0" err="1"/>
-              <a:t>base</a:t>
-            </a:r>
-            <a:r>
-              <a:rPr lang="de-DE" dirty="0"/>
-              <a:t> de </a:t>
-            </a:r>
-            <a:r>
-              <a:rPr lang="de-DE" dirty="0" err="1"/>
-              <a:t>datos</a:t>
-            </a:r>
-            <a:r>
-              <a:rPr lang="de-DE" dirty="0"/>
-              <a:t> </a:t>
-            </a:r>
-            <a:r>
-              <a:rPr lang="de-DE" dirty="0" err="1"/>
-              <a:t>sobre</a:t>
-            </a:r>
-            <a:r>
-              <a:rPr lang="de-DE" dirty="0"/>
-              <a:t> </a:t>
-            </a:r>
-            <a:r>
-              <a:rPr lang="de-DE" dirty="0" err="1"/>
-              <a:t>vehiculos</a:t>
-            </a:r>
-            <a:r>
-              <a:rPr lang="de-DE" dirty="0"/>
-              <a:t> de </a:t>
-            </a:r>
-            <a:r>
-              <a:rPr lang="de-DE" dirty="0" err="1"/>
-              <a:t>usuarios</a:t>
-            </a:r>
-            <a:r>
-              <a:rPr lang="de-DE" dirty="0"/>
-              <a:t> </a:t>
-            </a:r>
-            <a:r>
-              <a:rPr lang="de-DE" dirty="0" err="1"/>
-              <a:t>registrados</a:t>
-            </a:r>
-            <a:r>
-              <a:rPr lang="de-DE" dirty="0"/>
-              <a:t>. </a:t>
-            </a:r>
-          </a:p>
-          <a:p>
-            <a:pPr algn="just"/>
-            <a:r>
-              <a:rPr lang="de-DE" dirty="0"/>
-              <a:t>Se </a:t>
-            </a:r>
-            <a:r>
-              <a:rPr lang="de-DE" dirty="0" err="1"/>
-              <a:t>tendrá</a:t>
-            </a:r>
-            <a:r>
-              <a:rPr lang="de-DE" dirty="0"/>
-              <a:t> en </a:t>
-            </a:r>
-            <a:r>
-              <a:rPr lang="de-DE" dirty="0" err="1"/>
-              <a:t>cuenta</a:t>
-            </a:r>
-            <a:r>
-              <a:rPr lang="de-DE" dirty="0"/>
-              <a:t> dos </a:t>
-            </a:r>
-            <a:r>
-              <a:rPr lang="de-DE" dirty="0" err="1"/>
-              <a:t>vistas</a:t>
-            </a:r>
-            <a:r>
-              <a:rPr lang="de-DE" dirty="0"/>
-              <a:t>: </a:t>
-            </a:r>
-          </a:p>
-          <a:p>
-            <a:pPr lvl="1" algn="just"/>
-            <a:r>
-              <a:rPr lang="de-DE" dirty="0" err="1"/>
-              <a:t>Usuario</a:t>
-            </a:r>
-            <a:r>
-              <a:rPr lang="de-DE" dirty="0"/>
-              <a:t> </a:t>
-            </a:r>
-            <a:r>
-              <a:rPr lang="de-DE" dirty="0" err="1"/>
-              <a:t>común</a:t>
-            </a:r>
-            <a:r>
-              <a:rPr lang="de-DE" dirty="0"/>
-              <a:t>.</a:t>
-            </a:r>
-          </a:p>
-          <a:p>
-            <a:pPr lvl="1" algn="just"/>
-            <a:r>
-              <a:rPr lang="de-DE" dirty="0" err="1"/>
-              <a:t>Usuario</a:t>
-            </a:r>
-            <a:r>
-              <a:rPr lang="de-DE" dirty="0"/>
-              <a:t> </a:t>
-            </a:r>
-            <a:r>
-              <a:rPr lang="de-DE" dirty="0" err="1"/>
-              <a:t>administrador</a:t>
-            </a:r>
-            <a:r>
-              <a:rPr lang="de-DE" dirty="0"/>
-              <a:t>.</a:t>
+              <a:rPr lang="en-US" dirty="0"/>
+              <a:t>Walk through whole software development process </a:t>
             </a:r>
           </a:p>
         </p:txBody>
@@ -6168,6 +5758,560 @@
 </file>
 
 <file path=ppt/slides/slide3.xml><?xml version="1.0" encoding="utf-8"?>
+<p:sld xmlns:a="http://schemas.openxmlformats.org/drawingml/2006/main" xmlns:r="http://schemas.openxmlformats.org/officeDocument/2006/relationships" xmlns:p="http://schemas.openxmlformats.org/presentationml/2006/main">
+  <p:cSld>
+    <p:spTree>
+      <p:nvGrpSpPr>
+        <p:cNvPr id="1" name=""/>
+        <p:cNvGrpSpPr/>
+        <p:nvPr/>
+      </p:nvGrpSpPr>
+      <p:grpSpPr>
+        <a:xfrm>
+          <a:off x="0" y="0"/>
+          <a:ext cx="0" cy="0"/>
+          <a:chOff x="0" y="0"/>
+          <a:chExt cx="0" cy="0"/>
+        </a:xfrm>
+      </p:grpSpPr>
+      <p:sp>
+        <p:nvSpPr>
+          <p:cNvPr id="2" name="Titel 1">
+            <a:extLst>
+              <a:ext uri="{FF2B5EF4-FFF2-40B4-BE49-F238E27FC236}">
+                <a16:creationId xmlns:a16="http://schemas.microsoft.com/office/drawing/2014/main" id="{577718E3-62E8-4D37-AEFF-2A611E32F1A9}"/>
+              </a:ext>
+            </a:extLst>
+          </p:cNvPr>
+          <p:cNvSpPr>
+            <a:spLocks noGrp="1"/>
+          </p:cNvSpPr>
+          <p:nvPr>
+            <p:ph type="title"/>
+          </p:nvPr>
+        </p:nvSpPr>
+        <p:spPr/>
+        <p:txBody>
+          <a:bodyPr>
+            <a:normAutofit fontScale="90000"/>
+          </a:bodyPr>
+          <a:lstStyle/>
+          <a:p>
+            <a:r>
+              <a:rPr lang="de-DE" dirty="0"/>
+              <a:t>Primer </a:t>
+            </a:r>
+            <a:r>
+              <a:rPr lang="de-DE" dirty="0" err="1"/>
+              <a:t>proyecto</a:t>
+            </a:r>
+            <a:r>
+              <a:rPr lang="de-DE" dirty="0"/>
+              <a:t>: </a:t>
+            </a:r>
+            <a:br>
+              <a:rPr lang="de-DE" dirty="0"/>
+            </a:br>
+            <a:r>
+              <a:rPr lang="de-DE" dirty="0" err="1"/>
+              <a:t>Proceso</a:t>
+            </a:r>
+            <a:r>
+              <a:rPr lang="de-DE" dirty="0"/>
+              <a:t> de </a:t>
+            </a:r>
+            <a:r>
+              <a:rPr lang="de-DE" dirty="0" err="1"/>
+              <a:t>desarrollo</a:t>
+            </a:r>
+            <a:r>
+              <a:rPr lang="de-DE" dirty="0"/>
+              <a:t> </a:t>
+            </a:r>
+            <a:r>
+              <a:rPr lang="de-DE" dirty="0" err="1"/>
+              <a:t>completo</a:t>
+            </a:r>
+            <a:endParaRPr lang="de-DE" dirty="0"/>
+          </a:p>
+        </p:txBody>
+      </p:sp>
+      <p:sp>
+        <p:nvSpPr>
+          <p:cNvPr id="3" name="Inhaltsplatzhalter 2">
+            <a:extLst>
+              <a:ext uri="{FF2B5EF4-FFF2-40B4-BE49-F238E27FC236}">
+                <a16:creationId xmlns:a16="http://schemas.microsoft.com/office/drawing/2014/main" id="{7F1FDFB0-D952-4E0F-94FA-D47BF67ED655}"/>
+              </a:ext>
+            </a:extLst>
+          </p:cNvPr>
+          <p:cNvSpPr>
+            <a:spLocks noGrp="1"/>
+          </p:cNvSpPr>
+          <p:nvPr>
+            <p:ph idx="1"/>
+          </p:nvPr>
+        </p:nvSpPr>
+        <p:spPr/>
+        <p:txBody>
+          <a:bodyPr/>
+          <a:lstStyle/>
+          <a:p>
+            <a:pPr marL="0" indent="0" algn="just">
+              <a:buNone/>
+            </a:pPr>
+            <a:endParaRPr lang="de-DE" dirty="0"/>
+          </a:p>
+          <a:p>
+            <a:pPr algn="just"/>
+            <a:r>
+              <a:rPr lang="de-DE" dirty="0"/>
+              <a:t>El </a:t>
+            </a:r>
+            <a:r>
+              <a:rPr lang="de-DE" dirty="0" err="1"/>
+              <a:t>objetivo</a:t>
+            </a:r>
+            <a:r>
+              <a:rPr lang="de-DE" dirty="0"/>
+              <a:t> de </a:t>
+            </a:r>
+            <a:r>
+              <a:rPr lang="de-DE" dirty="0" err="1"/>
+              <a:t>este</a:t>
+            </a:r>
+            <a:r>
+              <a:rPr lang="de-DE" dirty="0"/>
+              <a:t> </a:t>
+            </a:r>
+            <a:r>
+              <a:rPr lang="de-DE" dirty="0" err="1"/>
+              <a:t>ejercicio</a:t>
+            </a:r>
+            <a:r>
+              <a:rPr lang="de-DE" dirty="0"/>
+              <a:t> es </a:t>
+            </a:r>
+            <a:r>
+              <a:rPr lang="de-DE" dirty="0" err="1"/>
+              <a:t>pasar</a:t>
+            </a:r>
+            <a:r>
+              <a:rPr lang="de-DE" dirty="0"/>
+              <a:t> </a:t>
+            </a:r>
+            <a:r>
+              <a:rPr lang="de-DE" dirty="0" err="1"/>
+              <a:t>por</a:t>
+            </a:r>
+            <a:r>
+              <a:rPr lang="de-DE" dirty="0"/>
+              <a:t> </a:t>
+            </a:r>
+            <a:r>
+              <a:rPr lang="de-DE" dirty="0" err="1"/>
+              <a:t>todas</a:t>
+            </a:r>
+            <a:r>
+              <a:rPr lang="de-DE" dirty="0"/>
+              <a:t> las </a:t>
+            </a:r>
+            <a:r>
+              <a:rPr lang="de-DE" dirty="0" err="1"/>
+              <a:t>fases</a:t>
+            </a:r>
+            <a:r>
+              <a:rPr lang="de-DE" dirty="0"/>
+              <a:t> del </a:t>
+            </a:r>
+            <a:r>
+              <a:rPr lang="de-DE" dirty="0" err="1"/>
+              <a:t>desarrollo</a:t>
+            </a:r>
+            <a:r>
+              <a:rPr lang="de-DE" dirty="0"/>
+              <a:t> de </a:t>
+            </a:r>
+            <a:r>
+              <a:rPr lang="de-DE" dirty="0" err="1"/>
+              <a:t>una</a:t>
+            </a:r>
+            <a:r>
+              <a:rPr lang="de-DE" dirty="0"/>
+              <a:t> </a:t>
+            </a:r>
+            <a:r>
+              <a:rPr lang="de-DE" dirty="0" err="1"/>
+              <a:t>aplicación</a:t>
+            </a:r>
+            <a:r>
+              <a:rPr lang="de-DE" dirty="0"/>
+              <a:t> web </a:t>
+            </a:r>
+            <a:r>
+              <a:rPr lang="de-DE" dirty="0" err="1"/>
+              <a:t>para</a:t>
+            </a:r>
+            <a:r>
+              <a:rPr lang="de-DE" dirty="0"/>
+              <a:t> </a:t>
+            </a:r>
+            <a:r>
+              <a:rPr lang="de-DE" dirty="0" err="1"/>
+              <a:t>familiarizarse</a:t>
+            </a:r>
+            <a:r>
+              <a:rPr lang="de-DE" dirty="0"/>
+              <a:t> </a:t>
+            </a:r>
+            <a:r>
+              <a:rPr lang="de-DE" dirty="0" err="1"/>
+              <a:t>con</a:t>
+            </a:r>
+            <a:r>
+              <a:rPr lang="de-DE" dirty="0"/>
+              <a:t> </a:t>
+            </a:r>
+            <a:r>
+              <a:rPr lang="de-DE" dirty="0" err="1"/>
+              <a:t>todas</a:t>
+            </a:r>
+            <a:r>
+              <a:rPr lang="de-DE" dirty="0"/>
+              <a:t> las </a:t>
+            </a:r>
+            <a:r>
+              <a:rPr lang="de-DE" dirty="0" err="1"/>
+              <a:t>tecnologías</a:t>
+            </a:r>
+            <a:r>
+              <a:rPr lang="de-DE" dirty="0"/>
+              <a:t> </a:t>
+            </a:r>
+            <a:r>
+              <a:rPr lang="de-DE" dirty="0" err="1"/>
+              <a:t>que</a:t>
+            </a:r>
+            <a:r>
+              <a:rPr lang="de-DE" dirty="0"/>
+              <a:t> se </a:t>
+            </a:r>
+            <a:r>
+              <a:rPr lang="de-DE" dirty="0" err="1"/>
+              <a:t>encuentran</a:t>
+            </a:r>
+            <a:r>
+              <a:rPr lang="de-DE" dirty="0"/>
+              <a:t> en </a:t>
+            </a:r>
+            <a:r>
+              <a:rPr lang="de-DE" dirty="0" err="1"/>
+              <a:t>este</a:t>
+            </a:r>
+            <a:r>
+              <a:rPr lang="de-DE" dirty="0"/>
+              <a:t> </a:t>
+            </a:r>
+            <a:r>
+              <a:rPr lang="de-DE" dirty="0" err="1"/>
+              <a:t>dentro</a:t>
+            </a:r>
+            <a:r>
+              <a:rPr lang="de-DE" dirty="0"/>
+              <a:t> de </a:t>
+            </a:r>
+            <a:r>
+              <a:rPr lang="de-DE" dirty="0" err="1"/>
+              <a:t>una</a:t>
+            </a:r>
+            <a:r>
+              <a:rPr lang="de-DE" dirty="0"/>
+              <a:t> </a:t>
+            </a:r>
+            <a:r>
+              <a:rPr lang="de-DE" dirty="0" err="1"/>
+              <a:t>empresa</a:t>
+            </a:r>
+            <a:r>
+              <a:rPr lang="de-DE" dirty="0"/>
+              <a:t>.</a:t>
+            </a:r>
+          </a:p>
+          <a:p>
+            <a:pPr algn="just"/>
+            <a:r>
+              <a:rPr lang="de-DE" dirty="0"/>
+              <a:t>La </a:t>
+            </a:r>
+            <a:r>
+              <a:rPr lang="de-DE" dirty="0" err="1"/>
+              <a:t>temática</a:t>
+            </a:r>
+            <a:r>
+              <a:rPr lang="de-DE" dirty="0"/>
+              <a:t> de la </a:t>
+            </a:r>
+            <a:r>
+              <a:rPr lang="de-DE" dirty="0" err="1"/>
+              <a:t>aplicación</a:t>
+            </a:r>
+            <a:r>
+              <a:rPr lang="de-DE" dirty="0"/>
+              <a:t> a </a:t>
+            </a:r>
+            <a:r>
+              <a:rPr lang="de-DE" dirty="0" err="1"/>
+              <a:t>realizar</a:t>
+            </a:r>
+            <a:r>
+              <a:rPr lang="de-DE" dirty="0"/>
+              <a:t> </a:t>
+            </a:r>
+            <a:r>
+              <a:rPr lang="de-DE" dirty="0" err="1"/>
+              <a:t>será</a:t>
+            </a:r>
+            <a:r>
+              <a:rPr lang="de-DE" dirty="0"/>
+              <a:t> </a:t>
+            </a:r>
+            <a:r>
+              <a:rPr lang="de-DE" dirty="0" err="1"/>
+              <a:t>una</a:t>
+            </a:r>
+            <a:r>
+              <a:rPr lang="de-DE" dirty="0"/>
+              <a:t> </a:t>
+            </a:r>
+            <a:r>
+              <a:rPr lang="de-DE" dirty="0" err="1"/>
+              <a:t>página</a:t>
+            </a:r>
+            <a:r>
+              <a:rPr lang="de-DE" dirty="0"/>
+              <a:t> </a:t>
+            </a:r>
+            <a:r>
+              <a:rPr lang="de-DE" dirty="0" err="1"/>
+              <a:t>con</a:t>
+            </a:r>
+            <a:r>
+              <a:rPr lang="de-DE" dirty="0"/>
+              <a:t> </a:t>
+            </a:r>
+            <a:r>
+              <a:rPr lang="de-DE" dirty="0" err="1"/>
+              <a:t>autentificación</a:t>
+            </a:r>
+            <a:r>
+              <a:rPr lang="de-DE" dirty="0"/>
+              <a:t> </a:t>
+            </a:r>
+            <a:r>
+              <a:rPr lang="de-DE" dirty="0" err="1"/>
+              <a:t>que</a:t>
+            </a:r>
+            <a:r>
+              <a:rPr lang="de-DE" dirty="0"/>
+              <a:t> </a:t>
+            </a:r>
+            <a:r>
+              <a:rPr lang="de-DE" dirty="0" err="1"/>
+              <a:t>consulte</a:t>
+            </a:r>
+            <a:r>
+              <a:rPr lang="de-DE" dirty="0"/>
+              <a:t> </a:t>
+            </a:r>
+            <a:r>
+              <a:rPr lang="de-DE" dirty="0" err="1"/>
+              <a:t>una</a:t>
+            </a:r>
+            <a:r>
+              <a:rPr lang="de-DE" dirty="0"/>
+              <a:t> </a:t>
+            </a:r>
+            <a:r>
+              <a:rPr lang="de-DE" dirty="0" err="1"/>
+              <a:t>base</a:t>
+            </a:r>
+            <a:r>
+              <a:rPr lang="de-DE" dirty="0"/>
+              <a:t> de </a:t>
+            </a:r>
+            <a:r>
+              <a:rPr lang="de-DE" dirty="0" err="1"/>
+              <a:t>datos</a:t>
+            </a:r>
+            <a:r>
+              <a:rPr lang="de-DE" dirty="0"/>
+              <a:t> </a:t>
+            </a:r>
+            <a:r>
+              <a:rPr lang="de-DE" dirty="0" err="1"/>
+              <a:t>sobre</a:t>
+            </a:r>
+            <a:r>
+              <a:rPr lang="de-DE" dirty="0"/>
+              <a:t> </a:t>
+            </a:r>
+            <a:r>
+              <a:rPr lang="de-DE" dirty="0" err="1"/>
+              <a:t>vehiculos</a:t>
+            </a:r>
+            <a:r>
+              <a:rPr lang="de-DE" dirty="0"/>
+              <a:t> de </a:t>
+            </a:r>
+            <a:r>
+              <a:rPr lang="de-DE" dirty="0" err="1"/>
+              <a:t>usuarios</a:t>
+            </a:r>
+            <a:r>
+              <a:rPr lang="de-DE" dirty="0"/>
+              <a:t> </a:t>
+            </a:r>
+            <a:r>
+              <a:rPr lang="de-DE" dirty="0" err="1"/>
+              <a:t>registrados</a:t>
+            </a:r>
+            <a:r>
+              <a:rPr lang="de-DE" dirty="0"/>
+              <a:t>. </a:t>
+            </a:r>
+          </a:p>
+          <a:p>
+            <a:pPr algn="just"/>
+            <a:r>
+              <a:rPr lang="de-DE" dirty="0"/>
+              <a:t>Se </a:t>
+            </a:r>
+            <a:r>
+              <a:rPr lang="de-DE" dirty="0" err="1"/>
+              <a:t>tendrá</a:t>
+            </a:r>
+            <a:r>
+              <a:rPr lang="de-DE" dirty="0"/>
+              <a:t> en </a:t>
+            </a:r>
+            <a:r>
+              <a:rPr lang="de-DE" dirty="0" err="1"/>
+              <a:t>cuenta</a:t>
+            </a:r>
+            <a:r>
+              <a:rPr lang="de-DE" dirty="0"/>
+              <a:t> dos </a:t>
+            </a:r>
+            <a:r>
+              <a:rPr lang="de-DE" dirty="0" err="1"/>
+              <a:t>vistas</a:t>
+            </a:r>
+            <a:r>
+              <a:rPr lang="de-DE" dirty="0"/>
+              <a:t>: </a:t>
+            </a:r>
+          </a:p>
+          <a:p>
+            <a:pPr lvl="1" algn="just"/>
+            <a:r>
+              <a:rPr lang="de-DE" dirty="0" err="1"/>
+              <a:t>Usuario</a:t>
+            </a:r>
+            <a:r>
+              <a:rPr lang="de-DE" dirty="0"/>
+              <a:t> </a:t>
+            </a:r>
+            <a:r>
+              <a:rPr lang="de-DE" dirty="0" err="1"/>
+              <a:t>común</a:t>
+            </a:r>
+            <a:r>
+              <a:rPr lang="de-DE" dirty="0"/>
+              <a:t>.</a:t>
+            </a:r>
+          </a:p>
+          <a:p>
+            <a:pPr lvl="1" algn="just"/>
+            <a:r>
+              <a:rPr lang="de-DE" dirty="0" err="1"/>
+              <a:t>Usuario</a:t>
+            </a:r>
+            <a:r>
+              <a:rPr lang="de-DE" dirty="0"/>
+              <a:t> </a:t>
+            </a:r>
+            <a:r>
+              <a:rPr lang="de-DE" dirty="0" err="1"/>
+              <a:t>administrador</a:t>
+            </a:r>
+            <a:r>
+              <a:rPr lang="de-DE" dirty="0"/>
+              <a:t>.</a:t>
+            </a:r>
+          </a:p>
+        </p:txBody>
+      </p:sp>
+      <p:pic>
+        <p:nvPicPr>
+          <p:cNvPr id="2050" name="Picture 2" descr="Universidad de La Laguna (ULL) – 9º Encuentro BID">
+            <a:extLst>
+              <a:ext uri="{FF2B5EF4-FFF2-40B4-BE49-F238E27FC236}">
+                <a16:creationId xmlns:a16="http://schemas.microsoft.com/office/drawing/2014/main" id="{882940A1-F76E-46F8-8D6F-3B268F96020C}"/>
+              </a:ext>
+            </a:extLst>
+          </p:cNvPr>
+          <p:cNvPicPr>
+            <a:picLocks noChangeAspect="1" noChangeArrowheads="1"/>
+          </p:cNvPicPr>
+          <p:nvPr/>
+        </p:nvPicPr>
+        <p:blipFill>
+          <a:blip r:embed="rId2">
+            <a:extLst>
+              <a:ext uri="{28A0092B-C50C-407E-A947-70E740481C1C}">
+                <a14:useLocalDpi xmlns:a14="http://schemas.microsoft.com/office/drawing/2010/main" val="0"/>
+              </a:ext>
+            </a:extLst>
+          </a:blip>
+          <a:srcRect/>
+          <a:stretch>
+            <a:fillRect/>
+          </a:stretch>
+        </p:blipFill>
+        <p:spPr bwMode="auto">
+          <a:xfrm>
+            <a:off x="8621351" y="295682"/>
+            <a:ext cx="1828935" cy="438250"/>
+          </a:xfrm>
+          <a:prstGeom prst="rect">
+            <a:avLst/>
+          </a:prstGeom>
+          <a:noFill/>
+          <a:extLst>
+            <a:ext uri="{909E8E84-426E-40DD-AFC4-6F175D3DCCD1}">
+              <a14:hiddenFill xmlns:a14="http://schemas.microsoft.com/office/drawing/2010/main">
+                <a:solidFill>
+                  <a:srgbClr val="FFFFFF"/>
+                </a:solidFill>
+              </a14:hiddenFill>
+            </a:ext>
+          </a:extLst>
+        </p:spPr>
+      </p:pic>
+    </p:spTree>
+    <p:extLst>
+      <p:ext uri="{BB962C8B-B14F-4D97-AF65-F5344CB8AC3E}">
+        <p14:creationId xmlns:p14="http://schemas.microsoft.com/office/powerpoint/2010/main" val="1982375980"/>
+      </p:ext>
+    </p:extLst>
+  </p:cSld>
+  <p:clrMapOvr>
+    <a:masterClrMapping/>
+  </p:clrMapOvr>
+</p:sld>
+</file>
+
+<file path=ppt/slides/slide4.xml><?xml version="1.0" encoding="utf-8"?>
 <p:sld xmlns:a="http://schemas.openxmlformats.org/drawingml/2006/main" xmlns:r="http://schemas.openxmlformats.org/officeDocument/2006/relationships" xmlns:p="http://schemas.openxmlformats.org/presentationml/2006/main">
   <p:cSld>
     <p:spTree>
@@ -7503,6 +7647,57 @@
 </file>
 
 <file path=customXml/item1.xml><?xml version="1.0" encoding="utf-8"?>
+<p:properties xmlns:p="http://schemas.microsoft.com/office/2006/metadata/properties" xmlns:xsi="http://www.w3.org/2001/XMLSchema-instance" xmlns:pc="http://schemas.microsoft.com/office/infopath/2007/PartnerControls">
+  <documentManagement>
+    <TaxCatchAll xmlns="6dedcb10-c833-433a-ac85-a71007a78acc">
+      <Value>4</Value>
+      <Value>10</Value>
+      <Value>2</Value>
+      <Value>3</Value>
+    </TaxCatchAll>
+    <Abstract xmlns="51e2b858-bf58-46a2-91b2-3dafa82a619b" xsi:nil="true"/>
+    <neda87fc916d4e679a7e41b9a8103b08 xmlns="51e2b858-bf58-46a2-91b2-3dafa82a619b">
+      <Terms xmlns="http://schemas.microsoft.com/office/infopath/2007/PartnerControls">
+        <TermInfo xmlns="http://schemas.microsoft.com/office/infopath/2007/PartnerControls">
+          <TermName xmlns="http://schemas.microsoft.com/office/infopath/2007/PartnerControls">C - valid</TermName>
+          <TermId xmlns="http://schemas.microsoft.com/office/infopath/2007/PartnerControls">0c95109a-f409-44c4-ba27-12fbc6f76f24</TermId>
+        </TermInfo>
+      </Terms>
+    </neda87fc916d4e679a7e41b9a8103b08>
+    <j1058322525a448cbab87226107f51c4 xmlns="51e2b858-bf58-46a2-91b2-3dafa82a619b">
+      <Terms xmlns="http://schemas.microsoft.com/office/infopath/2007/PartnerControls">
+        <TermInfo xmlns="http://schemas.microsoft.com/office/infopath/2007/PartnerControls">
+          <TermName xmlns="http://schemas.microsoft.com/office/infopath/2007/PartnerControls">Documentation</TermName>
+          <TermId xmlns="http://schemas.microsoft.com/office/infopath/2007/PartnerControls">4374477c-d144-4e1f-bf15-77ba8dc2d6ee</TermId>
+        </TermInfo>
+      </Terms>
+    </j1058322525a448cbab87226107f51c4>
+    <fad0ae6618ec41d8bed90675241c3993 xmlns="51e2b858-bf58-46a2-91b2-3dafa82a619b">
+      <Terms xmlns="http://schemas.microsoft.com/office/infopath/2007/PartnerControls">
+        <TermInfo xmlns="http://schemas.microsoft.com/office/infopath/2007/PartnerControls">
+          <TermName xmlns="http://schemas.microsoft.com/office/infopath/2007/PartnerControls">A - internal</TermName>
+          <TermId xmlns="http://schemas.microsoft.com/office/infopath/2007/PartnerControls">b9f71f92-fb46-4487-9019-025349c14948</TermId>
+        </TermInfo>
+      </Terms>
+    </fad0ae6618ec41d8bed90675241c3993>
+    <ba46f578df2f4cc59a79294d268b0c87 xmlns="51e2b858-bf58-46a2-91b2-3dafa82a619b">
+      <Terms xmlns="http://schemas.microsoft.com/office/infopath/2007/PartnerControls">
+        <TermInfo xmlns="http://schemas.microsoft.com/office/infopath/2007/PartnerControls">
+          <TermName xmlns="http://schemas.microsoft.com/office/infopath/2007/PartnerControls">No solution</TermName>
+          <TermId xmlns="http://schemas.microsoft.com/office/infopath/2007/PartnerControls">227ba552-7fd7-40d5-abf3-76f160b7a704</TermId>
+        </TermInfo>
+      </Terms>
+    </ba46f578df2f4cc59a79294d268b0c87>
+    <_dlc_DocId xmlns="6dedcb10-c833-433a-ac85-a71007a78acc">KJNT26DDK5R3-2073477213-2081</_dlc_DocId>
+    <_dlc_DocIdUrl xmlns="6dedcb10-c833-433a-ac85-a71007a78acc">
+      <Url>https://tecalliance.sharepoint.com/sites/TA_Templates/_layouts/15/DocIdRedir.aspx?ID=KJNT26DDK5R3-2073477213-2081</Url>
+      <Description>KJNT26DDK5R3-2073477213-2081</Description>
+    </_dlc_DocIdUrl>
+  </documentManagement>
+</p:properties>
+</file>
+
+<file path=customXml/item2.xml><?xml version="1.0" encoding="utf-8"?>
 <ct:contentTypeSchema xmlns:ct="http://schemas.microsoft.com/office/2006/metadata/contentType" xmlns:ma="http://schemas.microsoft.com/office/2006/metadata/properties/metaAttributes" ct:_="" ma:_="" ma:contentTypeName="Document" ma:contentTypeID="0x010100CCD2CB7645A6664EBA7D2C1B319298D9" ma:contentTypeVersion="20" ma:contentTypeDescription="Create a new document." ma:contentTypeScope="" ma:versionID="1b89333854ece0126e4211b82251641e">
   <xsd:schema xmlns:xsd="http://www.w3.org/2001/XMLSchema" xmlns:xs="http://www.w3.org/2001/XMLSchema" xmlns:p="http://schemas.microsoft.com/office/2006/metadata/properties" xmlns:ns2="6dedcb10-c833-433a-ac85-a71007a78acc" xmlns:ns3="51e2b858-bf58-46a2-91b2-3dafa82a619b" targetNamespace="http://schemas.microsoft.com/office/2006/metadata/properties" ma:root="true" ma:fieldsID="ff5f21df02492c208f9b75ad1252c953" ns2:_="" ns3:_="">
     <xsd:import namespace="6dedcb10-c833-433a-ac85-a71007a78acc"/>
@@ -7782,67 +7977,7 @@
 </ct:contentTypeSchema>
 </file>
 
-<file path=customXml/item2.xml><?xml version="1.0" encoding="utf-8"?>
-<p:properties xmlns:p="http://schemas.microsoft.com/office/2006/metadata/properties" xmlns:xsi="http://www.w3.org/2001/XMLSchema-instance" xmlns:pc="http://schemas.microsoft.com/office/infopath/2007/PartnerControls">
-  <documentManagement>
-    <TaxCatchAll xmlns="6dedcb10-c833-433a-ac85-a71007a78acc">
-      <Value>4</Value>
-      <Value>10</Value>
-      <Value>2</Value>
-      <Value>3</Value>
-    </TaxCatchAll>
-    <Abstract xmlns="51e2b858-bf58-46a2-91b2-3dafa82a619b" xsi:nil="true"/>
-    <neda87fc916d4e679a7e41b9a8103b08 xmlns="51e2b858-bf58-46a2-91b2-3dafa82a619b">
-      <Terms xmlns="http://schemas.microsoft.com/office/infopath/2007/PartnerControls">
-        <TermInfo xmlns="http://schemas.microsoft.com/office/infopath/2007/PartnerControls">
-          <TermName xmlns="http://schemas.microsoft.com/office/infopath/2007/PartnerControls">C - valid</TermName>
-          <TermId xmlns="http://schemas.microsoft.com/office/infopath/2007/PartnerControls">0c95109a-f409-44c4-ba27-12fbc6f76f24</TermId>
-        </TermInfo>
-      </Terms>
-    </neda87fc916d4e679a7e41b9a8103b08>
-    <j1058322525a448cbab87226107f51c4 xmlns="51e2b858-bf58-46a2-91b2-3dafa82a619b">
-      <Terms xmlns="http://schemas.microsoft.com/office/infopath/2007/PartnerControls">
-        <TermInfo xmlns="http://schemas.microsoft.com/office/infopath/2007/PartnerControls">
-          <TermName xmlns="http://schemas.microsoft.com/office/infopath/2007/PartnerControls">Documentation</TermName>
-          <TermId xmlns="http://schemas.microsoft.com/office/infopath/2007/PartnerControls">4374477c-d144-4e1f-bf15-77ba8dc2d6ee</TermId>
-        </TermInfo>
-      </Terms>
-    </j1058322525a448cbab87226107f51c4>
-    <fad0ae6618ec41d8bed90675241c3993 xmlns="51e2b858-bf58-46a2-91b2-3dafa82a619b">
-      <Terms xmlns="http://schemas.microsoft.com/office/infopath/2007/PartnerControls">
-        <TermInfo xmlns="http://schemas.microsoft.com/office/infopath/2007/PartnerControls">
-          <TermName xmlns="http://schemas.microsoft.com/office/infopath/2007/PartnerControls">A - internal</TermName>
-          <TermId xmlns="http://schemas.microsoft.com/office/infopath/2007/PartnerControls">b9f71f92-fb46-4487-9019-025349c14948</TermId>
-        </TermInfo>
-      </Terms>
-    </fad0ae6618ec41d8bed90675241c3993>
-    <ba46f578df2f4cc59a79294d268b0c87 xmlns="51e2b858-bf58-46a2-91b2-3dafa82a619b">
-      <Terms xmlns="http://schemas.microsoft.com/office/infopath/2007/PartnerControls">
-        <TermInfo xmlns="http://schemas.microsoft.com/office/infopath/2007/PartnerControls">
-          <TermName xmlns="http://schemas.microsoft.com/office/infopath/2007/PartnerControls">No solution</TermName>
-          <TermId xmlns="http://schemas.microsoft.com/office/infopath/2007/PartnerControls">227ba552-7fd7-40d5-abf3-76f160b7a704</TermId>
-        </TermInfo>
-      </Terms>
-    </ba46f578df2f4cc59a79294d268b0c87>
-    <_dlc_DocId xmlns="6dedcb10-c833-433a-ac85-a71007a78acc">KJNT26DDK5R3-2073477213-2081</_dlc_DocId>
-    <_dlc_DocIdUrl xmlns="6dedcb10-c833-433a-ac85-a71007a78acc">
-      <Url>https://tecalliance.sharepoint.com/sites/TA_Templates/_layouts/15/DocIdRedir.aspx?ID=KJNT26DDK5R3-2073477213-2081</Url>
-      <Description>KJNT26DDK5R3-2073477213-2081</Description>
-    </_dlc_DocIdUrl>
-  </documentManagement>
-</p:properties>
-</file>
-
 <file path=customXml/item3.xml><?xml version="1.0" encoding="utf-8"?>
-<?mso-contentType ?>
-<FormTemplates xmlns="http://schemas.microsoft.com/sharepoint/v3/contenttype/forms">
-  <Display>DocumentLibraryForm</Display>
-  <Edit>DocumentLibraryForm</Edit>
-  <New>DocumentLibraryForm</New>
-</FormTemplates>
-</file>
-
-<file path=customXml/item4.xml><?xml version="1.0" encoding="utf-8"?>
 <?mso-contentType ?>
 <spe:Receivers xmlns:spe="http://schemas.microsoft.com/sharepoint/events">
   <Receiver>
@@ -7892,7 +8027,35 @@
 </spe:Receivers>
 </file>
 
+<file path=customXml/item4.xml><?xml version="1.0" encoding="utf-8"?>
+<?mso-contentType ?>
+<FormTemplates xmlns="http://schemas.microsoft.com/sharepoint/v3/contenttype/forms">
+  <Display>DocumentLibraryForm</Display>
+  <Edit>DocumentLibraryForm</Edit>
+  <New>DocumentLibraryForm</New>
+</FormTemplates>
+</file>
+
 <file path=customXml/itemProps1.xml><?xml version="1.0" encoding="utf-8"?>
+<ds:datastoreItem xmlns:ds="http://schemas.openxmlformats.org/officeDocument/2006/customXml" ds:itemID="{7949718B-A5E5-46E7-AFC7-B9ECBEAA9285}">
+  <ds:schemaRefs>
+    <ds:schemaRef ds:uri="http://schemas.microsoft.com/office/2006/metadata/properties"/>
+    <ds:schemaRef ds:uri="395926fc-aba2-4e43-93d3-293d49ac187c"/>
+    <ds:schemaRef ds:uri="http://schemas.microsoft.com/office/2006/documentManagement/types"/>
+    <ds:schemaRef ds:uri="http://purl.org/dc/elements/1.1/"/>
+    <ds:schemaRef ds:uri="http://purl.org/dc/terms/"/>
+    <ds:schemaRef ds:uri="http://purl.org/dc/dcmitype/"/>
+    <ds:schemaRef ds:uri="http://www.w3.org/XML/1998/namespace"/>
+    <ds:schemaRef ds:uri="http://schemas.microsoft.com/office/infopath/2007/PartnerControls"/>
+    <ds:schemaRef ds:uri="http://schemas.openxmlformats.org/package/2006/metadata/core-properties"/>
+    <ds:schemaRef ds:uri="8abda921-aac1-49ce-9133-db7eff363c36"/>
+    <ds:schemaRef ds:uri="6dedcb10-c833-433a-ac85-a71007a78acc"/>
+    <ds:schemaRef ds:uri="51e2b858-bf58-46a2-91b2-3dafa82a619b"/>
+  </ds:schemaRefs>
+</ds:datastoreItem>
+</file>
+
+<file path=customXml/itemProps2.xml><?xml version="1.0" encoding="utf-8"?>
 <ds:datastoreItem xmlns:ds="http://schemas.openxmlformats.org/officeDocument/2006/customXml" ds:itemID="{DB98A7B3-6CBB-482F-883D-79C2A86A89A9}">
   <ds:schemaRefs>
     <ds:schemaRef ds:uri="http://schemas.microsoft.com/office/2006/metadata/contentType"/>
@@ -7911,37 +8074,18 @@
 </ds:datastoreItem>
 </file>
 
-<file path=customXml/itemProps2.xml><?xml version="1.0" encoding="utf-8"?>
-<ds:datastoreItem xmlns:ds="http://schemas.openxmlformats.org/officeDocument/2006/customXml" ds:itemID="{7949718B-A5E5-46E7-AFC7-B9ECBEAA9285}">
+<file path=customXml/itemProps3.xml><?xml version="1.0" encoding="utf-8"?>
+<ds:datastoreItem xmlns:ds="http://schemas.openxmlformats.org/officeDocument/2006/customXml" ds:itemID="{C2D3F007-E527-40F2-825C-916613B331EC}">
   <ds:schemaRefs>
-    <ds:schemaRef ds:uri="http://schemas.microsoft.com/office/2006/metadata/properties"/>
-    <ds:schemaRef ds:uri="395926fc-aba2-4e43-93d3-293d49ac187c"/>
-    <ds:schemaRef ds:uri="http://schemas.microsoft.com/office/2006/documentManagement/types"/>
-    <ds:schemaRef ds:uri="http://purl.org/dc/elements/1.1/"/>
-    <ds:schemaRef ds:uri="http://purl.org/dc/terms/"/>
-    <ds:schemaRef ds:uri="http://purl.org/dc/dcmitype/"/>
-    <ds:schemaRef ds:uri="http://www.w3.org/XML/1998/namespace"/>
-    <ds:schemaRef ds:uri="http://schemas.microsoft.com/office/infopath/2007/PartnerControls"/>
-    <ds:schemaRef ds:uri="http://schemas.openxmlformats.org/package/2006/metadata/core-properties"/>
-    <ds:schemaRef ds:uri="8abda921-aac1-49ce-9133-db7eff363c36"/>
-    <ds:schemaRef ds:uri="6dedcb10-c833-433a-ac85-a71007a78acc"/>
-    <ds:schemaRef ds:uri="51e2b858-bf58-46a2-91b2-3dafa82a619b"/>
+    <ds:schemaRef ds:uri="http://schemas.microsoft.com/sharepoint/events"/>
   </ds:schemaRefs>
 </ds:datastoreItem>
 </file>
 
-<file path=customXml/itemProps3.xml><?xml version="1.0" encoding="utf-8"?>
+<file path=customXml/itemProps4.xml><?xml version="1.0" encoding="utf-8"?>
 <ds:datastoreItem xmlns:ds="http://schemas.openxmlformats.org/officeDocument/2006/customXml" ds:itemID="{FA16A6F6-BA94-4BC1-82EC-740C029F7F2E}">
   <ds:schemaRefs>
     <ds:schemaRef ds:uri="http://schemas.microsoft.com/sharepoint/v3/contenttype/forms"/>
   </ds:schemaRefs>
 </ds:datastoreItem>
-</file>
-
-<file path=customXml/itemProps4.xml><?xml version="1.0" encoding="utf-8"?>
-<ds:datastoreItem xmlns:ds="http://schemas.openxmlformats.org/officeDocument/2006/customXml" ds:itemID="{C2D3F007-E527-40F2-825C-916613B331EC}">
-  <ds:schemaRefs>
-    <ds:schemaRef ds:uri="http://schemas.microsoft.com/sharepoint/events"/>
-  </ds:schemaRefs>
-</ds:datastoreItem>
 </file>
--- a/IniciacionDePracticasExternas.pptx
+++ b/IniciacionDePracticasExternas.pptx
@@ -5,13 +5,22 @@
     <p:sldMasterId id="2147483648" r:id="rId5"/>
   </p:sldMasterIdLst>
   <p:handoutMasterIdLst>
-    <p:handoutMasterId r:id="rId10"/>
+    <p:handoutMasterId r:id="rId19"/>
   </p:handoutMasterIdLst>
   <p:sldIdLst>
     <p:sldId id="256" r:id="rId6"/>
     <p:sldId id="261" r:id="rId7"/>
-    <p:sldId id="276" r:id="rId8"/>
-    <p:sldId id="274" r:id="rId9"/>
+    <p:sldId id="274" r:id="rId8"/>
+    <p:sldId id="278" r:id="rId9"/>
+    <p:sldId id="279" r:id="rId10"/>
+    <p:sldId id="280" r:id="rId11"/>
+    <p:sldId id="281" r:id="rId12"/>
+    <p:sldId id="285" r:id="rId13"/>
+    <p:sldId id="282" r:id="rId14"/>
+    <p:sldId id="283" r:id="rId15"/>
+    <p:sldId id="286" r:id="rId16"/>
+    <p:sldId id="284" r:id="rId17"/>
+    <p:sldId id="287" r:id="rId18"/>
   </p:sldIdLst>
   <p:sldSz cx="12192000" cy="6858000"/>
   <p:notesSz cx="6858000" cy="9144000"/>
@@ -5614,6 +5623,902 @@
 </p:sld>
 </file>
 
+<file path=ppt/slides/slide10.xml><?xml version="1.0" encoding="utf-8"?>
+<p:sld xmlns:a="http://schemas.openxmlformats.org/drawingml/2006/main" xmlns:r="http://schemas.openxmlformats.org/officeDocument/2006/relationships" xmlns:p="http://schemas.openxmlformats.org/presentationml/2006/main">
+  <p:cSld>
+    <p:spTree>
+      <p:nvGrpSpPr>
+        <p:cNvPr id="1" name=""/>
+        <p:cNvGrpSpPr/>
+        <p:nvPr/>
+      </p:nvGrpSpPr>
+      <p:grpSpPr>
+        <a:xfrm>
+          <a:off x="0" y="0"/>
+          <a:ext cx="0" cy="0"/>
+          <a:chOff x="0" y="0"/>
+          <a:chExt cx="0" cy="0"/>
+        </a:xfrm>
+      </p:grpSpPr>
+      <p:sp>
+        <p:nvSpPr>
+          <p:cNvPr id="2" name="Titel 1">
+            <a:extLst>
+              <a:ext uri="{FF2B5EF4-FFF2-40B4-BE49-F238E27FC236}">
+                <a16:creationId xmlns:a16="http://schemas.microsoft.com/office/drawing/2014/main" id="{577718E3-62E8-4D37-AEFF-2A611E32F1A9}"/>
+              </a:ext>
+            </a:extLst>
+          </p:cNvPr>
+          <p:cNvSpPr>
+            <a:spLocks noGrp="1"/>
+          </p:cNvSpPr>
+          <p:nvPr>
+            <p:ph type="title"/>
+          </p:nvPr>
+        </p:nvSpPr>
+        <p:spPr>
+          <a:xfrm>
+            <a:off x="358811" y="295682"/>
+            <a:ext cx="8139237" cy="474040"/>
+          </a:xfrm>
+        </p:spPr>
+        <p:txBody>
+          <a:bodyPr>
+            <a:normAutofit fontScale="90000"/>
+          </a:bodyPr>
+          <a:lstStyle/>
+          <a:p>
+            <a:r>
+              <a:rPr lang="es-ES" dirty="0"/>
+              <a:t>5- </a:t>
+            </a:r>
+            <a:r>
+              <a:rPr lang="en-GB" dirty="0" err="1"/>
+              <a:t>Dockerización</a:t>
+            </a:r>
+            <a:br>
+              <a:rPr lang="en-GB" dirty="0"/>
+            </a:br>
+            <a:br>
+              <a:rPr lang="en-GB" dirty="0"/>
+            </a:br>
+            <a:br>
+              <a:rPr lang="en-GB" dirty="0"/>
+            </a:br>
+            <a:endParaRPr lang="de-DE" dirty="0"/>
+          </a:p>
+        </p:txBody>
+      </p:sp>
+      <p:sp>
+        <p:nvSpPr>
+          <p:cNvPr id="3" name="Inhaltsplatzhalter 2">
+            <a:extLst>
+              <a:ext uri="{FF2B5EF4-FFF2-40B4-BE49-F238E27FC236}">
+                <a16:creationId xmlns:a16="http://schemas.microsoft.com/office/drawing/2014/main" id="{7F1FDFB0-D952-4E0F-94FA-D47BF67ED655}"/>
+              </a:ext>
+            </a:extLst>
+          </p:cNvPr>
+          <p:cNvSpPr>
+            <a:spLocks noGrp="1"/>
+          </p:cNvSpPr>
+          <p:nvPr>
+            <p:ph idx="1"/>
+          </p:nvPr>
+        </p:nvSpPr>
+        <p:spPr/>
+        <p:txBody>
+          <a:bodyPr/>
+          <a:lstStyle/>
+          <a:p>
+            <a:pPr algn="just"/>
+            <a:r>
+              <a:rPr lang="en-US" dirty="0" err="1"/>
+              <a:t>Usando</a:t>
+            </a:r>
+            <a:r>
+              <a:rPr lang="en-US" dirty="0"/>
+              <a:t> la </a:t>
+            </a:r>
+            <a:r>
+              <a:rPr lang="en-US" dirty="0" err="1"/>
+              <a:t>tecnología</a:t>
+            </a:r>
+            <a:r>
+              <a:rPr lang="en-US" dirty="0"/>
+              <a:t> de </a:t>
+            </a:r>
+            <a:r>
+              <a:rPr lang="en-US" dirty="0">
+                <a:hlinkClick r:id="rId2"/>
+              </a:rPr>
+              <a:t>Docker</a:t>
+            </a:r>
+            <a:r>
+              <a:rPr lang="en-US" dirty="0"/>
+              <a:t>, se </a:t>
+            </a:r>
+            <a:r>
+              <a:rPr lang="en-US" dirty="0" err="1"/>
+              <a:t>han</a:t>
+            </a:r>
+            <a:r>
+              <a:rPr lang="en-US" dirty="0"/>
+              <a:t> </a:t>
+            </a:r>
+            <a:r>
+              <a:rPr lang="en-US" dirty="0" err="1"/>
+              <a:t>dockerizado</a:t>
+            </a:r>
+            <a:r>
+              <a:rPr lang="en-US" dirty="0"/>
+              <a:t> </a:t>
+            </a:r>
+            <a:r>
+              <a:rPr lang="en-US" dirty="0" err="1"/>
+              <a:t>todos</a:t>
+            </a:r>
+            <a:r>
+              <a:rPr lang="en-US" dirty="0"/>
+              <a:t> los components de </a:t>
+            </a:r>
+            <a:r>
+              <a:rPr lang="en-US" dirty="0" err="1"/>
+              <a:t>nuestro</a:t>
+            </a:r>
+            <a:r>
+              <a:rPr lang="en-US" dirty="0"/>
+              <a:t> </a:t>
+            </a:r>
+            <a:r>
+              <a:rPr lang="en-US" dirty="0" err="1"/>
+              <a:t>entorno</a:t>
+            </a:r>
+            <a:r>
+              <a:rPr lang="en-US" dirty="0"/>
+              <a:t>.</a:t>
+            </a:r>
+          </a:p>
+          <a:p>
+            <a:pPr algn="just"/>
+            <a:r>
+              <a:rPr lang="en-US" dirty="0"/>
+              <a:t>Se ha </a:t>
+            </a:r>
+            <a:r>
+              <a:rPr lang="en-US" dirty="0" err="1"/>
+              <a:t>descargado</a:t>
+            </a:r>
+            <a:r>
+              <a:rPr lang="en-US" dirty="0"/>
+              <a:t> una imagen de SQL Server, de la </a:t>
+            </a:r>
+            <a:r>
+              <a:rPr lang="en-US" dirty="0" err="1"/>
+              <a:t>cual</a:t>
+            </a:r>
+            <a:r>
+              <a:rPr lang="en-US" dirty="0"/>
+              <a:t> se ha </a:t>
+            </a:r>
+            <a:r>
+              <a:rPr lang="en-US" dirty="0" err="1"/>
+              <a:t>instanciado</a:t>
+            </a:r>
+            <a:r>
+              <a:rPr lang="en-US" dirty="0"/>
+              <a:t> un </a:t>
+            </a:r>
+            <a:r>
+              <a:rPr lang="en-US" dirty="0" err="1"/>
+              <a:t>contenedor</a:t>
+            </a:r>
+            <a:r>
+              <a:rPr lang="en-US" dirty="0"/>
+              <a:t> de </a:t>
+            </a:r>
+            <a:r>
+              <a:rPr lang="en-US" dirty="0" err="1"/>
+              <a:t>prueba</a:t>
+            </a:r>
+            <a:r>
+              <a:rPr lang="en-US" dirty="0"/>
+              <a:t>. </a:t>
+            </a:r>
+          </a:p>
+          <a:p>
+            <a:pPr algn="just"/>
+            <a:r>
+              <a:rPr lang="en-US" dirty="0"/>
+              <a:t>Se ha </a:t>
+            </a:r>
+            <a:r>
+              <a:rPr lang="en-US" dirty="0" err="1"/>
+              <a:t>configurado</a:t>
+            </a:r>
+            <a:r>
+              <a:rPr lang="en-US" dirty="0"/>
+              <a:t> un </a:t>
+            </a:r>
+            <a:r>
+              <a:rPr lang="en-US" dirty="0" err="1">
+                <a:hlinkClick r:id="rId3"/>
+              </a:rPr>
+              <a:t>Dockerfile</a:t>
+            </a:r>
+            <a:r>
+              <a:rPr lang="en-US" dirty="0"/>
+              <a:t> </a:t>
+            </a:r>
+            <a:r>
+              <a:rPr lang="en-US" dirty="0" err="1"/>
+              <a:t>en</a:t>
+            </a:r>
+            <a:r>
+              <a:rPr lang="en-US" dirty="0"/>
+              <a:t> </a:t>
+            </a:r>
+            <a:r>
+              <a:rPr lang="en-US" dirty="0" err="1"/>
+              <a:t>nuestro</a:t>
+            </a:r>
+            <a:r>
+              <a:rPr lang="en-US" dirty="0"/>
+              <a:t> </a:t>
+            </a:r>
+            <a:r>
+              <a:rPr lang="en-US" dirty="0" err="1"/>
+              <a:t>servicio</a:t>
+            </a:r>
+            <a:r>
+              <a:rPr lang="en-US" dirty="0"/>
+              <a:t> API y se ha </a:t>
+            </a:r>
+            <a:r>
+              <a:rPr lang="en-US" dirty="0" err="1"/>
+              <a:t>instanciado</a:t>
+            </a:r>
+            <a:r>
+              <a:rPr lang="en-US" dirty="0"/>
+              <a:t> un </a:t>
+            </a:r>
+            <a:r>
+              <a:rPr lang="en-US" dirty="0" err="1"/>
+              <a:t>contenedor</a:t>
+            </a:r>
+            <a:r>
+              <a:rPr lang="en-US" dirty="0"/>
+              <a:t> de </a:t>
+            </a:r>
+            <a:r>
+              <a:rPr lang="en-US" dirty="0" err="1"/>
+              <a:t>prueba</a:t>
+            </a:r>
+            <a:r>
+              <a:rPr lang="en-US" dirty="0"/>
+              <a:t>.</a:t>
+            </a:r>
+          </a:p>
+          <a:p>
+            <a:pPr algn="just"/>
+            <a:r>
+              <a:rPr lang="en-US" dirty="0"/>
+              <a:t>Se ha </a:t>
+            </a:r>
+            <a:r>
+              <a:rPr lang="en-US" dirty="0" err="1"/>
+              <a:t>configurado</a:t>
+            </a:r>
+            <a:r>
+              <a:rPr lang="en-US" dirty="0"/>
+              <a:t> una Private Virtual Network entre ambos </a:t>
+            </a:r>
+            <a:r>
+              <a:rPr lang="en-US" dirty="0" err="1"/>
+              <a:t>contenedores</a:t>
+            </a:r>
+            <a:r>
+              <a:rPr lang="en-US" dirty="0"/>
+              <a:t>.</a:t>
+            </a:r>
+          </a:p>
+          <a:p>
+            <a:pPr algn="just"/>
+            <a:endParaRPr lang="en-US" dirty="0"/>
+          </a:p>
+        </p:txBody>
+      </p:sp>
+      <p:pic>
+        <p:nvPicPr>
+          <p:cNvPr id="2050" name="Picture 2" descr="Universidad de La Laguna (ULL) – 9º Encuentro BID">
+            <a:extLst>
+              <a:ext uri="{FF2B5EF4-FFF2-40B4-BE49-F238E27FC236}">
+                <a16:creationId xmlns:a16="http://schemas.microsoft.com/office/drawing/2014/main" id="{882940A1-F76E-46F8-8D6F-3B268F96020C}"/>
+              </a:ext>
+            </a:extLst>
+          </p:cNvPr>
+          <p:cNvPicPr>
+            <a:picLocks noChangeAspect="1" noChangeArrowheads="1"/>
+          </p:cNvPicPr>
+          <p:nvPr/>
+        </p:nvPicPr>
+        <p:blipFill>
+          <a:blip r:embed="rId4">
+            <a:extLst>
+              <a:ext uri="{28A0092B-C50C-407E-A947-70E740481C1C}">
+                <a14:useLocalDpi xmlns:a14="http://schemas.microsoft.com/office/drawing/2010/main" val="0"/>
+              </a:ext>
+            </a:extLst>
+          </a:blip>
+          <a:srcRect/>
+          <a:stretch>
+            <a:fillRect/>
+          </a:stretch>
+        </p:blipFill>
+        <p:spPr bwMode="auto">
+          <a:xfrm>
+            <a:off x="8621351" y="295682"/>
+            <a:ext cx="1828935" cy="438250"/>
+          </a:xfrm>
+          <a:prstGeom prst="rect">
+            <a:avLst/>
+          </a:prstGeom>
+          <a:noFill/>
+          <a:extLst>
+            <a:ext uri="{909E8E84-426E-40DD-AFC4-6F175D3DCCD1}">
+              <a14:hiddenFill xmlns:a14="http://schemas.microsoft.com/office/drawing/2010/main">
+                <a:solidFill>
+                  <a:srgbClr val="FFFFFF"/>
+                </a:solidFill>
+              </a14:hiddenFill>
+            </a:ext>
+          </a:extLst>
+        </p:spPr>
+      </p:pic>
+    </p:spTree>
+    <p:extLst>
+      <p:ext uri="{BB962C8B-B14F-4D97-AF65-F5344CB8AC3E}">
+        <p14:creationId xmlns:p14="http://schemas.microsoft.com/office/powerpoint/2010/main" val="2236226617"/>
+      </p:ext>
+    </p:extLst>
+  </p:cSld>
+  <p:clrMapOvr>
+    <a:masterClrMapping/>
+  </p:clrMapOvr>
+</p:sld>
+</file>
+
+<file path=ppt/slides/slide11.xml><?xml version="1.0" encoding="utf-8"?>
+<p:sld xmlns:a="http://schemas.openxmlformats.org/drawingml/2006/main" xmlns:r="http://schemas.openxmlformats.org/officeDocument/2006/relationships" xmlns:p="http://schemas.openxmlformats.org/presentationml/2006/main">
+  <p:cSld>
+    <p:spTree>
+      <p:nvGrpSpPr>
+        <p:cNvPr id="1" name=""/>
+        <p:cNvGrpSpPr/>
+        <p:nvPr/>
+      </p:nvGrpSpPr>
+      <p:grpSpPr>
+        <a:xfrm>
+          <a:off x="0" y="0"/>
+          <a:ext cx="0" cy="0"/>
+          <a:chOff x="0" y="0"/>
+          <a:chExt cx="0" cy="0"/>
+        </a:xfrm>
+      </p:grpSpPr>
+      <p:sp>
+        <p:nvSpPr>
+          <p:cNvPr id="2" name="Titel 1">
+            <a:extLst>
+              <a:ext uri="{FF2B5EF4-FFF2-40B4-BE49-F238E27FC236}">
+                <a16:creationId xmlns:a16="http://schemas.microsoft.com/office/drawing/2014/main" id="{577718E3-62E8-4D37-AEFF-2A611E32F1A9}"/>
+              </a:ext>
+            </a:extLst>
+          </p:cNvPr>
+          <p:cNvSpPr>
+            <a:spLocks noGrp="1"/>
+          </p:cNvSpPr>
+          <p:nvPr>
+            <p:ph type="title"/>
+          </p:nvPr>
+        </p:nvSpPr>
+        <p:spPr>
+          <a:xfrm>
+            <a:off x="358811" y="295682"/>
+            <a:ext cx="8139237" cy="474040"/>
+          </a:xfrm>
+        </p:spPr>
+        <p:txBody>
+          <a:bodyPr>
+            <a:normAutofit fontScale="90000"/>
+          </a:bodyPr>
+          <a:lstStyle/>
+          <a:p>
+            <a:r>
+              <a:rPr lang="es-ES" dirty="0"/>
+              <a:t>5- </a:t>
+            </a:r>
+            <a:r>
+              <a:rPr lang="en-GB" dirty="0" err="1"/>
+              <a:t>Dockerización</a:t>
+            </a:r>
+            <a:br>
+              <a:rPr lang="en-GB" dirty="0"/>
+            </a:br>
+            <a:br>
+              <a:rPr lang="en-GB" dirty="0"/>
+            </a:br>
+            <a:br>
+              <a:rPr lang="en-GB" dirty="0"/>
+            </a:br>
+            <a:endParaRPr lang="de-DE" dirty="0"/>
+          </a:p>
+        </p:txBody>
+      </p:sp>
+      <p:pic>
+        <p:nvPicPr>
+          <p:cNvPr id="2050" name="Picture 2" descr="Universidad de La Laguna (ULL) – 9º Encuentro BID">
+            <a:extLst>
+              <a:ext uri="{FF2B5EF4-FFF2-40B4-BE49-F238E27FC236}">
+                <a16:creationId xmlns:a16="http://schemas.microsoft.com/office/drawing/2014/main" id="{882940A1-F76E-46F8-8D6F-3B268F96020C}"/>
+              </a:ext>
+            </a:extLst>
+          </p:cNvPr>
+          <p:cNvPicPr>
+            <a:picLocks noChangeAspect="1" noChangeArrowheads="1"/>
+          </p:cNvPicPr>
+          <p:nvPr/>
+        </p:nvPicPr>
+        <p:blipFill>
+          <a:blip r:embed="rId2">
+            <a:extLst>
+              <a:ext uri="{28A0092B-C50C-407E-A947-70E740481C1C}">
+                <a14:useLocalDpi xmlns:a14="http://schemas.microsoft.com/office/drawing/2010/main" val="0"/>
+              </a:ext>
+            </a:extLst>
+          </a:blip>
+          <a:srcRect/>
+          <a:stretch>
+            <a:fillRect/>
+          </a:stretch>
+        </p:blipFill>
+        <p:spPr bwMode="auto">
+          <a:xfrm>
+            <a:off x="8621351" y="295682"/>
+            <a:ext cx="1828935" cy="438250"/>
+          </a:xfrm>
+          <a:prstGeom prst="rect">
+            <a:avLst/>
+          </a:prstGeom>
+          <a:noFill/>
+          <a:extLst>
+            <a:ext uri="{909E8E84-426E-40DD-AFC4-6F175D3DCCD1}">
+              <a14:hiddenFill xmlns:a14="http://schemas.microsoft.com/office/drawing/2010/main">
+                <a:solidFill>
+                  <a:srgbClr val="FFFFFF"/>
+                </a:solidFill>
+              </a14:hiddenFill>
+            </a:ext>
+          </a:extLst>
+        </p:spPr>
+      </p:pic>
+      <p:pic>
+        <p:nvPicPr>
+          <p:cNvPr id="7" name="Picture 6" descr="Diagram&#10;&#10;Description automatically generated">
+            <a:extLst>
+              <a:ext uri="{FF2B5EF4-FFF2-40B4-BE49-F238E27FC236}">
+                <a16:creationId xmlns:a16="http://schemas.microsoft.com/office/drawing/2014/main" id="{41CC29C4-065F-4A12-96B3-5A92F8499698}"/>
+              </a:ext>
+            </a:extLst>
+          </p:cNvPr>
+          <p:cNvPicPr>
+            <a:picLocks noChangeAspect="1"/>
+          </p:cNvPicPr>
+          <p:nvPr/>
+        </p:nvPicPr>
+        <p:blipFill>
+          <a:blip r:embed="rId3">
+            <a:extLst>
+              <a:ext uri="{28A0092B-C50C-407E-A947-70E740481C1C}">
+                <a14:useLocalDpi xmlns:a14="http://schemas.microsoft.com/office/drawing/2010/main" val="0"/>
+              </a:ext>
+            </a:extLst>
+          </a:blip>
+          <a:stretch>
+            <a:fillRect/>
+          </a:stretch>
+        </p:blipFill>
+        <p:spPr>
+          <a:xfrm>
+            <a:off x="3500343" y="1802960"/>
+            <a:ext cx="6657975" cy="2781300"/>
+          </a:xfrm>
+          <a:prstGeom prst="rect">
+            <a:avLst/>
+          </a:prstGeom>
+        </p:spPr>
+      </p:pic>
+      <p:sp>
+        <p:nvSpPr>
+          <p:cNvPr id="10" name="TextBox 9">
+            <a:extLst>
+              <a:ext uri="{FF2B5EF4-FFF2-40B4-BE49-F238E27FC236}">
+                <a16:creationId xmlns:a16="http://schemas.microsoft.com/office/drawing/2014/main" id="{810E525B-2BE9-4E04-8A90-22C687B065BA}"/>
+              </a:ext>
+            </a:extLst>
+          </p:cNvPr>
+          <p:cNvSpPr txBox="1"/>
+          <p:nvPr/>
+        </p:nvSpPr>
+        <p:spPr>
+          <a:xfrm>
+            <a:off x="3993026" y="5119555"/>
+            <a:ext cx="4205948" cy="307777"/>
+          </a:xfrm>
+          <a:prstGeom prst="rect">
+            <a:avLst/>
+          </a:prstGeom>
+          <a:noFill/>
+        </p:spPr>
+        <p:txBody>
+          <a:bodyPr wrap="square" rtlCol="0">
+            <a:spAutoFit/>
+          </a:bodyPr>
+          <a:lstStyle/>
+          <a:p>
+            <a:r>
+              <a:rPr lang="es-ES" sz="1400" i="1" dirty="0"/>
+              <a:t>Diseño de la estructura del entorno de la aplicación</a:t>
+            </a:r>
+            <a:endParaRPr lang="LID4096" sz="1400" i="1" dirty="0"/>
+          </a:p>
+        </p:txBody>
+      </p:sp>
+    </p:spTree>
+    <p:extLst>
+      <p:ext uri="{BB962C8B-B14F-4D97-AF65-F5344CB8AC3E}">
+        <p14:creationId xmlns:p14="http://schemas.microsoft.com/office/powerpoint/2010/main" val="2014380277"/>
+      </p:ext>
+    </p:extLst>
+  </p:cSld>
+  <p:clrMapOvr>
+    <a:masterClrMapping/>
+  </p:clrMapOvr>
+</p:sld>
+</file>
+
+<file path=ppt/slides/slide12.xml><?xml version="1.0" encoding="utf-8"?>
+<p:sld xmlns:a="http://schemas.openxmlformats.org/drawingml/2006/main" xmlns:r="http://schemas.openxmlformats.org/officeDocument/2006/relationships" xmlns:p="http://schemas.openxmlformats.org/presentationml/2006/main">
+  <p:cSld>
+    <p:spTree>
+      <p:nvGrpSpPr>
+        <p:cNvPr id="1" name=""/>
+        <p:cNvGrpSpPr/>
+        <p:nvPr/>
+      </p:nvGrpSpPr>
+      <p:grpSpPr>
+        <a:xfrm>
+          <a:off x="0" y="0"/>
+          <a:ext cx="0" cy="0"/>
+          <a:chOff x="0" y="0"/>
+          <a:chExt cx="0" cy="0"/>
+        </a:xfrm>
+      </p:grpSpPr>
+      <p:sp>
+        <p:nvSpPr>
+          <p:cNvPr id="2" name="Titel 1">
+            <a:extLst>
+              <a:ext uri="{FF2B5EF4-FFF2-40B4-BE49-F238E27FC236}">
+                <a16:creationId xmlns:a16="http://schemas.microsoft.com/office/drawing/2014/main" id="{577718E3-62E8-4D37-AEFF-2A611E32F1A9}"/>
+              </a:ext>
+            </a:extLst>
+          </p:cNvPr>
+          <p:cNvSpPr>
+            <a:spLocks noGrp="1"/>
+          </p:cNvSpPr>
+          <p:nvPr>
+            <p:ph type="title"/>
+          </p:nvPr>
+        </p:nvSpPr>
+        <p:spPr>
+          <a:xfrm>
+            <a:off x="358811" y="295682"/>
+            <a:ext cx="8139237" cy="474040"/>
+          </a:xfrm>
+        </p:spPr>
+        <p:txBody>
+          <a:bodyPr>
+            <a:normAutofit fontScale="90000"/>
+          </a:bodyPr>
+          <a:lstStyle/>
+          <a:p>
+            <a:r>
+              <a:rPr lang="es-ES" dirty="0"/>
+              <a:t>6- </a:t>
+            </a:r>
+            <a:r>
+              <a:rPr lang="en-GB" dirty="0"/>
+              <a:t>Front de </a:t>
+            </a:r>
+            <a:r>
+              <a:rPr lang="en-GB" dirty="0" err="1"/>
+              <a:t>Ángular</a:t>
+            </a:r>
+            <a:r>
+              <a:rPr lang="en-GB" dirty="0"/>
+              <a:t> </a:t>
+            </a:r>
+            <a:r>
+              <a:rPr lang="en-GB" dirty="0" err="1"/>
+              <a:t>dockerizado</a:t>
+            </a:r>
+            <a:br>
+              <a:rPr lang="en-GB" dirty="0"/>
+            </a:br>
+            <a:br>
+              <a:rPr lang="en-GB" dirty="0"/>
+            </a:br>
+            <a:br>
+              <a:rPr lang="en-GB" dirty="0"/>
+            </a:br>
+            <a:br>
+              <a:rPr lang="en-GB" dirty="0"/>
+            </a:br>
+            <a:endParaRPr lang="de-DE" dirty="0"/>
+          </a:p>
+        </p:txBody>
+      </p:sp>
+      <p:sp>
+        <p:nvSpPr>
+          <p:cNvPr id="3" name="Inhaltsplatzhalter 2">
+            <a:extLst>
+              <a:ext uri="{FF2B5EF4-FFF2-40B4-BE49-F238E27FC236}">
+                <a16:creationId xmlns:a16="http://schemas.microsoft.com/office/drawing/2014/main" id="{7F1FDFB0-D952-4E0F-94FA-D47BF67ED655}"/>
+              </a:ext>
+            </a:extLst>
+          </p:cNvPr>
+          <p:cNvSpPr>
+            <a:spLocks noGrp="1"/>
+          </p:cNvSpPr>
+          <p:nvPr>
+            <p:ph idx="1"/>
+          </p:nvPr>
+        </p:nvSpPr>
+        <p:spPr/>
+        <p:txBody>
+          <a:bodyPr/>
+          <a:lstStyle/>
+          <a:p>
+            <a:pPr marL="0" indent="0" algn="just">
+              <a:buNone/>
+            </a:pPr>
+            <a:endParaRPr lang="en-US" dirty="0"/>
+          </a:p>
+        </p:txBody>
+      </p:sp>
+      <p:pic>
+        <p:nvPicPr>
+          <p:cNvPr id="2050" name="Picture 2" descr="Universidad de La Laguna (ULL) – 9º Encuentro BID">
+            <a:extLst>
+              <a:ext uri="{FF2B5EF4-FFF2-40B4-BE49-F238E27FC236}">
+                <a16:creationId xmlns:a16="http://schemas.microsoft.com/office/drawing/2014/main" id="{882940A1-F76E-46F8-8D6F-3B268F96020C}"/>
+              </a:ext>
+            </a:extLst>
+          </p:cNvPr>
+          <p:cNvPicPr>
+            <a:picLocks noChangeAspect="1" noChangeArrowheads="1"/>
+          </p:cNvPicPr>
+          <p:nvPr/>
+        </p:nvPicPr>
+        <p:blipFill>
+          <a:blip r:embed="rId2">
+            <a:extLst>
+              <a:ext uri="{28A0092B-C50C-407E-A947-70E740481C1C}">
+                <a14:useLocalDpi xmlns:a14="http://schemas.microsoft.com/office/drawing/2010/main" val="0"/>
+              </a:ext>
+            </a:extLst>
+          </a:blip>
+          <a:srcRect/>
+          <a:stretch>
+            <a:fillRect/>
+          </a:stretch>
+        </p:blipFill>
+        <p:spPr bwMode="auto">
+          <a:xfrm>
+            <a:off x="8621351" y="295682"/>
+            <a:ext cx="1828935" cy="438250"/>
+          </a:xfrm>
+          <a:prstGeom prst="rect">
+            <a:avLst/>
+          </a:prstGeom>
+          <a:noFill/>
+          <a:extLst>
+            <a:ext uri="{909E8E84-426E-40DD-AFC4-6F175D3DCCD1}">
+              <a14:hiddenFill xmlns:a14="http://schemas.microsoft.com/office/drawing/2010/main">
+                <a:solidFill>
+                  <a:srgbClr val="FFFFFF"/>
+                </a:solidFill>
+              </a14:hiddenFill>
+            </a:ext>
+          </a:extLst>
+        </p:spPr>
+      </p:pic>
+    </p:spTree>
+    <p:extLst>
+      <p:ext uri="{BB962C8B-B14F-4D97-AF65-F5344CB8AC3E}">
+        <p14:creationId xmlns:p14="http://schemas.microsoft.com/office/powerpoint/2010/main" val="3119397065"/>
+      </p:ext>
+    </p:extLst>
+  </p:cSld>
+  <p:clrMapOvr>
+    <a:masterClrMapping/>
+  </p:clrMapOvr>
+</p:sld>
+</file>
+
+<file path=ppt/slides/slide13.xml><?xml version="1.0" encoding="utf-8"?>
+<p:sld xmlns:a="http://schemas.openxmlformats.org/drawingml/2006/main" xmlns:r="http://schemas.openxmlformats.org/officeDocument/2006/relationships" xmlns:p="http://schemas.openxmlformats.org/presentationml/2006/main">
+  <p:cSld>
+    <p:spTree>
+      <p:nvGrpSpPr>
+        <p:cNvPr id="1" name=""/>
+        <p:cNvGrpSpPr/>
+        <p:nvPr/>
+      </p:nvGrpSpPr>
+      <p:grpSpPr>
+        <a:xfrm>
+          <a:off x="0" y="0"/>
+          <a:ext cx="0" cy="0"/>
+          <a:chOff x="0" y="0"/>
+          <a:chExt cx="0" cy="0"/>
+        </a:xfrm>
+      </p:grpSpPr>
+      <p:sp>
+        <p:nvSpPr>
+          <p:cNvPr id="2" name="Titel 1">
+            <a:extLst>
+              <a:ext uri="{FF2B5EF4-FFF2-40B4-BE49-F238E27FC236}">
+                <a16:creationId xmlns:a16="http://schemas.microsoft.com/office/drawing/2014/main" id="{577718E3-62E8-4D37-AEFF-2A611E32F1A9}"/>
+              </a:ext>
+            </a:extLst>
+          </p:cNvPr>
+          <p:cNvSpPr>
+            <a:spLocks noGrp="1"/>
+          </p:cNvSpPr>
+          <p:nvPr>
+            <p:ph type="title"/>
+          </p:nvPr>
+        </p:nvSpPr>
+        <p:spPr>
+          <a:xfrm>
+            <a:off x="358811" y="295682"/>
+            <a:ext cx="8139237" cy="474040"/>
+          </a:xfrm>
+        </p:spPr>
+        <p:txBody>
+          <a:bodyPr>
+            <a:normAutofit fontScale="90000"/>
+          </a:bodyPr>
+          <a:lstStyle/>
+          <a:p>
+            <a:r>
+              <a:rPr lang="es-ES" dirty="0"/>
+              <a:t>7- </a:t>
+            </a:r>
+            <a:r>
+              <a:rPr lang="en-GB" dirty="0" err="1"/>
+              <a:t>Futuro</a:t>
+            </a:r>
+            <a:r>
+              <a:rPr lang="en-GB" dirty="0"/>
+              <a:t> </a:t>
+            </a:r>
+            <a:r>
+              <a:rPr lang="en-GB" dirty="0" err="1"/>
+              <a:t>desarrollo</a:t>
+            </a:r>
+            <a:br>
+              <a:rPr lang="en-GB" dirty="0"/>
+            </a:br>
+            <a:br>
+              <a:rPr lang="en-GB" dirty="0"/>
+            </a:br>
+            <a:br>
+              <a:rPr lang="en-GB" dirty="0"/>
+            </a:br>
+            <a:br>
+              <a:rPr lang="en-GB" dirty="0"/>
+            </a:br>
+            <a:endParaRPr lang="de-DE" dirty="0"/>
+          </a:p>
+        </p:txBody>
+      </p:sp>
+      <p:sp>
+        <p:nvSpPr>
+          <p:cNvPr id="3" name="Inhaltsplatzhalter 2">
+            <a:extLst>
+              <a:ext uri="{FF2B5EF4-FFF2-40B4-BE49-F238E27FC236}">
+                <a16:creationId xmlns:a16="http://schemas.microsoft.com/office/drawing/2014/main" id="{7F1FDFB0-D952-4E0F-94FA-D47BF67ED655}"/>
+              </a:ext>
+            </a:extLst>
+          </p:cNvPr>
+          <p:cNvSpPr>
+            <a:spLocks noGrp="1"/>
+          </p:cNvSpPr>
+          <p:nvPr>
+            <p:ph idx="1"/>
+          </p:nvPr>
+        </p:nvSpPr>
+        <p:spPr/>
+        <p:txBody>
+          <a:bodyPr/>
+          <a:lstStyle/>
+          <a:p>
+            <a:pPr marL="0" indent="0" algn="just">
+              <a:buNone/>
+            </a:pPr>
+            <a:endParaRPr lang="en-US" dirty="0"/>
+          </a:p>
+        </p:txBody>
+      </p:sp>
+      <p:pic>
+        <p:nvPicPr>
+          <p:cNvPr id="2050" name="Picture 2" descr="Universidad de La Laguna (ULL) – 9º Encuentro BID">
+            <a:extLst>
+              <a:ext uri="{FF2B5EF4-FFF2-40B4-BE49-F238E27FC236}">
+                <a16:creationId xmlns:a16="http://schemas.microsoft.com/office/drawing/2014/main" id="{882940A1-F76E-46F8-8D6F-3B268F96020C}"/>
+              </a:ext>
+            </a:extLst>
+          </p:cNvPr>
+          <p:cNvPicPr>
+            <a:picLocks noChangeAspect="1" noChangeArrowheads="1"/>
+          </p:cNvPicPr>
+          <p:nvPr/>
+        </p:nvPicPr>
+        <p:blipFill>
+          <a:blip r:embed="rId2">
+            <a:extLst>
+              <a:ext uri="{28A0092B-C50C-407E-A947-70E740481C1C}">
+                <a14:useLocalDpi xmlns:a14="http://schemas.microsoft.com/office/drawing/2010/main" val="0"/>
+              </a:ext>
+            </a:extLst>
+          </a:blip>
+          <a:srcRect/>
+          <a:stretch>
+            <a:fillRect/>
+          </a:stretch>
+        </p:blipFill>
+        <p:spPr bwMode="auto">
+          <a:xfrm>
+            <a:off x="8621351" y="295682"/>
+            <a:ext cx="1828935" cy="438250"/>
+          </a:xfrm>
+          <a:prstGeom prst="rect">
+            <a:avLst/>
+          </a:prstGeom>
+          <a:noFill/>
+          <a:extLst>
+            <a:ext uri="{909E8E84-426E-40DD-AFC4-6F175D3DCCD1}">
+              <a14:hiddenFill xmlns:a14="http://schemas.microsoft.com/office/drawing/2010/main">
+                <a:solidFill>
+                  <a:srgbClr val="FFFFFF"/>
+                </a:solidFill>
+              </a14:hiddenFill>
+            </a:ext>
+          </a:extLst>
+        </p:spPr>
+      </p:pic>
+    </p:spTree>
+    <p:extLst>
+      <p:ext uri="{BB962C8B-B14F-4D97-AF65-F5344CB8AC3E}">
+        <p14:creationId xmlns:p14="http://schemas.microsoft.com/office/powerpoint/2010/main" val="4033736536"/>
+      </p:ext>
+    </p:extLst>
+  </p:cSld>
+  <p:clrMapOvr>
+    <a:masterClrMapping/>
+  </p:clrMapOvr>
+</p:sld>
+</file>
+
 <file path=ppt/slides/slide2.xml><?xml version="1.0" encoding="utf-8"?>
 <p:sld xmlns:a="http://schemas.openxmlformats.org/drawingml/2006/main" xmlns:r="http://schemas.openxmlformats.org/officeDocument/2006/relationships" xmlns:p="http://schemas.openxmlformats.org/presentationml/2006/main">
   <p:cSld>
@@ -5691,8 +6596,388 @@
           <a:p>
             <a:pPr algn="just"/>
             <a:r>
-              <a:rPr lang="en-US" dirty="0"/>
-              <a:t>Walk through whole software development process </a:t>
+              <a:rPr lang="de-DE" dirty="0"/>
+              <a:t>El </a:t>
+            </a:r>
+            <a:r>
+              <a:rPr lang="de-DE" dirty="0" err="1"/>
+              <a:t>objetivo</a:t>
+            </a:r>
+            <a:r>
+              <a:rPr lang="de-DE" dirty="0"/>
+              <a:t> de </a:t>
+            </a:r>
+            <a:r>
+              <a:rPr lang="de-DE" dirty="0" err="1"/>
+              <a:t>este</a:t>
+            </a:r>
+            <a:r>
+              <a:rPr lang="de-DE" dirty="0"/>
+              <a:t> </a:t>
+            </a:r>
+            <a:r>
+              <a:rPr lang="de-DE" dirty="0" err="1"/>
+              <a:t>ejercicio</a:t>
+            </a:r>
+            <a:r>
+              <a:rPr lang="de-DE" dirty="0"/>
+              <a:t> es </a:t>
+            </a:r>
+            <a:r>
+              <a:rPr lang="de-DE" dirty="0" err="1"/>
+              <a:t>pasar</a:t>
+            </a:r>
+            <a:r>
+              <a:rPr lang="de-DE" dirty="0"/>
+              <a:t> </a:t>
+            </a:r>
+            <a:r>
+              <a:rPr lang="de-DE" dirty="0" err="1"/>
+              <a:t>por</a:t>
+            </a:r>
+            <a:r>
+              <a:rPr lang="de-DE" dirty="0"/>
+              <a:t> </a:t>
+            </a:r>
+            <a:r>
+              <a:rPr lang="de-DE" dirty="0" err="1"/>
+              <a:t>todas</a:t>
+            </a:r>
+            <a:r>
+              <a:rPr lang="de-DE" dirty="0"/>
+              <a:t> las </a:t>
+            </a:r>
+            <a:r>
+              <a:rPr lang="de-DE" dirty="0" err="1"/>
+              <a:t>fases</a:t>
+            </a:r>
+            <a:r>
+              <a:rPr lang="de-DE" dirty="0"/>
+              <a:t> del </a:t>
+            </a:r>
+            <a:r>
+              <a:rPr lang="de-DE" dirty="0" err="1"/>
+              <a:t>desarrollo</a:t>
+            </a:r>
+            <a:r>
+              <a:rPr lang="de-DE" dirty="0"/>
+              <a:t> de </a:t>
+            </a:r>
+            <a:r>
+              <a:rPr lang="de-DE" dirty="0" err="1"/>
+              <a:t>una</a:t>
+            </a:r>
+            <a:r>
+              <a:rPr lang="de-DE" dirty="0"/>
+              <a:t> </a:t>
+            </a:r>
+            <a:r>
+              <a:rPr lang="de-DE" dirty="0" err="1"/>
+              <a:t>aplicación</a:t>
+            </a:r>
+            <a:r>
+              <a:rPr lang="de-DE" dirty="0"/>
+              <a:t> web </a:t>
+            </a:r>
+            <a:r>
+              <a:rPr lang="de-DE" dirty="0" err="1"/>
+              <a:t>para</a:t>
+            </a:r>
+            <a:r>
+              <a:rPr lang="de-DE" dirty="0"/>
+              <a:t> </a:t>
+            </a:r>
+            <a:r>
+              <a:rPr lang="de-DE" dirty="0" err="1"/>
+              <a:t>familiarizarse</a:t>
+            </a:r>
+            <a:r>
+              <a:rPr lang="de-DE" dirty="0"/>
+              <a:t> </a:t>
+            </a:r>
+            <a:r>
+              <a:rPr lang="de-DE" dirty="0" err="1"/>
+              <a:t>con</a:t>
+            </a:r>
+            <a:r>
+              <a:rPr lang="de-DE" dirty="0"/>
+              <a:t> </a:t>
+            </a:r>
+            <a:r>
+              <a:rPr lang="de-DE" dirty="0" err="1"/>
+              <a:t>todas</a:t>
+            </a:r>
+            <a:r>
+              <a:rPr lang="de-DE" dirty="0"/>
+              <a:t> las </a:t>
+            </a:r>
+            <a:r>
+              <a:rPr lang="de-DE" dirty="0" err="1"/>
+              <a:t>tecnologías</a:t>
+            </a:r>
+            <a:r>
+              <a:rPr lang="de-DE" dirty="0"/>
+              <a:t> </a:t>
+            </a:r>
+            <a:r>
+              <a:rPr lang="de-DE" dirty="0" err="1"/>
+              <a:t>que</a:t>
+            </a:r>
+            <a:r>
+              <a:rPr lang="de-DE" dirty="0"/>
+              <a:t> se </a:t>
+            </a:r>
+            <a:r>
+              <a:rPr lang="de-DE" dirty="0" err="1"/>
+              <a:t>encuentran</a:t>
+            </a:r>
+            <a:r>
+              <a:rPr lang="de-DE" dirty="0"/>
+              <a:t> en </a:t>
+            </a:r>
+            <a:r>
+              <a:rPr lang="de-DE" dirty="0" err="1"/>
+              <a:t>este</a:t>
+            </a:r>
+            <a:r>
+              <a:rPr lang="de-DE" dirty="0"/>
+              <a:t> </a:t>
+            </a:r>
+            <a:r>
+              <a:rPr lang="de-DE" dirty="0" err="1"/>
+              <a:t>dentro</a:t>
+            </a:r>
+            <a:r>
+              <a:rPr lang="de-DE" dirty="0"/>
+              <a:t> de </a:t>
+            </a:r>
+            <a:r>
+              <a:rPr lang="de-DE" dirty="0" err="1"/>
+              <a:t>una</a:t>
+            </a:r>
+            <a:r>
+              <a:rPr lang="de-DE" dirty="0"/>
+              <a:t> </a:t>
+            </a:r>
+            <a:r>
+              <a:rPr lang="de-DE" dirty="0" err="1"/>
+              <a:t>empresa</a:t>
+            </a:r>
+            <a:r>
+              <a:rPr lang="de-DE" dirty="0"/>
+              <a:t>.</a:t>
+            </a:r>
+          </a:p>
+          <a:p>
+            <a:pPr algn="just"/>
+            <a:r>
+              <a:rPr lang="de-DE" dirty="0"/>
+              <a:t>La </a:t>
+            </a:r>
+            <a:r>
+              <a:rPr lang="de-DE" dirty="0" err="1"/>
+              <a:t>temática</a:t>
+            </a:r>
+            <a:r>
+              <a:rPr lang="de-DE" dirty="0"/>
+              <a:t> de la </a:t>
+            </a:r>
+            <a:r>
+              <a:rPr lang="de-DE" dirty="0" err="1"/>
+              <a:t>aplicación</a:t>
+            </a:r>
+            <a:r>
+              <a:rPr lang="de-DE" dirty="0"/>
+              <a:t> a </a:t>
+            </a:r>
+            <a:r>
+              <a:rPr lang="de-DE" dirty="0" err="1"/>
+              <a:t>realizar</a:t>
+            </a:r>
+            <a:r>
+              <a:rPr lang="de-DE" dirty="0"/>
+              <a:t> </a:t>
+            </a:r>
+            <a:r>
+              <a:rPr lang="de-DE" dirty="0" err="1"/>
+              <a:t>será</a:t>
+            </a:r>
+            <a:r>
+              <a:rPr lang="de-DE" dirty="0"/>
+              <a:t> </a:t>
+            </a:r>
+            <a:r>
+              <a:rPr lang="de-DE" dirty="0" err="1"/>
+              <a:t>una</a:t>
+            </a:r>
+            <a:r>
+              <a:rPr lang="de-DE" dirty="0"/>
+              <a:t> </a:t>
+            </a:r>
+            <a:r>
+              <a:rPr lang="de-DE" dirty="0" err="1"/>
+              <a:t>página</a:t>
+            </a:r>
+            <a:r>
+              <a:rPr lang="de-DE" dirty="0"/>
+              <a:t> </a:t>
+            </a:r>
+            <a:r>
+              <a:rPr lang="de-DE" dirty="0" err="1"/>
+              <a:t>con</a:t>
+            </a:r>
+            <a:r>
+              <a:rPr lang="de-DE" dirty="0"/>
+              <a:t> </a:t>
+            </a:r>
+            <a:r>
+              <a:rPr lang="de-DE" dirty="0" err="1"/>
+              <a:t>autentificación</a:t>
+            </a:r>
+            <a:r>
+              <a:rPr lang="de-DE" dirty="0"/>
+              <a:t> </a:t>
+            </a:r>
+            <a:r>
+              <a:rPr lang="de-DE" dirty="0" err="1"/>
+              <a:t>que</a:t>
+            </a:r>
+            <a:r>
+              <a:rPr lang="de-DE" dirty="0"/>
+              <a:t> </a:t>
+            </a:r>
+            <a:r>
+              <a:rPr lang="de-DE" dirty="0" err="1"/>
+              <a:t>consulte</a:t>
+            </a:r>
+            <a:r>
+              <a:rPr lang="de-DE" dirty="0"/>
+              <a:t> </a:t>
+            </a:r>
+            <a:r>
+              <a:rPr lang="de-DE" dirty="0" err="1"/>
+              <a:t>una</a:t>
+            </a:r>
+            <a:r>
+              <a:rPr lang="de-DE" dirty="0"/>
+              <a:t> </a:t>
+            </a:r>
+            <a:r>
+              <a:rPr lang="de-DE" dirty="0" err="1"/>
+              <a:t>base</a:t>
+            </a:r>
+            <a:r>
+              <a:rPr lang="de-DE" dirty="0"/>
+              <a:t> de </a:t>
+            </a:r>
+            <a:r>
+              <a:rPr lang="de-DE" dirty="0" err="1"/>
+              <a:t>datos</a:t>
+            </a:r>
+            <a:r>
+              <a:rPr lang="de-DE" dirty="0"/>
+              <a:t> </a:t>
+            </a:r>
+            <a:r>
+              <a:rPr lang="de-DE" dirty="0" err="1"/>
+              <a:t>sobre</a:t>
+            </a:r>
+            <a:r>
+              <a:rPr lang="de-DE" dirty="0"/>
+              <a:t> </a:t>
+            </a:r>
+            <a:r>
+              <a:rPr lang="de-DE" dirty="0" err="1"/>
+              <a:t>vehiculos</a:t>
+            </a:r>
+            <a:r>
+              <a:rPr lang="de-DE" dirty="0"/>
+              <a:t> de </a:t>
+            </a:r>
+            <a:r>
+              <a:rPr lang="de-DE" dirty="0" err="1"/>
+              <a:t>usuarios</a:t>
+            </a:r>
+            <a:r>
+              <a:rPr lang="de-DE" dirty="0"/>
+              <a:t> </a:t>
+            </a:r>
+            <a:r>
+              <a:rPr lang="de-DE" dirty="0" err="1"/>
+              <a:t>registrados</a:t>
+            </a:r>
+            <a:r>
+              <a:rPr lang="de-DE" dirty="0"/>
+              <a:t>.  </a:t>
+            </a:r>
+          </a:p>
+          <a:p>
+            <a:pPr algn="just"/>
+            <a:r>
+              <a:rPr lang="de-DE" dirty="0"/>
+              <a:t>Se </a:t>
+            </a:r>
+            <a:r>
+              <a:rPr lang="de-DE" dirty="0" err="1"/>
+              <a:t>tendrá</a:t>
+            </a:r>
+            <a:r>
+              <a:rPr lang="de-DE" dirty="0"/>
+              <a:t> en </a:t>
+            </a:r>
+            <a:r>
+              <a:rPr lang="de-DE" dirty="0" err="1"/>
+              <a:t>cuenta</a:t>
+            </a:r>
+            <a:r>
+              <a:rPr lang="de-DE" dirty="0"/>
+              <a:t> dos </a:t>
+            </a:r>
+            <a:r>
+              <a:rPr lang="de-DE" dirty="0" err="1"/>
+              <a:t>vistas</a:t>
+            </a:r>
+            <a:r>
+              <a:rPr lang="de-DE" dirty="0"/>
+              <a:t>: </a:t>
+            </a:r>
+          </a:p>
+          <a:p>
+            <a:pPr lvl="1" algn="just"/>
+            <a:r>
+              <a:rPr lang="de-DE" dirty="0" err="1"/>
+              <a:t>Usuario</a:t>
+            </a:r>
+            <a:r>
+              <a:rPr lang="de-DE" dirty="0"/>
+              <a:t> </a:t>
+            </a:r>
+            <a:r>
+              <a:rPr lang="de-DE" dirty="0" err="1"/>
+              <a:t>común</a:t>
+            </a:r>
+            <a:r>
+              <a:rPr lang="de-DE" dirty="0"/>
+              <a:t>.</a:t>
+            </a:r>
+          </a:p>
+          <a:p>
+            <a:pPr lvl="1" algn="just"/>
+            <a:r>
+              <a:rPr lang="de-DE" dirty="0" err="1"/>
+              <a:t>Usuario</a:t>
+            </a:r>
+            <a:r>
+              <a:rPr lang="de-DE" dirty="0"/>
+              <a:t> </a:t>
+            </a:r>
+            <a:r>
+              <a:rPr lang="de-DE" dirty="0" err="1"/>
+              <a:t>administrador</a:t>
+            </a:r>
+            <a:r>
+              <a:rPr lang="de-DE" dirty="0"/>
+              <a:t>.</a:t>
             </a:r>
           </a:p>
         </p:txBody>
@@ -5779,7 +7064,7 @@
           <p:cNvPr id="2" name="Titel 1">
             <a:extLst>
               <a:ext uri="{FF2B5EF4-FFF2-40B4-BE49-F238E27FC236}">
-                <a16:creationId xmlns:a16="http://schemas.microsoft.com/office/drawing/2014/main" id="{577718E3-62E8-4D37-AEFF-2A611E32F1A9}"/>
+                <a16:creationId xmlns:a16="http://schemas.microsoft.com/office/drawing/2014/main" id="{C75C8B60-4D78-7840-9EDC-6065584CB1ED}"/>
               </a:ext>
             </a:extLst>
           </p:cNvPr>
@@ -5798,58 +7083,57 @@
           <a:lstStyle/>
           <a:p>
             <a:r>
-              <a:rPr lang="de-DE" dirty="0"/>
-              <a:t>Primer </a:t>
-            </a:r>
-            <a:r>
-              <a:rPr lang="de-DE" dirty="0" err="1"/>
-              <a:t>proyecto</a:t>
-            </a:r>
-            <a:r>
-              <a:rPr lang="de-DE" dirty="0"/>
-              <a:t>: </a:t>
-            </a:r>
-            <a:br>
-              <a:rPr lang="de-DE" dirty="0"/>
-            </a:br>
-            <a:r>
-              <a:rPr lang="de-DE" dirty="0" err="1"/>
-              <a:t>Proceso</a:t>
-            </a:r>
-            <a:r>
-              <a:rPr lang="de-DE" dirty="0"/>
-              <a:t> de </a:t>
-            </a:r>
-            <a:r>
-              <a:rPr lang="de-DE" dirty="0" err="1"/>
-              <a:t>desarrollo</a:t>
-            </a:r>
-            <a:r>
-              <a:rPr lang="de-DE" dirty="0"/>
-              <a:t> </a:t>
-            </a:r>
-            <a:r>
-              <a:rPr lang="de-DE" dirty="0" err="1"/>
-              <a:t>completo</a:t>
-            </a:r>
-            <a:endParaRPr lang="de-DE" dirty="0"/>
-          </a:p>
-        </p:txBody>
-      </p:sp>
-      <p:sp>
-        <p:nvSpPr>
-          <p:cNvPr id="3" name="Inhaltsplatzhalter 2">
-            <a:extLst>
-              <a:ext uri="{FF2B5EF4-FFF2-40B4-BE49-F238E27FC236}">
-                <a16:creationId xmlns:a16="http://schemas.microsoft.com/office/drawing/2014/main" id="{7F1FDFB0-D952-4E0F-94FA-D47BF67ED655}"/>
-              </a:ext>
-            </a:extLst>
-          </p:cNvPr>
-          <p:cNvSpPr>
-            <a:spLocks noGrp="1"/>
-          </p:cNvSpPr>
-          <p:nvPr>
-            <p:ph idx="1"/>
+              <a:rPr lang="en-GB" dirty="0" err="1"/>
+              <a:t>Contenidos</a:t>
+            </a:r>
+            <a:endParaRPr lang="en-GB" dirty="0"/>
+          </a:p>
+        </p:txBody>
+      </p:sp>
+      <p:sp>
+        <p:nvSpPr>
+          <p:cNvPr id="3" name="Textplatzhalter 2">
+            <a:extLst>
+              <a:ext uri="{FF2B5EF4-FFF2-40B4-BE49-F238E27FC236}">
+                <a16:creationId xmlns:a16="http://schemas.microsoft.com/office/drawing/2014/main" id="{841AD793-9133-DC43-AAFB-E455D192115B}"/>
+              </a:ext>
+            </a:extLst>
+          </p:cNvPr>
+          <p:cNvSpPr>
+            <a:spLocks noGrp="1"/>
+          </p:cNvSpPr>
+          <p:nvPr>
+            <p:ph type="body" sz="quarter" idx="10"/>
+          </p:nvPr>
+        </p:nvSpPr>
+        <p:spPr/>
+        <p:txBody>
+          <a:bodyPr>
+            <a:normAutofit fontScale="92500" lnSpcReduction="20000"/>
+          </a:bodyPr>
+          <a:lstStyle/>
+          <a:p>
+            <a:r>
+              <a:rPr lang="en-GB" dirty="0"/>
+              <a:t>01</a:t>
+            </a:r>
+          </a:p>
+        </p:txBody>
+      </p:sp>
+      <p:sp>
+        <p:nvSpPr>
+          <p:cNvPr id="4" name="Textplatzhalter 3">
+            <a:extLst>
+              <a:ext uri="{FF2B5EF4-FFF2-40B4-BE49-F238E27FC236}">
+                <a16:creationId xmlns:a16="http://schemas.microsoft.com/office/drawing/2014/main" id="{AEC8F7D5-C2F4-4F4A-BA4C-B1D9D3101CAA}"/>
+              </a:ext>
+            </a:extLst>
+          </p:cNvPr>
+          <p:cNvSpPr>
+            <a:spLocks noGrp="1"/>
+          </p:cNvSpPr>
+          <p:nvPr>
+            <p:ph type="body" sz="quarter" idx="11"/>
           </p:nvPr>
         </p:nvSpPr>
         <p:spPr/>
@@ -5857,406 +7141,673 @@
           <a:bodyPr/>
           <a:lstStyle/>
           <a:p>
-            <a:pPr marL="0" indent="0" algn="just">
-              <a:buNone/>
-            </a:pPr>
-            <a:endParaRPr lang="de-DE" dirty="0"/>
-          </a:p>
-          <a:p>
-            <a:pPr algn="just"/>
-            <a:r>
-              <a:rPr lang="de-DE" dirty="0"/>
-              <a:t>El </a:t>
-            </a:r>
-            <a:r>
-              <a:rPr lang="de-DE" dirty="0" err="1"/>
-              <a:t>objetivo</a:t>
-            </a:r>
-            <a:r>
-              <a:rPr lang="de-DE" dirty="0"/>
-              <a:t> de </a:t>
-            </a:r>
-            <a:r>
-              <a:rPr lang="de-DE" dirty="0" err="1"/>
-              <a:t>este</a:t>
-            </a:r>
-            <a:r>
-              <a:rPr lang="de-DE" dirty="0"/>
+            <a:r>
+              <a:rPr lang="en-GB" dirty="0" err="1"/>
+              <a:t>.Net</a:t>
+            </a:r>
+            <a:r>
+              <a:rPr lang="en-GB" dirty="0"/>
+              <a:t> Core API </a:t>
+            </a:r>
+            <a:r>
+              <a:rPr lang="en-GB" dirty="0" err="1"/>
+              <a:t>inicializada</a:t>
+            </a:r>
+            <a:endParaRPr lang="en-GB" dirty="0"/>
+          </a:p>
+        </p:txBody>
+      </p:sp>
+      <p:sp>
+        <p:nvSpPr>
+          <p:cNvPr id="5" name="Textplatzhalter 4">
+            <a:extLst>
+              <a:ext uri="{FF2B5EF4-FFF2-40B4-BE49-F238E27FC236}">
+                <a16:creationId xmlns:a16="http://schemas.microsoft.com/office/drawing/2014/main" id="{EF0B4994-E591-2D4C-8FF0-E385E842C9FC}"/>
+              </a:ext>
+            </a:extLst>
+          </p:cNvPr>
+          <p:cNvSpPr>
+            <a:spLocks noGrp="1"/>
+          </p:cNvSpPr>
+          <p:nvPr>
+            <p:ph type="body" sz="quarter" idx="12"/>
+          </p:nvPr>
+        </p:nvSpPr>
+        <p:spPr/>
+        <p:txBody>
+          <a:bodyPr/>
+          <a:lstStyle/>
+          <a:p>
+            <a:endParaRPr lang="en-GB"/>
+          </a:p>
+        </p:txBody>
+      </p:sp>
+      <p:sp>
+        <p:nvSpPr>
+          <p:cNvPr id="6" name="Textplatzhalter 5">
+            <a:extLst>
+              <a:ext uri="{FF2B5EF4-FFF2-40B4-BE49-F238E27FC236}">
+                <a16:creationId xmlns:a16="http://schemas.microsoft.com/office/drawing/2014/main" id="{4ABACCBB-64F8-6F41-A4B1-298FB6C7919D}"/>
+              </a:ext>
+            </a:extLst>
+          </p:cNvPr>
+          <p:cNvSpPr>
+            <a:spLocks noGrp="1"/>
+          </p:cNvSpPr>
+          <p:nvPr>
+            <p:ph type="body" sz="quarter" idx="13"/>
+          </p:nvPr>
+        </p:nvSpPr>
+        <p:spPr/>
+        <p:txBody>
+          <a:bodyPr>
+            <a:normAutofit fontScale="92500" lnSpcReduction="20000"/>
+          </a:bodyPr>
+          <a:lstStyle/>
+          <a:p>
+            <a:r>
+              <a:rPr lang="en-GB" dirty="0"/>
+              <a:t>02</a:t>
+            </a:r>
+          </a:p>
+        </p:txBody>
+      </p:sp>
+      <p:sp>
+        <p:nvSpPr>
+          <p:cNvPr id="7" name="Textplatzhalter 6">
+            <a:extLst>
+              <a:ext uri="{FF2B5EF4-FFF2-40B4-BE49-F238E27FC236}">
+                <a16:creationId xmlns:a16="http://schemas.microsoft.com/office/drawing/2014/main" id="{F0542DD3-AA3E-4D4A-AAF7-C3909DF1DDA3}"/>
+              </a:ext>
+            </a:extLst>
+          </p:cNvPr>
+          <p:cNvSpPr>
+            <a:spLocks noGrp="1"/>
+          </p:cNvSpPr>
+          <p:nvPr>
+            <p:ph type="body" sz="quarter" idx="14"/>
+          </p:nvPr>
+        </p:nvSpPr>
+        <p:spPr/>
+        <p:txBody>
+          <a:bodyPr/>
+          <a:lstStyle/>
+          <a:p>
+            <a:r>
+              <a:rPr lang="en-GB" dirty="0" err="1"/>
+              <a:t>Documentación</a:t>
+            </a:r>
+            <a:r>
+              <a:rPr lang="en-GB" dirty="0"/>
+              <a:t> de Swagger</a:t>
+            </a:r>
+          </a:p>
+        </p:txBody>
+      </p:sp>
+      <p:sp>
+        <p:nvSpPr>
+          <p:cNvPr id="8" name="Textplatzhalter 7">
+            <a:extLst>
+              <a:ext uri="{FF2B5EF4-FFF2-40B4-BE49-F238E27FC236}">
+                <a16:creationId xmlns:a16="http://schemas.microsoft.com/office/drawing/2014/main" id="{D61743BB-91B4-7942-92FE-FAFB6B961B1A}"/>
+              </a:ext>
+            </a:extLst>
+          </p:cNvPr>
+          <p:cNvSpPr>
+            <a:spLocks noGrp="1"/>
+          </p:cNvSpPr>
+          <p:nvPr>
+            <p:ph type="body" sz="quarter" idx="15"/>
+          </p:nvPr>
+        </p:nvSpPr>
+        <p:spPr/>
+        <p:txBody>
+          <a:bodyPr/>
+          <a:lstStyle/>
+          <a:p>
+            <a:endParaRPr lang="en-GB"/>
+          </a:p>
+        </p:txBody>
+      </p:sp>
+      <p:sp>
+        <p:nvSpPr>
+          <p:cNvPr id="9" name="Textplatzhalter 8">
+            <a:extLst>
+              <a:ext uri="{FF2B5EF4-FFF2-40B4-BE49-F238E27FC236}">
+                <a16:creationId xmlns:a16="http://schemas.microsoft.com/office/drawing/2014/main" id="{3CF807BA-B03F-9A4D-9813-3EC55704AF8F}"/>
+              </a:ext>
+            </a:extLst>
+          </p:cNvPr>
+          <p:cNvSpPr>
+            <a:spLocks noGrp="1"/>
+          </p:cNvSpPr>
+          <p:nvPr>
+            <p:ph type="body" sz="quarter" idx="16"/>
+          </p:nvPr>
+        </p:nvSpPr>
+        <p:spPr/>
+        <p:txBody>
+          <a:bodyPr>
+            <a:normAutofit fontScale="92500" lnSpcReduction="20000"/>
+          </a:bodyPr>
+          <a:lstStyle/>
+          <a:p>
+            <a:r>
+              <a:rPr lang="en-GB" dirty="0"/>
+              <a:t>03</a:t>
+            </a:r>
+          </a:p>
+        </p:txBody>
+      </p:sp>
+      <p:sp>
+        <p:nvSpPr>
+          <p:cNvPr id="10" name="Textplatzhalter 9">
+            <a:extLst>
+              <a:ext uri="{FF2B5EF4-FFF2-40B4-BE49-F238E27FC236}">
+                <a16:creationId xmlns:a16="http://schemas.microsoft.com/office/drawing/2014/main" id="{92A467A7-AE4A-6F4B-8231-4F109437C9EA}"/>
+              </a:ext>
+            </a:extLst>
+          </p:cNvPr>
+          <p:cNvSpPr>
+            <a:spLocks noGrp="1"/>
+          </p:cNvSpPr>
+          <p:nvPr>
+            <p:ph type="body" sz="quarter" idx="17"/>
+          </p:nvPr>
+        </p:nvSpPr>
+        <p:spPr/>
+        <p:txBody>
+          <a:bodyPr/>
+          <a:lstStyle/>
+          <a:p>
+            <a:r>
+              <a:rPr lang="en-GB" dirty="0" err="1"/>
+              <a:t>Peticiones</a:t>
+            </a:r>
+            <a:r>
+              <a:rPr lang="en-GB" dirty="0"/>
               <a:t> </a:t>
             </a:r>
             <a:r>
-              <a:rPr lang="de-DE" dirty="0" err="1"/>
-              <a:t>ejercicio</a:t>
-            </a:r>
-            <a:r>
-              <a:rPr lang="de-DE" dirty="0"/>
-              <a:t> es </a:t>
-            </a:r>
-            <a:r>
-              <a:rPr lang="de-DE" dirty="0" err="1"/>
-              <a:t>pasar</a:t>
-            </a:r>
-            <a:r>
-              <a:rPr lang="de-DE" dirty="0"/>
+              <a:rPr lang="en-GB" dirty="0" err="1"/>
+              <a:t>en</a:t>
+            </a:r>
+            <a:r>
+              <a:rPr lang="en-GB" dirty="0"/>
+              <a:t> Postman y Swagger</a:t>
+            </a:r>
+          </a:p>
+          <a:p>
+            <a:endParaRPr lang="en-GB" dirty="0"/>
+          </a:p>
+        </p:txBody>
+      </p:sp>
+      <p:sp>
+        <p:nvSpPr>
+          <p:cNvPr id="11" name="Textplatzhalter 10">
+            <a:extLst>
+              <a:ext uri="{FF2B5EF4-FFF2-40B4-BE49-F238E27FC236}">
+                <a16:creationId xmlns:a16="http://schemas.microsoft.com/office/drawing/2014/main" id="{A1BB600B-AB3E-8F4C-9058-742AFF10DC39}"/>
+              </a:ext>
+            </a:extLst>
+          </p:cNvPr>
+          <p:cNvSpPr>
+            <a:spLocks noGrp="1"/>
+          </p:cNvSpPr>
+          <p:nvPr>
+            <p:ph type="body" sz="quarter" idx="18"/>
+          </p:nvPr>
+        </p:nvSpPr>
+        <p:spPr/>
+        <p:txBody>
+          <a:bodyPr/>
+          <a:lstStyle/>
+          <a:p>
+            <a:endParaRPr lang="en-GB" dirty="0"/>
+          </a:p>
+        </p:txBody>
+      </p:sp>
+      <p:sp>
+        <p:nvSpPr>
+          <p:cNvPr id="12" name="Textplatzhalter 11">
+            <a:extLst>
+              <a:ext uri="{FF2B5EF4-FFF2-40B4-BE49-F238E27FC236}">
+                <a16:creationId xmlns:a16="http://schemas.microsoft.com/office/drawing/2014/main" id="{CF710306-67F1-6E40-88E4-AEC2F5418724}"/>
+              </a:ext>
+            </a:extLst>
+          </p:cNvPr>
+          <p:cNvSpPr>
+            <a:spLocks noGrp="1"/>
+          </p:cNvSpPr>
+          <p:nvPr>
+            <p:ph type="body" sz="quarter" idx="19"/>
+          </p:nvPr>
+        </p:nvSpPr>
+        <p:spPr/>
+        <p:txBody>
+          <a:bodyPr>
+            <a:normAutofit fontScale="92500" lnSpcReduction="20000"/>
+          </a:bodyPr>
+          <a:lstStyle/>
+          <a:p>
+            <a:r>
+              <a:rPr lang="en-GB" dirty="0"/>
+              <a:t>04</a:t>
+            </a:r>
+          </a:p>
+        </p:txBody>
+      </p:sp>
+      <p:sp>
+        <p:nvSpPr>
+          <p:cNvPr id="13" name="Textplatzhalter 12">
+            <a:extLst>
+              <a:ext uri="{FF2B5EF4-FFF2-40B4-BE49-F238E27FC236}">
+                <a16:creationId xmlns:a16="http://schemas.microsoft.com/office/drawing/2014/main" id="{C2A8895F-D2CA-9842-8AA9-F0C5543438B2}"/>
+              </a:ext>
+            </a:extLst>
+          </p:cNvPr>
+          <p:cNvSpPr>
+            <a:spLocks noGrp="1"/>
+          </p:cNvSpPr>
+          <p:nvPr>
+            <p:ph type="body" sz="quarter" idx="20"/>
+          </p:nvPr>
+        </p:nvSpPr>
+        <p:spPr/>
+        <p:txBody>
+          <a:bodyPr/>
+          <a:lstStyle/>
+          <a:p>
+            <a:r>
+              <a:rPr lang="en-GB" dirty="0"/>
+              <a:t>SQL Server</a:t>
+            </a:r>
+          </a:p>
+        </p:txBody>
+      </p:sp>
+      <p:sp>
+        <p:nvSpPr>
+          <p:cNvPr id="14" name="Textplatzhalter 13">
+            <a:extLst>
+              <a:ext uri="{FF2B5EF4-FFF2-40B4-BE49-F238E27FC236}">
+                <a16:creationId xmlns:a16="http://schemas.microsoft.com/office/drawing/2014/main" id="{3A91CB79-B834-D141-B50E-0CFE2E1EA3E7}"/>
+              </a:ext>
+            </a:extLst>
+          </p:cNvPr>
+          <p:cNvSpPr>
+            <a:spLocks noGrp="1"/>
+          </p:cNvSpPr>
+          <p:nvPr>
+            <p:ph type="body" sz="quarter" idx="21"/>
+          </p:nvPr>
+        </p:nvSpPr>
+        <p:spPr/>
+        <p:txBody>
+          <a:bodyPr/>
+          <a:lstStyle/>
+          <a:p>
+            <a:endParaRPr lang="en-GB"/>
+          </a:p>
+        </p:txBody>
+      </p:sp>
+      <p:sp>
+        <p:nvSpPr>
+          <p:cNvPr id="15" name="Textplatzhalter 14">
+            <a:extLst>
+              <a:ext uri="{FF2B5EF4-FFF2-40B4-BE49-F238E27FC236}">
+                <a16:creationId xmlns:a16="http://schemas.microsoft.com/office/drawing/2014/main" id="{8C13639C-4B91-8441-85CA-6D6EABEC8B35}"/>
+              </a:ext>
+            </a:extLst>
+          </p:cNvPr>
+          <p:cNvSpPr>
+            <a:spLocks noGrp="1"/>
+          </p:cNvSpPr>
+          <p:nvPr>
+            <p:ph type="body" sz="quarter" idx="22"/>
+          </p:nvPr>
+        </p:nvSpPr>
+        <p:spPr/>
+        <p:txBody>
+          <a:bodyPr>
+            <a:normAutofit fontScale="92500" lnSpcReduction="20000"/>
+          </a:bodyPr>
+          <a:lstStyle/>
+          <a:p>
+            <a:r>
+              <a:rPr lang="en-GB" dirty="0"/>
+              <a:t>05</a:t>
+            </a:r>
+          </a:p>
+        </p:txBody>
+      </p:sp>
+      <p:sp>
+        <p:nvSpPr>
+          <p:cNvPr id="16" name="Textplatzhalter 15">
+            <a:extLst>
+              <a:ext uri="{FF2B5EF4-FFF2-40B4-BE49-F238E27FC236}">
+                <a16:creationId xmlns:a16="http://schemas.microsoft.com/office/drawing/2014/main" id="{1EAE3097-F910-B540-946F-9001EF988E59}"/>
+              </a:ext>
+            </a:extLst>
+          </p:cNvPr>
+          <p:cNvSpPr>
+            <a:spLocks noGrp="1"/>
+          </p:cNvSpPr>
+          <p:nvPr>
+            <p:ph type="body" sz="quarter" idx="23"/>
+          </p:nvPr>
+        </p:nvSpPr>
+        <p:spPr/>
+        <p:txBody>
+          <a:bodyPr/>
+          <a:lstStyle/>
+          <a:p>
+            <a:r>
+              <a:rPr lang="en-GB" dirty="0" err="1"/>
+              <a:t>Dockerización</a:t>
+            </a:r>
+            <a:endParaRPr lang="en-GB" dirty="0"/>
+          </a:p>
+        </p:txBody>
+      </p:sp>
+      <p:sp>
+        <p:nvSpPr>
+          <p:cNvPr id="17" name="Textplatzhalter 16">
+            <a:extLst>
+              <a:ext uri="{FF2B5EF4-FFF2-40B4-BE49-F238E27FC236}">
+                <a16:creationId xmlns:a16="http://schemas.microsoft.com/office/drawing/2014/main" id="{072E4049-2722-5F41-8558-BD6A00C7A49C}"/>
+              </a:ext>
+            </a:extLst>
+          </p:cNvPr>
+          <p:cNvSpPr>
+            <a:spLocks noGrp="1"/>
+          </p:cNvSpPr>
+          <p:nvPr>
+            <p:ph type="body" sz="quarter" idx="24"/>
+          </p:nvPr>
+        </p:nvSpPr>
+        <p:spPr/>
+        <p:txBody>
+          <a:bodyPr/>
+          <a:lstStyle/>
+          <a:p>
+            <a:endParaRPr lang="en-GB"/>
+          </a:p>
+        </p:txBody>
+      </p:sp>
+      <p:sp>
+        <p:nvSpPr>
+          <p:cNvPr id="18" name="Textplatzhalter 17">
+            <a:extLst>
+              <a:ext uri="{FF2B5EF4-FFF2-40B4-BE49-F238E27FC236}">
+                <a16:creationId xmlns:a16="http://schemas.microsoft.com/office/drawing/2014/main" id="{9BDB0EA6-57D5-6544-A108-6EE3696AF8EC}"/>
+              </a:ext>
+            </a:extLst>
+          </p:cNvPr>
+          <p:cNvSpPr>
+            <a:spLocks noGrp="1"/>
+          </p:cNvSpPr>
+          <p:nvPr>
+            <p:ph type="body" sz="quarter" idx="25"/>
+          </p:nvPr>
+        </p:nvSpPr>
+        <p:spPr/>
+        <p:txBody>
+          <a:bodyPr>
+            <a:normAutofit fontScale="92500" lnSpcReduction="20000"/>
+          </a:bodyPr>
+          <a:lstStyle/>
+          <a:p>
+            <a:r>
+              <a:rPr lang="en-GB" dirty="0"/>
+              <a:t>06</a:t>
+            </a:r>
+          </a:p>
+        </p:txBody>
+      </p:sp>
+      <p:sp>
+        <p:nvSpPr>
+          <p:cNvPr id="19" name="Textplatzhalter 18">
+            <a:extLst>
+              <a:ext uri="{FF2B5EF4-FFF2-40B4-BE49-F238E27FC236}">
+                <a16:creationId xmlns:a16="http://schemas.microsoft.com/office/drawing/2014/main" id="{3A59FDCD-ADEF-9D4B-A050-FAC45E3037D5}"/>
+              </a:ext>
+            </a:extLst>
+          </p:cNvPr>
+          <p:cNvSpPr>
+            <a:spLocks noGrp="1"/>
+          </p:cNvSpPr>
+          <p:nvPr>
+            <p:ph type="body" sz="quarter" idx="26"/>
+          </p:nvPr>
+        </p:nvSpPr>
+        <p:spPr/>
+        <p:txBody>
+          <a:bodyPr/>
+          <a:lstStyle/>
+          <a:p>
+            <a:r>
+              <a:rPr lang="en-GB" dirty="0"/>
+              <a:t>Front de </a:t>
+            </a:r>
+            <a:r>
+              <a:rPr lang="en-GB" dirty="0" err="1"/>
+              <a:t>Ángular</a:t>
+            </a:r>
+            <a:r>
+              <a:rPr lang="en-GB" dirty="0"/>
               <a:t> </a:t>
             </a:r>
             <a:r>
-              <a:rPr lang="de-DE" dirty="0" err="1"/>
-              <a:t>por</a:t>
-            </a:r>
-            <a:r>
-              <a:rPr lang="de-DE" dirty="0"/>
+              <a:rPr lang="en-GB" dirty="0" err="1"/>
+              <a:t>dockerizado</a:t>
+            </a:r>
+            <a:endParaRPr lang="en-GB" dirty="0"/>
+          </a:p>
+          <a:p>
+            <a:endParaRPr lang="en-GB" dirty="0"/>
+          </a:p>
+        </p:txBody>
+      </p:sp>
+      <p:sp>
+        <p:nvSpPr>
+          <p:cNvPr id="20" name="Textplatzhalter 19">
+            <a:extLst>
+              <a:ext uri="{FF2B5EF4-FFF2-40B4-BE49-F238E27FC236}">
+                <a16:creationId xmlns:a16="http://schemas.microsoft.com/office/drawing/2014/main" id="{6454EFEE-E43A-7D48-AA31-7B9F561FE3DE}"/>
+              </a:ext>
+            </a:extLst>
+          </p:cNvPr>
+          <p:cNvSpPr>
+            <a:spLocks noGrp="1"/>
+          </p:cNvSpPr>
+          <p:nvPr>
+            <p:ph type="body" sz="quarter" idx="27"/>
+          </p:nvPr>
+        </p:nvSpPr>
+        <p:spPr/>
+        <p:txBody>
+          <a:bodyPr/>
+          <a:lstStyle/>
+          <a:p>
+            <a:endParaRPr lang="en-GB"/>
+          </a:p>
+        </p:txBody>
+      </p:sp>
+      <p:sp>
+        <p:nvSpPr>
+          <p:cNvPr id="21" name="Textplatzhalter 20">
+            <a:extLst>
+              <a:ext uri="{FF2B5EF4-FFF2-40B4-BE49-F238E27FC236}">
+                <a16:creationId xmlns:a16="http://schemas.microsoft.com/office/drawing/2014/main" id="{08678FF5-588D-4C4B-8DE4-917DFE20448F}"/>
+              </a:ext>
+            </a:extLst>
+          </p:cNvPr>
+          <p:cNvSpPr>
+            <a:spLocks noGrp="1"/>
+          </p:cNvSpPr>
+          <p:nvPr>
+            <p:ph type="body" sz="quarter" idx="28"/>
+          </p:nvPr>
+        </p:nvSpPr>
+        <p:spPr/>
+        <p:txBody>
+          <a:bodyPr>
+            <a:normAutofit fontScale="92500" lnSpcReduction="20000"/>
+          </a:bodyPr>
+          <a:lstStyle/>
+          <a:p>
+            <a:r>
+              <a:rPr lang="en-GB" dirty="0"/>
+              <a:t>07</a:t>
+            </a:r>
+          </a:p>
+        </p:txBody>
+      </p:sp>
+      <p:sp>
+        <p:nvSpPr>
+          <p:cNvPr id="22" name="Textplatzhalter 21">
+            <a:extLst>
+              <a:ext uri="{FF2B5EF4-FFF2-40B4-BE49-F238E27FC236}">
+                <a16:creationId xmlns:a16="http://schemas.microsoft.com/office/drawing/2014/main" id="{65FCAB75-3997-7345-A782-E50A53C2CB9A}"/>
+              </a:ext>
+            </a:extLst>
+          </p:cNvPr>
+          <p:cNvSpPr>
+            <a:spLocks noGrp="1"/>
+          </p:cNvSpPr>
+          <p:nvPr>
+            <p:ph type="body" sz="quarter" idx="29"/>
+          </p:nvPr>
+        </p:nvSpPr>
+        <p:spPr/>
+        <p:txBody>
+          <a:bodyPr/>
+          <a:lstStyle/>
+          <a:p>
+            <a:r>
+              <a:rPr lang="en-GB" dirty="0" err="1"/>
+              <a:t>Futuro</a:t>
+            </a:r>
+            <a:r>
+              <a:rPr lang="en-GB" dirty="0"/>
               <a:t> </a:t>
             </a:r>
             <a:r>
-              <a:rPr lang="de-DE" dirty="0" err="1"/>
-              <a:t>todas</a:t>
-            </a:r>
-            <a:r>
-              <a:rPr lang="de-DE" dirty="0"/>
-              <a:t> las </a:t>
-            </a:r>
-            <a:r>
-              <a:rPr lang="de-DE" dirty="0" err="1"/>
-              <a:t>fases</a:t>
-            </a:r>
-            <a:r>
-              <a:rPr lang="de-DE" dirty="0"/>
-              <a:t> del </a:t>
-            </a:r>
-            <a:r>
-              <a:rPr lang="de-DE" dirty="0" err="1"/>
+              <a:rPr lang="en-GB" dirty="0" err="1"/>
               <a:t>desarrollo</a:t>
             </a:r>
-            <a:r>
-              <a:rPr lang="de-DE" dirty="0"/>
-              <a:t> de </a:t>
-            </a:r>
-            <a:r>
-              <a:rPr lang="de-DE" dirty="0" err="1"/>
-              <a:t>una</a:t>
-            </a:r>
-            <a:r>
-              <a:rPr lang="de-DE" dirty="0"/>
-              <a:t> </a:t>
-            </a:r>
-            <a:r>
-              <a:rPr lang="de-DE" dirty="0" err="1"/>
-              <a:t>aplicación</a:t>
-            </a:r>
-            <a:r>
-              <a:rPr lang="de-DE" dirty="0"/>
-              <a:t> web </a:t>
-            </a:r>
-            <a:r>
-              <a:rPr lang="de-DE" dirty="0" err="1"/>
-              <a:t>para</a:t>
-            </a:r>
-            <a:r>
-              <a:rPr lang="de-DE" dirty="0"/>
-              <a:t> </a:t>
-            </a:r>
-            <a:r>
-              <a:rPr lang="de-DE" dirty="0" err="1"/>
-              <a:t>familiarizarse</a:t>
-            </a:r>
-            <a:r>
-              <a:rPr lang="de-DE" dirty="0"/>
-              <a:t> </a:t>
-            </a:r>
-            <a:r>
-              <a:rPr lang="de-DE" dirty="0" err="1"/>
-              <a:t>con</a:t>
-            </a:r>
-            <a:r>
-              <a:rPr lang="de-DE" dirty="0"/>
-              <a:t> </a:t>
-            </a:r>
-            <a:r>
-              <a:rPr lang="de-DE" dirty="0" err="1"/>
-              <a:t>todas</a:t>
-            </a:r>
-            <a:r>
-              <a:rPr lang="de-DE" dirty="0"/>
-              <a:t> las </a:t>
-            </a:r>
-            <a:r>
-              <a:rPr lang="de-DE" dirty="0" err="1"/>
-              <a:t>tecnologías</a:t>
-            </a:r>
-            <a:r>
-              <a:rPr lang="de-DE" dirty="0"/>
-              <a:t> </a:t>
-            </a:r>
-            <a:r>
-              <a:rPr lang="de-DE" dirty="0" err="1"/>
-              <a:t>que</a:t>
-            </a:r>
-            <a:r>
-              <a:rPr lang="de-DE" dirty="0"/>
-              <a:t> se </a:t>
-            </a:r>
-            <a:r>
-              <a:rPr lang="de-DE" dirty="0" err="1"/>
-              <a:t>encuentran</a:t>
-            </a:r>
-            <a:r>
-              <a:rPr lang="de-DE" dirty="0"/>
-              <a:t> en </a:t>
-            </a:r>
-            <a:r>
-              <a:rPr lang="de-DE" dirty="0" err="1"/>
-              <a:t>este</a:t>
-            </a:r>
-            <a:r>
-              <a:rPr lang="de-DE" dirty="0"/>
-              <a:t> </a:t>
-            </a:r>
-            <a:r>
-              <a:rPr lang="de-DE" dirty="0" err="1"/>
-              <a:t>dentro</a:t>
-            </a:r>
-            <a:r>
-              <a:rPr lang="de-DE" dirty="0"/>
-              <a:t> de </a:t>
-            </a:r>
-            <a:r>
-              <a:rPr lang="de-DE" dirty="0" err="1"/>
-              <a:t>una</a:t>
-            </a:r>
-            <a:r>
-              <a:rPr lang="de-DE" dirty="0"/>
-              <a:t> </a:t>
-            </a:r>
-            <a:r>
-              <a:rPr lang="de-DE" dirty="0" err="1"/>
-              <a:t>empresa</a:t>
-            </a:r>
-            <a:r>
-              <a:rPr lang="de-DE" dirty="0"/>
-              <a:t>.</a:t>
-            </a:r>
-          </a:p>
-          <a:p>
-            <a:pPr algn="just"/>
-            <a:r>
-              <a:rPr lang="de-DE" dirty="0"/>
-              <a:t>La </a:t>
-            </a:r>
-            <a:r>
-              <a:rPr lang="de-DE" dirty="0" err="1"/>
-              <a:t>temática</a:t>
-            </a:r>
-            <a:r>
-              <a:rPr lang="de-DE" dirty="0"/>
-              <a:t> de la </a:t>
-            </a:r>
-            <a:r>
-              <a:rPr lang="de-DE" dirty="0" err="1"/>
-              <a:t>aplicación</a:t>
-            </a:r>
-            <a:r>
-              <a:rPr lang="de-DE" dirty="0"/>
-              <a:t> a </a:t>
-            </a:r>
-            <a:r>
-              <a:rPr lang="de-DE" dirty="0" err="1"/>
-              <a:t>realizar</a:t>
-            </a:r>
-            <a:r>
-              <a:rPr lang="de-DE" dirty="0"/>
-              <a:t> </a:t>
-            </a:r>
-            <a:r>
-              <a:rPr lang="de-DE" dirty="0" err="1"/>
-              <a:t>será</a:t>
-            </a:r>
-            <a:r>
-              <a:rPr lang="de-DE" dirty="0"/>
-              <a:t> </a:t>
-            </a:r>
-            <a:r>
-              <a:rPr lang="de-DE" dirty="0" err="1"/>
-              <a:t>una</a:t>
-            </a:r>
-            <a:r>
-              <a:rPr lang="de-DE" dirty="0"/>
-              <a:t> </a:t>
-            </a:r>
-            <a:r>
-              <a:rPr lang="de-DE" dirty="0" err="1"/>
-              <a:t>página</a:t>
-            </a:r>
-            <a:r>
-              <a:rPr lang="de-DE" dirty="0"/>
-              <a:t> </a:t>
-            </a:r>
-            <a:r>
-              <a:rPr lang="de-DE" dirty="0" err="1"/>
-              <a:t>con</a:t>
-            </a:r>
-            <a:r>
-              <a:rPr lang="de-DE" dirty="0"/>
-              <a:t> </a:t>
-            </a:r>
-            <a:r>
-              <a:rPr lang="de-DE" dirty="0" err="1"/>
-              <a:t>autentificación</a:t>
-            </a:r>
-            <a:r>
-              <a:rPr lang="de-DE" dirty="0"/>
-              <a:t> </a:t>
-            </a:r>
-            <a:r>
-              <a:rPr lang="de-DE" dirty="0" err="1"/>
-              <a:t>que</a:t>
-            </a:r>
-            <a:r>
-              <a:rPr lang="de-DE" dirty="0"/>
-              <a:t> </a:t>
-            </a:r>
-            <a:r>
-              <a:rPr lang="de-DE" dirty="0" err="1"/>
-              <a:t>consulte</a:t>
-            </a:r>
-            <a:r>
-              <a:rPr lang="de-DE" dirty="0"/>
-              <a:t> </a:t>
-            </a:r>
-            <a:r>
-              <a:rPr lang="de-DE" dirty="0" err="1"/>
-              <a:t>una</a:t>
-            </a:r>
-            <a:r>
-              <a:rPr lang="de-DE" dirty="0"/>
-              <a:t> </a:t>
-            </a:r>
-            <a:r>
-              <a:rPr lang="de-DE" dirty="0" err="1"/>
-              <a:t>base</a:t>
-            </a:r>
-            <a:r>
-              <a:rPr lang="de-DE" dirty="0"/>
-              <a:t> de </a:t>
-            </a:r>
-            <a:r>
-              <a:rPr lang="de-DE" dirty="0" err="1"/>
-              <a:t>datos</a:t>
-            </a:r>
-            <a:r>
-              <a:rPr lang="de-DE" dirty="0"/>
-              <a:t> </a:t>
-            </a:r>
-            <a:r>
-              <a:rPr lang="de-DE" dirty="0" err="1"/>
-              <a:t>sobre</a:t>
-            </a:r>
-            <a:r>
-              <a:rPr lang="de-DE" dirty="0"/>
-              <a:t> </a:t>
-            </a:r>
-            <a:r>
-              <a:rPr lang="de-DE" dirty="0" err="1"/>
-              <a:t>vehiculos</a:t>
-            </a:r>
-            <a:r>
-              <a:rPr lang="de-DE" dirty="0"/>
-              <a:t> de </a:t>
-            </a:r>
-            <a:r>
-              <a:rPr lang="de-DE" dirty="0" err="1"/>
-              <a:t>usuarios</a:t>
-            </a:r>
-            <a:r>
-              <a:rPr lang="de-DE" dirty="0"/>
-              <a:t> </a:t>
-            </a:r>
-            <a:r>
-              <a:rPr lang="de-DE" dirty="0" err="1"/>
-              <a:t>registrados</a:t>
-            </a:r>
-            <a:r>
-              <a:rPr lang="de-DE" dirty="0"/>
-              <a:t>. </a:t>
-            </a:r>
-          </a:p>
-          <a:p>
-            <a:pPr algn="just"/>
-            <a:r>
-              <a:rPr lang="de-DE" dirty="0"/>
-              <a:t>Se </a:t>
-            </a:r>
-            <a:r>
-              <a:rPr lang="de-DE" dirty="0" err="1"/>
-              <a:t>tendrá</a:t>
-            </a:r>
-            <a:r>
-              <a:rPr lang="de-DE" dirty="0"/>
-              <a:t> en </a:t>
-            </a:r>
-            <a:r>
-              <a:rPr lang="de-DE" dirty="0" err="1"/>
-              <a:t>cuenta</a:t>
-            </a:r>
-            <a:r>
-              <a:rPr lang="de-DE" dirty="0"/>
-              <a:t> dos </a:t>
-            </a:r>
-            <a:r>
-              <a:rPr lang="de-DE" dirty="0" err="1"/>
-              <a:t>vistas</a:t>
-            </a:r>
-            <a:r>
-              <a:rPr lang="de-DE" dirty="0"/>
-              <a:t>: </a:t>
-            </a:r>
-          </a:p>
-          <a:p>
-            <a:pPr lvl="1" algn="just"/>
-            <a:r>
-              <a:rPr lang="de-DE" dirty="0" err="1"/>
-              <a:t>Usuario</a:t>
-            </a:r>
-            <a:r>
-              <a:rPr lang="de-DE" dirty="0"/>
-              <a:t> </a:t>
-            </a:r>
-            <a:r>
-              <a:rPr lang="de-DE" dirty="0" err="1"/>
-              <a:t>común</a:t>
-            </a:r>
-            <a:r>
-              <a:rPr lang="de-DE" dirty="0"/>
-              <a:t>.</a:t>
-            </a:r>
-          </a:p>
-          <a:p>
-            <a:pPr lvl="1" algn="just"/>
-            <a:r>
-              <a:rPr lang="de-DE" dirty="0" err="1"/>
-              <a:t>Usuario</a:t>
-            </a:r>
-            <a:r>
-              <a:rPr lang="de-DE" dirty="0"/>
-              <a:t> </a:t>
-            </a:r>
-            <a:r>
-              <a:rPr lang="de-DE" dirty="0" err="1"/>
-              <a:t>administrador</a:t>
-            </a:r>
-            <a:r>
-              <a:rPr lang="de-DE" dirty="0"/>
-              <a:t>.</a:t>
-            </a:r>
+            <a:endParaRPr lang="en-GB" dirty="0"/>
+          </a:p>
+        </p:txBody>
+      </p:sp>
+      <p:sp>
+        <p:nvSpPr>
+          <p:cNvPr id="23" name="Textplatzhalter 22">
+            <a:extLst>
+              <a:ext uri="{FF2B5EF4-FFF2-40B4-BE49-F238E27FC236}">
+                <a16:creationId xmlns:a16="http://schemas.microsoft.com/office/drawing/2014/main" id="{F67E914D-5FC1-E542-BEE2-10D6E40D1206}"/>
+              </a:ext>
+            </a:extLst>
+          </p:cNvPr>
+          <p:cNvSpPr>
+            <a:spLocks noGrp="1"/>
+          </p:cNvSpPr>
+          <p:nvPr>
+            <p:ph type="body" sz="quarter" idx="30"/>
+          </p:nvPr>
+        </p:nvSpPr>
+        <p:spPr/>
+        <p:txBody>
+          <a:bodyPr/>
+          <a:lstStyle/>
+          <a:p>
+            <a:endParaRPr lang="en-GB"/>
+          </a:p>
+        </p:txBody>
+      </p:sp>
+      <p:sp>
+        <p:nvSpPr>
+          <p:cNvPr id="24" name="Textplatzhalter 23">
+            <a:extLst>
+              <a:ext uri="{FF2B5EF4-FFF2-40B4-BE49-F238E27FC236}">
+                <a16:creationId xmlns:a16="http://schemas.microsoft.com/office/drawing/2014/main" id="{22F1B113-B102-9F4A-9EF5-E81A23850C89}"/>
+              </a:ext>
+            </a:extLst>
+          </p:cNvPr>
+          <p:cNvSpPr>
+            <a:spLocks noGrp="1"/>
+          </p:cNvSpPr>
+          <p:nvPr>
+            <p:ph type="body" sz="quarter" idx="31"/>
+          </p:nvPr>
+        </p:nvSpPr>
+        <p:spPr/>
+        <p:txBody>
+          <a:bodyPr>
+            <a:normAutofit fontScale="92500" lnSpcReduction="20000"/>
+          </a:bodyPr>
+          <a:lstStyle/>
+          <a:p>
+            <a:endParaRPr lang="en-GB"/>
+          </a:p>
+        </p:txBody>
+      </p:sp>
+      <p:sp>
+        <p:nvSpPr>
+          <p:cNvPr id="25" name="Textplatzhalter 24">
+            <a:extLst>
+              <a:ext uri="{FF2B5EF4-FFF2-40B4-BE49-F238E27FC236}">
+                <a16:creationId xmlns:a16="http://schemas.microsoft.com/office/drawing/2014/main" id="{342BAAD5-FC5C-8246-B661-9E9C17F8593B}"/>
+              </a:ext>
+            </a:extLst>
+          </p:cNvPr>
+          <p:cNvSpPr>
+            <a:spLocks noGrp="1"/>
+          </p:cNvSpPr>
+          <p:nvPr>
+            <p:ph type="body" sz="quarter" idx="32"/>
+          </p:nvPr>
+        </p:nvSpPr>
+        <p:spPr/>
+        <p:txBody>
+          <a:bodyPr/>
+          <a:lstStyle/>
+          <a:p>
+            <a:endParaRPr lang="en-GB" dirty="0"/>
+          </a:p>
+        </p:txBody>
+      </p:sp>
+      <p:sp>
+        <p:nvSpPr>
+          <p:cNvPr id="26" name="Textplatzhalter 25">
+            <a:extLst>
+              <a:ext uri="{FF2B5EF4-FFF2-40B4-BE49-F238E27FC236}">
+                <a16:creationId xmlns:a16="http://schemas.microsoft.com/office/drawing/2014/main" id="{E307D6A1-CC3C-A748-A22B-EC0B8EBC0423}"/>
+              </a:ext>
+            </a:extLst>
+          </p:cNvPr>
+          <p:cNvSpPr>
+            <a:spLocks noGrp="1"/>
+          </p:cNvSpPr>
+          <p:nvPr>
+            <p:ph type="body" sz="quarter" idx="33"/>
+          </p:nvPr>
+        </p:nvSpPr>
+        <p:spPr/>
+        <p:txBody>
+          <a:bodyPr/>
+          <a:lstStyle/>
+          <a:p>
+            <a:endParaRPr lang="en-GB"/>
           </a:p>
         </p:txBody>
       </p:sp>
       <p:pic>
         <p:nvPicPr>
-          <p:cNvPr id="2050" name="Picture 2" descr="Universidad de La Laguna (ULL) – 9º Encuentro BID">
-            <a:extLst>
-              <a:ext uri="{FF2B5EF4-FFF2-40B4-BE49-F238E27FC236}">
-                <a16:creationId xmlns:a16="http://schemas.microsoft.com/office/drawing/2014/main" id="{882940A1-F76E-46F8-8D6F-3B268F96020C}"/>
+          <p:cNvPr id="29" name="Picture 2" descr="Universidad de La Laguna (ULL) – 9º Encuentro BID">
+            <a:extLst>
+              <a:ext uri="{FF2B5EF4-FFF2-40B4-BE49-F238E27FC236}">
+                <a16:creationId xmlns:a16="http://schemas.microsoft.com/office/drawing/2014/main" id="{8A5729B5-076D-4877-B435-899362EAB932}"/>
               </a:ext>
             </a:extLst>
           </p:cNvPr>
@@ -6301,7 +7852,7 @@
     </p:spTree>
     <p:extLst>
       <p:ext uri="{BB962C8B-B14F-4D97-AF65-F5344CB8AC3E}">
-        <p14:creationId xmlns:p14="http://schemas.microsoft.com/office/powerpoint/2010/main" val="1982375980"/>
+        <p14:creationId xmlns:p14="http://schemas.microsoft.com/office/powerpoint/2010/main" val="4011704012"/>
       </p:ext>
     </p:extLst>
   </p:cSld>
@@ -6333,7 +7884,7 @@
           <p:cNvPr id="2" name="Titel 1">
             <a:extLst>
               <a:ext uri="{FF2B5EF4-FFF2-40B4-BE49-F238E27FC236}">
-                <a16:creationId xmlns:a16="http://schemas.microsoft.com/office/drawing/2014/main" id="{C75C8B60-4D78-7840-9EDC-6065584CB1ED}"/>
+                <a16:creationId xmlns:a16="http://schemas.microsoft.com/office/drawing/2014/main" id="{577718E3-62E8-4D37-AEFF-2A611E32F1A9}"/>
               </a:ext>
             </a:extLst>
           </p:cNvPr>
@@ -6344,7 +7895,12 @@
             <p:ph type="title"/>
           </p:nvPr>
         </p:nvSpPr>
-        <p:spPr/>
+        <p:spPr>
+          <a:xfrm>
+            <a:off x="358811" y="295682"/>
+            <a:ext cx="8139237" cy="474040"/>
+          </a:xfrm>
+        </p:spPr>
         <p:txBody>
           <a:bodyPr>
             <a:normAutofit fontScale="90000"/>
@@ -6352,57 +7908,42 @@
           <a:lstStyle/>
           <a:p>
             <a:r>
+              <a:rPr lang="es-ES" dirty="0"/>
+              <a:t>1- </a:t>
+            </a:r>
+            <a:r>
               <a:rPr lang="en-GB" dirty="0" err="1"/>
-              <a:t>Contenidos</a:t>
-            </a:r>
-            <a:endParaRPr lang="en-GB" dirty="0"/>
-          </a:p>
-        </p:txBody>
-      </p:sp>
-      <p:sp>
-        <p:nvSpPr>
-          <p:cNvPr id="3" name="Textplatzhalter 2">
-            <a:extLst>
-              <a:ext uri="{FF2B5EF4-FFF2-40B4-BE49-F238E27FC236}">
-                <a16:creationId xmlns:a16="http://schemas.microsoft.com/office/drawing/2014/main" id="{841AD793-9133-DC43-AAFB-E455D192115B}"/>
-              </a:ext>
-            </a:extLst>
-          </p:cNvPr>
-          <p:cNvSpPr>
-            <a:spLocks noGrp="1"/>
-          </p:cNvSpPr>
-          <p:nvPr>
-            <p:ph type="body" sz="quarter" idx="10"/>
-          </p:nvPr>
-        </p:nvSpPr>
-        <p:spPr/>
-        <p:txBody>
-          <a:bodyPr>
-            <a:normAutofit fontScale="92500" lnSpcReduction="20000"/>
-          </a:bodyPr>
-          <a:lstStyle/>
-          <a:p>
+              <a:t>.Net</a:t>
+            </a:r>
             <a:r>
               <a:rPr lang="en-GB" dirty="0"/>
-              <a:t>01</a:t>
-            </a:r>
-          </a:p>
-        </p:txBody>
-      </p:sp>
-      <p:sp>
-        <p:nvSpPr>
-          <p:cNvPr id="4" name="Textplatzhalter 3">
-            <a:extLst>
-              <a:ext uri="{FF2B5EF4-FFF2-40B4-BE49-F238E27FC236}">
-                <a16:creationId xmlns:a16="http://schemas.microsoft.com/office/drawing/2014/main" id="{AEC8F7D5-C2F4-4F4A-BA4C-B1D9D3101CAA}"/>
-              </a:ext>
-            </a:extLst>
-          </p:cNvPr>
-          <p:cNvSpPr>
-            <a:spLocks noGrp="1"/>
-          </p:cNvSpPr>
-          <p:nvPr>
-            <p:ph type="body" sz="quarter" idx="11"/>
+              <a:t> Core API </a:t>
+            </a:r>
+            <a:r>
+              <a:rPr lang="en-GB" dirty="0" err="1"/>
+              <a:t>inicializada</a:t>
+            </a:r>
+            <a:br>
+              <a:rPr lang="en-GB" dirty="0"/>
+            </a:br>
+            <a:endParaRPr lang="de-DE" dirty="0"/>
+          </a:p>
+        </p:txBody>
+      </p:sp>
+      <p:sp>
+        <p:nvSpPr>
+          <p:cNvPr id="3" name="Inhaltsplatzhalter 2">
+            <a:extLst>
+              <a:ext uri="{FF2B5EF4-FFF2-40B4-BE49-F238E27FC236}">
+                <a16:creationId xmlns:a16="http://schemas.microsoft.com/office/drawing/2014/main" id="{7F1FDFB0-D952-4E0F-94FA-D47BF67ED655}"/>
+              </a:ext>
+            </a:extLst>
+          </p:cNvPr>
+          <p:cNvSpPr>
+            <a:spLocks noGrp="1"/>
+          </p:cNvSpPr>
+          <p:nvPr>
+            <p:ph idx="1"/>
           </p:nvPr>
         </p:nvSpPr>
         <p:spPr/>
@@ -6410,662 +7951,420 @@
           <a:bodyPr/>
           <a:lstStyle/>
           <a:p>
-            <a:r>
-              <a:rPr lang="en-GB" dirty="0" err="1"/>
+            <a:pPr algn="just"/>
+            <a:r>
+              <a:rPr lang="en-US" dirty="0"/>
+              <a:t>Se </a:t>
+            </a:r>
+            <a:r>
+              <a:rPr lang="en-US" dirty="0" err="1"/>
+              <a:t>han</a:t>
+            </a:r>
+            <a:r>
+              <a:rPr lang="en-US" dirty="0"/>
+              <a:t> </a:t>
+            </a:r>
+            <a:r>
+              <a:rPr lang="en-US" dirty="0" err="1"/>
+              <a:t>empezado</a:t>
+            </a:r>
+            <a:r>
+              <a:rPr lang="en-US" dirty="0"/>
+              <a:t> por un </a:t>
+            </a:r>
+            <a:r>
+              <a:rPr lang="en-US" dirty="0" err="1"/>
+              <a:t>proceso</a:t>
+            </a:r>
+            <a:r>
+              <a:rPr lang="en-US" dirty="0"/>
+              <a:t> de </a:t>
+            </a:r>
+            <a:r>
+              <a:rPr lang="en-US" dirty="0" err="1"/>
+              <a:t>aprendizaje</a:t>
+            </a:r>
+            <a:r>
+              <a:rPr lang="en-US" dirty="0"/>
+              <a:t> </a:t>
+            </a:r>
+            <a:r>
+              <a:rPr lang="en-US" dirty="0" err="1"/>
+              <a:t>básico</a:t>
+            </a:r>
+            <a:r>
+              <a:rPr lang="en-US" dirty="0"/>
+              <a:t> </a:t>
+            </a:r>
+            <a:r>
+              <a:rPr lang="en-US" dirty="0" err="1"/>
+              <a:t>sobre</a:t>
+            </a:r>
+            <a:r>
+              <a:rPr lang="en-US" dirty="0"/>
+              <a:t> C# y </a:t>
+            </a:r>
+            <a:r>
+              <a:rPr lang="en-US" dirty="0" err="1"/>
               <a:t>.Net</a:t>
             </a:r>
             <a:r>
-              <a:rPr lang="en-GB" dirty="0"/>
-              <a:t> API </a:t>
-            </a:r>
-            <a:r>
-              <a:rPr lang="en-GB" dirty="0" err="1"/>
-              <a:t>inicializada</a:t>
-            </a:r>
-            <a:endParaRPr lang="en-GB" dirty="0"/>
-          </a:p>
-        </p:txBody>
-      </p:sp>
-      <p:sp>
-        <p:nvSpPr>
-          <p:cNvPr id="5" name="Textplatzhalter 4">
-            <a:extLst>
-              <a:ext uri="{FF2B5EF4-FFF2-40B4-BE49-F238E27FC236}">
-                <a16:creationId xmlns:a16="http://schemas.microsoft.com/office/drawing/2014/main" id="{EF0B4994-E591-2D4C-8FF0-E385E842C9FC}"/>
-              </a:ext>
-            </a:extLst>
-          </p:cNvPr>
-          <p:cNvSpPr>
-            <a:spLocks noGrp="1"/>
-          </p:cNvSpPr>
-          <p:nvPr>
-            <p:ph type="body" sz="quarter" idx="12"/>
-          </p:nvPr>
-        </p:nvSpPr>
-        <p:spPr/>
-        <p:txBody>
-          <a:bodyPr/>
-          <a:lstStyle/>
-          <a:p>
-            <a:endParaRPr lang="en-GB"/>
-          </a:p>
-        </p:txBody>
-      </p:sp>
-      <p:sp>
-        <p:nvSpPr>
-          <p:cNvPr id="6" name="Textplatzhalter 5">
-            <a:extLst>
-              <a:ext uri="{FF2B5EF4-FFF2-40B4-BE49-F238E27FC236}">
-                <a16:creationId xmlns:a16="http://schemas.microsoft.com/office/drawing/2014/main" id="{4ABACCBB-64F8-6F41-A4B1-298FB6C7919D}"/>
-              </a:ext>
-            </a:extLst>
-          </p:cNvPr>
-          <p:cNvSpPr>
-            <a:spLocks noGrp="1"/>
-          </p:cNvSpPr>
-          <p:nvPr>
-            <p:ph type="body" sz="quarter" idx="13"/>
-          </p:nvPr>
-        </p:nvSpPr>
-        <p:spPr/>
-        <p:txBody>
-          <a:bodyPr>
-            <a:normAutofit fontScale="92500" lnSpcReduction="20000"/>
-          </a:bodyPr>
-          <a:lstStyle/>
-          <a:p>
-            <a:r>
-              <a:rPr lang="en-GB" dirty="0"/>
-              <a:t>02</a:t>
-            </a:r>
-          </a:p>
-        </p:txBody>
-      </p:sp>
-      <p:sp>
-        <p:nvSpPr>
-          <p:cNvPr id="7" name="Textplatzhalter 6">
-            <a:extLst>
-              <a:ext uri="{FF2B5EF4-FFF2-40B4-BE49-F238E27FC236}">
-                <a16:creationId xmlns:a16="http://schemas.microsoft.com/office/drawing/2014/main" id="{F0542DD3-AA3E-4D4A-AAF7-C3909DF1DDA3}"/>
-              </a:ext>
-            </a:extLst>
-          </p:cNvPr>
-          <p:cNvSpPr>
-            <a:spLocks noGrp="1"/>
-          </p:cNvSpPr>
-          <p:nvPr>
-            <p:ph type="body" sz="quarter" idx="14"/>
-          </p:nvPr>
-        </p:nvSpPr>
-        <p:spPr/>
-        <p:txBody>
-          <a:bodyPr/>
-          <a:lstStyle/>
-          <a:p>
-            <a:r>
-              <a:rPr lang="en-GB" dirty="0" err="1"/>
-              <a:t>Documentación</a:t>
-            </a:r>
-            <a:r>
-              <a:rPr lang="en-GB" dirty="0"/>
-              <a:t> de Swagger</a:t>
-            </a:r>
-          </a:p>
-        </p:txBody>
-      </p:sp>
-      <p:sp>
-        <p:nvSpPr>
-          <p:cNvPr id="8" name="Textplatzhalter 7">
-            <a:extLst>
-              <a:ext uri="{FF2B5EF4-FFF2-40B4-BE49-F238E27FC236}">
-                <a16:creationId xmlns:a16="http://schemas.microsoft.com/office/drawing/2014/main" id="{D61743BB-91B4-7942-92FE-FAFB6B961B1A}"/>
-              </a:ext>
-            </a:extLst>
-          </p:cNvPr>
-          <p:cNvSpPr>
-            <a:spLocks noGrp="1"/>
-          </p:cNvSpPr>
-          <p:nvPr>
-            <p:ph type="body" sz="quarter" idx="15"/>
-          </p:nvPr>
-        </p:nvSpPr>
-        <p:spPr/>
-        <p:txBody>
-          <a:bodyPr/>
-          <a:lstStyle/>
-          <a:p>
-            <a:endParaRPr lang="en-GB"/>
-          </a:p>
-        </p:txBody>
-      </p:sp>
-      <p:sp>
-        <p:nvSpPr>
-          <p:cNvPr id="9" name="Textplatzhalter 8">
-            <a:extLst>
-              <a:ext uri="{FF2B5EF4-FFF2-40B4-BE49-F238E27FC236}">
-                <a16:creationId xmlns:a16="http://schemas.microsoft.com/office/drawing/2014/main" id="{3CF807BA-B03F-9A4D-9813-3EC55704AF8F}"/>
-              </a:ext>
-            </a:extLst>
-          </p:cNvPr>
-          <p:cNvSpPr>
-            <a:spLocks noGrp="1"/>
-          </p:cNvSpPr>
-          <p:nvPr>
-            <p:ph type="body" sz="quarter" idx="16"/>
-          </p:nvPr>
-        </p:nvSpPr>
-        <p:spPr/>
-        <p:txBody>
-          <a:bodyPr>
-            <a:normAutofit fontScale="92500" lnSpcReduction="20000"/>
-          </a:bodyPr>
-          <a:lstStyle/>
-          <a:p>
-            <a:r>
-              <a:rPr lang="en-GB" dirty="0"/>
-              <a:t>03</a:t>
-            </a:r>
-          </a:p>
-        </p:txBody>
-      </p:sp>
-      <p:sp>
-        <p:nvSpPr>
-          <p:cNvPr id="10" name="Textplatzhalter 9">
-            <a:extLst>
-              <a:ext uri="{FF2B5EF4-FFF2-40B4-BE49-F238E27FC236}">
-                <a16:creationId xmlns:a16="http://schemas.microsoft.com/office/drawing/2014/main" id="{92A467A7-AE4A-6F4B-8231-4F109437C9EA}"/>
-              </a:ext>
-            </a:extLst>
-          </p:cNvPr>
-          <p:cNvSpPr>
-            <a:spLocks noGrp="1"/>
-          </p:cNvSpPr>
-          <p:nvPr>
-            <p:ph type="body" sz="quarter" idx="17"/>
-          </p:nvPr>
-        </p:nvSpPr>
-        <p:spPr/>
-        <p:txBody>
-          <a:bodyPr/>
-          <a:lstStyle/>
-          <a:p>
-            <a:r>
-              <a:rPr lang="en-GB" dirty="0" err="1"/>
-              <a:t>Autentificación</a:t>
-            </a:r>
-            <a:r>
-              <a:rPr lang="en-GB" dirty="0"/>
-              <a:t> base</a:t>
-            </a:r>
-          </a:p>
-        </p:txBody>
-      </p:sp>
-      <p:sp>
-        <p:nvSpPr>
-          <p:cNvPr id="11" name="Textplatzhalter 10">
-            <a:extLst>
-              <a:ext uri="{FF2B5EF4-FFF2-40B4-BE49-F238E27FC236}">
-                <a16:creationId xmlns:a16="http://schemas.microsoft.com/office/drawing/2014/main" id="{A1BB600B-AB3E-8F4C-9058-742AFF10DC39}"/>
-              </a:ext>
-            </a:extLst>
-          </p:cNvPr>
-          <p:cNvSpPr>
-            <a:spLocks noGrp="1"/>
-          </p:cNvSpPr>
-          <p:nvPr>
-            <p:ph type="body" sz="quarter" idx="18"/>
-          </p:nvPr>
-        </p:nvSpPr>
-        <p:spPr/>
-        <p:txBody>
-          <a:bodyPr/>
-          <a:lstStyle/>
-          <a:p>
-            <a:endParaRPr lang="en-GB" dirty="0"/>
-          </a:p>
-        </p:txBody>
-      </p:sp>
-      <p:sp>
-        <p:nvSpPr>
-          <p:cNvPr id="12" name="Textplatzhalter 11">
-            <a:extLst>
-              <a:ext uri="{FF2B5EF4-FFF2-40B4-BE49-F238E27FC236}">
-                <a16:creationId xmlns:a16="http://schemas.microsoft.com/office/drawing/2014/main" id="{CF710306-67F1-6E40-88E4-AEC2F5418724}"/>
-              </a:ext>
-            </a:extLst>
-          </p:cNvPr>
-          <p:cNvSpPr>
-            <a:spLocks noGrp="1"/>
-          </p:cNvSpPr>
-          <p:nvPr>
-            <p:ph type="body" sz="quarter" idx="19"/>
-          </p:nvPr>
-        </p:nvSpPr>
-        <p:spPr/>
-        <p:txBody>
-          <a:bodyPr>
-            <a:normAutofit fontScale="92500" lnSpcReduction="20000"/>
-          </a:bodyPr>
-          <a:lstStyle/>
-          <a:p>
-            <a:r>
-              <a:rPr lang="en-GB" dirty="0"/>
-              <a:t>04</a:t>
-            </a:r>
-          </a:p>
-        </p:txBody>
-      </p:sp>
-      <p:sp>
-        <p:nvSpPr>
-          <p:cNvPr id="13" name="Textplatzhalter 12">
-            <a:extLst>
-              <a:ext uri="{FF2B5EF4-FFF2-40B4-BE49-F238E27FC236}">
-                <a16:creationId xmlns:a16="http://schemas.microsoft.com/office/drawing/2014/main" id="{C2A8895F-D2CA-9842-8AA9-F0C5543438B2}"/>
-              </a:ext>
-            </a:extLst>
-          </p:cNvPr>
-          <p:cNvSpPr>
-            <a:spLocks noGrp="1"/>
-          </p:cNvSpPr>
-          <p:nvPr>
-            <p:ph type="body" sz="quarter" idx="20"/>
-          </p:nvPr>
-        </p:nvSpPr>
-        <p:spPr/>
-        <p:txBody>
-          <a:bodyPr/>
-          <a:lstStyle/>
-          <a:p>
-            <a:r>
-              <a:rPr lang="en-GB" dirty="0" err="1"/>
-              <a:t>Peticiones</a:t>
-            </a:r>
-            <a:r>
-              <a:rPr lang="en-GB" dirty="0"/>
+              <a:rPr lang="en-US" dirty="0"/>
+              <a:t> Core para </a:t>
+            </a:r>
+            <a:r>
+              <a:rPr lang="en-US" dirty="0" err="1"/>
+              <a:t>empezar</a:t>
+            </a:r>
+            <a:r>
+              <a:rPr lang="en-US" dirty="0"/>
+              <a:t> a </a:t>
+            </a:r>
+            <a:r>
+              <a:rPr lang="en-US" dirty="0" err="1"/>
+              <a:t>trabajar</a:t>
+            </a:r>
+            <a:r>
+              <a:rPr lang="en-US" dirty="0"/>
+              <a:t> con la </a:t>
+            </a:r>
+            <a:r>
+              <a:rPr lang="en-US" dirty="0" err="1"/>
+              <a:t>definición</a:t>
+            </a:r>
+            <a:r>
+              <a:rPr lang="en-US" dirty="0"/>
+              <a:t> de la API. Para </a:t>
+            </a:r>
+            <a:r>
+              <a:rPr lang="en-US" dirty="0" err="1"/>
+              <a:t>ello</a:t>
+            </a:r>
+            <a:r>
+              <a:rPr lang="en-US" dirty="0"/>
+              <a:t> se </a:t>
+            </a:r>
+            <a:r>
+              <a:rPr lang="en-US" dirty="0" err="1"/>
+              <a:t>han</a:t>
+            </a:r>
+            <a:r>
+              <a:rPr lang="en-US" dirty="0"/>
               <a:t> </a:t>
             </a:r>
             <a:r>
-              <a:rPr lang="en-GB" dirty="0" err="1"/>
+              <a:rPr lang="en-US" dirty="0" err="1"/>
+              <a:t>consultado</a:t>
+            </a:r>
+            <a:r>
+              <a:rPr lang="en-US" dirty="0"/>
+              <a:t> </a:t>
+            </a:r>
+            <a:r>
+              <a:rPr lang="en-US" dirty="0" err="1"/>
+              <a:t>recursos</a:t>
+            </a:r>
+            <a:r>
+              <a:rPr lang="en-US" dirty="0"/>
+              <a:t> </a:t>
+            </a:r>
+            <a:r>
+              <a:rPr lang="en-US" dirty="0" err="1"/>
               <a:t>en</a:t>
             </a:r>
             <a:r>
-              <a:rPr lang="en-GB" dirty="0"/>
-              <a:t> Postman y Swagger</a:t>
-            </a:r>
-          </a:p>
-        </p:txBody>
-      </p:sp>
-      <p:sp>
-        <p:nvSpPr>
-          <p:cNvPr id="14" name="Textplatzhalter 13">
-            <a:extLst>
-              <a:ext uri="{FF2B5EF4-FFF2-40B4-BE49-F238E27FC236}">
-                <a16:creationId xmlns:a16="http://schemas.microsoft.com/office/drawing/2014/main" id="{3A91CB79-B834-D141-B50E-0CFE2E1EA3E7}"/>
-              </a:ext>
-            </a:extLst>
-          </p:cNvPr>
-          <p:cNvSpPr>
-            <a:spLocks noGrp="1"/>
-          </p:cNvSpPr>
-          <p:nvPr>
-            <p:ph type="body" sz="quarter" idx="21"/>
-          </p:nvPr>
-        </p:nvSpPr>
-        <p:spPr/>
-        <p:txBody>
-          <a:bodyPr/>
-          <a:lstStyle/>
-          <a:p>
-            <a:endParaRPr lang="en-GB"/>
-          </a:p>
-        </p:txBody>
-      </p:sp>
-      <p:sp>
-        <p:nvSpPr>
-          <p:cNvPr id="15" name="Textplatzhalter 14">
-            <a:extLst>
-              <a:ext uri="{FF2B5EF4-FFF2-40B4-BE49-F238E27FC236}">
-                <a16:creationId xmlns:a16="http://schemas.microsoft.com/office/drawing/2014/main" id="{8C13639C-4B91-8441-85CA-6D6EABEC8B35}"/>
-              </a:ext>
-            </a:extLst>
-          </p:cNvPr>
-          <p:cNvSpPr>
-            <a:spLocks noGrp="1"/>
-          </p:cNvSpPr>
-          <p:nvPr>
-            <p:ph type="body" sz="quarter" idx="22"/>
-          </p:nvPr>
-        </p:nvSpPr>
-        <p:spPr/>
-        <p:txBody>
-          <a:bodyPr>
-            <a:normAutofit fontScale="92500" lnSpcReduction="20000"/>
-          </a:bodyPr>
-          <a:lstStyle/>
-          <a:p>
-            <a:r>
-              <a:rPr lang="en-GB" dirty="0"/>
-              <a:t>05</a:t>
-            </a:r>
-          </a:p>
-        </p:txBody>
-      </p:sp>
-      <p:sp>
-        <p:nvSpPr>
-          <p:cNvPr id="16" name="Textplatzhalter 15">
-            <a:extLst>
-              <a:ext uri="{FF2B5EF4-FFF2-40B4-BE49-F238E27FC236}">
-                <a16:creationId xmlns:a16="http://schemas.microsoft.com/office/drawing/2014/main" id="{1EAE3097-F910-B540-946F-9001EF988E59}"/>
-              </a:ext>
-            </a:extLst>
-          </p:cNvPr>
-          <p:cNvSpPr>
-            <a:spLocks noGrp="1"/>
-          </p:cNvSpPr>
-          <p:nvPr>
-            <p:ph type="body" sz="quarter" idx="23"/>
-          </p:nvPr>
-        </p:nvSpPr>
-        <p:spPr/>
-        <p:txBody>
-          <a:bodyPr/>
-          <a:lstStyle/>
-          <a:p>
-            <a:r>
-              <a:rPr lang="en-GB" dirty="0"/>
-              <a:t>SQL Server</a:t>
-            </a:r>
-          </a:p>
-        </p:txBody>
-      </p:sp>
-      <p:sp>
-        <p:nvSpPr>
-          <p:cNvPr id="17" name="Textplatzhalter 16">
-            <a:extLst>
-              <a:ext uri="{FF2B5EF4-FFF2-40B4-BE49-F238E27FC236}">
-                <a16:creationId xmlns:a16="http://schemas.microsoft.com/office/drawing/2014/main" id="{072E4049-2722-5F41-8558-BD6A00C7A49C}"/>
-              </a:ext>
-            </a:extLst>
-          </p:cNvPr>
-          <p:cNvSpPr>
-            <a:spLocks noGrp="1"/>
-          </p:cNvSpPr>
-          <p:nvPr>
-            <p:ph type="body" sz="quarter" idx="24"/>
-          </p:nvPr>
-        </p:nvSpPr>
-        <p:spPr/>
-        <p:txBody>
-          <a:bodyPr/>
-          <a:lstStyle/>
-          <a:p>
-            <a:endParaRPr lang="en-GB"/>
-          </a:p>
-        </p:txBody>
-      </p:sp>
-      <p:sp>
-        <p:nvSpPr>
-          <p:cNvPr id="18" name="Textplatzhalter 17">
-            <a:extLst>
-              <a:ext uri="{FF2B5EF4-FFF2-40B4-BE49-F238E27FC236}">
-                <a16:creationId xmlns:a16="http://schemas.microsoft.com/office/drawing/2014/main" id="{9BDB0EA6-57D5-6544-A108-6EE3696AF8EC}"/>
-              </a:ext>
-            </a:extLst>
-          </p:cNvPr>
-          <p:cNvSpPr>
-            <a:spLocks noGrp="1"/>
-          </p:cNvSpPr>
-          <p:nvPr>
-            <p:ph type="body" sz="quarter" idx="25"/>
-          </p:nvPr>
-        </p:nvSpPr>
-        <p:spPr/>
-        <p:txBody>
-          <a:bodyPr>
-            <a:normAutofit fontScale="92500" lnSpcReduction="20000"/>
-          </a:bodyPr>
-          <a:lstStyle/>
-          <a:p>
-            <a:r>
-              <a:rPr lang="en-GB" dirty="0"/>
-              <a:t>06</a:t>
-            </a:r>
-          </a:p>
-        </p:txBody>
-      </p:sp>
-      <p:sp>
-        <p:nvSpPr>
-          <p:cNvPr id="19" name="Textplatzhalter 18">
-            <a:extLst>
-              <a:ext uri="{FF2B5EF4-FFF2-40B4-BE49-F238E27FC236}">
-                <a16:creationId xmlns:a16="http://schemas.microsoft.com/office/drawing/2014/main" id="{3A59FDCD-ADEF-9D4B-A050-FAC45E3037D5}"/>
-              </a:ext>
-            </a:extLst>
-          </p:cNvPr>
-          <p:cNvSpPr>
-            <a:spLocks noGrp="1"/>
-          </p:cNvSpPr>
-          <p:nvPr>
-            <p:ph type="body" sz="quarter" idx="26"/>
-          </p:nvPr>
-        </p:nvSpPr>
-        <p:spPr/>
-        <p:txBody>
-          <a:bodyPr/>
-          <a:lstStyle/>
-          <a:p>
-            <a:r>
-              <a:rPr lang="en-GB" dirty="0" err="1"/>
-              <a:t>Dockerización</a:t>
-            </a:r>
-            <a:endParaRPr lang="en-GB" dirty="0"/>
-          </a:p>
-        </p:txBody>
-      </p:sp>
-      <p:sp>
-        <p:nvSpPr>
-          <p:cNvPr id="20" name="Textplatzhalter 19">
-            <a:extLst>
-              <a:ext uri="{FF2B5EF4-FFF2-40B4-BE49-F238E27FC236}">
-                <a16:creationId xmlns:a16="http://schemas.microsoft.com/office/drawing/2014/main" id="{6454EFEE-E43A-7D48-AA31-7B9F561FE3DE}"/>
-              </a:ext>
-            </a:extLst>
-          </p:cNvPr>
-          <p:cNvSpPr>
-            <a:spLocks noGrp="1"/>
-          </p:cNvSpPr>
-          <p:nvPr>
-            <p:ph type="body" sz="quarter" idx="27"/>
-          </p:nvPr>
-        </p:nvSpPr>
-        <p:spPr/>
-        <p:txBody>
-          <a:bodyPr/>
-          <a:lstStyle/>
-          <a:p>
-            <a:endParaRPr lang="en-GB"/>
-          </a:p>
-        </p:txBody>
-      </p:sp>
-      <p:sp>
-        <p:nvSpPr>
-          <p:cNvPr id="21" name="Textplatzhalter 20">
-            <a:extLst>
-              <a:ext uri="{FF2B5EF4-FFF2-40B4-BE49-F238E27FC236}">
-                <a16:creationId xmlns:a16="http://schemas.microsoft.com/office/drawing/2014/main" id="{08678FF5-588D-4C4B-8DE4-917DFE20448F}"/>
-              </a:ext>
-            </a:extLst>
-          </p:cNvPr>
-          <p:cNvSpPr>
-            <a:spLocks noGrp="1"/>
-          </p:cNvSpPr>
-          <p:nvPr>
-            <p:ph type="body" sz="quarter" idx="28"/>
-          </p:nvPr>
-        </p:nvSpPr>
-        <p:spPr/>
-        <p:txBody>
-          <a:bodyPr>
-            <a:normAutofit fontScale="92500" lnSpcReduction="20000"/>
-          </a:bodyPr>
-          <a:lstStyle/>
-          <a:p>
-            <a:r>
-              <a:rPr lang="en-GB" dirty="0"/>
-              <a:t>07</a:t>
-            </a:r>
-          </a:p>
-        </p:txBody>
-      </p:sp>
-      <p:sp>
-        <p:nvSpPr>
-          <p:cNvPr id="22" name="Textplatzhalter 21">
-            <a:extLst>
-              <a:ext uri="{FF2B5EF4-FFF2-40B4-BE49-F238E27FC236}">
-                <a16:creationId xmlns:a16="http://schemas.microsoft.com/office/drawing/2014/main" id="{65FCAB75-3997-7345-A782-E50A53C2CB9A}"/>
-              </a:ext>
-            </a:extLst>
-          </p:cNvPr>
-          <p:cNvSpPr>
-            <a:spLocks noGrp="1"/>
-          </p:cNvSpPr>
-          <p:nvPr>
-            <p:ph type="body" sz="quarter" idx="29"/>
-          </p:nvPr>
-        </p:nvSpPr>
-        <p:spPr/>
-        <p:txBody>
-          <a:bodyPr/>
-          <a:lstStyle/>
-          <a:p>
-            <a:r>
-              <a:rPr lang="en-GB" dirty="0"/>
-              <a:t>Front de </a:t>
-            </a:r>
-            <a:r>
-              <a:rPr lang="en-GB" dirty="0" err="1"/>
-              <a:t>Ángular</a:t>
-            </a:r>
-            <a:r>
-              <a:rPr lang="en-GB" dirty="0"/>
+              <a:rPr lang="en-US" dirty="0"/>
               <a:t> </a:t>
             </a:r>
             <a:r>
-              <a:rPr lang="en-GB" dirty="0" err="1"/>
-              <a:t>dockerizado</a:t>
-            </a:r>
-            <a:endParaRPr lang="en-GB" dirty="0"/>
-          </a:p>
-        </p:txBody>
-      </p:sp>
-      <p:sp>
-        <p:nvSpPr>
-          <p:cNvPr id="23" name="Textplatzhalter 22">
-            <a:extLst>
-              <a:ext uri="{FF2B5EF4-FFF2-40B4-BE49-F238E27FC236}">
-                <a16:creationId xmlns:a16="http://schemas.microsoft.com/office/drawing/2014/main" id="{F67E914D-5FC1-E542-BEE2-10D6E40D1206}"/>
-              </a:ext>
-            </a:extLst>
-          </p:cNvPr>
-          <p:cNvSpPr>
-            <a:spLocks noGrp="1"/>
-          </p:cNvSpPr>
-          <p:nvPr>
-            <p:ph type="body" sz="quarter" idx="30"/>
-          </p:nvPr>
-        </p:nvSpPr>
-        <p:spPr/>
-        <p:txBody>
-          <a:bodyPr/>
-          <a:lstStyle/>
-          <a:p>
-            <a:endParaRPr lang="en-GB"/>
-          </a:p>
-        </p:txBody>
-      </p:sp>
-      <p:sp>
-        <p:nvSpPr>
-          <p:cNvPr id="24" name="Textplatzhalter 23">
-            <a:extLst>
-              <a:ext uri="{FF2B5EF4-FFF2-40B4-BE49-F238E27FC236}">
-                <a16:creationId xmlns:a16="http://schemas.microsoft.com/office/drawing/2014/main" id="{22F1B113-B102-9F4A-9EF5-E81A23850C89}"/>
-              </a:ext>
-            </a:extLst>
-          </p:cNvPr>
-          <p:cNvSpPr>
-            <a:spLocks noGrp="1"/>
-          </p:cNvSpPr>
-          <p:nvPr>
-            <p:ph type="body" sz="quarter" idx="31"/>
-          </p:nvPr>
-        </p:nvSpPr>
-        <p:spPr/>
-        <p:txBody>
-          <a:bodyPr>
-            <a:normAutofit fontScale="92500" lnSpcReduction="20000"/>
-          </a:bodyPr>
-          <a:lstStyle/>
-          <a:p>
-            <a:endParaRPr lang="en-GB"/>
-          </a:p>
-        </p:txBody>
-      </p:sp>
-      <p:sp>
-        <p:nvSpPr>
-          <p:cNvPr id="25" name="Textplatzhalter 24">
-            <a:extLst>
-              <a:ext uri="{FF2B5EF4-FFF2-40B4-BE49-F238E27FC236}">
-                <a16:creationId xmlns:a16="http://schemas.microsoft.com/office/drawing/2014/main" id="{342BAAD5-FC5C-8246-B661-9E9C17F8593B}"/>
-              </a:ext>
-            </a:extLst>
-          </p:cNvPr>
-          <p:cNvSpPr>
-            <a:spLocks noGrp="1"/>
-          </p:cNvSpPr>
-          <p:nvPr>
-            <p:ph type="body" sz="quarter" idx="32"/>
-          </p:nvPr>
-        </p:nvSpPr>
-        <p:spPr/>
-        <p:txBody>
-          <a:bodyPr/>
-          <a:lstStyle/>
-          <a:p>
-            <a:endParaRPr lang="en-GB"/>
-          </a:p>
-        </p:txBody>
-      </p:sp>
-      <p:sp>
-        <p:nvSpPr>
-          <p:cNvPr id="26" name="Textplatzhalter 25">
-            <a:extLst>
-              <a:ext uri="{FF2B5EF4-FFF2-40B4-BE49-F238E27FC236}">
-                <a16:creationId xmlns:a16="http://schemas.microsoft.com/office/drawing/2014/main" id="{E307D6A1-CC3C-A748-A22B-EC0B8EBC0423}"/>
-              </a:ext>
-            </a:extLst>
-          </p:cNvPr>
-          <p:cNvSpPr>
-            <a:spLocks noGrp="1"/>
-          </p:cNvSpPr>
-          <p:nvPr>
-            <p:ph type="body" sz="quarter" idx="33"/>
-          </p:nvPr>
-        </p:nvSpPr>
-        <p:spPr/>
-        <p:txBody>
-          <a:bodyPr/>
-          <a:lstStyle/>
-          <a:p>
-            <a:endParaRPr lang="en-GB"/>
+              <a:rPr lang="en-US" dirty="0">
+                <a:hlinkClick r:id="rId2"/>
+              </a:rPr>
+              <a:t>Pluralsight</a:t>
+            </a:r>
+            <a:r>
+              <a:rPr lang="en-US" dirty="0"/>
+              <a:t>.</a:t>
+            </a:r>
+          </a:p>
+          <a:p>
+            <a:pPr algn="just"/>
+            <a:r>
+              <a:rPr lang="en-US" dirty="0"/>
+              <a:t>Se ha </a:t>
+            </a:r>
+            <a:r>
+              <a:rPr lang="en-US" dirty="0" err="1"/>
+              <a:t>implementado</a:t>
+            </a:r>
+            <a:r>
+              <a:rPr lang="en-US" dirty="0"/>
+              <a:t> un login </a:t>
+            </a:r>
+            <a:r>
+              <a:rPr lang="en-US" dirty="0" err="1"/>
+              <a:t>sencillo</a:t>
+            </a:r>
+            <a:r>
+              <a:rPr lang="en-US" dirty="0"/>
+              <a:t> sin usar </a:t>
+            </a:r>
+            <a:r>
+              <a:rPr lang="es-ES" dirty="0"/>
+              <a:t>aun</a:t>
+            </a:r>
+            <a:r>
+              <a:rPr lang="en-US" dirty="0"/>
+              <a:t> la base de </a:t>
+            </a:r>
+            <a:r>
+              <a:rPr lang="en-US" dirty="0" err="1"/>
+              <a:t>datos</a:t>
+            </a:r>
+            <a:r>
+              <a:rPr lang="en-US" dirty="0"/>
+              <a:t>, </a:t>
+            </a:r>
+            <a:r>
+              <a:rPr lang="en-US" dirty="0" err="1"/>
+              <a:t>en</a:t>
+            </a:r>
+            <a:r>
+              <a:rPr lang="en-US" dirty="0"/>
+              <a:t> </a:t>
+            </a:r>
+            <a:r>
+              <a:rPr lang="en-US" dirty="0" err="1"/>
+              <a:t>el</a:t>
+            </a:r>
+            <a:r>
+              <a:rPr lang="en-US" dirty="0"/>
+              <a:t> que los </a:t>
+            </a:r>
+            <a:r>
+              <a:rPr lang="en-US" dirty="0" err="1"/>
+              <a:t>únicos</a:t>
+            </a:r>
+            <a:r>
+              <a:rPr lang="en-US" dirty="0"/>
+              <a:t> </a:t>
+            </a:r>
+            <a:r>
+              <a:rPr lang="en-US" dirty="0" err="1"/>
+              <a:t>atributos</a:t>
+            </a:r>
+            <a:r>
+              <a:rPr lang="en-US" dirty="0"/>
+              <a:t> de los </a:t>
+            </a:r>
+            <a:r>
+              <a:rPr lang="en-US" dirty="0" err="1"/>
+              <a:t>usuarios</a:t>
+            </a:r>
+            <a:r>
+              <a:rPr lang="en-US" dirty="0"/>
+              <a:t> son:</a:t>
+            </a:r>
+          </a:p>
+          <a:p>
+            <a:pPr lvl="1" algn="just"/>
+            <a:r>
+              <a:rPr lang="en-US" dirty="0" err="1"/>
+              <a:t>Nombre</a:t>
+            </a:r>
+            <a:r>
+              <a:rPr lang="en-US" dirty="0"/>
+              <a:t> de </a:t>
+            </a:r>
+            <a:r>
+              <a:rPr lang="en-US" dirty="0" err="1"/>
+              <a:t>usuario</a:t>
+            </a:r>
+            <a:endParaRPr lang="en-US" dirty="0"/>
+          </a:p>
+          <a:p>
+            <a:pPr lvl="1" algn="just"/>
+            <a:r>
+              <a:rPr lang="en-US" dirty="0" err="1"/>
+              <a:t>Contraseña</a:t>
+            </a:r>
+            <a:r>
+              <a:rPr lang="en-US" dirty="0"/>
+              <a:t> </a:t>
+            </a:r>
+          </a:p>
+          <a:p>
+            <a:pPr lvl="1" algn="just"/>
+            <a:r>
+              <a:rPr lang="en-US" dirty="0" err="1"/>
+              <a:t>Rol</a:t>
+            </a:r>
+            <a:endParaRPr lang="en-US" dirty="0"/>
+          </a:p>
+          <a:p>
+            <a:pPr algn="just"/>
+            <a:r>
+              <a:rPr lang="en-US" dirty="0"/>
+              <a:t>Se ha </a:t>
+            </a:r>
+            <a:r>
+              <a:rPr lang="en-US" dirty="0" err="1"/>
+              <a:t>añadido</a:t>
+            </a:r>
+            <a:r>
+              <a:rPr lang="en-US" dirty="0"/>
+              <a:t> la </a:t>
+            </a:r>
+            <a:r>
+              <a:rPr lang="en-US" dirty="0" err="1"/>
+              <a:t>funcionalidad</a:t>
+            </a:r>
+            <a:r>
+              <a:rPr lang="en-US" dirty="0"/>
+              <a:t> de </a:t>
+            </a:r>
+            <a:r>
+              <a:rPr lang="en-US" dirty="0" err="1"/>
+              <a:t>generar</a:t>
+            </a:r>
+            <a:r>
+              <a:rPr lang="en-US" dirty="0"/>
+              <a:t> </a:t>
+            </a:r>
+            <a:r>
+              <a:rPr lang="en-US" dirty="0">
+                <a:hlinkClick r:id="rId3"/>
+              </a:rPr>
+              <a:t>JSON Web Token</a:t>
+            </a:r>
+            <a:r>
+              <a:rPr lang="en-US" dirty="0"/>
+              <a:t> para la </a:t>
+            </a:r>
+            <a:r>
+              <a:rPr lang="en-US" dirty="0" err="1"/>
+              <a:t>autentificación</a:t>
+            </a:r>
+            <a:r>
+              <a:rPr lang="en-US" dirty="0"/>
+              <a:t> de la </a:t>
+            </a:r>
+            <a:r>
+              <a:rPr lang="en-US" dirty="0" err="1"/>
+              <a:t>aplicación</a:t>
+            </a:r>
+            <a:r>
+              <a:rPr lang="en-US" dirty="0"/>
+              <a:t>.</a:t>
+            </a:r>
+          </a:p>
+          <a:p>
+            <a:pPr algn="just"/>
+            <a:r>
+              <a:rPr lang="en-US" dirty="0"/>
+              <a:t>Se </a:t>
+            </a:r>
+            <a:r>
+              <a:rPr lang="en-US" dirty="0" err="1"/>
+              <a:t>han</a:t>
+            </a:r>
+            <a:r>
+              <a:rPr lang="en-US" dirty="0"/>
+              <a:t> </a:t>
+            </a:r>
+            <a:r>
+              <a:rPr lang="en-US" dirty="0" err="1"/>
+              <a:t>implementado</a:t>
+            </a:r>
+            <a:r>
+              <a:rPr lang="en-US" dirty="0"/>
+              <a:t> </a:t>
+            </a:r>
+            <a:r>
+              <a:rPr lang="en-US" dirty="0" err="1"/>
+              <a:t>controladores</a:t>
+            </a:r>
+            <a:r>
+              <a:rPr lang="en-US" dirty="0"/>
+              <a:t> que </a:t>
+            </a:r>
+            <a:r>
+              <a:rPr lang="en-US" dirty="0" err="1"/>
+              <a:t>tengan</a:t>
+            </a:r>
+            <a:r>
+              <a:rPr lang="en-US" dirty="0"/>
+              <a:t> </a:t>
+            </a:r>
+            <a:r>
+              <a:rPr lang="en-US" dirty="0" err="1"/>
+              <a:t>en</a:t>
+            </a:r>
+            <a:r>
+              <a:rPr lang="en-US" dirty="0"/>
+              <a:t> </a:t>
+            </a:r>
+            <a:r>
+              <a:rPr lang="en-US" dirty="0" err="1"/>
+              <a:t>cuenta</a:t>
+            </a:r>
+            <a:r>
+              <a:rPr lang="en-US" dirty="0"/>
+              <a:t> las </a:t>
+            </a:r>
+            <a:r>
+              <a:rPr lang="en-US" dirty="0" err="1"/>
+              <a:t>peticiones</a:t>
+            </a:r>
+            <a:r>
+              <a:rPr lang="en-US" dirty="0"/>
+              <a:t> de </a:t>
+            </a:r>
+            <a:r>
+              <a:rPr lang="en-US" dirty="0" err="1"/>
+              <a:t>inicio</a:t>
+            </a:r>
+            <a:r>
+              <a:rPr lang="en-US" dirty="0"/>
+              <a:t> de </a:t>
+            </a:r>
+            <a:r>
+              <a:rPr lang="en-US" dirty="0" err="1"/>
+              <a:t>sesión</a:t>
+            </a:r>
+            <a:r>
+              <a:rPr lang="en-US" dirty="0"/>
+              <a:t> y </a:t>
+            </a:r>
+            <a:r>
+              <a:rPr lang="en-US" dirty="0" err="1"/>
+              <a:t>consultas</a:t>
+            </a:r>
+            <a:r>
+              <a:rPr lang="en-US" dirty="0"/>
+              <a:t> de </a:t>
+            </a:r>
+            <a:r>
+              <a:rPr lang="en-US" dirty="0" err="1"/>
+              <a:t>coches</a:t>
+            </a:r>
+            <a:r>
+              <a:rPr lang="en-US" dirty="0"/>
+              <a:t>.</a:t>
+            </a:r>
+          </a:p>
+          <a:p>
+            <a:pPr algn="just"/>
+            <a:endParaRPr lang="en-US" dirty="0"/>
           </a:p>
         </p:txBody>
       </p:sp>
       <p:pic>
         <p:nvPicPr>
-          <p:cNvPr id="29" name="Picture 2" descr="Universidad de La Laguna (ULL) – 9º Encuentro BID">
-            <a:extLst>
-              <a:ext uri="{FF2B5EF4-FFF2-40B4-BE49-F238E27FC236}">
-                <a16:creationId xmlns:a16="http://schemas.microsoft.com/office/drawing/2014/main" id="{8A5729B5-076D-4877-B435-899362EAB932}"/>
+          <p:cNvPr id="2050" name="Picture 2" descr="Universidad de La Laguna (ULL) – 9º Encuentro BID">
+            <a:extLst>
+              <a:ext uri="{FF2B5EF4-FFF2-40B4-BE49-F238E27FC236}">
+                <a16:creationId xmlns:a16="http://schemas.microsoft.com/office/drawing/2014/main" id="{882940A1-F76E-46F8-8D6F-3B268F96020C}"/>
               </a:ext>
             </a:extLst>
           </p:cNvPr>
@@ -7075,7 +8374,7 @@
           <p:nvPr/>
         </p:nvPicPr>
         <p:blipFill>
-          <a:blip r:embed="rId2">
+          <a:blip r:embed="rId4">
             <a:extLst>
               <a:ext uri="{28A0092B-C50C-407E-A947-70E740481C1C}">
                 <a14:useLocalDpi xmlns:a14="http://schemas.microsoft.com/office/drawing/2010/main" val="0"/>
@@ -7110,7 +8409,1569 @@
     </p:spTree>
     <p:extLst>
       <p:ext uri="{BB962C8B-B14F-4D97-AF65-F5344CB8AC3E}">
-        <p14:creationId xmlns:p14="http://schemas.microsoft.com/office/powerpoint/2010/main" val="4011704012"/>
+        <p14:creationId xmlns:p14="http://schemas.microsoft.com/office/powerpoint/2010/main" val="1182760862"/>
+      </p:ext>
+    </p:extLst>
+  </p:cSld>
+  <p:clrMapOvr>
+    <a:masterClrMapping/>
+  </p:clrMapOvr>
+</p:sld>
+</file>
+
+<file path=ppt/slides/slide5.xml><?xml version="1.0" encoding="utf-8"?>
+<p:sld xmlns:a="http://schemas.openxmlformats.org/drawingml/2006/main" xmlns:r="http://schemas.openxmlformats.org/officeDocument/2006/relationships" xmlns:p="http://schemas.openxmlformats.org/presentationml/2006/main">
+  <p:cSld>
+    <p:spTree>
+      <p:nvGrpSpPr>
+        <p:cNvPr id="1" name=""/>
+        <p:cNvGrpSpPr/>
+        <p:nvPr/>
+      </p:nvGrpSpPr>
+      <p:grpSpPr>
+        <a:xfrm>
+          <a:off x="0" y="0"/>
+          <a:ext cx="0" cy="0"/>
+          <a:chOff x="0" y="0"/>
+          <a:chExt cx="0" cy="0"/>
+        </a:xfrm>
+      </p:grpSpPr>
+      <p:sp>
+        <p:nvSpPr>
+          <p:cNvPr id="2" name="Titel 1">
+            <a:extLst>
+              <a:ext uri="{FF2B5EF4-FFF2-40B4-BE49-F238E27FC236}">
+                <a16:creationId xmlns:a16="http://schemas.microsoft.com/office/drawing/2014/main" id="{577718E3-62E8-4D37-AEFF-2A611E32F1A9}"/>
+              </a:ext>
+            </a:extLst>
+          </p:cNvPr>
+          <p:cNvSpPr>
+            <a:spLocks noGrp="1"/>
+          </p:cNvSpPr>
+          <p:nvPr>
+            <p:ph type="title"/>
+          </p:nvPr>
+        </p:nvSpPr>
+        <p:spPr>
+          <a:xfrm>
+            <a:off x="358811" y="295682"/>
+            <a:ext cx="8139237" cy="474040"/>
+          </a:xfrm>
+        </p:spPr>
+        <p:txBody>
+          <a:bodyPr>
+            <a:normAutofit fontScale="90000"/>
+          </a:bodyPr>
+          <a:lstStyle/>
+          <a:p>
+            <a:r>
+              <a:rPr lang="es-ES" dirty="0"/>
+              <a:t>2- </a:t>
+            </a:r>
+            <a:r>
+              <a:rPr lang="en-GB" dirty="0" err="1"/>
+              <a:t>Documentación</a:t>
+            </a:r>
+            <a:r>
+              <a:rPr lang="en-GB" dirty="0"/>
+              <a:t> de Swagger</a:t>
+            </a:r>
+            <a:br>
+              <a:rPr lang="en-GB" dirty="0"/>
+            </a:br>
+            <a:br>
+              <a:rPr lang="en-GB" dirty="0"/>
+            </a:br>
+            <a:endParaRPr lang="de-DE" dirty="0"/>
+          </a:p>
+        </p:txBody>
+      </p:sp>
+      <p:sp>
+        <p:nvSpPr>
+          <p:cNvPr id="3" name="Inhaltsplatzhalter 2">
+            <a:extLst>
+              <a:ext uri="{FF2B5EF4-FFF2-40B4-BE49-F238E27FC236}">
+                <a16:creationId xmlns:a16="http://schemas.microsoft.com/office/drawing/2014/main" id="{7F1FDFB0-D952-4E0F-94FA-D47BF67ED655}"/>
+              </a:ext>
+            </a:extLst>
+          </p:cNvPr>
+          <p:cNvSpPr>
+            <a:spLocks noGrp="1"/>
+          </p:cNvSpPr>
+          <p:nvPr>
+            <p:ph idx="1"/>
+          </p:nvPr>
+        </p:nvSpPr>
+        <p:spPr/>
+        <p:txBody>
+          <a:bodyPr/>
+          <a:lstStyle/>
+          <a:p>
+            <a:pPr algn="just"/>
+            <a:r>
+              <a:rPr lang="en-US" dirty="0"/>
+              <a:t>Con </a:t>
+            </a:r>
+            <a:r>
+              <a:rPr lang="en-US" dirty="0" err="1"/>
+              <a:t>el</a:t>
+            </a:r>
+            <a:r>
+              <a:rPr lang="en-US" dirty="0"/>
+              <a:t> </a:t>
+            </a:r>
+            <a:r>
+              <a:rPr lang="es-ES" dirty="0"/>
+              <a:t>objetivo</a:t>
+            </a:r>
+            <a:r>
+              <a:rPr lang="en-US" dirty="0"/>
+              <a:t> de </a:t>
+            </a:r>
+            <a:r>
+              <a:rPr lang="en-US" dirty="0" err="1"/>
+              <a:t>tener</a:t>
+            </a:r>
+            <a:r>
+              <a:rPr lang="en-US" dirty="0"/>
+              <a:t> la API </a:t>
+            </a:r>
+            <a:r>
+              <a:rPr lang="en-US" dirty="0" err="1"/>
+              <a:t>documentada</a:t>
+            </a:r>
+            <a:r>
+              <a:rPr lang="en-US" dirty="0"/>
+              <a:t>, se ha </a:t>
+            </a:r>
+            <a:r>
+              <a:rPr lang="en-US" dirty="0" err="1"/>
+              <a:t>instalado</a:t>
+            </a:r>
+            <a:r>
+              <a:rPr lang="en-US" dirty="0"/>
+              <a:t> </a:t>
+            </a:r>
+            <a:r>
+              <a:rPr lang="en-US" dirty="0">
+                <a:hlinkClick r:id="rId2"/>
+              </a:rPr>
+              <a:t>Swagger</a:t>
+            </a:r>
+            <a:r>
+              <a:rPr lang="en-US" dirty="0"/>
+              <a:t> </a:t>
+            </a:r>
+            <a:r>
+              <a:rPr lang="en-US" dirty="0" err="1"/>
+              <a:t>en</a:t>
+            </a:r>
+            <a:r>
+              <a:rPr lang="en-US" dirty="0"/>
+              <a:t> </a:t>
+            </a:r>
+            <a:r>
+              <a:rPr lang="en-US" dirty="0" err="1"/>
+              <a:t>el</a:t>
+            </a:r>
+            <a:r>
+              <a:rPr lang="en-US" dirty="0"/>
+              <a:t> </a:t>
+            </a:r>
+            <a:r>
+              <a:rPr lang="en-US" dirty="0" err="1"/>
+              <a:t>proyecto</a:t>
+            </a:r>
+            <a:r>
+              <a:rPr lang="en-US" dirty="0"/>
+              <a:t>. </a:t>
+            </a:r>
+            <a:r>
+              <a:rPr lang="en-US" dirty="0" err="1"/>
+              <a:t>Esta</a:t>
+            </a:r>
+            <a:r>
+              <a:rPr lang="en-US" dirty="0"/>
+              <a:t> es una </a:t>
+            </a:r>
+            <a:r>
+              <a:rPr lang="en-US" dirty="0" err="1"/>
+              <a:t>herramienta</a:t>
+            </a:r>
+            <a:r>
+              <a:rPr lang="en-US" dirty="0"/>
+              <a:t> de </a:t>
+            </a:r>
+            <a:r>
+              <a:rPr lang="en-US" dirty="0" err="1"/>
+              <a:t>documentación</a:t>
+            </a:r>
+            <a:r>
+              <a:rPr lang="en-US" dirty="0"/>
+              <a:t> que, al acceder a una </a:t>
+            </a:r>
+            <a:r>
+              <a:rPr lang="en-US" dirty="0" err="1"/>
+              <a:t>ruta</a:t>
+            </a:r>
+            <a:r>
+              <a:rPr lang="en-US" dirty="0"/>
+              <a:t> </a:t>
+            </a:r>
+            <a:r>
+              <a:rPr lang="es-ES" dirty="0"/>
+              <a:t>previamente</a:t>
+            </a:r>
+            <a:r>
+              <a:rPr lang="en-US" dirty="0"/>
+              <a:t> </a:t>
+            </a:r>
+            <a:r>
+              <a:rPr lang="es-ES" dirty="0"/>
+              <a:t>configurada</a:t>
+            </a:r>
+            <a:r>
+              <a:rPr lang="en-US" dirty="0"/>
+              <a:t>, </a:t>
+            </a:r>
+            <a:r>
+              <a:rPr lang="en-US" dirty="0" err="1"/>
+              <a:t>muestra</a:t>
+            </a:r>
+            <a:r>
+              <a:rPr lang="en-US" dirty="0"/>
+              <a:t> </a:t>
+            </a:r>
+            <a:r>
+              <a:rPr lang="en-US" dirty="0" err="1"/>
+              <a:t>todas</a:t>
+            </a:r>
+            <a:r>
+              <a:rPr lang="en-US" dirty="0"/>
+              <a:t> </a:t>
+            </a:r>
+            <a:r>
+              <a:rPr lang="en-US" dirty="0" err="1"/>
+              <a:t>aquellas</a:t>
+            </a:r>
+            <a:r>
+              <a:rPr lang="en-US" dirty="0"/>
+              <a:t> </a:t>
+            </a:r>
+            <a:r>
+              <a:rPr lang="en-US" dirty="0" err="1"/>
+              <a:t>peticiones</a:t>
+            </a:r>
+            <a:r>
+              <a:rPr lang="en-US" dirty="0"/>
+              <a:t> que </a:t>
+            </a:r>
+            <a:r>
+              <a:rPr lang="en-US" dirty="0" err="1"/>
+              <a:t>puede</a:t>
+            </a:r>
+            <a:r>
+              <a:rPr lang="en-US" dirty="0"/>
+              <a:t> </a:t>
+            </a:r>
+            <a:r>
+              <a:rPr lang="en-US" dirty="0" err="1"/>
+              <a:t>atender</a:t>
+            </a:r>
+            <a:r>
+              <a:rPr lang="en-US" dirty="0"/>
+              <a:t> </a:t>
+            </a:r>
+            <a:r>
+              <a:rPr lang="en-US" dirty="0" err="1"/>
+              <a:t>nuestra</a:t>
+            </a:r>
+            <a:r>
+              <a:rPr lang="en-US" dirty="0"/>
+              <a:t> API.</a:t>
+            </a:r>
+          </a:p>
+          <a:p>
+            <a:pPr algn="just"/>
+            <a:r>
+              <a:rPr lang="en-US" dirty="0"/>
+              <a:t>Al principio solo se </a:t>
+            </a:r>
+            <a:r>
+              <a:rPr lang="en-US" dirty="0" err="1"/>
+              <a:t>usó</a:t>
+            </a:r>
+            <a:r>
+              <a:rPr lang="en-US" dirty="0"/>
+              <a:t> </a:t>
+            </a:r>
+            <a:r>
+              <a:rPr lang="es-ES" dirty="0"/>
+              <a:t>para</a:t>
+            </a:r>
+            <a:r>
+              <a:rPr lang="en-US" dirty="0"/>
+              <a:t> </a:t>
+            </a:r>
+            <a:r>
+              <a:rPr lang="en-US" dirty="0" err="1"/>
+              <a:t>este</a:t>
+            </a:r>
+            <a:r>
+              <a:rPr lang="en-US" dirty="0"/>
+              <a:t> fin, </a:t>
+            </a:r>
+            <a:r>
+              <a:rPr lang="en-US" dirty="0" err="1"/>
+              <a:t>pero</a:t>
+            </a:r>
+            <a:r>
+              <a:rPr lang="en-US" dirty="0"/>
+              <a:t> </a:t>
+            </a:r>
+            <a:r>
+              <a:rPr lang="en-US" dirty="0" err="1"/>
+              <a:t>más</a:t>
+            </a:r>
+            <a:r>
+              <a:rPr lang="en-US" dirty="0"/>
+              <a:t> </a:t>
+            </a:r>
+            <a:r>
+              <a:rPr lang="en-US" dirty="0" err="1"/>
+              <a:t>adelante</a:t>
+            </a:r>
+            <a:r>
+              <a:rPr lang="en-US" dirty="0"/>
+              <a:t>, se </a:t>
+            </a:r>
+            <a:r>
+              <a:rPr lang="en-US" dirty="0" err="1"/>
+              <a:t>configuró</a:t>
+            </a:r>
+            <a:r>
+              <a:rPr lang="en-US" dirty="0"/>
+              <a:t> de forma que </a:t>
+            </a:r>
+            <a:r>
+              <a:rPr lang="es-ES" dirty="0"/>
+              <a:t>funcionase</a:t>
+            </a:r>
+            <a:r>
+              <a:rPr lang="en-US" dirty="0"/>
+              <a:t> </a:t>
+            </a:r>
+            <a:r>
+              <a:rPr lang="es-ES" dirty="0"/>
+              <a:t>como</a:t>
+            </a:r>
+            <a:r>
+              <a:rPr lang="en-US" dirty="0"/>
+              <a:t> Postman para simular las </a:t>
+            </a:r>
+            <a:r>
+              <a:rPr lang="en-US" dirty="0" err="1"/>
+              <a:t>peticiones</a:t>
+            </a:r>
+            <a:r>
+              <a:rPr lang="en-US" dirty="0"/>
+              <a:t>.</a:t>
+            </a:r>
+          </a:p>
+        </p:txBody>
+      </p:sp>
+      <p:pic>
+        <p:nvPicPr>
+          <p:cNvPr id="2050" name="Picture 2" descr="Universidad de La Laguna (ULL) – 9º Encuentro BID">
+            <a:extLst>
+              <a:ext uri="{FF2B5EF4-FFF2-40B4-BE49-F238E27FC236}">
+                <a16:creationId xmlns:a16="http://schemas.microsoft.com/office/drawing/2014/main" id="{882940A1-F76E-46F8-8D6F-3B268F96020C}"/>
+              </a:ext>
+            </a:extLst>
+          </p:cNvPr>
+          <p:cNvPicPr>
+            <a:picLocks noChangeAspect="1" noChangeArrowheads="1"/>
+          </p:cNvPicPr>
+          <p:nvPr/>
+        </p:nvPicPr>
+        <p:blipFill>
+          <a:blip r:embed="rId3">
+            <a:extLst>
+              <a:ext uri="{28A0092B-C50C-407E-A947-70E740481C1C}">
+                <a14:useLocalDpi xmlns:a14="http://schemas.microsoft.com/office/drawing/2010/main" val="0"/>
+              </a:ext>
+            </a:extLst>
+          </a:blip>
+          <a:srcRect/>
+          <a:stretch>
+            <a:fillRect/>
+          </a:stretch>
+        </p:blipFill>
+        <p:spPr bwMode="auto">
+          <a:xfrm>
+            <a:off x="8621351" y="295682"/>
+            <a:ext cx="1828935" cy="438250"/>
+          </a:xfrm>
+          <a:prstGeom prst="rect">
+            <a:avLst/>
+          </a:prstGeom>
+          <a:noFill/>
+          <a:extLst>
+            <a:ext uri="{909E8E84-426E-40DD-AFC4-6F175D3DCCD1}">
+              <a14:hiddenFill xmlns:a14="http://schemas.microsoft.com/office/drawing/2010/main">
+                <a:solidFill>
+                  <a:srgbClr val="FFFFFF"/>
+                </a:solidFill>
+              </a14:hiddenFill>
+            </a:ext>
+          </a:extLst>
+        </p:spPr>
+      </p:pic>
+    </p:spTree>
+    <p:extLst>
+      <p:ext uri="{BB962C8B-B14F-4D97-AF65-F5344CB8AC3E}">
+        <p14:creationId xmlns:p14="http://schemas.microsoft.com/office/powerpoint/2010/main" val="2313672682"/>
+      </p:ext>
+    </p:extLst>
+  </p:cSld>
+  <p:clrMapOvr>
+    <a:masterClrMapping/>
+  </p:clrMapOvr>
+</p:sld>
+</file>
+
+<file path=ppt/slides/slide6.xml><?xml version="1.0" encoding="utf-8"?>
+<p:sld xmlns:a="http://schemas.openxmlformats.org/drawingml/2006/main" xmlns:r="http://schemas.openxmlformats.org/officeDocument/2006/relationships" xmlns:p="http://schemas.openxmlformats.org/presentationml/2006/main">
+  <p:cSld>
+    <p:spTree>
+      <p:nvGrpSpPr>
+        <p:cNvPr id="1" name=""/>
+        <p:cNvGrpSpPr/>
+        <p:nvPr/>
+      </p:nvGrpSpPr>
+      <p:grpSpPr>
+        <a:xfrm>
+          <a:off x="0" y="0"/>
+          <a:ext cx="0" cy="0"/>
+          <a:chOff x="0" y="0"/>
+          <a:chExt cx="0" cy="0"/>
+        </a:xfrm>
+      </p:grpSpPr>
+      <p:sp>
+        <p:nvSpPr>
+          <p:cNvPr id="2" name="Title 1">
+            <a:extLst>
+              <a:ext uri="{FF2B5EF4-FFF2-40B4-BE49-F238E27FC236}">
+                <a16:creationId xmlns:a16="http://schemas.microsoft.com/office/drawing/2014/main" id="{32A93885-8AF6-4B7B-A7EA-ABE5C5ECDAD9}"/>
+              </a:ext>
+            </a:extLst>
+          </p:cNvPr>
+          <p:cNvSpPr>
+            <a:spLocks noGrp="1"/>
+          </p:cNvSpPr>
+          <p:nvPr>
+            <p:ph type="title"/>
+          </p:nvPr>
+        </p:nvSpPr>
+        <p:spPr/>
+        <p:txBody>
+          <a:bodyPr>
+            <a:normAutofit fontScale="90000"/>
+          </a:bodyPr>
+          <a:lstStyle/>
+          <a:p>
+            <a:r>
+              <a:rPr lang="es-ES" dirty="0"/>
+              <a:t>2- </a:t>
+            </a:r>
+            <a:r>
+              <a:rPr lang="en-GB" dirty="0" err="1"/>
+              <a:t>Documentación</a:t>
+            </a:r>
+            <a:r>
+              <a:rPr lang="en-GB" dirty="0"/>
+              <a:t> de Swagger</a:t>
+            </a:r>
+            <a:endParaRPr lang="LID4096" dirty="0"/>
+          </a:p>
+        </p:txBody>
+      </p:sp>
+      <p:pic>
+        <p:nvPicPr>
+          <p:cNvPr id="5" name="Content Placeholder 4">
+            <a:extLst>
+              <a:ext uri="{FF2B5EF4-FFF2-40B4-BE49-F238E27FC236}">
+                <a16:creationId xmlns:a16="http://schemas.microsoft.com/office/drawing/2014/main" id="{D24631E5-1A01-418E-9EF1-16B47FC42A34}"/>
+              </a:ext>
+            </a:extLst>
+          </p:cNvPr>
+          <p:cNvPicPr>
+            <a:picLocks noGrp="1" noChangeAspect="1"/>
+          </p:cNvPicPr>
+          <p:nvPr>
+            <p:ph idx="1"/>
+          </p:nvPr>
+        </p:nvPicPr>
+        <p:blipFill>
+          <a:blip r:embed="rId2"/>
+          <a:stretch>
+            <a:fillRect/>
+          </a:stretch>
+        </p:blipFill>
+        <p:spPr>
+          <a:xfrm>
+            <a:off x="1095340" y="920067"/>
+            <a:ext cx="9542481" cy="4935101"/>
+          </a:xfrm>
+        </p:spPr>
+      </p:pic>
+      <p:pic>
+        <p:nvPicPr>
+          <p:cNvPr id="6" name="Picture 2" descr="Universidad de La Laguna (ULL) – 9º Encuentro BID">
+            <a:extLst>
+              <a:ext uri="{FF2B5EF4-FFF2-40B4-BE49-F238E27FC236}">
+                <a16:creationId xmlns:a16="http://schemas.microsoft.com/office/drawing/2014/main" id="{92B1E6F4-6E66-42D5-BE92-970CE3847DF6}"/>
+              </a:ext>
+            </a:extLst>
+          </p:cNvPr>
+          <p:cNvPicPr>
+            <a:picLocks noChangeAspect="1" noChangeArrowheads="1"/>
+          </p:cNvPicPr>
+          <p:nvPr/>
+        </p:nvPicPr>
+        <p:blipFill>
+          <a:blip r:embed="rId3">
+            <a:extLst>
+              <a:ext uri="{28A0092B-C50C-407E-A947-70E740481C1C}">
+                <a14:useLocalDpi xmlns:a14="http://schemas.microsoft.com/office/drawing/2010/main" val="0"/>
+              </a:ext>
+            </a:extLst>
+          </a:blip>
+          <a:srcRect/>
+          <a:stretch>
+            <a:fillRect/>
+          </a:stretch>
+        </p:blipFill>
+        <p:spPr bwMode="auto">
+          <a:xfrm>
+            <a:off x="8621351" y="295682"/>
+            <a:ext cx="1828935" cy="438250"/>
+          </a:xfrm>
+          <a:prstGeom prst="rect">
+            <a:avLst/>
+          </a:prstGeom>
+          <a:noFill/>
+          <a:extLst>
+            <a:ext uri="{909E8E84-426E-40DD-AFC4-6F175D3DCCD1}">
+              <a14:hiddenFill xmlns:a14="http://schemas.microsoft.com/office/drawing/2010/main">
+                <a:solidFill>
+                  <a:srgbClr val="FFFFFF"/>
+                </a:solidFill>
+              </a14:hiddenFill>
+            </a:ext>
+          </a:extLst>
+        </p:spPr>
+      </p:pic>
+      <p:sp>
+        <p:nvSpPr>
+          <p:cNvPr id="4" name="TextBox 3">
+            <a:extLst>
+              <a:ext uri="{FF2B5EF4-FFF2-40B4-BE49-F238E27FC236}">
+                <a16:creationId xmlns:a16="http://schemas.microsoft.com/office/drawing/2014/main" id="{0791DE9B-FFB0-4575-859E-4E53F8316F79}"/>
+              </a:ext>
+            </a:extLst>
+          </p:cNvPr>
+          <p:cNvSpPr txBox="1"/>
+          <p:nvPr/>
+        </p:nvSpPr>
+        <p:spPr>
+          <a:xfrm>
+            <a:off x="4310466" y="5972363"/>
+            <a:ext cx="3112228" cy="307777"/>
+          </a:xfrm>
+          <a:prstGeom prst="rect">
+            <a:avLst/>
+          </a:prstGeom>
+          <a:noFill/>
+        </p:spPr>
+        <p:txBody>
+          <a:bodyPr wrap="square" rtlCol="0">
+            <a:spAutoFit/>
+          </a:bodyPr>
+          <a:lstStyle/>
+          <a:p>
+            <a:r>
+              <a:rPr lang="es-ES" sz="1400" i="1" dirty="0"/>
+              <a:t>Documentación de la API de </a:t>
+            </a:r>
+            <a:r>
+              <a:rPr lang="es-ES" sz="1400" i="1" dirty="0" err="1"/>
+              <a:t>Swagger</a:t>
+            </a:r>
+            <a:endParaRPr lang="LID4096" sz="1400" i="1" dirty="0"/>
+          </a:p>
+        </p:txBody>
+      </p:sp>
+    </p:spTree>
+    <p:extLst>
+      <p:ext uri="{BB962C8B-B14F-4D97-AF65-F5344CB8AC3E}">
+        <p14:creationId xmlns:p14="http://schemas.microsoft.com/office/powerpoint/2010/main" val="831869965"/>
+      </p:ext>
+    </p:extLst>
+  </p:cSld>
+  <p:clrMapOvr>
+    <a:masterClrMapping/>
+  </p:clrMapOvr>
+</p:sld>
+</file>
+
+<file path=ppt/slides/slide7.xml><?xml version="1.0" encoding="utf-8"?>
+<p:sld xmlns:a="http://schemas.openxmlformats.org/drawingml/2006/main" xmlns:r="http://schemas.openxmlformats.org/officeDocument/2006/relationships" xmlns:p="http://schemas.openxmlformats.org/presentationml/2006/main">
+  <p:cSld>
+    <p:spTree>
+      <p:nvGrpSpPr>
+        <p:cNvPr id="1" name=""/>
+        <p:cNvGrpSpPr/>
+        <p:nvPr/>
+      </p:nvGrpSpPr>
+      <p:grpSpPr>
+        <a:xfrm>
+          <a:off x="0" y="0"/>
+          <a:ext cx="0" cy="0"/>
+          <a:chOff x="0" y="0"/>
+          <a:chExt cx="0" cy="0"/>
+        </a:xfrm>
+      </p:grpSpPr>
+      <p:sp>
+        <p:nvSpPr>
+          <p:cNvPr id="2" name="Titel 1">
+            <a:extLst>
+              <a:ext uri="{FF2B5EF4-FFF2-40B4-BE49-F238E27FC236}">
+                <a16:creationId xmlns:a16="http://schemas.microsoft.com/office/drawing/2014/main" id="{577718E3-62E8-4D37-AEFF-2A611E32F1A9}"/>
+              </a:ext>
+            </a:extLst>
+          </p:cNvPr>
+          <p:cNvSpPr>
+            <a:spLocks noGrp="1"/>
+          </p:cNvSpPr>
+          <p:nvPr>
+            <p:ph type="title"/>
+          </p:nvPr>
+        </p:nvSpPr>
+        <p:spPr>
+          <a:xfrm>
+            <a:off x="358811" y="295682"/>
+            <a:ext cx="8139237" cy="474040"/>
+          </a:xfrm>
+        </p:spPr>
+        <p:txBody>
+          <a:bodyPr>
+            <a:normAutofit fontScale="90000"/>
+          </a:bodyPr>
+          <a:lstStyle/>
+          <a:p>
+            <a:r>
+              <a:rPr lang="es-ES" dirty="0"/>
+              <a:t>3- </a:t>
+            </a:r>
+            <a:r>
+              <a:rPr lang="en-GB" dirty="0" err="1"/>
+              <a:t>Peticiones</a:t>
+            </a:r>
+            <a:r>
+              <a:rPr lang="en-GB" dirty="0"/>
+              <a:t> </a:t>
+            </a:r>
+            <a:r>
+              <a:rPr lang="en-GB" dirty="0" err="1"/>
+              <a:t>en</a:t>
+            </a:r>
+            <a:r>
+              <a:rPr lang="en-GB" dirty="0"/>
+              <a:t> Postman y Swagger</a:t>
+            </a:r>
+            <a:br>
+              <a:rPr lang="en-GB" dirty="0"/>
+            </a:br>
+            <a:br>
+              <a:rPr lang="en-GB" dirty="0"/>
+            </a:br>
+            <a:br>
+              <a:rPr lang="en-GB" dirty="0"/>
+            </a:br>
+            <a:endParaRPr lang="de-DE" dirty="0"/>
+          </a:p>
+        </p:txBody>
+      </p:sp>
+      <p:pic>
+        <p:nvPicPr>
+          <p:cNvPr id="2050" name="Picture 2" descr="Universidad de La Laguna (ULL) – 9º Encuentro BID">
+            <a:extLst>
+              <a:ext uri="{FF2B5EF4-FFF2-40B4-BE49-F238E27FC236}">
+                <a16:creationId xmlns:a16="http://schemas.microsoft.com/office/drawing/2014/main" id="{882940A1-F76E-46F8-8D6F-3B268F96020C}"/>
+              </a:ext>
+            </a:extLst>
+          </p:cNvPr>
+          <p:cNvPicPr>
+            <a:picLocks noChangeAspect="1" noChangeArrowheads="1"/>
+          </p:cNvPicPr>
+          <p:nvPr/>
+        </p:nvPicPr>
+        <p:blipFill>
+          <a:blip r:embed="rId2">
+            <a:extLst>
+              <a:ext uri="{28A0092B-C50C-407E-A947-70E740481C1C}">
+                <a14:useLocalDpi xmlns:a14="http://schemas.microsoft.com/office/drawing/2010/main" val="0"/>
+              </a:ext>
+            </a:extLst>
+          </a:blip>
+          <a:srcRect/>
+          <a:stretch>
+            <a:fillRect/>
+          </a:stretch>
+        </p:blipFill>
+        <p:spPr bwMode="auto">
+          <a:xfrm>
+            <a:off x="8621351" y="295682"/>
+            <a:ext cx="1828935" cy="438250"/>
+          </a:xfrm>
+          <a:prstGeom prst="rect">
+            <a:avLst/>
+          </a:prstGeom>
+          <a:noFill/>
+          <a:extLst>
+            <a:ext uri="{909E8E84-426E-40DD-AFC4-6F175D3DCCD1}">
+              <a14:hiddenFill xmlns:a14="http://schemas.microsoft.com/office/drawing/2010/main">
+                <a:solidFill>
+                  <a:srgbClr val="FFFFFF"/>
+                </a:solidFill>
+              </a14:hiddenFill>
+            </a:ext>
+          </a:extLst>
+        </p:spPr>
+      </p:pic>
+      <p:sp>
+        <p:nvSpPr>
+          <p:cNvPr id="9" name="Inhaltsplatzhalter 2">
+            <a:extLst>
+              <a:ext uri="{FF2B5EF4-FFF2-40B4-BE49-F238E27FC236}">
+                <a16:creationId xmlns:a16="http://schemas.microsoft.com/office/drawing/2014/main" id="{8B9A287E-12A4-4EF4-A865-66F2E31DF739}"/>
+              </a:ext>
+            </a:extLst>
+          </p:cNvPr>
+          <p:cNvSpPr>
+            <a:spLocks noGrp="1"/>
+          </p:cNvSpPr>
+          <p:nvPr>
+            <p:ph idx="1"/>
+          </p:nvPr>
+        </p:nvSpPr>
+        <p:spPr>
+          <a:xfrm>
+            <a:off x="358811" y="1128532"/>
+            <a:ext cx="11474379" cy="5370658"/>
+          </a:xfrm>
+        </p:spPr>
+        <p:txBody>
+          <a:bodyPr/>
+          <a:lstStyle/>
+          <a:p>
+            <a:pPr algn="just"/>
+            <a:r>
+              <a:rPr lang="en-US" dirty="0"/>
+              <a:t>Se ha </a:t>
+            </a:r>
+            <a:r>
+              <a:rPr lang="en-US" dirty="0" err="1"/>
+              <a:t>usado</a:t>
+            </a:r>
+            <a:r>
+              <a:rPr lang="en-US" dirty="0"/>
+              <a:t> tanto </a:t>
+            </a:r>
+            <a:r>
+              <a:rPr lang="en-US" dirty="0">
+                <a:hlinkClick r:id="rId3"/>
+              </a:rPr>
+              <a:t>Postman</a:t>
+            </a:r>
+            <a:r>
+              <a:rPr lang="en-US" dirty="0"/>
+              <a:t> </a:t>
+            </a:r>
+            <a:r>
+              <a:rPr lang="en-US" dirty="0" err="1"/>
+              <a:t>como</a:t>
+            </a:r>
+            <a:r>
+              <a:rPr lang="en-US" dirty="0"/>
+              <a:t> la </a:t>
+            </a:r>
+            <a:r>
+              <a:rPr lang="en-US" dirty="0" err="1"/>
+              <a:t>funcionalidad</a:t>
+            </a:r>
+            <a:r>
+              <a:rPr lang="en-US" dirty="0"/>
+              <a:t> </a:t>
+            </a:r>
+            <a:r>
+              <a:rPr lang="en-US" dirty="0" err="1"/>
+              <a:t>previamente</a:t>
+            </a:r>
+            <a:r>
+              <a:rPr lang="en-US" dirty="0"/>
+              <a:t> </a:t>
+            </a:r>
+            <a:r>
+              <a:rPr lang="en-US" dirty="0" err="1"/>
+              <a:t>comentada</a:t>
+            </a:r>
+            <a:r>
+              <a:rPr lang="en-US" dirty="0"/>
+              <a:t> de Swagger para </a:t>
+            </a:r>
+            <a:r>
+              <a:rPr lang="en-US" dirty="0" err="1"/>
+              <a:t>simular</a:t>
+            </a:r>
+            <a:r>
+              <a:rPr lang="en-US" dirty="0"/>
+              <a:t> </a:t>
+            </a:r>
+            <a:r>
+              <a:rPr lang="en-US" dirty="0" err="1"/>
+              <a:t>peticiones</a:t>
+            </a:r>
+            <a:r>
+              <a:rPr lang="en-US" dirty="0"/>
+              <a:t> a la API.</a:t>
+            </a:r>
+          </a:p>
+          <a:p>
+            <a:pPr algn="just"/>
+            <a:r>
+              <a:rPr lang="en-US" dirty="0" err="1"/>
+              <a:t>Algunas</a:t>
+            </a:r>
+            <a:r>
+              <a:rPr lang="en-US" dirty="0"/>
+              <a:t> de las </a:t>
+            </a:r>
+            <a:r>
+              <a:rPr lang="en-US" dirty="0" err="1"/>
+              <a:t>peticiones</a:t>
+            </a:r>
+            <a:r>
+              <a:rPr lang="en-US" dirty="0"/>
+              <a:t> que se </a:t>
+            </a:r>
+            <a:r>
+              <a:rPr lang="en-US" dirty="0" err="1"/>
+              <a:t>han</a:t>
+            </a:r>
+            <a:r>
+              <a:rPr lang="en-US" dirty="0"/>
+              <a:t> </a:t>
+            </a:r>
+            <a:r>
+              <a:rPr lang="en-US" dirty="0" err="1"/>
+              <a:t>puesto</a:t>
+            </a:r>
+            <a:r>
+              <a:rPr lang="en-US" dirty="0"/>
+              <a:t> a </a:t>
+            </a:r>
+            <a:r>
+              <a:rPr lang="en-US" dirty="0" err="1"/>
+              <a:t>prueba</a:t>
+            </a:r>
+            <a:r>
+              <a:rPr lang="en-US" dirty="0"/>
+              <a:t> son:</a:t>
+            </a:r>
+          </a:p>
+          <a:p>
+            <a:pPr lvl="1" algn="just"/>
+            <a:r>
+              <a:rPr lang="en-US" dirty="0"/>
+              <a:t>POST /</a:t>
+            </a:r>
+            <a:r>
+              <a:rPr lang="en-US" dirty="0" err="1"/>
+              <a:t>api</a:t>
+            </a:r>
+            <a:r>
+              <a:rPr lang="en-US" dirty="0"/>
+              <a:t>/login: Se le </a:t>
+            </a:r>
+            <a:r>
+              <a:rPr lang="en-US" dirty="0" err="1"/>
+              <a:t>manda</a:t>
+            </a:r>
+            <a:r>
+              <a:rPr lang="en-US" dirty="0"/>
+              <a:t> un </a:t>
+            </a:r>
+            <a:r>
+              <a:rPr lang="en-US" dirty="0" err="1"/>
+              <a:t>usuario</a:t>
+            </a:r>
+            <a:r>
+              <a:rPr lang="en-US" dirty="0"/>
+              <a:t> y </a:t>
+            </a:r>
+            <a:r>
+              <a:rPr lang="en-US" dirty="0" err="1"/>
+              <a:t>contraseña</a:t>
+            </a:r>
+            <a:r>
+              <a:rPr lang="en-US" dirty="0"/>
+              <a:t> por </a:t>
+            </a:r>
+            <a:r>
+              <a:rPr lang="en-US" dirty="0" err="1"/>
+              <a:t>el</a:t>
+            </a:r>
+            <a:r>
+              <a:rPr lang="en-US" dirty="0"/>
+              <a:t> body del header y </a:t>
+            </a:r>
+            <a:r>
+              <a:rPr lang="en-US" dirty="0" err="1"/>
+              <a:t>devuelve</a:t>
+            </a:r>
+            <a:r>
+              <a:rPr lang="en-US" dirty="0"/>
+              <a:t> una </a:t>
+            </a:r>
+            <a:r>
+              <a:rPr lang="en-US" dirty="0" err="1"/>
+              <a:t>respuesta</a:t>
+            </a:r>
+            <a:r>
+              <a:rPr lang="en-US" dirty="0"/>
+              <a:t> con </a:t>
+            </a:r>
+            <a:r>
+              <a:rPr lang="en-US" dirty="0" err="1"/>
+              <a:t>el</a:t>
+            </a:r>
+            <a:r>
+              <a:rPr lang="en-US" dirty="0"/>
+              <a:t> JWT.</a:t>
+            </a:r>
+          </a:p>
+          <a:p>
+            <a:pPr lvl="1" algn="just"/>
+            <a:r>
+              <a:rPr lang="en-US" dirty="0"/>
+              <a:t>GET /</a:t>
+            </a:r>
+            <a:r>
+              <a:rPr lang="en-US" dirty="0" err="1"/>
+              <a:t>api</a:t>
+            </a:r>
+            <a:r>
+              <a:rPr lang="en-US" dirty="0"/>
+              <a:t>/</a:t>
+            </a:r>
+            <a:r>
+              <a:rPr lang="es-ES" dirty="0" err="1">
+                <a:solidFill>
+                  <a:srgbClr val="212121"/>
+                </a:solidFill>
+                <a:latin typeface="Inter"/>
+              </a:rPr>
+              <a:t>myCars</a:t>
+            </a:r>
+            <a:r>
+              <a:rPr lang="es-ES" dirty="0">
+                <a:solidFill>
+                  <a:srgbClr val="212121"/>
+                </a:solidFill>
+                <a:latin typeface="Inter"/>
+              </a:rPr>
+              <a:t>: Devuelve los coches registrados en la base de datos a nombre del usuario. Hay que mandar el JWT válido previo para que sea una petición permitida</a:t>
+            </a:r>
+          </a:p>
+          <a:p>
+            <a:pPr lvl="1" algn="just"/>
+            <a:r>
+              <a:rPr lang="en-US" dirty="0"/>
+              <a:t>GET /</a:t>
+            </a:r>
+            <a:r>
+              <a:rPr lang="en-US" dirty="0" err="1"/>
+              <a:t>api</a:t>
+            </a:r>
+            <a:r>
+              <a:rPr lang="en-US" dirty="0"/>
+              <a:t>/all</a:t>
+            </a:r>
+            <a:r>
+              <a:rPr lang="es-ES" dirty="0">
+                <a:solidFill>
+                  <a:srgbClr val="212121"/>
+                </a:solidFill>
+                <a:latin typeface="Inter"/>
+              </a:rPr>
+              <a:t>Cars: Devuelve todos los coches registrados. Esta petición solo la puede realizar un administrador aportando su JTW en el </a:t>
+            </a:r>
+            <a:r>
+              <a:rPr lang="es-ES" dirty="0" err="1">
+                <a:solidFill>
+                  <a:srgbClr val="212121"/>
+                </a:solidFill>
+                <a:latin typeface="Inter"/>
+              </a:rPr>
+              <a:t>header</a:t>
+            </a:r>
+            <a:r>
+              <a:rPr lang="es-ES" dirty="0">
+                <a:solidFill>
+                  <a:srgbClr val="212121"/>
+                </a:solidFill>
+                <a:latin typeface="Inter"/>
+              </a:rPr>
+              <a:t>.</a:t>
+            </a:r>
+            <a:endParaRPr lang="en-US" dirty="0"/>
+          </a:p>
+        </p:txBody>
+      </p:sp>
+    </p:spTree>
+    <p:extLst>
+      <p:ext uri="{BB962C8B-B14F-4D97-AF65-F5344CB8AC3E}">
+        <p14:creationId xmlns:p14="http://schemas.microsoft.com/office/powerpoint/2010/main" val="3200218990"/>
+      </p:ext>
+    </p:extLst>
+  </p:cSld>
+  <p:clrMapOvr>
+    <a:masterClrMapping/>
+  </p:clrMapOvr>
+</p:sld>
+</file>
+
+<file path=ppt/slides/slide8.xml><?xml version="1.0" encoding="utf-8"?>
+<p:sld xmlns:a="http://schemas.openxmlformats.org/drawingml/2006/main" xmlns:r="http://schemas.openxmlformats.org/officeDocument/2006/relationships" xmlns:p="http://schemas.openxmlformats.org/presentationml/2006/main">
+  <p:cSld>
+    <p:spTree>
+      <p:nvGrpSpPr>
+        <p:cNvPr id="1" name=""/>
+        <p:cNvGrpSpPr/>
+        <p:nvPr/>
+      </p:nvGrpSpPr>
+      <p:grpSpPr>
+        <a:xfrm>
+          <a:off x="0" y="0"/>
+          <a:ext cx="0" cy="0"/>
+          <a:chOff x="0" y="0"/>
+          <a:chExt cx="0" cy="0"/>
+        </a:xfrm>
+      </p:grpSpPr>
+      <p:sp>
+        <p:nvSpPr>
+          <p:cNvPr id="2" name="Titel 1">
+            <a:extLst>
+              <a:ext uri="{FF2B5EF4-FFF2-40B4-BE49-F238E27FC236}">
+                <a16:creationId xmlns:a16="http://schemas.microsoft.com/office/drawing/2014/main" id="{577718E3-62E8-4D37-AEFF-2A611E32F1A9}"/>
+              </a:ext>
+            </a:extLst>
+          </p:cNvPr>
+          <p:cNvSpPr>
+            <a:spLocks noGrp="1"/>
+          </p:cNvSpPr>
+          <p:nvPr>
+            <p:ph type="title"/>
+          </p:nvPr>
+        </p:nvSpPr>
+        <p:spPr>
+          <a:xfrm>
+            <a:off x="358811" y="295682"/>
+            <a:ext cx="8139237" cy="474040"/>
+          </a:xfrm>
+        </p:spPr>
+        <p:txBody>
+          <a:bodyPr>
+            <a:normAutofit fontScale="90000"/>
+          </a:bodyPr>
+          <a:lstStyle/>
+          <a:p>
+            <a:r>
+              <a:rPr lang="es-ES" dirty="0"/>
+              <a:t>3- </a:t>
+            </a:r>
+            <a:r>
+              <a:rPr lang="en-GB" dirty="0" err="1"/>
+              <a:t>Peticiones</a:t>
+            </a:r>
+            <a:r>
+              <a:rPr lang="en-GB" dirty="0"/>
+              <a:t> </a:t>
+            </a:r>
+            <a:r>
+              <a:rPr lang="en-GB" dirty="0" err="1"/>
+              <a:t>en</a:t>
+            </a:r>
+            <a:r>
+              <a:rPr lang="en-GB" dirty="0"/>
+              <a:t> Postman y Swagger</a:t>
+            </a:r>
+            <a:br>
+              <a:rPr lang="en-GB" dirty="0"/>
+            </a:br>
+            <a:br>
+              <a:rPr lang="en-GB" dirty="0"/>
+            </a:br>
+            <a:br>
+              <a:rPr lang="en-GB" dirty="0"/>
+            </a:br>
+            <a:endParaRPr lang="de-DE" dirty="0"/>
+          </a:p>
+        </p:txBody>
+      </p:sp>
+      <p:pic>
+        <p:nvPicPr>
+          <p:cNvPr id="2050" name="Picture 2" descr="Universidad de La Laguna (ULL) – 9º Encuentro BID">
+            <a:extLst>
+              <a:ext uri="{FF2B5EF4-FFF2-40B4-BE49-F238E27FC236}">
+                <a16:creationId xmlns:a16="http://schemas.microsoft.com/office/drawing/2014/main" id="{882940A1-F76E-46F8-8D6F-3B268F96020C}"/>
+              </a:ext>
+            </a:extLst>
+          </p:cNvPr>
+          <p:cNvPicPr>
+            <a:picLocks noChangeAspect="1" noChangeArrowheads="1"/>
+          </p:cNvPicPr>
+          <p:nvPr/>
+        </p:nvPicPr>
+        <p:blipFill>
+          <a:blip r:embed="rId2">
+            <a:extLst>
+              <a:ext uri="{28A0092B-C50C-407E-A947-70E740481C1C}">
+                <a14:useLocalDpi xmlns:a14="http://schemas.microsoft.com/office/drawing/2010/main" val="0"/>
+              </a:ext>
+            </a:extLst>
+          </a:blip>
+          <a:srcRect/>
+          <a:stretch>
+            <a:fillRect/>
+          </a:stretch>
+        </p:blipFill>
+        <p:spPr bwMode="auto">
+          <a:xfrm>
+            <a:off x="8621351" y="295682"/>
+            <a:ext cx="1828935" cy="438250"/>
+          </a:xfrm>
+          <a:prstGeom prst="rect">
+            <a:avLst/>
+          </a:prstGeom>
+          <a:noFill/>
+          <a:extLst>
+            <a:ext uri="{909E8E84-426E-40DD-AFC4-6F175D3DCCD1}">
+              <a14:hiddenFill xmlns:a14="http://schemas.microsoft.com/office/drawing/2010/main">
+                <a:solidFill>
+                  <a:srgbClr val="FFFFFF"/>
+                </a:solidFill>
+              </a14:hiddenFill>
+            </a:ext>
+          </a:extLst>
+        </p:spPr>
+      </p:pic>
+      <p:pic>
+        <p:nvPicPr>
+          <p:cNvPr id="5" name="Picture 4">
+            <a:extLst>
+              <a:ext uri="{FF2B5EF4-FFF2-40B4-BE49-F238E27FC236}">
+                <a16:creationId xmlns:a16="http://schemas.microsoft.com/office/drawing/2014/main" id="{6DB69BC6-D391-4FC6-8D2A-F1EBEFDFB01C}"/>
+              </a:ext>
+            </a:extLst>
+          </p:cNvPr>
+          <p:cNvPicPr>
+            <a:picLocks noChangeAspect="1"/>
+          </p:cNvPicPr>
+          <p:nvPr/>
+        </p:nvPicPr>
+        <p:blipFill>
+          <a:blip r:embed="rId3"/>
+          <a:stretch>
+            <a:fillRect/>
+          </a:stretch>
+        </p:blipFill>
+        <p:spPr>
+          <a:xfrm>
+            <a:off x="801421" y="1119187"/>
+            <a:ext cx="10172700" cy="4619625"/>
+          </a:xfrm>
+          <a:prstGeom prst="rect">
+            <a:avLst/>
+          </a:prstGeom>
+        </p:spPr>
+      </p:pic>
+      <p:sp>
+        <p:nvSpPr>
+          <p:cNvPr id="7" name="TextBox 6">
+            <a:extLst>
+              <a:ext uri="{FF2B5EF4-FFF2-40B4-BE49-F238E27FC236}">
+                <a16:creationId xmlns:a16="http://schemas.microsoft.com/office/drawing/2014/main" id="{E9975827-404C-4362-BFD3-C798B608AAE4}"/>
+              </a:ext>
+            </a:extLst>
+          </p:cNvPr>
+          <p:cNvSpPr txBox="1"/>
+          <p:nvPr/>
+        </p:nvSpPr>
+        <p:spPr>
+          <a:xfrm>
+            <a:off x="2719953" y="5934388"/>
+            <a:ext cx="6752094" cy="307777"/>
+          </a:xfrm>
+          <a:prstGeom prst="rect">
+            <a:avLst/>
+          </a:prstGeom>
+          <a:noFill/>
+        </p:spPr>
+        <p:txBody>
+          <a:bodyPr wrap="square" rtlCol="0">
+            <a:spAutoFit/>
+          </a:bodyPr>
+          <a:lstStyle/>
+          <a:p>
+            <a:r>
+              <a:rPr lang="es-ES" sz="1400" i="1" dirty="0"/>
+              <a:t>Simulación en </a:t>
+            </a:r>
+            <a:r>
+              <a:rPr lang="es-ES" sz="1400" i="1" dirty="0" err="1"/>
+              <a:t>Postman</a:t>
+            </a:r>
+            <a:r>
+              <a:rPr lang="es-ES" sz="1400" i="1" dirty="0"/>
+              <a:t> de </a:t>
+            </a:r>
+            <a:r>
+              <a:rPr lang="es-ES" sz="1400" i="1" dirty="0" err="1"/>
+              <a:t>login</a:t>
+            </a:r>
+            <a:r>
+              <a:rPr lang="es-ES" sz="1400" i="1" dirty="0"/>
+              <a:t> de un usuario general, al que se le devuelve el JTW</a:t>
+            </a:r>
+            <a:endParaRPr lang="LID4096" sz="1400" i="1" dirty="0"/>
+          </a:p>
+        </p:txBody>
+      </p:sp>
+    </p:spTree>
+    <p:extLst>
+      <p:ext uri="{BB962C8B-B14F-4D97-AF65-F5344CB8AC3E}">
+        <p14:creationId xmlns:p14="http://schemas.microsoft.com/office/powerpoint/2010/main" val="693735503"/>
+      </p:ext>
+    </p:extLst>
+  </p:cSld>
+  <p:clrMapOvr>
+    <a:masterClrMapping/>
+  </p:clrMapOvr>
+</p:sld>
+</file>
+
+<file path=ppt/slides/slide9.xml><?xml version="1.0" encoding="utf-8"?>
+<p:sld xmlns:a="http://schemas.openxmlformats.org/drawingml/2006/main" xmlns:r="http://schemas.openxmlformats.org/officeDocument/2006/relationships" xmlns:p="http://schemas.openxmlformats.org/presentationml/2006/main">
+  <p:cSld>
+    <p:spTree>
+      <p:nvGrpSpPr>
+        <p:cNvPr id="1" name=""/>
+        <p:cNvGrpSpPr/>
+        <p:nvPr/>
+      </p:nvGrpSpPr>
+      <p:grpSpPr>
+        <a:xfrm>
+          <a:off x="0" y="0"/>
+          <a:ext cx="0" cy="0"/>
+          <a:chOff x="0" y="0"/>
+          <a:chExt cx="0" cy="0"/>
+        </a:xfrm>
+      </p:grpSpPr>
+      <p:sp>
+        <p:nvSpPr>
+          <p:cNvPr id="2" name="Titel 1">
+            <a:extLst>
+              <a:ext uri="{FF2B5EF4-FFF2-40B4-BE49-F238E27FC236}">
+                <a16:creationId xmlns:a16="http://schemas.microsoft.com/office/drawing/2014/main" id="{577718E3-62E8-4D37-AEFF-2A611E32F1A9}"/>
+              </a:ext>
+            </a:extLst>
+          </p:cNvPr>
+          <p:cNvSpPr>
+            <a:spLocks noGrp="1"/>
+          </p:cNvSpPr>
+          <p:nvPr>
+            <p:ph type="title"/>
+          </p:nvPr>
+        </p:nvSpPr>
+        <p:spPr>
+          <a:xfrm>
+            <a:off x="358811" y="295682"/>
+            <a:ext cx="8139237" cy="474040"/>
+          </a:xfrm>
+        </p:spPr>
+        <p:txBody>
+          <a:bodyPr>
+            <a:normAutofit fontScale="90000"/>
+          </a:bodyPr>
+          <a:lstStyle/>
+          <a:p>
+            <a:r>
+              <a:rPr lang="es-ES" dirty="0"/>
+              <a:t>4- </a:t>
+            </a:r>
+            <a:r>
+              <a:rPr lang="en-GB" dirty="0"/>
+              <a:t>SQL Server</a:t>
+            </a:r>
+            <a:br>
+              <a:rPr lang="en-GB" dirty="0"/>
+            </a:br>
+            <a:br>
+              <a:rPr lang="en-GB" dirty="0"/>
+            </a:br>
+            <a:br>
+              <a:rPr lang="en-GB" dirty="0"/>
+            </a:br>
+            <a:endParaRPr lang="de-DE" dirty="0"/>
+          </a:p>
+        </p:txBody>
+      </p:sp>
+      <p:sp>
+        <p:nvSpPr>
+          <p:cNvPr id="3" name="Inhaltsplatzhalter 2">
+            <a:extLst>
+              <a:ext uri="{FF2B5EF4-FFF2-40B4-BE49-F238E27FC236}">
+                <a16:creationId xmlns:a16="http://schemas.microsoft.com/office/drawing/2014/main" id="{7F1FDFB0-D952-4E0F-94FA-D47BF67ED655}"/>
+              </a:ext>
+            </a:extLst>
+          </p:cNvPr>
+          <p:cNvSpPr>
+            <a:spLocks noGrp="1"/>
+          </p:cNvSpPr>
+          <p:nvPr>
+            <p:ph idx="1"/>
+          </p:nvPr>
+        </p:nvSpPr>
+        <p:spPr/>
+        <p:txBody>
+          <a:bodyPr/>
+          <a:lstStyle/>
+          <a:p>
+            <a:pPr algn="just"/>
+            <a:r>
+              <a:rPr lang="en-US" dirty="0"/>
+              <a:t>Se ha </a:t>
+            </a:r>
+            <a:r>
+              <a:rPr lang="en-US" dirty="0" err="1"/>
+              <a:t>utilizado</a:t>
+            </a:r>
+            <a:r>
+              <a:rPr lang="en-US" dirty="0"/>
+              <a:t> SQL Server para </a:t>
+            </a:r>
+            <a:r>
+              <a:rPr lang="en-US" dirty="0" err="1"/>
+              <a:t>este</a:t>
+            </a:r>
+            <a:r>
+              <a:rPr lang="en-US" dirty="0"/>
+              <a:t> </a:t>
+            </a:r>
+            <a:r>
+              <a:rPr lang="en-US" dirty="0" err="1"/>
+              <a:t>ejercicio</a:t>
+            </a:r>
+            <a:r>
+              <a:rPr lang="en-US" dirty="0"/>
+              <a:t>. </a:t>
+            </a:r>
+          </a:p>
+          <a:p>
+            <a:pPr algn="just"/>
+            <a:r>
+              <a:rPr lang="en-US" dirty="0"/>
+              <a:t>Solo se ha </a:t>
+            </a:r>
+            <a:r>
+              <a:rPr lang="en-US" dirty="0" err="1"/>
+              <a:t>realizado</a:t>
+            </a:r>
+            <a:r>
+              <a:rPr lang="en-US" dirty="0"/>
+              <a:t> por </a:t>
+            </a:r>
+            <a:r>
+              <a:rPr lang="en-US" dirty="0" err="1"/>
+              <a:t>el</a:t>
+            </a:r>
+            <a:r>
+              <a:rPr lang="en-US" dirty="0"/>
+              <a:t> </a:t>
+            </a:r>
+            <a:r>
+              <a:rPr lang="en-US" dirty="0" err="1"/>
+              <a:t>momento</a:t>
+            </a:r>
+            <a:r>
+              <a:rPr lang="en-US" dirty="0"/>
+              <a:t> una </a:t>
+            </a:r>
+            <a:r>
+              <a:rPr lang="en-US" dirty="0" err="1"/>
+              <a:t>tabla</a:t>
+            </a:r>
+            <a:r>
+              <a:rPr lang="en-US" dirty="0"/>
+              <a:t> “</a:t>
+            </a:r>
+            <a:r>
+              <a:rPr lang="en-US" dirty="0" err="1"/>
+              <a:t>Coches</a:t>
+            </a:r>
+            <a:r>
+              <a:rPr lang="en-US" dirty="0"/>
+              <a:t>”, que </a:t>
+            </a:r>
+            <a:r>
+              <a:rPr lang="en-US" dirty="0" err="1"/>
+              <a:t>tienen</a:t>
+            </a:r>
+            <a:r>
+              <a:rPr lang="en-US" dirty="0"/>
+              <a:t> </a:t>
+            </a:r>
+            <a:r>
+              <a:rPr lang="en-US" dirty="0" err="1"/>
+              <a:t>como</a:t>
+            </a:r>
+            <a:r>
+              <a:rPr lang="en-US" dirty="0"/>
+              <a:t> </a:t>
+            </a:r>
+            <a:r>
+              <a:rPr lang="en-US" dirty="0" err="1"/>
+              <a:t>atributos</a:t>
+            </a:r>
+            <a:r>
+              <a:rPr lang="en-US" dirty="0"/>
+              <a:t>:</a:t>
+            </a:r>
+          </a:p>
+          <a:p>
+            <a:pPr lvl="1" algn="just"/>
+            <a:r>
+              <a:rPr lang="en-US" dirty="0"/>
+              <a:t>Id</a:t>
+            </a:r>
+          </a:p>
+          <a:p>
+            <a:pPr lvl="1" algn="just"/>
+            <a:r>
+              <a:rPr lang="en-US" dirty="0" err="1"/>
+              <a:t>Nombre</a:t>
+            </a:r>
+            <a:r>
+              <a:rPr lang="en-US" dirty="0"/>
+              <a:t> de </a:t>
+            </a:r>
+            <a:r>
+              <a:rPr lang="en-US" dirty="0" err="1"/>
+              <a:t>usuario</a:t>
+            </a:r>
+            <a:endParaRPr lang="en-US" dirty="0"/>
+          </a:p>
+          <a:p>
+            <a:pPr lvl="1" algn="just"/>
+            <a:r>
+              <a:rPr lang="en-US" dirty="0" err="1"/>
+              <a:t>Matrícula</a:t>
+            </a:r>
+            <a:endParaRPr lang="en-US" dirty="0"/>
+          </a:p>
+          <a:p>
+            <a:pPr lvl="1" algn="just"/>
+            <a:r>
+              <a:rPr lang="en-US" dirty="0" err="1"/>
+              <a:t>Año</a:t>
+            </a:r>
+            <a:r>
+              <a:rPr lang="en-US" dirty="0"/>
+              <a:t> de </a:t>
+            </a:r>
+            <a:r>
+              <a:rPr lang="en-US" dirty="0" err="1"/>
+              <a:t>fabricación</a:t>
+            </a:r>
+            <a:endParaRPr lang="en-US" dirty="0"/>
+          </a:p>
+          <a:p>
+            <a:pPr lvl="1" algn="just"/>
+            <a:r>
+              <a:rPr lang="en-US" dirty="0" err="1"/>
+              <a:t>Siguiente</a:t>
+            </a:r>
+            <a:r>
+              <a:rPr lang="en-US" dirty="0"/>
+              <a:t> ITV</a:t>
+            </a:r>
+          </a:p>
+        </p:txBody>
+      </p:sp>
+      <p:pic>
+        <p:nvPicPr>
+          <p:cNvPr id="2050" name="Picture 2" descr="Universidad de La Laguna (ULL) – 9º Encuentro BID">
+            <a:extLst>
+              <a:ext uri="{FF2B5EF4-FFF2-40B4-BE49-F238E27FC236}">
+                <a16:creationId xmlns:a16="http://schemas.microsoft.com/office/drawing/2014/main" id="{882940A1-F76E-46F8-8D6F-3B268F96020C}"/>
+              </a:ext>
+            </a:extLst>
+          </p:cNvPr>
+          <p:cNvPicPr>
+            <a:picLocks noChangeAspect="1" noChangeArrowheads="1"/>
+          </p:cNvPicPr>
+          <p:nvPr/>
+        </p:nvPicPr>
+        <p:blipFill>
+          <a:blip r:embed="rId2">
+            <a:extLst>
+              <a:ext uri="{28A0092B-C50C-407E-A947-70E740481C1C}">
+                <a14:useLocalDpi xmlns:a14="http://schemas.microsoft.com/office/drawing/2010/main" val="0"/>
+              </a:ext>
+            </a:extLst>
+          </a:blip>
+          <a:srcRect/>
+          <a:stretch>
+            <a:fillRect/>
+          </a:stretch>
+        </p:blipFill>
+        <p:spPr bwMode="auto">
+          <a:xfrm>
+            <a:off x="8621351" y="295682"/>
+            <a:ext cx="1828935" cy="438250"/>
+          </a:xfrm>
+          <a:prstGeom prst="rect">
+            <a:avLst/>
+          </a:prstGeom>
+          <a:noFill/>
+          <a:extLst>
+            <a:ext uri="{909E8E84-426E-40DD-AFC4-6F175D3DCCD1}">
+              <a14:hiddenFill xmlns:a14="http://schemas.microsoft.com/office/drawing/2010/main">
+                <a:solidFill>
+                  <a:srgbClr val="FFFFFF"/>
+                </a:solidFill>
+              </a14:hiddenFill>
+            </a:ext>
+          </a:extLst>
+        </p:spPr>
+      </p:pic>
+    </p:spTree>
+    <p:extLst>
+      <p:ext uri="{BB962C8B-B14F-4D97-AF65-F5344CB8AC3E}">
+        <p14:creationId xmlns:p14="http://schemas.microsoft.com/office/powerpoint/2010/main" val="1306924038"/>
       </p:ext>
     </p:extLst>
   </p:cSld>
@@ -7698,6 +10559,65 @@
 </file>
 
 <file path=customXml/item2.xml><?xml version="1.0" encoding="utf-8"?>
+<?mso-contentType ?>
+<FormTemplates xmlns="http://schemas.microsoft.com/sharepoint/v3/contenttype/forms">
+  <Display>DocumentLibraryForm</Display>
+  <Edit>DocumentLibraryForm</Edit>
+  <New>DocumentLibraryForm</New>
+</FormTemplates>
+</file>
+
+<file path=customXml/item3.xml><?xml version="1.0" encoding="utf-8"?>
+<?mso-contentType ?>
+<spe:Receivers xmlns:spe="http://schemas.microsoft.com/sharepoint/events">
+  <Receiver>
+    <Name>Document ID Generator</Name>
+    <Synchronization>Synchronous</Synchronization>
+    <Type>10001</Type>
+    <SequenceNumber>1000</SequenceNumber>
+    <Url/>
+    <Assembly>Microsoft.Office.DocumentManagement, Version=16.0.0.0, Culture=neutral, PublicKeyToken=71e9bce111e9429c</Assembly>
+    <Class>Microsoft.Office.DocumentManagement.Internal.DocIdHandler</Class>
+    <Data/>
+    <Filter/>
+  </Receiver>
+  <Receiver>
+    <Name>Document ID Generator</Name>
+    <Synchronization>Synchronous</Synchronization>
+    <Type>10002</Type>
+    <SequenceNumber>1001</SequenceNumber>
+    <Url/>
+    <Assembly>Microsoft.Office.DocumentManagement, Version=16.0.0.0, Culture=neutral, PublicKeyToken=71e9bce111e9429c</Assembly>
+    <Class>Microsoft.Office.DocumentManagement.Internal.DocIdHandler</Class>
+    <Data/>
+    <Filter/>
+  </Receiver>
+  <Receiver>
+    <Name>Document ID Generator</Name>
+    <Synchronization>Synchronous</Synchronization>
+    <Type>10004</Type>
+    <SequenceNumber>1002</SequenceNumber>
+    <Url/>
+    <Assembly>Microsoft.Office.DocumentManagement, Version=16.0.0.0, Culture=neutral, PublicKeyToken=71e9bce111e9429c</Assembly>
+    <Class>Microsoft.Office.DocumentManagement.Internal.DocIdHandler</Class>
+    <Data/>
+    <Filter/>
+  </Receiver>
+  <Receiver>
+    <Name>Document ID Generator</Name>
+    <Synchronization>Synchronous</Synchronization>
+    <Type>10006</Type>
+    <SequenceNumber>1003</SequenceNumber>
+    <Url/>
+    <Assembly>Microsoft.Office.DocumentManagement, Version=16.0.0.0, Culture=neutral, PublicKeyToken=71e9bce111e9429c</Assembly>
+    <Class>Microsoft.Office.DocumentManagement.Internal.DocIdHandler</Class>
+    <Data/>
+    <Filter/>
+  </Receiver>
+</spe:Receivers>
+</file>
+
+<file path=customXml/item4.xml><?xml version="1.0" encoding="utf-8"?>
 <ct:contentTypeSchema xmlns:ct="http://schemas.microsoft.com/office/2006/metadata/contentType" xmlns:ma="http://schemas.microsoft.com/office/2006/metadata/properties/metaAttributes" ct:_="" ma:_="" ma:contentTypeName="Document" ma:contentTypeID="0x010100CCD2CB7645A6664EBA7D2C1B319298D9" ma:contentTypeVersion="20" ma:contentTypeDescription="Create a new document." ma:contentTypeScope="" ma:versionID="1b89333854ece0126e4211b82251641e">
   <xsd:schema xmlns:xsd="http://www.w3.org/2001/XMLSchema" xmlns:xs="http://www.w3.org/2001/XMLSchema" xmlns:p="http://schemas.microsoft.com/office/2006/metadata/properties" xmlns:ns2="6dedcb10-c833-433a-ac85-a71007a78acc" xmlns:ns3="51e2b858-bf58-46a2-91b2-3dafa82a619b" targetNamespace="http://schemas.microsoft.com/office/2006/metadata/properties" ma:root="true" ma:fieldsID="ff5f21df02492c208f9b75ad1252c953" ns2:_="" ns3:_="">
     <xsd:import namespace="6dedcb10-c833-433a-ac85-a71007a78acc"/>
@@ -7977,65 +10897,6 @@
 </ct:contentTypeSchema>
 </file>
 
-<file path=customXml/item3.xml><?xml version="1.0" encoding="utf-8"?>
-<?mso-contentType ?>
-<spe:Receivers xmlns:spe="http://schemas.microsoft.com/sharepoint/events">
-  <Receiver>
-    <Name>Document ID Generator</Name>
-    <Synchronization>Synchronous</Synchronization>
-    <Type>10001</Type>
-    <SequenceNumber>1000</SequenceNumber>
-    <Url/>
-    <Assembly>Microsoft.Office.DocumentManagement, Version=16.0.0.0, Culture=neutral, PublicKeyToken=71e9bce111e9429c</Assembly>
-    <Class>Microsoft.Office.DocumentManagement.Internal.DocIdHandler</Class>
-    <Data/>
-    <Filter/>
-  </Receiver>
-  <Receiver>
-    <Name>Document ID Generator</Name>
-    <Synchronization>Synchronous</Synchronization>
-    <Type>10002</Type>
-    <SequenceNumber>1001</SequenceNumber>
-    <Url/>
-    <Assembly>Microsoft.Office.DocumentManagement, Version=16.0.0.0, Culture=neutral, PublicKeyToken=71e9bce111e9429c</Assembly>
-    <Class>Microsoft.Office.DocumentManagement.Internal.DocIdHandler</Class>
-    <Data/>
-    <Filter/>
-  </Receiver>
-  <Receiver>
-    <Name>Document ID Generator</Name>
-    <Synchronization>Synchronous</Synchronization>
-    <Type>10004</Type>
-    <SequenceNumber>1002</SequenceNumber>
-    <Url/>
-    <Assembly>Microsoft.Office.DocumentManagement, Version=16.0.0.0, Culture=neutral, PublicKeyToken=71e9bce111e9429c</Assembly>
-    <Class>Microsoft.Office.DocumentManagement.Internal.DocIdHandler</Class>
-    <Data/>
-    <Filter/>
-  </Receiver>
-  <Receiver>
-    <Name>Document ID Generator</Name>
-    <Synchronization>Synchronous</Synchronization>
-    <Type>10006</Type>
-    <SequenceNumber>1003</SequenceNumber>
-    <Url/>
-    <Assembly>Microsoft.Office.DocumentManagement, Version=16.0.0.0, Culture=neutral, PublicKeyToken=71e9bce111e9429c</Assembly>
-    <Class>Microsoft.Office.DocumentManagement.Internal.DocIdHandler</Class>
-    <Data/>
-    <Filter/>
-  </Receiver>
-</spe:Receivers>
-</file>
-
-<file path=customXml/item4.xml><?xml version="1.0" encoding="utf-8"?>
-<?mso-contentType ?>
-<FormTemplates xmlns="http://schemas.microsoft.com/sharepoint/v3/contenttype/forms">
-  <Display>DocumentLibraryForm</Display>
-  <Edit>DocumentLibraryForm</Edit>
-  <New>DocumentLibraryForm</New>
-</FormTemplates>
-</file>
-
 <file path=customXml/itemProps1.xml><?xml version="1.0" encoding="utf-8"?>
 <ds:datastoreItem xmlns:ds="http://schemas.openxmlformats.org/officeDocument/2006/customXml" ds:itemID="{7949718B-A5E5-46E7-AFC7-B9ECBEAA9285}">
   <ds:schemaRefs>
@@ -8056,6 +10917,22 @@
 </file>
 
 <file path=customXml/itemProps2.xml><?xml version="1.0" encoding="utf-8"?>
+<ds:datastoreItem xmlns:ds="http://schemas.openxmlformats.org/officeDocument/2006/customXml" ds:itemID="{FA16A6F6-BA94-4BC1-82EC-740C029F7F2E}">
+  <ds:schemaRefs>
+    <ds:schemaRef ds:uri="http://schemas.microsoft.com/sharepoint/v3/contenttype/forms"/>
+  </ds:schemaRefs>
+</ds:datastoreItem>
+</file>
+
+<file path=customXml/itemProps3.xml><?xml version="1.0" encoding="utf-8"?>
+<ds:datastoreItem xmlns:ds="http://schemas.openxmlformats.org/officeDocument/2006/customXml" ds:itemID="{C2D3F007-E527-40F2-825C-916613B331EC}">
+  <ds:schemaRefs>
+    <ds:schemaRef ds:uri="http://schemas.microsoft.com/sharepoint/events"/>
+  </ds:schemaRefs>
+</ds:datastoreItem>
+</file>
+
+<file path=customXml/itemProps4.xml><?xml version="1.0" encoding="utf-8"?>
 <ds:datastoreItem xmlns:ds="http://schemas.openxmlformats.org/officeDocument/2006/customXml" ds:itemID="{DB98A7B3-6CBB-482F-883D-79C2A86A89A9}">
   <ds:schemaRefs>
     <ds:schemaRef ds:uri="http://schemas.microsoft.com/office/2006/metadata/contentType"/>
@@ -8072,20 +10949,4 @@
     <ds:schemaRef ds:uri="http://schemas.microsoft.com/internal/obd"/>
   </ds:schemaRefs>
 </ds:datastoreItem>
-</file>
-
-<file path=customXml/itemProps3.xml><?xml version="1.0" encoding="utf-8"?>
-<ds:datastoreItem xmlns:ds="http://schemas.openxmlformats.org/officeDocument/2006/customXml" ds:itemID="{C2D3F007-E527-40F2-825C-916613B331EC}">
-  <ds:schemaRefs>
-    <ds:schemaRef ds:uri="http://schemas.microsoft.com/sharepoint/events"/>
-  </ds:schemaRefs>
-</ds:datastoreItem>
-</file>
-
-<file path=customXml/itemProps4.xml><?xml version="1.0" encoding="utf-8"?>
-<ds:datastoreItem xmlns:ds="http://schemas.openxmlformats.org/officeDocument/2006/customXml" ds:itemID="{FA16A6F6-BA94-4BC1-82EC-740C029F7F2E}">
-  <ds:schemaRefs>
-    <ds:schemaRef ds:uri="http://schemas.microsoft.com/sharepoint/v3/contenttype/forms"/>
-  </ds:schemaRefs>
-</ds:datastoreItem>
 </file>
--- a/IniciacionDePracticasExternas.pptx
+++ b/IniciacionDePracticasExternas.pptx
@@ -272,7 +272,7 @@
           <a:p>
             <a:fld id="{D18408C4-2C7F-214C-83E2-CEB72601B4F7}" type="slidenum">
               <a:rPr lang="en-DE" smtClean="0"/>
-              <a:t>‹#›</a:t>
+              <a:t>‹Nº›</a:t>
             </a:fld>
             <a:endParaRPr lang="en-DE"/>
           </a:p>
@@ -5507,26 +5507,9 @@
           <a:lstStyle/>
           <a:p>
             <a:r>
-              <a:rPr lang="de-DE" dirty="0" err="1"/>
-              <a:t>Iniciación</a:t>
-            </a:r>
-            <a:r>
-              <a:rPr lang="de-DE" dirty="0"/>
-              <a:t> </a:t>
-            </a:r>
-            <a:r>
-              <a:rPr lang="de-DE" dirty="0" err="1"/>
-              <a:t>prácticas</a:t>
-            </a:r>
-            <a:r>
-              <a:rPr lang="de-DE" dirty="0"/>
-              <a:t> </a:t>
-            </a:r>
-            <a:r>
-              <a:rPr lang="de-DE" dirty="0" err="1"/>
-              <a:t>externas</a:t>
-            </a:r>
-            <a:endParaRPr lang="de-DE" dirty="0"/>
+              <a:rPr lang="es-ES" dirty="0"/>
+              <a:t>Iniciación prácticas externas</a:t>
+            </a:r>
           </a:p>
         </p:txBody>
       </p:sp>
@@ -5712,218 +5695,54 @@
           <a:p>
             <a:pPr algn="just"/>
             <a:r>
-              <a:rPr lang="en-US" dirty="0" err="1"/>
-              <a:t>Usando</a:t>
-            </a:r>
-            <a:r>
-              <a:rPr lang="en-US" dirty="0"/>
-              <a:t> la </a:t>
-            </a:r>
-            <a:r>
-              <a:rPr lang="en-US" dirty="0" err="1"/>
-              <a:t>tecnología</a:t>
-            </a:r>
-            <a:r>
-              <a:rPr lang="en-US" dirty="0"/>
-              <a:t> de </a:t>
-            </a:r>
-            <a:r>
-              <a:rPr lang="en-US" dirty="0">
+              <a:rPr lang="es-ES"/>
+              <a:t>Usando la tecnología de </a:t>
+            </a:r>
+            <a:r>
+              <a:rPr lang="es-ES">
                 <a:hlinkClick r:id="rId2"/>
               </a:rPr>
               <a:t>Docker</a:t>
             </a:r>
             <a:r>
-              <a:rPr lang="en-US" dirty="0"/>
-              <a:t>, se </a:t>
-            </a:r>
-            <a:r>
-              <a:rPr lang="en-US" dirty="0" err="1"/>
-              <a:t>han</a:t>
-            </a:r>
-            <a:r>
-              <a:rPr lang="en-US" dirty="0"/>
-              <a:t> </a:t>
-            </a:r>
-            <a:r>
-              <a:rPr lang="en-US" dirty="0" err="1"/>
-              <a:t>dockerizado</a:t>
-            </a:r>
-            <a:r>
-              <a:rPr lang="en-US" dirty="0"/>
-              <a:t> </a:t>
-            </a:r>
-            <a:r>
-              <a:rPr lang="en-US" dirty="0" err="1"/>
-              <a:t>todos</a:t>
-            </a:r>
-            <a:r>
-              <a:rPr lang="en-US" dirty="0"/>
-              <a:t> los components de </a:t>
-            </a:r>
-            <a:r>
-              <a:rPr lang="en-US" dirty="0" err="1"/>
-              <a:t>nuestro</a:t>
-            </a:r>
-            <a:r>
-              <a:rPr lang="en-US" dirty="0"/>
-              <a:t> </a:t>
-            </a:r>
-            <a:r>
-              <a:rPr lang="en-US" dirty="0" err="1"/>
-              <a:t>entorno</a:t>
-            </a:r>
-            <a:r>
-              <a:rPr lang="en-US" dirty="0"/>
-              <a:t>.</a:t>
+              <a:rPr lang="es-ES"/>
+              <a:t>, se han dockerizado todos los components de nuestro entorno.</a:t>
             </a:r>
           </a:p>
           <a:p>
             <a:pPr algn="just"/>
             <a:r>
-              <a:rPr lang="en-US" dirty="0"/>
-              <a:t>Se ha </a:t>
-            </a:r>
-            <a:r>
-              <a:rPr lang="en-US" dirty="0" err="1"/>
-              <a:t>descargado</a:t>
-            </a:r>
-            <a:r>
-              <a:rPr lang="en-US" dirty="0"/>
-              <a:t> una imagen de SQL Server, de la </a:t>
-            </a:r>
-            <a:r>
-              <a:rPr lang="en-US" dirty="0" err="1"/>
-              <a:t>cual</a:t>
-            </a:r>
-            <a:r>
-              <a:rPr lang="en-US" dirty="0"/>
-              <a:t> se ha </a:t>
-            </a:r>
-            <a:r>
-              <a:rPr lang="en-US" dirty="0" err="1"/>
-              <a:t>instanciado</a:t>
-            </a:r>
-            <a:r>
-              <a:rPr lang="en-US" dirty="0"/>
-              <a:t> un </a:t>
-            </a:r>
-            <a:r>
-              <a:rPr lang="en-US" dirty="0" err="1"/>
-              <a:t>contenedor</a:t>
-            </a:r>
-            <a:r>
-              <a:rPr lang="en-US" dirty="0"/>
-              <a:t> de </a:t>
-            </a:r>
-            <a:r>
-              <a:rPr lang="en-US" dirty="0" err="1"/>
-              <a:t>prueba</a:t>
-            </a:r>
-            <a:r>
-              <a:rPr lang="en-US" dirty="0"/>
-              <a:t>. </a:t>
+              <a:rPr lang="es-ES"/>
+              <a:t>Se ha descargado una imagen de SQL Server, de la cual se ha instanciado un contenedor de prueba. </a:t>
             </a:r>
           </a:p>
           <a:p>
             <a:pPr algn="just"/>
             <a:r>
-              <a:rPr lang="en-US" dirty="0"/>
-              <a:t>Se ha </a:t>
-            </a:r>
-            <a:r>
-              <a:rPr lang="en-US" dirty="0" err="1"/>
-              <a:t>configurado</a:t>
-            </a:r>
-            <a:r>
-              <a:rPr lang="en-US" dirty="0"/>
-              <a:t> un </a:t>
-            </a:r>
-            <a:r>
-              <a:rPr lang="en-US" dirty="0" err="1">
+              <a:rPr lang="es-ES"/>
+              <a:t>Se ha configurado un </a:t>
+            </a:r>
+            <a:r>
+              <a:rPr lang="es-ES">
                 <a:hlinkClick r:id="rId3"/>
               </a:rPr>
               <a:t>Dockerfile</a:t>
             </a:r>
             <a:r>
-              <a:rPr lang="en-US" dirty="0"/>
-              <a:t> </a:t>
-            </a:r>
-            <a:r>
-              <a:rPr lang="en-US" dirty="0" err="1"/>
-              <a:t>en</a:t>
-            </a:r>
-            <a:r>
-              <a:rPr lang="en-US" dirty="0"/>
-              <a:t> </a:t>
-            </a:r>
-            <a:r>
-              <a:rPr lang="en-US" dirty="0" err="1"/>
-              <a:t>nuestro</a:t>
-            </a:r>
-            <a:r>
-              <a:rPr lang="en-US" dirty="0"/>
-              <a:t> </a:t>
-            </a:r>
-            <a:r>
-              <a:rPr lang="en-US" dirty="0" err="1"/>
-              <a:t>servicio</a:t>
-            </a:r>
-            <a:r>
-              <a:rPr lang="en-US" dirty="0"/>
-              <a:t> API y se ha </a:t>
-            </a:r>
-            <a:r>
-              <a:rPr lang="en-US" dirty="0" err="1"/>
-              <a:t>instanciado</a:t>
-            </a:r>
-            <a:r>
-              <a:rPr lang="en-US" dirty="0"/>
-              <a:t> un </a:t>
-            </a:r>
-            <a:r>
-              <a:rPr lang="en-US" dirty="0" err="1"/>
-              <a:t>contenedor</a:t>
-            </a:r>
-            <a:r>
-              <a:rPr lang="en-US" dirty="0"/>
-              <a:t> de </a:t>
-            </a:r>
-            <a:r>
-              <a:rPr lang="en-US" dirty="0" err="1"/>
-              <a:t>prueba</a:t>
-            </a:r>
-            <a:r>
-              <a:rPr lang="en-US" dirty="0"/>
-              <a:t>.</a:t>
+              <a:rPr lang="es-ES"/>
+              <a:t> en nuestro servicio API y se ha instanciado un contenedor de prueba.</a:t>
             </a:r>
           </a:p>
           <a:p>
             <a:pPr algn="just"/>
             <a:r>
-              <a:rPr lang="en-US" dirty="0"/>
-              <a:t>Se ha </a:t>
-            </a:r>
-            <a:r>
-              <a:rPr lang="en-US" dirty="0" err="1"/>
-              <a:t>configurado</a:t>
-            </a:r>
-            <a:r>
-              <a:rPr lang="en-US" dirty="0"/>
-              <a:t> una Private Virtual Network entre ambos </a:t>
-            </a:r>
-            <a:r>
-              <a:rPr lang="en-US" dirty="0" err="1"/>
-              <a:t>contenedores</a:t>
-            </a:r>
-            <a:r>
-              <a:rPr lang="en-US" dirty="0"/>
-              <a:t>.</a:t>
+              <a:rPr lang="es-ES"/>
+              <a:t>Se ha configurado una Private Virtual Network entre ambos contenedores.</a:t>
             </a:r>
           </a:p>
           <a:p>
             <a:pPr algn="just"/>
-            <a:endParaRPr lang="en-US" dirty="0"/>
+            <a:endParaRPr lang="es-ES"/>
           </a:p>
         </p:txBody>
       </p:sp>
@@ -6151,7 +5970,7 @@
         <p:spPr>
           <a:xfrm>
             <a:off x="3993026" y="5119555"/>
-            <a:ext cx="4205948" cy="307777"/>
+            <a:ext cx="4383894" cy="307777"/>
           </a:xfrm>
           <a:prstGeom prst="rect">
             <a:avLst/>
@@ -6287,9 +6106,68 @@
           <a:bodyPr/>
           <a:lstStyle/>
           <a:p>
-            <a:pPr marL="0" indent="0" algn="just">
-              <a:buNone/>
-            </a:pPr>
+            <a:pPr algn="just"/>
+            <a:r>
+              <a:rPr lang="en-US" dirty="0"/>
+              <a:t>Se ha </a:t>
+            </a:r>
+            <a:r>
+              <a:rPr lang="en-US" dirty="0" err="1"/>
+              <a:t>inicializado</a:t>
+            </a:r>
+            <a:r>
+              <a:rPr lang="en-US" dirty="0"/>
+              <a:t> </a:t>
+            </a:r>
+            <a:r>
+              <a:rPr lang="en-US" dirty="0" err="1"/>
+              <a:t>una</a:t>
+            </a:r>
+            <a:r>
+              <a:rPr lang="en-US" dirty="0"/>
+              <a:t> </a:t>
+            </a:r>
+            <a:r>
+              <a:rPr lang="en-US" dirty="0" err="1"/>
+              <a:t>aplicaci</a:t>
+            </a:r>
+            <a:r>
+              <a:rPr lang="es-ES" dirty="0" err="1"/>
+              <a:t>ón</a:t>
+            </a:r>
+            <a:r>
+              <a:rPr lang="es-ES" dirty="0"/>
+              <a:t> base de </a:t>
+            </a:r>
+            <a:r>
+              <a:rPr lang="es-ES" dirty="0" err="1">
+                <a:hlinkClick r:id="rId2"/>
+              </a:rPr>
+              <a:t>Ángular</a:t>
+            </a:r>
+            <a:r>
+              <a:rPr lang="es-ES" dirty="0" err="1"/>
+              <a:t>,se</a:t>
+            </a:r>
+            <a:r>
+              <a:rPr lang="es-ES" dirty="0"/>
+              <a:t> ha </a:t>
+            </a:r>
+            <a:r>
+              <a:rPr lang="es-ES" dirty="0" err="1"/>
+              <a:t>dockerizado</a:t>
+            </a:r>
+            <a:r>
+              <a:rPr lang="es-ES" dirty="0"/>
+              <a:t> y unido a una nueva Virtual Network a la que pertenece el contenedor de la API.</a:t>
+            </a:r>
+          </a:p>
+          <a:p>
+            <a:pPr algn="just"/>
+            <a:r>
+              <a:rPr lang="es-ES" dirty="0"/>
+              <a:t>…</a:t>
+            </a:r>
             <a:endParaRPr lang="en-US" dirty="0"/>
           </a:p>
         </p:txBody>
@@ -6309,7 +6187,7 @@
           <p:nvPr/>
         </p:nvPicPr>
         <p:blipFill>
-          <a:blip r:embed="rId2">
+          <a:blip r:embed="rId3">
             <a:extLst>
               <a:ext uri="{28A0092B-C50C-407E-A947-70E740481C1C}">
                 <a14:useLocalDpi xmlns:a14="http://schemas.microsoft.com/office/drawing/2010/main" val="0"/>
@@ -6596,388 +6474,36 @@
           <a:p>
             <a:pPr algn="just"/>
             <a:r>
-              <a:rPr lang="de-DE" dirty="0"/>
-              <a:t>El </a:t>
-            </a:r>
-            <a:r>
-              <a:rPr lang="de-DE" dirty="0" err="1"/>
-              <a:t>objetivo</a:t>
-            </a:r>
-            <a:r>
-              <a:rPr lang="de-DE" dirty="0"/>
-              <a:t> de </a:t>
-            </a:r>
-            <a:r>
-              <a:rPr lang="de-DE" dirty="0" err="1"/>
-              <a:t>este</a:t>
-            </a:r>
-            <a:r>
-              <a:rPr lang="de-DE" dirty="0"/>
-              <a:t> </a:t>
-            </a:r>
-            <a:r>
-              <a:rPr lang="de-DE" dirty="0" err="1"/>
-              <a:t>ejercicio</a:t>
-            </a:r>
-            <a:r>
-              <a:rPr lang="de-DE" dirty="0"/>
-              <a:t> es </a:t>
-            </a:r>
-            <a:r>
-              <a:rPr lang="de-DE" dirty="0" err="1"/>
-              <a:t>pasar</a:t>
-            </a:r>
-            <a:r>
-              <a:rPr lang="de-DE" dirty="0"/>
-              <a:t> </a:t>
-            </a:r>
-            <a:r>
-              <a:rPr lang="de-DE" dirty="0" err="1"/>
-              <a:t>por</a:t>
-            </a:r>
-            <a:r>
-              <a:rPr lang="de-DE" dirty="0"/>
-              <a:t> </a:t>
-            </a:r>
-            <a:r>
-              <a:rPr lang="de-DE" dirty="0" err="1"/>
-              <a:t>todas</a:t>
-            </a:r>
-            <a:r>
-              <a:rPr lang="de-DE" dirty="0"/>
-              <a:t> las </a:t>
-            </a:r>
-            <a:r>
-              <a:rPr lang="de-DE" dirty="0" err="1"/>
-              <a:t>fases</a:t>
-            </a:r>
-            <a:r>
-              <a:rPr lang="de-DE" dirty="0"/>
-              <a:t> del </a:t>
-            </a:r>
-            <a:r>
-              <a:rPr lang="de-DE" dirty="0" err="1"/>
-              <a:t>desarrollo</a:t>
-            </a:r>
-            <a:r>
-              <a:rPr lang="de-DE" dirty="0"/>
-              <a:t> de </a:t>
-            </a:r>
-            <a:r>
-              <a:rPr lang="de-DE" dirty="0" err="1"/>
-              <a:t>una</a:t>
-            </a:r>
-            <a:r>
-              <a:rPr lang="de-DE" dirty="0"/>
-              <a:t> </a:t>
-            </a:r>
-            <a:r>
-              <a:rPr lang="de-DE" dirty="0" err="1"/>
-              <a:t>aplicación</a:t>
-            </a:r>
-            <a:r>
-              <a:rPr lang="de-DE" dirty="0"/>
-              <a:t> web </a:t>
-            </a:r>
-            <a:r>
-              <a:rPr lang="de-DE" dirty="0" err="1"/>
-              <a:t>para</a:t>
-            </a:r>
-            <a:r>
-              <a:rPr lang="de-DE" dirty="0"/>
-              <a:t> </a:t>
-            </a:r>
-            <a:r>
-              <a:rPr lang="de-DE" dirty="0" err="1"/>
-              <a:t>familiarizarse</a:t>
-            </a:r>
-            <a:r>
-              <a:rPr lang="de-DE" dirty="0"/>
-              <a:t> </a:t>
-            </a:r>
-            <a:r>
-              <a:rPr lang="de-DE" dirty="0" err="1"/>
-              <a:t>con</a:t>
-            </a:r>
-            <a:r>
-              <a:rPr lang="de-DE" dirty="0"/>
-              <a:t> </a:t>
-            </a:r>
-            <a:r>
-              <a:rPr lang="de-DE" dirty="0" err="1"/>
-              <a:t>todas</a:t>
-            </a:r>
-            <a:r>
-              <a:rPr lang="de-DE" dirty="0"/>
-              <a:t> las </a:t>
-            </a:r>
-            <a:r>
-              <a:rPr lang="de-DE" dirty="0" err="1"/>
-              <a:t>tecnologías</a:t>
-            </a:r>
-            <a:r>
-              <a:rPr lang="de-DE" dirty="0"/>
-              <a:t> </a:t>
-            </a:r>
-            <a:r>
-              <a:rPr lang="de-DE" dirty="0" err="1"/>
-              <a:t>que</a:t>
-            </a:r>
-            <a:r>
-              <a:rPr lang="de-DE" dirty="0"/>
-              <a:t> se </a:t>
-            </a:r>
-            <a:r>
-              <a:rPr lang="de-DE" dirty="0" err="1"/>
-              <a:t>encuentran</a:t>
-            </a:r>
-            <a:r>
-              <a:rPr lang="de-DE" dirty="0"/>
-              <a:t> en </a:t>
-            </a:r>
-            <a:r>
-              <a:rPr lang="de-DE" dirty="0" err="1"/>
-              <a:t>este</a:t>
-            </a:r>
-            <a:r>
-              <a:rPr lang="de-DE" dirty="0"/>
-              <a:t> </a:t>
-            </a:r>
-            <a:r>
-              <a:rPr lang="de-DE" dirty="0" err="1"/>
-              <a:t>dentro</a:t>
-            </a:r>
-            <a:r>
-              <a:rPr lang="de-DE" dirty="0"/>
-              <a:t> de </a:t>
-            </a:r>
-            <a:r>
-              <a:rPr lang="de-DE" dirty="0" err="1"/>
-              <a:t>una</a:t>
-            </a:r>
-            <a:r>
-              <a:rPr lang="de-DE" dirty="0"/>
-              <a:t> </a:t>
-            </a:r>
-            <a:r>
-              <a:rPr lang="de-DE" dirty="0" err="1"/>
-              <a:t>empresa</a:t>
-            </a:r>
-            <a:r>
-              <a:rPr lang="de-DE" dirty="0"/>
-              <a:t>.</a:t>
+              <a:rPr lang="es-ES" dirty="0"/>
+              <a:t>El objetivo de este ejercicio es pasar por todas las fases del desarrollo de una aplicación web para familiarizarse con todas las tecnologías que se encuentran en este dentro de una empresa.</a:t>
             </a:r>
           </a:p>
           <a:p>
             <a:pPr algn="just"/>
             <a:r>
-              <a:rPr lang="de-DE" dirty="0"/>
-              <a:t>La </a:t>
-            </a:r>
-            <a:r>
-              <a:rPr lang="de-DE" dirty="0" err="1"/>
-              <a:t>temática</a:t>
-            </a:r>
-            <a:r>
-              <a:rPr lang="de-DE" dirty="0"/>
-              <a:t> de la </a:t>
-            </a:r>
-            <a:r>
-              <a:rPr lang="de-DE" dirty="0" err="1"/>
-              <a:t>aplicación</a:t>
-            </a:r>
-            <a:r>
-              <a:rPr lang="de-DE" dirty="0"/>
-              <a:t> a </a:t>
-            </a:r>
-            <a:r>
-              <a:rPr lang="de-DE" dirty="0" err="1"/>
-              <a:t>realizar</a:t>
-            </a:r>
-            <a:r>
-              <a:rPr lang="de-DE" dirty="0"/>
-              <a:t> </a:t>
-            </a:r>
-            <a:r>
-              <a:rPr lang="de-DE" dirty="0" err="1"/>
-              <a:t>será</a:t>
-            </a:r>
-            <a:r>
-              <a:rPr lang="de-DE" dirty="0"/>
-              <a:t> </a:t>
-            </a:r>
-            <a:r>
-              <a:rPr lang="de-DE" dirty="0" err="1"/>
-              <a:t>una</a:t>
-            </a:r>
-            <a:r>
-              <a:rPr lang="de-DE" dirty="0"/>
-              <a:t> </a:t>
-            </a:r>
-            <a:r>
-              <a:rPr lang="de-DE" dirty="0" err="1"/>
-              <a:t>página</a:t>
-            </a:r>
-            <a:r>
-              <a:rPr lang="de-DE" dirty="0"/>
-              <a:t> </a:t>
-            </a:r>
-            <a:r>
-              <a:rPr lang="de-DE" dirty="0" err="1"/>
-              <a:t>con</a:t>
-            </a:r>
-            <a:r>
-              <a:rPr lang="de-DE" dirty="0"/>
-              <a:t> </a:t>
-            </a:r>
-            <a:r>
-              <a:rPr lang="de-DE" dirty="0" err="1"/>
-              <a:t>autentificación</a:t>
-            </a:r>
-            <a:r>
-              <a:rPr lang="de-DE" dirty="0"/>
-              <a:t> </a:t>
-            </a:r>
-            <a:r>
-              <a:rPr lang="de-DE" dirty="0" err="1"/>
-              <a:t>que</a:t>
-            </a:r>
-            <a:r>
-              <a:rPr lang="de-DE" dirty="0"/>
-              <a:t> </a:t>
-            </a:r>
-            <a:r>
-              <a:rPr lang="de-DE" dirty="0" err="1"/>
-              <a:t>consulte</a:t>
-            </a:r>
-            <a:r>
-              <a:rPr lang="de-DE" dirty="0"/>
-              <a:t> </a:t>
-            </a:r>
-            <a:r>
-              <a:rPr lang="de-DE" dirty="0" err="1"/>
-              <a:t>una</a:t>
-            </a:r>
-            <a:r>
-              <a:rPr lang="de-DE" dirty="0"/>
-              <a:t> </a:t>
-            </a:r>
-            <a:r>
-              <a:rPr lang="de-DE" dirty="0" err="1"/>
-              <a:t>base</a:t>
-            </a:r>
-            <a:r>
-              <a:rPr lang="de-DE" dirty="0"/>
-              <a:t> de </a:t>
-            </a:r>
-            <a:r>
-              <a:rPr lang="de-DE" dirty="0" err="1"/>
-              <a:t>datos</a:t>
-            </a:r>
-            <a:r>
-              <a:rPr lang="de-DE" dirty="0"/>
-              <a:t> </a:t>
-            </a:r>
-            <a:r>
-              <a:rPr lang="de-DE" dirty="0" err="1"/>
-              <a:t>sobre</a:t>
-            </a:r>
-            <a:r>
-              <a:rPr lang="de-DE" dirty="0"/>
-              <a:t> </a:t>
-            </a:r>
-            <a:r>
-              <a:rPr lang="de-DE" dirty="0" err="1"/>
-              <a:t>vehiculos</a:t>
-            </a:r>
-            <a:r>
-              <a:rPr lang="de-DE" dirty="0"/>
-              <a:t> de </a:t>
-            </a:r>
-            <a:r>
-              <a:rPr lang="de-DE" dirty="0" err="1"/>
-              <a:t>usuarios</a:t>
-            </a:r>
-            <a:r>
-              <a:rPr lang="de-DE" dirty="0"/>
-              <a:t> </a:t>
-            </a:r>
-            <a:r>
-              <a:rPr lang="de-DE" dirty="0" err="1"/>
-              <a:t>registrados</a:t>
-            </a:r>
-            <a:r>
-              <a:rPr lang="de-DE" dirty="0"/>
-              <a:t>.  </a:t>
+              <a:rPr lang="es-ES" dirty="0"/>
+              <a:t>La temática de la aplicación a realizar será una página con autentificación que consulte una base de datos sobre vehículos de usuarios registrados.  </a:t>
             </a:r>
           </a:p>
           <a:p>
             <a:pPr algn="just"/>
             <a:r>
-              <a:rPr lang="de-DE" dirty="0"/>
-              <a:t>Se </a:t>
-            </a:r>
-            <a:r>
-              <a:rPr lang="de-DE" dirty="0" err="1"/>
-              <a:t>tendrá</a:t>
-            </a:r>
-            <a:r>
-              <a:rPr lang="de-DE" dirty="0"/>
-              <a:t> en </a:t>
-            </a:r>
-            <a:r>
-              <a:rPr lang="de-DE" dirty="0" err="1"/>
-              <a:t>cuenta</a:t>
-            </a:r>
-            <a:r>
-              <a:rPr lang="de-DE" dirty="0"/>
-              <a:t> dos </a:t>
-            </a:r>
-            <a:r>
-              <a:rPr lang="de-DE" dirty="0" err="1"/>
-              <a:t>vistas</a:t>
-            </a:r>
-            <a:r>
-              <a:rPr lang="de-DE" dirty="0"/>
-              <a:t>: </a:t>
+              <a:rPr lang="es-ES" dirty="0"/>
+              <a:t>Se tendrá en cuenta dos vistas: </a:t>
             </a:r>
           </a:p>
           <a:p>
             <a:pPr lvl="1" algn="just"/>
             <a:r>
-              <a:rPr lang="de-DE" dirty="0" err="1"/>
-              <a:t>Usuario</a:t>
-            </a:r>
-            <a:r>
-              <a:rPr lang="de-DE" dirty="0"/>
-              <a:t> </a:t>
-            </a:r>
-            <a:r>
-              <a:rPr lang="de-DE" dirty="0" err="1"/>
-              <a:t>común</a:t>
-            </a:r>
-            <a:r>
-              <a:rPr lang="de-DE" dirty="0"/>
-              <a:t>.</a:t>
+              <a:rPr lang="es-ES" dirty="0"/>
+              <a:t>Usuario común.</a:t>
             </a:r>
           </a:p>
           <a:p>
             <a:pPr lvl="1" algn="just"/>
             <a:r>
-              <a:rPr lang="de-DE" dirty="0" err="1"/>
-              <a:t>Usuario</a:t>
-            </a:r>
-            <a:r>
-              <a:rPr lang="de-DE" dirty="0"/>
-              <a:t> </a:t>
-            </a:r>
-            <a:r>
-              <a:rPr lang="de-DE" dirty="0" err="1"/>
-              <a:t>administrador</a:t>
-            </a:r>
-            <a:r>
-              <a:rPr lang="de-DE" dirty="0"/>
-              <a:t>.</a:t>
+              <a:rPr lang="es-ES" dirty="0"/>
+              <a:t>Usuario administrador.</a:t>
             </a:r>
           </a:p>
         </p:txBody>
@@ -7920,7 +7446,7 @@
               <a:t> Core API </a:t>
             </a:r>
             <a:r>
-              <a:rPr lang="en-GB" dirty="0" err="1"/>
+              <a:rPr lang="es-ES" dirty="0"/>
               <a:t>inicializada</a:t>
             </a:r>
             <a:br>
@@ -7953,409 +7479,75 @@
           <a:p>
             <a:pPr algn="just"/>
             <a:r>
-              <a:rPr lang="en-US" dirty="0"/>
-              <a:t>Se </a:t>
-            </a:r>
-            <a:r>
-              <a:rPr lang="en-US" dirty="0" err="1"/>
-              <a:t>han</a:t>
-            </a:r>
-            <a:r>
-              <a:rPr lang="en-US" dirty="0"/>
-              <a:t> </a:t>
-            </a:r>
-            <a:r>
-              <a:rPr lang="en-US" dirty="0" err="1"/>
-              <a:t>empezado</a:t>
-            </a:r>
-            <a:r>
-              <a:rPr lang="en-US" dirty="0"/>
-              <a:t> por un </a:t>
-            </a:r>
-            <a:r>
-              <a:rPr lang="en-US" dirty="0" err="1"/>
-              <a:t>proceso</a:t>
-            </a:r>
-            <a:r>
-              <a:rPr lang="en-US" dirty="0"/>
-              <a:t> de </a:t>
-            </a:r>
-            <a:r>
-              <a:rPr lang="en-US" dirty="0" err="1"/>
-              <a:t>aprendizaje</a:t>
-            </a:r>
-            <a:r>
-              <a:rPr lang="en-US" dirty="0"/>
-              <a:t> </a:t>
-            </a:r>
-            <a:r>
-              <a:rPr lang="en-US" dirty="0" err="1"/>
-              <a:t>básico</a:t>
-            </a:r>
-            <a:r>
-              <a:rPr lang="en-US" dirty="0"/>
-              <a:t> </a:t>
-            </a:r>
-            <a:r>
-              <a:rPr lang="en-US" dirty="0" err="1"/>
-              <a:t>sobre</a:t>
-            </a:r>
-            <a:r>
-              <a:rPr lang="en-US" dirty="0"/>
-              <a:t> C# y </a:t>
-            </a:r>
-            <a:r>
-              <a:rPr lang="en-US" dirty="0" err="1"/>
-              <a:t>.Net</a:t>
-            </a:r>
-            <a:r>
-              <a:rPr lang="en-US" dirty="0"/>
-              <a:t> Core para </a:t>
-            </a:r>
-            <a:r>
-              <a:rPr lang="en-US" dirty="0" err="1"/>
-              <a:t>empezar</a:t>
-            </a:r>
-            <a:r>
-              <a:rPr lang="en-US" dirty="0"/>
-              <a:t> a </a:t>
-            </a:r>
-            <a:r>
-              <a:rPr lang="en-US" dirty="0" err="1"/>
-              <a:t>trabajar</a:t>
-            </a:r>
-            <a:r>
-              <a:rPr lang="en-US" dirty="0"/>
-              <a:t> con la </a:t>
-            </a:r>
-            <a:r>
-              <a:rPr lang="en-US" dirty="0" err="1"/>
-              <a:t>definición</a:t>
-            </a:r>
-            <a:r>
-              <a:rPr lang="en-US" dirty="0"/>
-              <a:t> de la API. Para </a:t>
-            </a:r>
-            <a:r>
-              <a:rPr lang="en-US" dirty="0" err="1"/>
-              <a:t>ello</a:t>
-            </a:r>
-            <a:r>
-              <a:rPr lang="en-US" dirty="0"/>
-              <a:t> se </a:t>
-            </a:r>
-            <a:r>
-              <a:rPr lang="en-US" dirty="0" err="1"/>
-              <a:t>han</a:t>
-            </a:r>
-            <a:r>
-              <a:rPr lang="en-US" dirty="0"/>
-              <a:t> </a:t>
-            </a:r>
-            <a:r>
-              <a:rPr lang="en-US" dirty="0" err="1"/>
-              <a:t>consultado</a:t>
-            </a:r>
-            <a:r>
-              <a:rPr lang="en-US" dirty="0"/>
-              <a:t> </a:t>
-            </a:r>
-            <a:r>
-              <a:rPr lang="en-US" dirty="0" err="1"/>
-              <a:t>recursos</a:t>
-            </a:r>
-            <a:r>
-              <a:rPr lang="en-US" dirty="0"/>
-              <a:t> </a:t>
-            </a:r>
-            <a:r>
-              <a:rPr lang="en-US" dirty="0" err="1"/>
-              <a:t>en</a:t>
-            </a:r>
-            <a:r>
-              <a:rPr lang="en-US" dirty="0"/>
-              <a:t> </a:t>
-            </a:r>
-            <a:r>
-              <a:rPr lang="en-US" dirty="0">
+              <a:rPr lang="es-ES"/>
+              <a:t>Se han empezado por un proceso de aprendizaje básico sobre C# y .Net Core para empezar a trabajar con la definición de la API. Para ello se han consultado recursos en </a:t>
+            </a:r>
+            <a:r>
+              <a:rPr lang="es-ES">
                 <a:hlinkClick r:id="rId2"/>
               </a:rPr>
               <a:t>Pluralsight</a:t>
             </a:r>
             <a:r>
-              <a:rPr lang="en-US" dirty="0"/>
+              <a:rPr lang="es-ES"/>
               <a:t>.</a:t>
             </a:r>
           </a:p>
           <a:p>
             <a:pPr algn="just"/>
             <a:r>
-              <a:rPr lang="en-US" dirty="0"/>
-              <a:t>Se ha </a:t>
-            </a:r>
-            <a:r>
-              <a:rPr lang="en-US" dirty="0" err="1"/>
-              <a:t>implementado</a:t>
-            </a:r>
-            <a:r>
-              <a:rPr lang="en-US" dirty="0"/>
-              <a:t> un login </a:t>
-            </a:r>
-            <a:r>
-              <a:rPr lang="en-US" dirty="0" err="1"/>
-              <a:t>sencillo</a:t>
-            </a:r>
-            <a:r>
-              <a:rPr lang="en-US" dirty="0"/>
-              <a:t> sin usar </a:t>
-            </a:r>
-            <a:r>
-              <a:rPr lang="es-ES" dirty="0"/>
-              <a:t>aun</a:t>
-            </a:r>
-            <a:r>
-              <a:rPr lang="en-US" dirty="0"/>
-              <a:t> la base de </a:t>
-            </a:r>
-            <a:r>
-              <a:rPr lang="en-US" dirty="0" err="1"/>
-              <a:t>datos</a:t>
-            </a:r>
-            <a:r>
-              <a:rPr lang="en-US" dirty="0"/>
-              <a:t>, </a:t>
-            </a:r>
-            <a:r>
-              <a:rPr lang="en-US" dirty="0" err="1"/>
-              <a:t>en</a:t>
-            </a:r>
-            <a:r>
-              <a:rPr lang="en-US" dirty="0"/>
-              <a:t> </a:t>
-            </a:r>
-            <a:r>
-              <a:rPr lang="en-US" dirty="0" err="1"/>
-              <a:t>el</a:t>
-            </a:r>
-            <a:r>
-              <a:rPr lang="en-US" dirty="0"/>
-              <a:t> que los </a:t>
-            </a:r>
-            <a:r>
-              <a:rPr lang="en-US" dirty="0" err="1"/>
-              <a:t>únicos</a:t>
-            </a:r>
-            <a:r>
-              <a:rPr lang="en-US" dirty="0"/>
-              <a:t> </a:t>
-            </a:r>
-            <a:r>
-              <a:rPr lang="en-US" dirty="0" err="1"/>
-              <a:t>atributos</a:t>
-            </a:r>
-            <a:r>
-              <a:rPr lang="en-US" dirty="0"/>
-              <a:t> de los </a:t>
-            </a:r>
-            <a:r>
-              <a:rPr lang="en-US" dirty="0" err="1"/>
-              <a:t>usuarios</a:t>
-            </a:r>
-            <a:r>
-              <a:rPr lang="en-US" dirty="0"/>
-              <a:t> son:</a:t>
+              <a:rPr lang="es-ES"/>
+              <a:t>Se ha implementado un login sencillo sin usar aun la base de datos, en el que los únicos atributos de los usuarios son:</a:t>
             </a:r>
           </a:p>
           <a:p>
             <a:pPr lvl="1" algn="just"/>
             <a:r>
-              <a:rPr lang="en-US" dirty="0" err="1"/>
-              <a:t>Nombre</a:t>
-            </a:r>
-            <a:r>
-              <a:rPr lang="en-US" dirty="0"/>
-              <a:t> de </a:t>
-            </a:r>
-            <a:r>
-              <a:rPr lang="en-US" dirty="0" err="1"/>
-              <a:t>usuario</a:t>
-            </a:r>
-            <a:endParaRPr lang="en-US" dirty="0"/>
+              <a:rPr lang="es-ES"/>
+              <a:t>Nombre de usuario</a:t>
+            </a:r>
           </a:p>
           <a:p>
             <a:pPr lvl="1" algn="just"/>
             <a:r>
-              <a:rPr lang="en-US" dirty="0" err="1"/>
-              <a:t>Contraseña</a:t>
-            </a:r>
-            <a:r>
-              <a:rPr lang="en-US" dirty="0"/>
-              <a:t> </a:t>
+              <a:rPr lang="es-ES"/>
+              <a:t>Contraseña </a:t>
             </a:r>
           </a:p>
           <a:p>
             <a:pPr lvl="1" algn="just"/>
             <a:r>
-              <a:rPr lang="en-US" dirty="0" err="1"/>
+              <a:rPr lang="es-ES"/>
               <a:t>Rol</a:t>
             </a:r>
-            <a:endParaRPr lang="en-US" dirty="0"/>
           </a:p>
           <a:p>
             <a:pPr algn="just"/>
             <a:r>
-              <a:rPr lang="en-US" dirty="0"/>
-              <a:t>Se ha </a:t>
-            </a:r>
-            <a:r>
-              <a:rPr lang="en-US" dirty="0" err="1"/>
-              <a:t>añadido</a:t>
-            </a:r>
-            <a:r>
-              <a:rPr lang="en-US" dirty="0"/>
-              <a:t> la </a:t>
-            </a:r>
-            <a:r>
-              <a:rPr lang="en-US" dirty="0" err="1"/>
-              <a:t>funcionalidad</a:t>
-            </a:r>
-            <a:r>
-              <a:rPr lang="en-US" dirty="0"/>
-              <a:t> de </a:t>
-            </a:r>
-            <a:r>
-              <a:rPr lang="en-US" dirty="0" err="1"/>
-              <a:t>generar</a:t>
-            </a:r>
-            <a:r>
-              <a:rPr lang="en-US" dirty="0"/>
-              <a:t> </a:t>
-            </a:r>
-            <a:r>
-              <a:rPr lang="en-US" dirty="0">
+              <a:rPr lang="es-ES"/>
+              <a:t>Se ha añadido la funcionalidad de generar </a:t>
+            </a:r>
+            <a:r>
+              <a:rPr lang="es-ES">
                 <a:hlinkClick r:id="rId3"/>
               </a:rPr>
               <a:t>JSON Web Token</a:t>
             </a:r>
             <a:r>
-              <a:rPr lang="en-US" dirty="0"/>
-              <a:t> para la </a:t>
-            </a:r>
-            <a:r>
-              <a:rPr lang="en-US" dirty="0" err="1"/>
-              <a:t>autentificación</a:t>
-            </a:r>
-            <a:r>
-              <a:rPr lang="en-US" dirty="0"/>
-              <a:t> de la </a:t>
-            </a:r>
-            <a:r>
-              <a:rPr lang="en-US" dirty="0" err="1"/>
-              <a:t>aplicación</a:t>
-            </a:r>
-            <a:r>
-              <a:rPr lang="en-US" dirty="0"/>
-              <a:t>.</a:t>
+              <a:rPr lang="es-ES"/>
+              <a:t> para la autentificación de la aplicación.</a:t>
             </a:r>
           </a:p>
           <a:p>
             <a:pPr algn="just"/>
             <a:r>
-              <a:rPr lang="en-US" dirty="0"/>
-              <a:t>Se </a:t>
-            </a:r>
-            <a:r>
-              <a:rPr lang="en-US" dirty="0" err="1"/>
-              <a:t>han</a:t>
-            </a:r>
-            <a:r>
-              <a:rPr lang="en-US" dirty="0"/>
-              <a:t> </a:t>
-            </a:r>
-            <a:r>
-              <a:rPr lang="en-US" dirty="0" err="1"/>
-              <a:t>implementado</a:t>
-            </a:r>
-            <a:r>
-              <a:rPr lang="en-US" dirty="0"/>
-              <a:t> </a:t>
-            </a:r>
-            <a:r>
-              <a:rPr lang="en-US" dirty="0" err="1"/>
-              <a:t>controladores</a:t>
-            </a:r>
-            <a:r>
-              <a:rPr lang="en-US" dirty="0"/>
-              <a:t> que </a:t>
-            </a:r>
-            <a:r>
-              <a:rPr lang="en-US" dirty="0" err="1"/>
-              <a:t>tengan</a:t>
-            </a:r>
-            <a:r>
-              <a:rPr lang="en-US" dirty="0"/>
-              <a:t> </a:t>
-            </a:r>
-            <a:r>
-              <a:rPr lang="en-US" dirty="0" err="1"/>
-              <a:t>en</a:t>
-            </a:r>
-            <a:r>
-              <a:rPr lang="en-US" dirty="0"/>
-              <a:t> </a:t>
-            </a:r>
-            <a:r>
-              <a:rPr lang="en-US" dirty="0" err="1"/>
-              <a:t>cuenta</a:t>
-            </a:r>
-            <a:r>
-              <a:rPr lang="en-US" dirty="0"/>
-              <a:t> las </a:t>
-            </a:r>
-            <a:r>
-              <a:rPr lang="en-US" dirty="0" err="1"/>
-              <a:t>peticiones</a:t>
-            </a:r>
-            <a:r>
-              <a:rPr lang="en-US" dirty="0"/>
-              <a:t> de </a:t>
-            </a:r>
-            <a:r>
-              <a:rPr lang="en-US" dirty="0" err="1"/>
-              <a:t>inicio</a:t>
-            </a:r>
-            <a:r>
-              <a:rPr lang="en-US" dirty="0"/>
-              <a:t> de </a:t>
-            </a:r>
-            <a:r>
-              <a:rPr lang="en-US" dirty="0" err="1"/>
-              <a:t>sesión</a:t>
-            </a:r>
-            <a:r>
-              <a:rPr lang="en-US" dirty="0"/>
-              <a:t> y </a:t>
-            </a:r>
-            <a:r>
-              <a:rPr lang="en-US" dirty="0" err="1"/>
-              <a:t>consultas</a:t>
-            </a:r>
-            <a:r>
-              <a:rPr lang="en-US" dirty="0"/>
-              <a:t> de </a:t>
-            </a:r>
-            <a:r>
-              <a:rPr lang="en-US" dirty="0" err="1"/>
-              <a:t>coches</a:t>
-            </a:r>
-            <a:r>
-              <a:rPr lang="en-US" dirty="0"/>
-              <a:t>.</a:t>
+              <a:rPr lang="es-ES"/>
+              <a:t>Se han implementado controladores que tengan en cuenta las peticiones de inicio de sesión y consultas de coches.</a:t>
             </a:r>
           </a:p>
           <a:p>
             <a:pPr algn="just"/>
-            <a:endParaRPr lang="en-US" dirty="0"/>
+            <a:endParaRPr lang="es-ES"/>
           </a:p>
         </p:txBody>
       </p:sp>
@@ -8509,273 +7701,33 @@
           <a:p>
             <a:pPr algn="just"/>
             <a:r>
-              <a:rPr lang="en-US" dirty="0"/>
-              <a:t>Con </a:t>
-            </a:r>
-            <a:r>
-              <a:rPr lang="en-US" dirty="0" err="1"/>
-              <a:t>el</a:t>
-            </a:r>
-            <a:r>
-              <a:rPr lang="en-US" dirty="0"/>
-              <a:t> </a:t>
-            </a:r>
-            <a:r>
               <a:rPr lang="es-ES" dirty="0"/>
-              <a:t>objetivo</a:t>
-            </a:r>
-            <a:r>
-              <a:rPr lang="en-US" dirty="0"/>
-              <a:t> de </a:t>
-            </a:r>
-            <a:r>
-              <a:rPr lang="en-US" dirty="0" err="1"/>
-              <a:t>tener</a:t>
-            </a:r>
-            <a:r>
-              <a:rPr lang="en-US" dirty="0"/>
-              <a:t> la API </a:t>
-            </a:r>
-            <a:r>
-              <a:rPr lang="en-US" dirty="0" err="1"/>
-              <a:t>documentada</a:t>
-            </a:r>
-            <a:r>
-              <a:rPr lang="en-US" dirty="0"/>
-              <a:t>, se ha </a:t>
-            </a:r>
-            <a:r>
-              <a:rPr lang="en-US" dirty="0" err="1"/>
-              <a:t>instalado</a:t>
-            </a:r>
-            <a:r>
-              <a:rPr lang="en-US" dirty="0"/>
-              <a:t> </a:t>
-            </a:r>
-            <a:r>
-              <a:rPr lang="en-US" dirty="0">
+              <a:t>Con el objetivo de tener la API documentada, se ha hecho uso de </a:t>
+            </a:r>
+            <a:r>
+              <a:rPr lang="es-ES" dirty="0" err="1">
                 <a:hlinkClick r:id="rId2"/>
               </a:rPr>
               <a:t>Swagger</a:t>
             </a:r>
             <a:r>
-              <a:rPr lang="en-US" dirty="0"/>
-              <a:t> </a:t>
-            </a:r>
-            <a:r>
-              <a:rPr lang="en-US" dirty="0" err="1"/>
-              <a:t>en</a:t>
-            </a:r>
-            <a:r>
-              <a:rPr lang="en-US" dirty="0"/>
-              <a:t> </a:t>
-            </a:r>
-            <a:r>
-              <a:rPr lang="en-US" dirty="0" err="1"/>
-              <a:t>el</a:t>
-            </a:r>
-            <a:r>
-              <a:rPr lang="en-US" dirty="0"/>
-              <a:t> </a:t>
-            </a:r>
-            <a:r>
-              <a:rPr lang="en-US" dirty="0" err="1"/>
-              <a:t>proyecto</a:t>
-            </a:r>
-            <a:r>
-              <a:rPr lang="en-US" dirty="0"/>
-              <a:t>. </a:t>
-            </a:r>
-            <a:r>
-              <a:rPr lang="en-US" dirty="0" err="1"/>
-              <a:t>Esta</a:t>
-            </a:r>
-            <a:r>
-              <a:rPr lang="en-US" dirty="0"/>
-              <a:t> es una </a:t>
-            </a:r>
-            <a:r>
-              <a:rPr lang="en-US" dirty="0" err="1"/>
-              <a:t>herramienta</a:t>
-            </a:r>
-            <a:r>
-              <a:rPr lang="en-US" dirty="0"/>
-              <a:t> de </a:t>
-            </a:r>
-            <a:r>
-              <a:rPr lang="en-US" dirty="0" err="1"/>
-              <a:t>documentación</a:t>
-            </a:r>
-            <a:r>
-              <a:rPr lang="en-US" dirty="0"/>
-              <a:t> que, al acceder a una </a:t>
-            </a:r>
-            <a:r>
-              <a:rPr lang="en-US" dirty="0" err="1"/>
-              <a:t>ruta</a:t>
-            </a:r>
-            <a:r>
-              <a:rPr lang="en-US" dirty="0"/>
-              <a:t> </a:t>
-            </a:r>
-            <a:r>
               <a:rPr lang="es-ES" dirty="0"/>
-              <a:t>previamente</a:t>
-            </a:r>
-            <a:r>
-              <a:rPr lang="en-US" dirty="0"/>
-              <a:t> </a:t>
-            </a:r>
+              <a:t> en el proyecto. Esta es una herramienta de documentación que, al acceder a una ruta previamente configurada, muestra todas aquellas peticiones que puede atender nuestra API.</a:t>
+            </a:r>
+          </a:p>
+          <a:p>
+            <a:pPr algn="just"/>
             <a:r>
               <a:rPr lang="es-ES" dirty="0"/>
-              <a:t>configurada</a:t>
-            </a:r>
-            <a:r>
-              <a:rPr lang="en-US" dirty="0"/>
-              <a:t>, </a:t>
-            </a:r>
-            <a:r>
-              <a:rPr lang="en-US" dirty="0" err="1"/>
-              <a:t>muestra</a:t>
-            </a:r>
-            <a:r>
-              <a:rPr lang="en-US" dirty="0"/>
-              <a:t> </a:t>
-            </a:r>
-            <a:r>
-              <a:rPr lang="en-US" dirty="0" err="1"/>
-              <a:t>todas</a:t>
-            </a:r>
-            <a:r>
-              <a:rPr lang="en-US" dirty="0"/>
-              <a:t> </a:t>
-            </a:r>
-            <a:r>
-              <a:rPr lang="en-US" dirty="0" err="1"/>
-              <a:t>aquellas</a:t>
-            </a:r>
-            <a:r>
-              <a:rPr lang="en-US" dirty="0"/>
-              <a:t> </a:t>
-            </a:r>
-            <a:r>
-              <a:rPr lang="en-US" dirty="0" err="1"/>
-              <a:t>peticiones</a:t>
-            </a:r>
-            <a:r>
-              <a:rPr lang="en-US" dirty="0"/>
-              <a:t> que </a:t>
-            </a:r>
-            <a:r>
-              <a:rPr lang="en-US" dirty="0" err="1"/>
-              <a:t>puede</a:t>
-            </a:r>
-            <a:r>
-              <a:rPr lang="en-US" dirty="0"/>
-              <a:t> </a:t>
-            </a:r>
-            <a:r>
-              <a:rPr lang="en-US" dirty="0" err="1"/>
-              <a:t>atender</a:t>
-            </a:r>
-            <a:r>
-              <a:rPr lang="en-US" dirty="0"/>
-              <a:t> </a:t>
-            </a:r>
-            <a:r>
-              <a:rPr lang="en-US" dirty="0" err="1"/>
-              <a:t>nuestra</a:t>
-            </a:r>
-            <a:r>
-              <a:rPr lang="en-US" dirty="0"/>
-              <a:t> API.</a:t>
-            </a:r>
-          </a:p>
-          <a:p>
-            <a:pPr algn="just"/>
-            <a:r>
-              <a:rPr lang="en-US" dirty="0"/>
-              <a:t>Al principio solo se </a:t>
-            </a:r>
-            <a:r>
-              <a:rPr lang="en-US" dirty="0" err="1"/>
-              <a:t>usó</a:t>
-            </a:r>
-            <a:r>
-              <a:rPr lang="en-US" dirty="0"/>
-              <a:t> </a:t>
+              <a:t>Al principio solo se usó para este fin, pero más adelante, se configuró de forma que funcionase como </a:t>
+            </a:r>
+            <a:r>
+              <a:rPr lang="es-ES" dirty="0" err="1"/>
+              <a:t>Postman</a:t>
             </a:r>
             <a:r>
               <a:rPr lang="es-ES" dirty="0"/>
-              <a:t>para</a:t>
-            </a:r>
-            <a:r>
-              <a:rPr lang="en-US" dirty="0"/>
-              <a:t> </a:t>
-            </a:r>
-            <a:r>
-              <a:rPr lang="en-US" dirty="0" err="1"/>
-              <a:t>este</a:t>
-            </a:r>
-            <a:r>
-              <a:rPr lang="en-US" dirty="0"/>
-              <a:t> fin, </a:t>
-            </a:r>
-            <a:r>
-              <a:rPr lang="en-US" dirty="0" err="1"/>
-              <a:t>pero</a:t>
-            </a:r>
-            <a:r>
-              <a:rPr lang="en-US" dirty="0"/>
-              <a:t> </a:t>
-            </a:r>
-            <a:r>
-              <a:rPr lang="en-US" dirty="0" err="1"/>
-              <a:t>más</a:t>
-            </a:r>
-            <a:r>
-              <a:rPr lang="en-US" dirty="0"/>
-              <a:t> </a:t>
-            </a:r>
-            <a:r>
-              <a:rPr lang="en-US" dirty="0" err="1"/>
-              <a:t>adelante</a:t>
-            </a:r>
-            <a:r>
-              <a:rPr lang="en-US" dirty="0"/>
-              <a:t>, se </a:t>
-            </a:r>
-            <a:r>
-              <a:rPr lang="en-US" dirty="0" err="1"/>
-              <a:t>configuró</a:t>
-            </a:r>
-            <a:r>
-              <a:rPr lang="en-US" dirty="0"/>
-              <a:t> de forma que </a:t>
-            </a:r>
-            <a:r>
-              <a:rPr lang="es-ES" dirty="0"/>
-              <a:t>funcionase</a:t>
-            </a:r>
-            <a:r>
-              <a:rPr lang="en-US" dirty="0"/>
-              <a:t> </a:t>
-            </a:r>
-            <a:r>
-              <a:rPr lang="es-ES" dirty="0"/>
-              <a:t>como</a:t>
-            </a:r>
-            <a:r>
-              <a:rPr lang="en-US" dirty="0"/>
-              <a:t> Postman para simular las </a:t>
-            </a:r>
-            <a:r>
-              <a:rPr lang="en-US" dirty="0" err="1"/>
-              <a:t>peticiones</a:t>
-            </a:r>
-            <a:r>
-              <a:rPr lang="en-US" dirty="0"/>
-              <a:t>.</a:t>
+              <a:t> para simular las peticiones.</a:t>
             </a:r>
           </a:p>
         </p:txBody>
@@ -9178,203 +8130,71 @@
           <a:p>
             <a:pPr algn="just"/>
             <a:r>
-              <a:rPr lang="en-US" dirty="0"/>
-              <a:t>Se ha </a:t>
-            </a:r>
-            <a:r>
-              <a:rPr lang="en-US" dirty="0" err="1"/>
-              <a:t>usado</a:t>
-            </a:r>
-            <a:r>
-              <a:rPr lang="en-US" dirty="0"/>
-              <a:t> tanto </a:t>
-            </a:r>
-            <a:r>
-              <a:rPr lang="en-US" dirty="0">
+              <a:rPr lang="es-ES" dirty="0"/>
+              <a:t>Se ha usado tanto </a:t>
+            </a:r>
+            <a:r>
+              <a:rPr lang="es-ES" dirty="0" err="1">
                 <a:hlinkClick r:id="rId3"/>
               </a:rPr>
               <a:t>Postman</a:t>
             </a:r>
             <a:r>
-              <a:rPr lang="en-US" dirty="0"/>
-              <a:t> </a:t>
-            </a:r>
-            <a:r>
-              <a:rPr lang="en-US" dirty="0" err="1"/>
-              <a:t>como</a:t>
-            </a:r>
-            <a:r>
-              <a:rPr lang="en-US" dirty="0"/>
-              <a:t> la </a:t>
-            </a:r>
-            <a:r>
-              <a:rPr lang="en-US" dirty="0" err="1"/>
-              <a:t>funcionalidad</a:t>
-            </a:r>
-            <a:r>
-              <a:rPr lang="en-US" dirty="0"/>
-              <a:t> </a:t>
-            </a:r>
-            <a:r>
-              <a:rPr lang="en-US" dirty="0" err="1"/>
-              <a:t>previamente</a:t>
-            </a:r>
-            <a:r>
-              <a:rPr lang="en-US" dirty="0"/>
-              <a:t> </a:t>
-            </a:r>
-            <a:r>
-              <a:rPr lang="en-US" dirty="0" err="1"/>
-              <a:t>comentada</a:t>
-            </a:r>
-            <a:r>
-              <a:rPr lang="en-US" dirty="0"/>
-              <a:t> de Swagger para </a:t>
-            </a:r>
-            <a:r>
-              <a:rPr lang="en-US" dirty="0" err="1"/>
-              <a:t>simular</a:t>
-            </a:r>
-            <a:r>
-              <a:rPr lang="en-US" dirty="0"/>
-              <a:t> </a:t>
-            </a:r>
-            <a:r>
-              <a:rPr lang="en-US" dirty="0" err="1"/>
-              <a:t>peticiones</a:t>
-            </a:r>
-            <a:r>
-              <a:rPr lang="en-US" dirty="0"/>
-              <a:t> a la API.</a:t>
+              <a:rPr lang="es-ES" dirty="0"/>
+              <a:t> como la funcionalidad previamente comentada de </a:t>
+            </a:r>
+            <a:r>
+              <a:rPr lang="es-ES" dirty="0" err="1"/>
+              <a:t>Swagger</a:t>
+            </a:r>
+            <a:r>
+              <a:rPr lang="es-ES" dirty="0"/>
+              <a:t> para simular peticiones a la API.</a:t>
             </a:r>
           </a:p>
           <a:p>
             <a:pPr algn="just"/>
             <a:r>
-              <a:rPr lang="en-US" dirty="0" err="1"/>
-              <a:t>Algunas</a:t>
-            </a:r>
-            <a:r>
-              <a:rPr lang="en-US" dirty="0"/>
-              <a:t> de las </a:t>
-            </a:r>
-            <a:r>
-              <a:rPr lang="en-US" dirty="0" err="1"/>
-              <a:t>peticiones</a:t>
-            </a:r>
-            <a:r>
-              <a:rPr lang="en-US" dirty="0"/>
-              <a:t> que se </a:t>
-            </a:r>
-            <a:r>
-              <a:rPr lang="en-US" dirty="0" err="1"/>
-              <a:t>han</a:t>
-            </a:r>
-            <a:r>
-              <a:rPr lang="en-US" dirty="0"/>
-              <a:t> </a:t>
-            </a:r>
-            <a:r>
-              <a:rPr lang="en-US" dirty="0" err="1"/>
-              <a:t>puesto</a:t>
-            </a:r>
-            <a:r>
-              <a:rPr lang="en-US" dirty="0"/>
-              <a:t> a </a:t>
-            </a:r>
-            <a:r>
-              <a:rPr lang="en-US" dirty="0" err="1"/>
-              <a:t>prueba</a:t>
-            </a:r>
-            <a:r>
-              <a:rPr lang="en-US" dirty="0"/>
-              <a:t> son:</a:t>
+              <a:rPr lang="es-ES" dirty="0"/>
+              <a:t>Algunas de las peticiones que se han puesto a prueba son:</a:t>
             </a:r>
           </a:p>
           <a:p>
             <a:pPr lvl="1" algn="just"/>
             <a:r>
-              <a:rPr lang="en-US" dirty="0"/>
-              <a:t>POST /</a:t>
-            </a:r>
-            <a:r>
-              <a:rPr lang="en-US" dirty="0" err="1"/>
-              <a:t>api</a:t>
-            </a:r>
-            <a:r>
-              <a:rPr lang="en-US" dirty="0"/>
-              <a:t>/login: Se le </a:t>
-            </a:r>
-            <a:r>
-              <a:rPr lang="en-US" dirty="0" err="1"/>
-              <a:t>manda</a:t>
-            </a:r>
-            <a:r>
-              <a:rPr lang="en-US" dirty="0"/>
-              <a:t> un </a:t>
-            </a:r>
-            <a:r>
-              <a:rPr lang="en-US" dirty="0" err="1"/>
-              <a:t>usuario</a:t>
-            </a:r>
-            <a:r>
-              <a:rPr lang="en-US" dirty="0"/>
-              <a:t> y </a:t>
-            </a:r>
-            <a:r>
-              <a:rPr lang="en-US" dirty="0" err="1"/>
-              <a:t>contraseña</a:t>
-            </a:r>
-            <a:r>
-              <a:rPr lang="en-US" dirty="0"/>
-              <a:t> por </a:t>
-            </a:r>
-            <a:r>
-              <a:rPr lang="en-US" dirty="0" err="1"/>
-              <a:t>el</a:t>
-            </a:r>
-            <a:r>
-              <a:rPr lang="en-US" dirty="0"/>
-              <a:t> body del header y </a:t>
-            </a:r>
-            <a:r>
-              <a:rPr lang="en-US" dirty="0" err="1"/>
-              <a:t>devuelve</a:t>
-            </a:r>
-            <a:r>
-              <a:rPr lang="en-US" dirty="0"/>
-              <a:t> una </a:t>
-            </a:r>
-            <a:r>
-              <a:rPr lang="en-US" dirty="0" err="1"/>
-              <a:t>respuesta</a:t>
-            </a:r>
-            <a:r>
-              <a:rPr lang="en-US" dirty="0"/>
-              <a:t> con </a:t>
-            </a:r>
-            <a:r>
-              <a:rPr lang="en-US" dirty="0" err="1"/>
-              <a:t>el</a:t>
-            </a:r>
-            <a:r>
-              <a:rPr lang="en-US" dirty="0"/>
-              <a:t> JWT.</a:t>
+              <a:rPr lang="es-ES" dirty="0"/>
+              <a:t>POST /api/</a:t>
+            </a:r>
+            <a:r>
+              <a:rPr lang="es-ES" dirty="0" err="1"/>
+              <a:t>login</a:t>
+            </a:r>
+            <a:r>
+              <a:rPr lang="es-ES" dirty="0"/>
+              <a:t>: Se le manda un usuario y contraseña por el </a:t>
+            </a:r>
+            <a:r>
+              <a:rPr lang="es-ES" dirty="0" err="1"/>
+              <a:t>body</a:t>
+            </a:r>
+            <a:r>
+              <a:rPr lang="es-ES" dirty="0"/>
+              <a:t> del </a:t>
+            </a:r>
+            <a:r>
+              <a:rPr lang="es-ES" dirty="0" err="1"/>
+              <a:t>header</a:t>
+            </a:r>
+            <a:r>
+              <a:rPr lang="es-ES" dirty="0"/>
+              <a:t> y devuelve una respuesta con el JWT.</a:t>
             </a:r>
           </a:p>
           <a:p>
             <a:pPr lvl="1" algn="just"/>
             <a:r>
-              <a:rPr lang="en-US" dirty="0"/>
-              <a:t>GET /</a:t>
-            </a:r>
-            <a:r>
-              <a:rPr lang="en-US" dirty="0" err="1"/>
-              <a:t>api</a:t>
-            </a:r>
-            <a:r>
-              <a:rPr lang="en-US" dirty="0"/>
-              <a:t>/</a:t>
+              <a:rPr lang="es-ES" dirty="0"/>
+              <a:t>GET /api/</a:t>
             </a:r>
             <a:r>
               <a:rPr lang="es-ES" dirty="0" err="1">
@@ -9398,16 +8218,21 @@
           <a:p>
             <a:pPr lvl="1" algn="just"/>
             <a:r>
-              <a:rPr lang="en-US" dirty="0"/>
-              <a:t>GET /</a:t>
-            </a:r>
-            <a:r>
-              <a:rPr lang="en-US" dirty="0" err="1"/>
-              <a:t>api</a:t>
-            </a:r>
-            <a:r>
-              <a:rPr lang="en-US" dirty="0"/>
-              <a:t>/all</a:t>
+              <a:rPr lang="es-ES" dirty="0"/>
+              <a:t>GET /api/</a:t>
+            </a:r>
+            <a:r>
+              <a:rPr lang="es-ES" dirty="0" err="1"/>
+              <a:t>all</a:t>
+            </a:r>
+            <a:r>
+              <a:rPr lang="es-ES" dirty="0" err="1">
+                <a:solidFill>
+                  <a:srgbClr val="212121"/>
+                </a:solidFill>
+                <a:latin typeface="Inter"/>
+              </a:rPr>
+              <a:t>Cars</a:t>
             </a:r>
             <a:r>
               <a:rPr lang="es-ES" dirty="0">
@@ -9416,7 +8241,7 @@
                 </a:solidFill>
                 <a:latin typeface="Inter"/>
               </a:rPr>
-              <a:t>Cars: Devuelve todos los coches registrados. Esta petición solo la puede realizar un administrador aportando su JTW en el </a:t>
+              <a:t>: Devuelve todos los coches registrados. Esta petición solo la puede realizar un administrador aportando su JTW en el </a:t>
             </a:r>
             <a:r>
               <a:rPr lang="es-ES" dirty="0" err="1">
@@ -9436,7 +8261,54 @@
               </a:rPr>
               <a:t>.</a:t>
             </a:r>
-            <a:endParaRPr lang="en-US" dirty="0"/>
+          </a:p>
+          <a:p>
+            <a:pPr algn="just"/>
+            <a:r>
+              <a:rPr lang="es-ES" dirty="0">
+                <a:solidFill>
+                  <a:srgbClr val="212121"/>
+                </a:solidFill>
+                <a:latin typeface="Inter"/>
+              </a:rPr>
+              <a:t>La decisión de también configurar </a:t>
+            </a:r>
+            <a:r>
+              <a:rPr lang="es-ES" dirty="0" err="1">
+                <a:solidFill>
+                  <a:srgbClr val="212121"/>
+                </a:solidFill>
+                <a:latin typeface="Inter"/>
+              </a:rPr>
+              <a:t>Swagger</a:t>
+            </a:r>
+            <a:r>
+              <a:rPr lang="es-ES" dirty="0">
+                <a:solidFill>
+                  <a:srgbClr val="212121"/>
+                </a:solidFill>
+                <a:latin typeface="Inter"/>
+              </a:rPr>
+              <a:t> para que funcionase de forma similar a la de </a:t>
+            </a:r>
+            <a:r>
+              <a:rPr lang="es-ES" dirty="0" err="1">
+                <a:solidFill>
+                  <a:srgbClr val="212121"/>
+                </a:solidFill>
+                <a:latin typeface="Inter"/>
+              </a:rPr>
+              <a:t>Postman</a:t>
+            </a:r>
+            <a:r>
+              <a:rPr lang="es-ES" dirty="0">
+                <a:solidFill>
+                  <a:srgbClr val="212121"/>
+                </a:solidFill>
+                <a:latin typeface="Inter"/>
+              </a:rPr>
+              <a:t> es conocer otras herramientas a parte de esta, ya que se trata de una tecnología libre frente a una de pago.</a:t>
+            </a:r>
           </a:p>
         </p:txBody>
       </p:sp>
@@ -9762,161 +8634,50 @@
           <a:p>
             <a:pPr algn="just"/>
             <a:r>
-              <a:rPr lang="en-US" dirty="0"/>
-              <a:t>Se ha </a:t>
-            </a:r>
-            <a:r>
-              <a:rPr lang="en-US" dirty="0" err="1"/>
-              <a:t>utilizado</a:t>
-            </a:r>
-            <a:r>
-              <a:rPr lang="en-US" dirty="0"/>
-              <a:t> SQL Server para </a:t>
-            </a:r>
-            <a:r>
-              <a:rPr lang="en-US" dirty="0" err="1"/>
-              <a:t>este</a:t>
-            </a:r>
-            <a:r>
-              <a:rPr lang="en-US" dirty="0"/>
-              <a:t> </a:t>
-            </a:r>
-            <a:r>
-              <a:rPr lang="en-US" dirty="0" err="1"/>
-              <a:t>ejercicio</a:t>
-            </a:r>
-            <a:r>
-              <a:rPr lang="en-US" dirty="0"/>
-              <a:t>. </a:t>
+              <a:rPr lang="es-ES"/>
+              <a:t>Se ha utilizado SQL Server para este ejercicio. </a:t>
             </a:r>
           </a:p>
           <a:p>
             <a:pPr algn="just"/>
             <a:r>
-              <a:rPr lang="en-US" dirty="0"/>
-              <a:t>Solo se ha </a:t>
-            </a:r>
-            <a:r>
-              <a:rPr lang="en-US" dirty="0" err="1"/>
-              <a:t>realizado</a:t>
-            </a:r>
-            <a:r>
-              <a:rPr lang="en-US" dirty="0"/>
-              <a:t> por </a:t>
-            </a:r>
-            <a:r>
-              <a:rPr lang="en-US" dirty="0" err="1"/>
-              <a:t>el</a:t>
-            </a:r>
-            <a:r>
-              <a:rPr lang="en-US" dirty="0"/>
-              <a:t> </a:t>
-            </a:r>
-            <a:r>
-              <a:rPr lang="en-US" dirty="0" err="1"/>
-              <a:t>momento</a:t>
-            </a:r>
-            <a:r>
-              <a:rPr lang="en-US" dirty="0"/>
-              <a:t> una </a:t>
-            </a:r>
-            <a:r>
-              <a:rPr lang="en-US" dirty="0" err="1"/>
-              <a:t>tabla</a:t>
-            </a:r>
-            <a:r>
-              <a:rPr lang="en-US" dirty="0"/>
-              <a:t> “</a:t>
-            </a:r>
-            <a:r>
-              <a:rPr lang="en-US" dirty="0" err="1"/>
-              <a:t>Coches</a:t>
-            </a:r>
-            <a:r>
-              <a:rPr lang="en-US" dirty="0"/>
-              <a:t>”, que </a:t>
-            </a:r>
-            <a:r>
-              <a:rPr lang="en-US" dirty="0" err="1"/>
-              <a:t>tienen</a:t>
-            </a:r>
-            <a:r>
-              <a:rPr lang="en-US" dirty="0"/>
-              <a:t> </a:t>
-            </a:r>
-            <a:r>
-              <a:rPr lang="en-US" dirty="0" err="1"/>
-              <a:t>como</a:t>
-            </a:r>
-            <a:r>
-              <a:rPr lang="en-US" dirty="0"/>
-              <a:t> </a:t>
-            </a:r>
-            <a:r>
-              <a:rPr lang="en-US" dirty="0" err="1"/>
-              <a:t>atributos</a:t>
-            </a:r>
-            <a:r>
-              <a:rPr lang="en-US" dirty="0"/>
-              <a:t>:</a:t>
+              <a:rPr lang="es-ES"/>
+              <a:t>Solo se ha realizado por el momento una tabla “Coches”, que tienen como atributos:</a:t>
             </a:r>
           </a:p>
           <a:p>
             <a:pPr lvl="1" algn="just"/>
             <a:r>
-              <a:rPr lang="en-US" dirty="0"/>
+              <a:rPr lang="es-ES"/>
               <a:t>Id</a:t>
             </a:r>
           </a:p>
           <a:p>
             <a:pPr lvl="1" algn="just"/>
             <a:r>
-              <a:rPr lang="en-US" dirty="0" err="1"/>
-              <a:t>Nombre</a:t>
-            </a:r>
-            <a:r>
-              <a:rPr lang="en-US" dirty="0"/>
-              <a:t> de </a:t>
-            </a:r>
-            <a:r>
-              <a:rPr lang="en-US" dirty="0" err="1"/>
-              <a:t>usuario</a:t>
-            </a:r>
-            <a:endParaRPr lang="en-US" dirty="0"/>
+              <a:rPr lang="es-ES"/>
+              <a:t>Nombre de usuario</a:t>
+            </a:r>
           </a:p>
           <a:p>
             <a:pPr lvl="1" algn="just"/>
             <a:r>
-              <a:rPr lang="en-US" dirty="0" err="1"/>
+              <a:rPr lang="es-ES"/>
               <a:t>Matrícula</a:t>
             </a:r>
-            <a:endParaRPr lang="en-US" dirty="0"/>
           </a:p>
           <a:p>
             <a:pPr lvl="1" algn="just"/>
             <a:r>
-              <a:rPr lang="en-US" dirty="0" err="1"/>
-              <a:t>Año</a:t>
-            </a:r>
-            <a:r>
-              <a:rPr lang="en-US" dirty="0"/>
-              <a:t> de </a:t>
-            </a:r>
-            <a:r>
-              <a:rPr lang="en-US" dirty="0" err="1"/>
-              <a:t>fabricación</a:t>
-            </a:r>
-            <a:endParaRPr lang="en-US" dirty="0"/>
+              <a:rPr lang="es-ES"/>
+              <a:t>Año de fabricación</a:t>
+            </a:r>
           </a:p>
           <a:p>
             <a:pPr lvl="1" algn="just"/>
             <a:r>
-              <a:rPr lang="en-US" dirty="0" err="1"/>
-              <a:t>Siguiente</a:t>
-            </a:r>
-            <a:r>
-              <a:rPr lang="en-US" dirty="0"/>
-              <a:t> ITV</a:t>
+              <a:rPr lang="es-ES"/>
+              <a:t>Siguiente ITV</a:t>
             </a:r>
           </a:p>
         </p:txBody>
@@ -10508,6 +9269,15 @@
 </file>
 
 <file path=customXml/item1.xml><?xml version="1.0" encoding="utf-8"?>
+<?mso-contentType ?>
+<FormTemplates xmlns="http://schemas.microsoft.com/sharepoint/v3/contenttype/forms">
+  <Display>DocumentLibraryForm</Display>
+  <Edit>DocumentLibraryForm</Edit>
+  <New>DocumentLibraryForm</New>
+</FormTemplates>
+</file>
+
+<file path=customXml/item2.xml><?xml version="1.0" encoding="utf-8"?>
 <p:properties xmlns:p="http://schemas.microsoft.com/office/2006/metadata/properties" xmlns:xsi="http://www.w3.org/2001/XMLSchema-instance" xmlns:pc="http://schemas.microsoft.com/office/infopath/2007/PartnerControls">
   <documentManagement>
     <TaxCatchAll xmlns="6dedcb10-c833-433a-ac85-a71007a78acc">
@@ -10558,66 +9328,7 @@
 </p:properties>
 </file>
 
-<file path=customXml/item2.xml><?xml version="1.0" encoding="utf-8"?>
-<?mso-contentType ?>
-<FormTemplates xmlns="http://schemas.microsoft.com/sharepoint/v3/contenttype/forms">
-  <Display>DocumentLibraryForm</Display>
-  <Edit>DocumentLibraryForm</Edit>
-  <New>DocumentLibraryForm</New>
-</FormTemplates>
-</file>
-
 <file path=customXml/item3.xml><?xml version="1.0" encoding="utf-8"?>
-<?mso-contentType ?>
-<spe:Receivers xmlns:spe="http://schemas.microsoft.com/sharepoint/events">
-  <Receiver>
-    <Name>Document ID Generator</Name>
-    <Synchronization>Synchronous</Synchronization>
-    <Type>10001</Type>
-    <SequenceNumber>1000</SequenceNumber>
-    <Url/>
-    <Assembly>Microsoft.Office.DocumentManagement, Version=16.0.0.0, Culture=neutral, PublicKeyToken=71e9bce111e9429c</Assembly>
-    <Class>Microsoft.Office.DocumentManagement.Internal.DocIdHandler</Class>
-    <Data/>
-    <Filter/>
-  </Receiver>
-  <Receiver>
-    <Name>Document ID Generator</Name>
-    <Synchronization>Synchronous</Synchronization>
-    <Type>10002</Type>
-    <SequenceNumber>1001</SequenceNumber>
-    <Url/>
-    <Assembly>Microsoft.Office.DocumentManagement, Version=16.0.0.0, Culture=neutral, PublicKeyToken=71e9bce111e9429c</Assembly>
-    <Class>Microsoft.Office.DocumentManagement.Internal.DocIdHandler</Class>
-    <Data/>
-    <Filter/>
-  </Receiver>
-  <Receiver>
-    <Name>Document ID Generator</Name>
-    <Synchronization>Synchronous</Synchronization>
-    <Type>10004</Type>
-    <SequenceNumber>1002</SequenceNumber>
-    <Url/>
-    <Assembly>Microsoft.Office.DocumentManagement, Version=16.0.0.0, Culture=neutral, PublicKeyToken=71e9bce111e9429c</Assembly>
-    <Class>Microsoft.Office.DocumentManagement.Internal.DocIdHandler</Class>
-    <Data/>
-    <Filter/>
-  </Receiver>
-  <Receiver>
-    <Name>Document ID Generator</Name>
-    <Synchronization>Synchronous</Synchronization>
-    <Type>10006</Type>
-    <SequenceNumber>1003</SequenceNumber>
-    <Url/>
-    <Assembly>Microsoft.Office.DocumentManagement, Version=16.0.0.0, Culture=neutral, PublicKeyToken=71e9bce111e9429c</Assembly>
-    <Class>Microsoft.Office.DocumentManagement.Internal.DocIdHandler</Class>
-    <Data/>
-    <Filter/>
-  </Receiver>
-</spe:Receivers>
-</file>
-
-<file path=customXml/item4.xml><?xml version="1.0" encoding="utf-8"?>
 <ct:contentTypeSchema xmlns:ct="http://schemas.microsoft.com/office/2006/metadata/contentType" xmlns:ma="http://schemas.microsoft.com/office/2006/metadata/properties/metaAttributes" ct:_="" ma:_="" ma:contentTypeName="Document" ma:contentTypeID="0x010100CCD2CB7645A6664EBA7D2C1B319298D9" ma:contentTypeVersion="20" ma:contentTypeDescription="Create a new document." ma:contentTypeScope="" ma:versionID="1b89333854ece0126e4211b82251641e">
   <xsd:schema xmlns:xsd="http://www.w3.org/2001/XMLSchema" xmlns:xs="http://www.w3.org/2001/XMLSchema" xmlns:p="http://schemas.microsoft.com/office/2006/metadata/properties" xmlns:ns2="6dedcb10-c833-433a-ac85-a71007a78acc" xmlns:ns3="51e2b858-bf58-46a2-91b2-3dafa82a619b" targetNamespace="http://schemas.microsoft.com/office/2006/metadata/properties" ma:root="true" ma:fieldsID="ff5f21df02492c208f9b75ad1252c953" ns2:_="" ns3:_="">
     <xsd:import namespace="6dedcb10-c833-433a-ac85-a71007a78acc"/>
@@ -10897,7 +9608,65 @@
 </ct:contentTypeSchema>
 </file>
 
+<file path=customXml/item4.xml><?xml version="1.0" encoding="utf-8"?>
+<?mso-contentType ?>
+<spe:Receivers xmlns:spe="http://schemas.microsoft.com/sharepoint/events">
+  <Receiver>
+    <Name>Document ID Generator</Name>
+    <Synchronization>Synchronous</Synchronization>
+    <Type>10001</Type>
+    <SequenceNumber>1000</SequenceNumber>
+    <Url/>
+    <Assembly>Microsoft.Office.DocumentManagement, Version=16.0.0.0, Culture=neutral, PublicKeyToken=71e9bce111e9429c</Assembly>
+    <Class>Microsoft.Office.DocumentManagement.Internal.DocIdHandler</Class>
+    <Data/>
+    <Filter/>
+  </Receiver>
+  <Receiver>
+    <Name>Document ID Generator</Name>
+    <Synchronization>Synchronous</Synchronization>
+    <Type>10002</Type>
+    <SequenceNumber>1001</SequenceNumber>
+    <Url/>
+    <Assembly>Microsoft.Office.DocumentManagement, Version=16.0.0.0, Culture=neutral, PublicKeyToken=71e9bce111e9429c</Assembly>
+    <Class>Microsoft.Office.DocumentManagement.Internal.DocIdHandler</Class>
+    <Data/>
+    <Filter/>
+  </Receiver>
+  <Receiver>
+    <Name>Document ID Generator</Name>
+    <Synchronization>Synchronous</Synchronization>
+    <Type>10004</Type>
+    <SequenceNumber>1002</SequenceNumber>
+    <Url/>
+    <Assembly>Microsoft.Office.DocumentManagement, Version=16.0.0.0, Culture=neutral, PublicKeyToken=71e9bce111e9429c</Assembly>
+    <Class>Microsoft.Office.DocumentManagement.Internal.DocIdHandler</Class>
+    <Data/>
+    <Filter/>
+  </Receiver>
+  <Receiver>
+    <Name>Document ID Generator</Name>
+    <Synchronization>Synchronous</Synchronization>
+    <Type>10006</Type>
+    <SequenceNumber>1003</SequenceNumber>
+    <Url/>
+    <Assembly>Microsoft.Office.DocumentManagement, Version=16.0.0.0, Culture=neutral, PublicKeyToken=71e9bce111e9429c</Assembly>
+    <Class>Microsoft.Office.DocumentManagement.Internal.DocIdHandler</Class>
+    <Data/>
+    <Filter/>
+  </Receiver>
+</spe:Receivers>
+</file>
+
 <file path=customXml/itemProps1.xml><?xml version="1.0" encoding="utf-8"?>
+<ds:datastoreItem xmlns:ds="http://schemas.openxmlformats.org/officeDocument/2006/customXml" ds:itemID="{FA16A6F6-BA94-4BC1-82EC-740C029F7F2E}">
+  <ds:schemaRefs>
+    <ds:schemaRef ds:uri="http://schemas.microsoft.com/sharepoint/v3/contenttype/forms"/>
+  </ds:schemaRefs>
+</ds:datastoreItem>
+</file>
+
+<file path=customXml/itemProps2.xml><?xml version="1.0" encoding="utf-8"?>
 <ds:datastoreItem xmlns:ds="http://schemas.openxmlformats.org/officeDocument/2006/customXml" ds:itemID="{7949718B-A5E5-46E7-AFC7-B9ECBEAA9285}">
   <ds:schemaRefs>
     <ds:schemaRef ds:uri="http://schemas.microsoft.com/office/2006/metadata/properties"/>
@@ -10916,23 +9685,7 @@
 </ds:datastoreItem>
 </file>
 
-<file path=customXml/itemProps2.xml><?xml version="1.0" encoding="utf-8"?>
-<ds:datastoreItem xmlns:ds="http://schemas.openxmlformats.org/officeDocument/2006/customXml" ds:itemID="{FA16A6F6-BA94-4BC1-82EC-740C029F7F2E}">
-  <ds:schemaRefs>
-    <ds:schemaRef ds:uri="http://schemas.microsoft.com/sharepoint/v3/contenttype/forms"/>
-  </ds:schemaRefs>
-</ds:datastoreItem>
-</file>
-
 <file path=customXml/itemProps3.xml><?xml version="1.0" encoding="utf-8"?>
-<ds:datastoreItem xmlns:ds="http://schemas.openxmlformats.org/officeDocument/2006/customXml" ds:itemID="{C2D3F007-E527-40F2-825C-916613B331EC}">
-  <ds:schemaRefs>
-    <ds:schemaRef ds:uri="http://schemas.microsoft.com/sharepoint/events"/>
-  </ds:schemaRefs>
-</ds:datastoreItem>
-</file>
-
-<file path=customXml/itemProps4.xml><?xml version="1.0" encoding="utf-8"?>
 <ds:datastoreItem xmlns:ds="http://schemas.openxmlformats.org/officeDocument/2006/customXml" ds:itemID="{DB98A7B3-6CBB-482F-883D-79C2A86A89A9}">
   <ds:schemaRefs>
     <ds:schemaRef ds:uri="http://schemas.microsoft.com/office/2006/metadata/contentType"/>
@@ -10949,4 +9702,12 @@
     <ds:schemaRef ds:uri="http://schemas.microsoft.com/internal/obd"/>
   </ds:schemaRefs>
 </ds:datastoreItem>
+</file>
+
+<file path=customXml/itemProps4.xml><?xml version="1.0" encoding="utf-8"?>
+<ds:datastoreItem xmlns:ds="http://schemas.openxmlformats.org/officeDocument/2006/customXml" ds:itemID="{C2D3F007-E527-40F2-825C-916613B331EC}">
+  <ds:schemaRefs>
+    <ds:schemaRef ds:uri="http://schemas.microsoft.com/sharepoint/events"/>
+  </ds:schemaRefs>
+</ds:datastoreItem>
 </file>
--- a/IniciacionDePracticasExternas.pptx
+++ b/IniciacionDePracticasExternas.pptx
@@ -5,7 +5,7 @@
     <p:sldMasterId id="2147483648" r:id="rId5"/>
   </p:sldMasterIdLst>
   <p:handoutMasterIdLst>
-    <p:handoutMasterId r:id="rId19"/>
+    <p:handoutMasterId r:id="rId20"/>
   </p:handoutMasterIdLst>
   <p:sldIdLst>
     <p:sldId id="256" r:id="rId6"/>
@@ -21,6 +21,7 @@
     <p:sldId id="286" r:id="rId16"/>
     <p:sldId id="284" r:id="rId17"/>
     <p:sldId id="287" r:id="rId18"/>
+    <p:sldId id="288" r:id="rId19"/>
   </p:sldIdLst>
   <p:sldSz cx="12192000" cy="6858000"/>
   <p:notesSz cx="6858000" cy="9144000"/>
@@ -6128,16 +6129,8 @@
               <a:t> </a:t>
             </a:r>
             <a:r>
-              <a:rPr lang="en-US" dirty="0" err="1"/>
-              <a:t>aplicaci</a:t>
-            </a:r>
-            <a:r>
-              <a:rPr lang="es-ES" dirty="0" err="1"/>
-              <a:t>ón</a:t>
-            </a:r>
-            <a:r>
               <a:rPr lang="es-ES" dirty="0"/>
-              <a:t> base de </a:t>
+              <a:t>aplicación base de </a:t>
             </a:r>
             <a:r>
               <a:rPr lang="es-ES" dirty="0" err="1">
@@ -6146,28 +6139,42 @@
               <a:t>Ángular</a:t>
             </a:r>
             <a:r>
+              <a:rPr lang="es-ES" dirty="0"/>
+              <a:t>, la cual consta de un </a:t>
+            </a:r>
+            <a:r>
               <a:rPr lang="es-ES" dirty="0" err="1"/>
-              <a:t>,se</a:t>
+              <a:t>login</a:t>
             </a:r>
             <a:r>
               <a:rPr lang="es-ES" dirty="0"/>
-              <a:t> ha </a:t>
+              <a:t> sencillo que no tiene funcionalidad alguna por el momento.</a:t>
+            </a:r>
+          </a:p>
+          <a:p>
+            <a:pPr algn="just"/>
+            <a:r>
+              <a:rPr lang="es-ES" dirty="0"/>
+              <a:t>Se ha realizado una imagen del servicio de </a:t>
             </a:r>
             <a:r>
               <a:rPr lang="es-ES" dirty="0" err="1"/>
-              <a:t>dockerizado</a:t>
+              <a:t>front</a:t>
             </a:r>
             <a:r>
               <a:rPr lang="es-ES" dirty="0"/>
-              <a:t> y unido a una nueva Virtual Network a la que pertenece el contenedor de la API.</a:t>
+              <a:t> y hecho un contenedor a partir de esta. Además se ha unido a una nueva Virtual Network a la que pertenece el contenedor de la API.</a:t>
             </a:r>
           </a:p>
           <a:p>
             <a:pPr algn="just"/>
             <a:r>
               <a:rPr lang="es-ES" dirty="0"/>
-              <a:t>…</a:t>
-            </a:r>
+              <a:t>Para probar un buen funcionamiento de todas las conexiones, se ha realizado una petición GET exitosa a la base de datos.</a:t>
+            </a:r>
+          </a:p>
+          <a:p>
+            <a:pPr algn="just"/>
             <a:endParaRPr lang="en-US" dirty="0"/>
           </a:p>
         </p:txBody>
@@ -6282,16 +6289,12 @@
               <a:t>7- </a:t>
             </a:r>
             <a:r>
+              <a:rPr lang="en-GB" dirty="0"/>
+              <a:t>Proyecto </a:t>
+            </a:r>
+            <a:r>
               <a:rPr lang="en-GB" dirty="0" err="1"/>
-              <a:t>Futuro</a:t>
-            </a:r>
-            <a:r>
-              <a:rPr lang="en-GB" dirty="0"/>
-              <a:t> </a:t>
-            </a:r>
-            <a:r>
-              <a:rPr lang="en-GB" dirty="0" err="1"/>
-              <a:t>desarrollo</a:t>
+              <a:t>completo</a:t>
             </a:r>
             <a:br>
               <a:rPr lang="en-GB" dirty="0"/>
@@ -6330,9 +6333,113 @@
           <a:bodyPr/>
           <a:lstStyle/>
           <a:p>
-            <a:pPr marL="0" indent="0" algn="just">
-              <a:buNone/>
-            </a:pPr>
+            <a:pPr algn="just"/>
+            <a:r>
+              <a:rPr lang="es-ES" dirty="0"/>
+              <a:t>Seguidamente a este primer contacto con las tecnologías, se plantea hacer una aplicación web para controlar un servicio de renting para una empresa. </a:t>
+            </a:r>
+          </a:p>
+          <a:p>
+            <a:pPr algn="just"/>
+            <a:r>
+              <a:rPr lang="es-ES" dirty="0"/>
+              <a:t>Se planea que un usuario administrador ponga de oferta de renting coches que estén registrados en la DGT. Por ello, la base de datos tendrá que contemplar la implementación de una base de datos importada de una página oficial de la DGT</a:t>
+            </a:r>
+            <a:r>
+              <a:rPr lang="en-US" dirty="0"/>
+              <a:t>.</a:t>
+            </a:r>
+          </a:p>
+          <a:p>
+            <a:pPr algn="just"/>
+            <a:r>
+              <a:rPr lang="en-US" dirty="0"/>
+              <a:t>Por </a:t>
+            </a:r>
+            <a:r>
+              <a:rPr lang="en-US" dirty="0" err="1"/>
+              <a:t>último</a:t>
+            </a:r>
+            <a:r>
+              <a:rPr lang="en-US" dirty="0"/>
+              <a:t>, se </a:t>
+            </a:r>
+            <a:r>
+              <a:rPr lang="en-US" dirty="0" err="1"/>
+              <a:t>automatizará</a:t>
+            </a:r>
+            <a:r>
+              <a:rPr lang="en-US" dirty="0"/>
+              <a:t> la </a:t>
+            </a:r>
+            <a:r>
+              <a:rPr lang="en-US" dirty="0" err="1"/>
+              <a:t>lectura</a:t>
+            </a:r>
+            <a:r>
+              <a:rPr lang="en-US" dirty="0"/>
+              <a:t> de </a:t>
+            </a:r>
+            <a:r>
+              <a:rPr lang="en-US" dirty="0" err="1"/>
+              <a:t>los</a:t>
+            </a:r>
+            <a:r>
+              <a:rPr lang="en-US" dirty="0"/>
+              <a:t> </a:t>
+            </a:r>
+            <a:r>
+              <a:rPr lang="en-US" dirty="0" err="1"/>
+              <a:t>datos</a:t>
+            </a:r>
+            <a:r>
+              <a:rPr lang="en-US" dirty="0"/>
+              <a:t> y </a:t>
+            </a:r>
+            <a:r>
+              <a:rPr lang="en-US" dirty="0" err="1"/>
+              <a:t>generación</a:t>
+            </a:r>
+            <a:r>
+              <a:rPr lang="en-US" dirty="0"/>
+              <a:t> de </a:t>
+            </a:r>
+            <a:r>
+              <a:rPr lang="en-US" dirty="0" err="1"/>
+              <a:t>una</a:t>
+            </a:r>
+            <a:r>
+              <a:rPr lang="en-US" dirty="0"/>
+              <a:t> base de </a:t>
+            </a:r>
+            <a:r>
+              <a:rPr lang="en-US" dirty="0" err="1"/>
+              <a:t>datos</a:t>
+            </a:r>
+            <a:r>
+              <a:rPr lang="en-US" dirty="0"/>
+              <a:t> a </a:t>
+            </a:r>
+            <a:r>
+              <a:rPr lang="en-US" dirty="0" err="1"/>
+              <a:t>partir</a:t>
+            </a:r>
+            <a:r>
+              <a:rPr lang="en-US" dirty="0"/>
+              <a:t> de </a:t>
+            </a:r>
+            <a:r>
+              <a:rPr lang="en-US" dirty="0" err="1"/>
+              <a:t>estos</a:t>
+            </a:r>
+            <a:endParaRPr lang="en-US" dirty="0"/>
+          </a:p>
+          <a:p>
+            <a:pPr algn="just"/>
+            <a:endParaRPr lang="en-US" dirty="0"/>
+          </a:p>
+          <a:p>
+            <a:pPr algn="just"/>
             <a:endParaRPr lang="en-US" dirty="0"/>
           </a:p>
         </p:txBody>
@@ -6388,6 +6495,91 @@
     <p:extLst>
       <p:ext uri="{BB962C8B-B14F-4D97-AF65-F5344CB8AC3E}">
         <p14:creationId xmlns:p14="http://schemas.microsoft.com/office/powerpoint/2010/main" val="4033736536"/>
+      </p:ext>
+    </p:extLst>
+  </p:cSld>
+  <p:clrMapOvr>
+    <a:masterClrMapping/>
+  </p:clrMapOvr>
+</p:sld>
+</file>
+
+<file path=ppt/slides/slide14.xml><?xml version="1.0" encoding="utf-8"?>
+<p:sld xmlns:a="http://schemas.openxmlformats.org/drawingml/2006/main" xmlns:r="http://schemas.openxmlformats.org/officeDocument/2006/relationships" xmlns:p="http://schemas.openxmlformats.org/presentationml/2006/main">
+  <p:cSld>
+    <p:spTree>
+      <p:nvGrpSpPr>
+        <p:cNvPr id="1" name=""/>
+        <p:cNvGrpSpPr/>
+        <p:nvPr/>
+      </p:nvGrpSpPr>
+      <p:grpSpPr>
+        <a:xfrm>
+          <a:off x="0" y="0"/>
+          <a:ext cx="0" cy="0"/>
+          <a:chOff x="0" y="0"/>
+          <a:chExt cx="0" cy="0"/>
+        </a:xfrm>
+      </p:grpSpPr>
+      <p:sp>
+        <p:nvSpPr>
+          <p:cNvPr id="2" name="Título 1">
+            <a:extLst>
+              <a:ext uri="{FF2B5EF4-FFF2-40B4-BE49-F238E27FC236}">
+                <a16:creationId xmlns:a16="http://schemas.microsoft.com/office/drawing/2014/main" id="{DADB9051-CFA2-4C58-B217-42FCAB30AF21}"/>
+              </a:ext>
+            </a:extLst>
+          </p:cNvPr>
+          <p:cNvSpPr>
+            <a:spLocks noGrp="1"/>
+          </p:cNvSpPr>
+          <p:nvPr>
+            <p:ph type="title"/>
+          </p:nvPr>
+        </p:nvSpPr>
+        <p:spPr/>
+        <p:txBody>
+          <a:bodyPr>
+            <a:normAutofit fontScale="90000"/>
+          </a:bodyPr>
+          <a:lstStyle/>
+          <a:p>
+            <a:r>
+              <a:rPr lang="es-ES" dirty="0"/>
+              <a:t>8- Casos de uso</a:t>
+            </a:r>
+          </a:p>
+        </p:txBody>
+      </p:sp>
+      <p:sp>
+        <p:nvSpPr>
+          <p:cNvPr id="3" name="Marcador de contenido 2">
+            <a:extLst>
+              <a:ext uri="{FF2B5EF4-FFF2-40B4-BE49-F238E27FC236}">
+                <a16:creationId xmlns:a16="http://schemas.microsoft.com/office/drawing/2014/main" id="{E005AFF3-F10E-4A31-A7D6-7198EC59281B}"/>
+              </a:ext>
+            </a:extLst>
+          </p:cNvPr>
+          <p:cNvSpPr>
+            <a:spLocks noGrp="1"/>
+          </p:cNvSpPr>
+          <p:nvPr>
+            <p:ph idx="1"/>
+          </p:nvPr>
+        </p:nvSpPr>
+        <p:spPr/>
+        <p:txBody>
+          <a:bodyPr/>
+          <a:lstStyle/>
+          <a:p>
+            <a:endParaRPr lang="es-ES"/>
+          </a:p>
+        </p:txBody>
+      </p:sp>
+    </p:spTree>
+    <p:extLst>
+      <p:ext uri="{BB962C8B-B14F-4D97-AF65-F5344CB8AC3E}">
+        <p14:creationId xmlns:p14="http://schemas.microsoft.com/office/powerpoint/2010/main" val="406973091"/>
       </p:ext>
     </p:extLst>
   </p:cSld>
@@ -7211,16 +7403,12 @@
           <a:lstStyle/>
           <a:p>
             <a:r>
+              <a:rPr lang="en-GB" dirty="0"/>
+              <a:t>Proyecto </a:t>
+            </a:r>
+            <a:r>
               <a:rPr lang="en-GB" dirty="0" err="1"/>
-              <a:t>Futuro</a:t>
-            </a:r>
-            <a:r>
-              <a:rPr lang="en-GB" dirty="0"/>
-              <a:t> </a:t>
-            </a:r>
-            <a:r>
-              <a:rPr lang="en-GB" dirty="0" err="1"/>
-              <a:t>desarrollo</a:t>
+              <a:t>completo</a:t>
             </a:r>
             <a:endParaRPr lang="en-GB" dirty="0"/>
           </a:p>
@@ -7299,6 +7487,14 @@
           <a:bodyPr/>
           <a:lstStyle/>
           <a:p>
+            <a:r>
+              <a:rPr lang="en-GB" dirty="0"/>
+              <a:t>Casos de </a:t>
+            </a:r>
+            <a:r>
+              <a:rPr lang="en-GB" dirty="0" err="1"/>
+              <a:t>uso</a:t>
+            </a:r>
             <a:endParaRPr lang="en-GB" dirty="0"/>
           </a:p>
         </p:txBody>
@@ -9269,15 +9465,6 @@
 </file>
 
 <file path=customXml/item1.xml><?xml version="1.0" encoding="utf-8"?>
-<?mso-contentType ?>
-<FormTemplates xmlns="http://schemas.microsoft.com/sharepoint/v3/contenttype/forms">
-  <Display>DocumentLibraryForm</Display>
-  <Edit>DocumentLibraryForm</Edit>
-  <New>DocumentLibraryForm</New>
-</FormTemplates>
-</file>
-
-<file path=customXml/item2.xml><?xml version="1.0" encoding="utf-8"?>
 <p:properties xmlns:p="http://schemas.microsoft.com/office/2006/metadata/properties" xmlns:xsi="http://www.w3.org/2001/XMLSchema-instance" xmlns:pc="http://schemas.microsoft.com/office/infopath/2007/PartnerControls">
   <documentManagement>
     <TaxCatchAll xmlns="6dedcb10-c833-433a-ac85-a71007a78acc">
@@ -9328,7 +9515,66 @@
 </p:properties>
 </file>
 
+<file path=customXml/item2.xml><?xml version="1.0" encoding="utf-8"?>
+<?mso-contentType ?>
+<FormTemplates xmlns="http://schemas.microsoft.com/sharepoint/v3/contenttype/forms">
+  <Display>DocumentLibraryForm</Display>
+  <Edit>DocumentLibraryForm</Edit>
+  <New>DocumentLibraryForm</New>
+</FormTemplates>
+</file>
+
 <file path=customXml/item3.xml><?xml version="1.0" encoding="utf-8"?>
+<?mso-contentType ?>
+<spe:Receivers xmlns:spe="http://schemas.microsoft.com/sharepoint/events">
+  <Receiver>
+    <Name>Document ID Generator</Name>
+    <Synchronization>Synchronous</Synchronization>
+    <Type>10001</Type>
+    <SequenceNumber>1000</SequenceNumber>
+    <Url/>
+    <Assembly>Microsoft.Office.DocumentManagement, Version=16.0.0.0, Culture=neutral, PublicKeyToken=71e9bce111e9429c</Assembly>
+    <Class>Microsoft.Office.DocumentManagement.Internal.DocIdHandler</Class>
+    <Data/>
+    <Filter/>
+  </Receiver>
+  <Receiver>
+    <Name>Document ID Generator</Name>
+    <Synchronization>Synchronous</Synchronization>
+    <Type>10002</Type>
+    <SequenceNumber>1001</SequenceNumber>
+    <Url/>
+    <Assembly>Microsoft.Office.DocumentManagement, Version=16.0.0.0, Culture=neutral, PublicKeyToken=71e9bce111e9429c</Assembly>
+    <Class>Microsoft.Office.DocumentManagement.Internal.DocIdHandler</Class>
+    <Data/>
+    <Filter/>
+  </Receiver>
+  <Receiver>
+    <Name>Document ID Generator</Name>
+    <Synchronization>Synchronous</Synchronization>
+    <Type>10004</Type>
+    <SequenceNumber>1002</SequenceNumber>
+    <Url/>
+    <Assembly>Microsoft.Office.DocumentManagement, Version=16.0.0.0, Culture=neutral, PublicKeyToken=71e9bce111e9429c</Assembly>
+    <Class>Microsoft.Office.DocumentManagement.Internal.DocIdHandler</Class>
+    <Data/>
+    <Filter/>
+  </Receiver>
+  <Receiver>
+    <Name>Document ID Generator</Name>
+    <Synchronization>Synchronous</Synchronization>
+    <Type>10006</Type>
+    <SequenceNumber>1003</SequenceNumber>
+    <Url/>
+    <Assembly>Microsoft.Office.DocumentManagement, Version=16.0.0.0, Culture=neutral, PublicKeyToken=71e9bce111e9429c</Assembly>
+    <Class>Microsoft.Office.DocumentManagement.Internal.DocIdHandler</Class>
+    <Data/>
+    <Filter/>
+  </Receiver>
+</spe:Receivers>
+</file>
+
+<file path=customXml/item4.xml><?xml version="1.0" encoding="utf-8"?>
 <ct:contentTypeSchema xmlns:ct="http://schemas.microsoft.com/office/2006/metadata/contentType" xmlns:ma="http://schemas.microsoft.com/office/2006/metadata/properties/metaAttributes" ct:_="" ma:_="" ma:contentTypeName="Document" ma:contentTypeID="0x010100CCD2CB7645A6664EBA7D2C1B319298D9" ma:contentTypeVersion="20" ma:contentTypeDescription="Create a new document." ma:contentTypeScope="" ma:versionID="1b89333854ece0126e4211b82251641e">
   <xsd:schema xmlns:xsd="http://www.w3.org/2001/XMLSchema" xmlns:xs="http://www.w3.org/2001/XMLSchema" xmlns:p="http://schemas.microsoft.com/office/2006/metadata/properties" xmlns:ns2="6dedcb10-c833-433a-ac85-a71007a78acc" xmlns:ns3="51e2b858-bf58-46a2-91b2-3dafa82a619b" targetNamespace="http://schemas.microsoft.com/office/2006/metadata/properties" ma:root="true" ma:fieldsID="ff5f21df02492c208f9b75ad1252c953" ns2:_="" ns3:_="">
     <xsd:import namespace="6dedcb10-c833-433a-ac85-a71007a78acc"/>
@@ -9608,65 +9854,7 @@
 </ct:contentTypeSchema>
 </file>
 
-<file path=customXml/item4.xml><?xml version="1.0" encoding="utf-8"?>
-<?mso-contentType ?>
-<spe:Receivers xmlns:spe="http://schemas.microsoft.com/sharepoint/events">
-  <Receiver>
-    <Name>Document ID Generator</Name>
-    <Synchronization>Synchronous</Synchronization>
-    <Type>10001</Type>
-    <SequenceNumber>1000</SequenceNumber>
-    <Url/>
-    <Assembly>Microsoft.Office.DocumentManagement, Version=16.0.0.0, Culture=neutral, PublicKeyToken=71e9bce111e9429c</Assembly>
-    <Class>Microsoft.Office.DocumentManagement.Internal.DocIdHandler</Class>
-    <Data/>
-    <Filter/>
-  </Receiver>
-  <Receiver>
-    <Name>Document ID Generator</Name>
-    <Synchronization>Synchronous</Synchronization>
-    <Type>10002</Type>
-    <SequenceNumber>1001</SequenceNumber>
-    <Url/>
-    <Assembly>Microsoft.Office.DocumentManagement, Version=16.0.0.0, Culture=neutral, PublicKeyToken=71e9bce111e9429c</Assembly>
-    <Class>Microsoft.Office.DocumentManagement.Internal.DocIdHandler</Class>
-    <Data/>
-    <Filter/>
-  </Receiver>
-  <Receiver>
-    <Name>Document ID Generator</Name>
-    <Synchronization>Synchronous</Synchronization>
-    <Type>10004</Type>
-    <SequenceNumber>1002</SequenceNumber>
-    <Url/>
-    <Assembly>Microsoft.Office.DocumentManagement, Version=16.0.0.0, Culture=neutral, PublicKeyToken=71e9bce111e9429c</Assembly>
-    <Class>Microsoft.Office.DocumentManagement.Internal.DocIdHandler</Class>
-    <Data/>
-    <Filter/>
-  </Receiver>
-  <Receiver>
-    <Name>Document ID Generator</Name>
-    <Synchronization>Synchronous</Synchronization>
-    <Type>10006</Type>
-    <SequenceNumber>1003</SequenceNumber>
-    <Url/>
-    <Assembly>Microsoft.Office.DocumentManagement, Version=16.0.0.0, Culture=neutral, PublicKeyToken=71e9bce111e9429c</Assembly>
-    <Class>Microsoft.Office.DocumentManagement.Internal.DocIdHandler</Class>
-    <Data/>
-    <Filter/>
-  </Receiver>
-</spe:Receivers>
-</file>
-
 <file path=customXml/itemProps1.xml><?xml version="1.0" encoding="utf-8"?>
-<ds:datastoreItem xmlns:ds="http://schemas.openxmlformats.org/officeDocument/2006/customXml" ds:itemID="{FA16A6F6-BA94-4BC1-82EC-740C029F7F2E}">
-  <ds:schemaRefs>
-    <ds:schemaRef ds:uri="http://schemas.microsoft.com/sharepoint/v3/contenttype/forms"/>
-  </ds:schemaRefs>
-</ds:datastoreItem>
-</file>
-
-<file path=customXml/itemProps2.xml><?xml version="1.0" encoding="utf-8"?>
 <ds:datastoreItem xmlns:ds="http://schemas.openxmlformats.org/officeDocument/2006/customXml" ds:itemID="{7949718B-A5E5-46E7-AFC7-B9ECBEAA9285}">
   <ds:schemaRefs>
     <ds:schemaRef ds:uri="http://schemas.microsoft.com/office/2006/metadata/properties"/>
@@ -9685,7 +9873,23 @@
 </ds:datastoreItem>
 </file>
 
+<file path=customXml/itemProps2.xml><?xml version="1.0" encoding="utf-8"?>
+<ds:datastoreItem xmlns:ds="http://schemas.openxmlformats.org/officeDocument/2006/customXml" ds:itemID="{FA16A6F6-BA94-4BC1-82EC-740C029F7F2E}">
+  <ds:schemaRefs>
+    <ds:schemaRef ds:uri="http://schemas.microsoft.com/sharepoint/v3/contenttype/forms"/>
+  </ds:schemaRefs>
+</ds:datastoreItem>
+</file>
+
 <file path=customXml/itemProps3.xml><?xml version="1.0" encoding="utf-8"?>
+<ds:datastoreItem xmlns:ds="http://schemas.openxmlformats.org/officeDocument/2006/customXml" ds:itemID="{C2D3F007-E527-40F2-825C-916613B331EC}">
+  <ds:schemaRefs>
+    <ds:schemaRef ds:uri="http://schemas.microsoft.com/sharepoint/events"/>
+  </ds:schemaRefs>
+</ds:datastoreItem>
+</file>
+
+<file path=customXml/itemProps4.xml><?xml version="1.0" encoding="utf-8"?>
 <ds:datastoreItem xmlns:ds="http://schemas.openxmlformats.org/officeDocument/2006/customXml" ds:itemID="{DB98A7B3-6CBB-482F-883D-79C2A86A89A9}">
   <ds:schemaRefs>
     <ds:schemaRef ds:uri="http://schemas.microsoft.com/office/2006/metadata/contentType"/>
@@ -9702,12 +9906,4 @@
     <ds:schemaRef ds:uri="http://schemas.microsoft.com/internal/obd"/>
   </ds:schemaRefs>
 </ds:datastoreItem>
-</file>
-
-<file path=customXml/itemProps4.xml><?xml version="1.0" encoding="utf-8"?>
-<ds:datastoreItem xmlns:ds="http://schemas.openxmlformats.org/officeDocument/2006/customXml" ds:itemID="{C2D3F007-E527-40F2-825C-916613B331EC}">
-  <ds:schemaRefs>
-    <ds:schemaRef ds:uri="http://schemas.microsoft.com/sharepoint/events"/>
-  </ds:schemaRefs>
-</ds:datastoreItem>
 </file>
--- a/IniciacionDePracticasExternas.pptx
+++ b/IniciacionDePracticasExternas.pptx
@@ -272,7 +272,7 @@
           <a:p>
             <a:fld id="{D18408C4-2C7F-214C-83E2-CEB72601B4F7}" type="slidenum">
               <a:rPr lang="en-DE" smtClean="0"/>
-              <a:t>‹Nº›</a:t>
+              <a:t>‹#›</a:t>
             </a:fld>
             <a:endParaRPr lang="en-DE"/>
           </a:p>
@@ -9278,54 +9278,53 @@
 </file>
 
 <file path=customXml/item2.xml><?xml version="1.0" encoding="utf-8"?>
-<p:properties xmlns:p="http://schemas.microsoft.com/office/2006/metadata/properties" xmlns:xsi="http://www.w3.org/2001/XMLSchema-instance" xmlns:pc="http://schemas.microsoft.com/office/infopath/2007/PartnerControls">
-  <documentManagement>
-    <TaxCatchAll xmlns="6dedcb10-c833-433a-ac85-a71007a78acc">
-      <Value>4</Value>
-      <Value>10</Value>
-      <Value>2</Value>
-      <Value>3</Value>
-    </TaxCatchAll>
-    <Abstract xmlns="51e2b858-bf58-46a2-91b2-3dafa82a619b" xsi:nil="true"/>
-    <neda87fc916d4e679a7e41b9a8103b08 xmlns="51e2b858-bf58-46a2-91b2-3dafa82a619b">
-      <Terms xmlns="http://schemas.microsoft.com/office/infopath/2007/PartnerControls">
-        <TermInfo xmlns="http://schemas.microsoft.com/office/infopath/2007/PartnerControls">
-          <TermName xmlns="http://schemas.microsoft.com/office/infopath/2007/PartnerControls">C - valid</TermName>
-          <TermId xmlns="http://schemas.microsoft.com/office/infopath/2007/PartnerControls">0c95109a-f409-44c4-ba27-12fbc6f76f24</TermId>
-        </TermInfo>
-      </Terms>
-    </neda87fc916d4e679a7e41b9a8103b08>
-    <j1058322525a448cbab87226107f51c4 xmlns="51e2b858-bf58-46a2-91b2-3dafa82a619b">
-      <Terms xmlns="http://schemas.microsoft.com/office/infopath/2007/PartnerControls">
-        <TermInfo xmlns="http://schemas.microsoft.com/office/infopath/2007/PartnerControls">
-          <TermName xmlns="http://schemas.microsoft.com/office/infopath/2007/PartnerControls">Documentation</TermName>
-          <TermId xmlns="http://schemas.microsoft.com/office/infopath/2007/PartnerControls">4374477c-d144-4e1f-bf15-77ba8dc2d6ee</TermId>
-        </TermInfo>
-      </Terms>
-    </j1058322525a448cbab87226107f51c4>
-    <fad0ae6618ec41d8bed90675241c3993 xmlns="51e2b858-bf58-46a2-91b2-3dafa82a619b">
-      <Terms xmlns="http://schemas.microsoft.com/office/infopath/2007/PartnerControls">
-        <TermInfo xmlns="http://schemas.microsoft.com/office/infopath/2007/PartnerControls">
-          <TermName xmlns="http://schemas.microsoft.com/office/infopath/2007/PartnerControls">A - internal</TermName>
-          <TermId xmlns="http://schemas.microsoft.com/office/infopath/2007/PartnerControls">b9f71f92-fb46-4487-9019-025349c14948</TermId>
-        </TermInfo>
-      </Terms>
-    </fad0ae6618ec41d8bed90675241c3993>
-    <ba46f578df2f4cc59a79294d268b0c87 xmlns="51e2b858-bf58-46a2-91b2-3dafa82a619b">
-      <Terms xmlns="http://schemas.microsoft.com/office/infopath/2007/PartnerControls">
-        <TermInfo xmlns="http://schemas.microsoft.com/office/infopath/2007/PartnerControls">
-          <TermName xmlns="http://schemas.microsoft.com/office/infopath/2007/PartnerControls">No solution</TermName>
-          <TermId xmlns="http://schemas.microsoft.com/office/infopath/2007/PartnerControls">227ba552-7fd7-40d5-abf3-76f160b7a704</TermId>
-        </TermInfo>
-      </Terms>
-    </ba46f578df2f4cc59a79294d268b0c87>
-    <_dlc_DocId xmlns="6dedcb10-c833-433a-ac85-a71007a78acc">KJNT26DDK5R3-2073477213-2081</_dlc_DocId>
-    <_dlc_DocIdUrl xmlns="6dedcb10-c833-433a-ac85-a71007a78acc">
-      <Url>https://tecalliance.sharepoint.com/sites/TA_Templates/_layouts/15/DocIdRedir.aspx?ID=KJNT26DDK5R3-2073477213-2081</Url>
-      <Description>KJNT26DDK5R3-2073477213-2081</Description>
-    </_dlc_DocIdUrl>
-  </documentManagement>
-</p:properties>
+<?mso-contentType ?>
+<spe:Receivers xmlns:spe="http://schemas.microsoft.com/sharepoint/events">
+  <Receiver>
+    <Name>Document ID Generator</Name>
+    <Synchronization>Synchronous</Synchronization>
+    <Type>10001</Type>
+    <SequenceNumber>1000</SequenceNumber>
+    <Url/>
+    <Assembly>Microsoft.Office.DocumentManagement, Version=16.0.0.0, Culture=neutral, PublicKeyToken=71e9bce111e9429c</Assembly>
+    <Class>Microsoft.Office.DocumentManagement.Internal.DocIdHandler</Class>
+    <Data/>
+    <Filter/>
+  </Receiver>
+  <Receiver>
+    <Name>Document ID Generator</Name>
+    <Synchronization>Synchronous</Synchronization>
+    <Type>10002</Type>
+    <SequenceNumber>1001</SequenceNumber>
+    <Url/>
+    <Assembly>Microsoft.Office.DocumentManagement, Version=16.0.0.0, Culture=neutral, PublicKeyToken=71e9bce111e9429c</Assembly>
+    <Class>Microsoft.Office.DocumentManagement.Internal.DocIdHandler</Class>
+    <Data/>
+    <Filter/>
+  </Receiver>
+  <Receiver>
+    <Name>Document ID Generator</Name>
+    <Synchronization>Synchronous</Synchronization>
+    <Type>10004</Type>
+    <SequenceNumber>1002</SequenceNumber>
+    <Url/>
+    <Assembly>Microsoft.Office.DocumentManagement, Version=16.0.0.0, Culture=neutral, PublicKeyToken=71e9bce111e9429c</Assembly>
+    <Class>Microsoft.Office.DocumentManagement.Internal.DocIdHandler</Class>
+    <Data/>
+    <Filter/>
+  </Receiver>
+  <Receiver>
+    <Name>Document ID Generator</Name>
+    <Synchronization>Synchronous</Synchronization>
+    <Type>10006</Type>
+    <SequenceNumber>1003</SequenceNumber>
+    <Url/>
+    <Assembly>Microsoft.Office.DocumentManagement, Version=16.0.0.0, Culture=neutral, PublicKeyToken=71e9bce111e9429c</Assembly>
+    <Class>Microsoft.Office.DocumentManagement.Internal.DocIdHandler</Class>
+    <Data/>
+    <Filter/>
+  </Receiver>
+</spe:Receivers>
 </file>
 
 <file path=customXml/item3.xml><?xml version="1.0" encoding="utf-8"?>
@@ -9609,53 +9608,54 @@
 </file>
 
 <file path=customXml/item4.xml><?xml version="1.0" encoding="utf-8"?>
-<?mso-contentType ?>
-<spe:Receivers xmlns:spe="http://schemas.microsoft.com/sharepoint/events">
-  <Receiver>
-    <Name>Document ID Generator</Name>
-    <Synchronization>Synchronous</Synchronization>
-    <Type>10001</Type>
-    <SequenceNumber>1000</SequenceNumber>
-    <Url/>
-    <Assembly>Microsoft.Office.DocumentManagement, Version=16.0.0.0, Culture=neutral, PublicKeyToken=71e9bce111e9429c</Assembly>
-    <Class>Microsoft.Office.DocumentManagement.Internal.DocIdHandler</Class>
-    <Data/>
-    <Filter/>
-  </Receiver>
-  <Receiver>
-    <Name>Document ID Generator</Name>
-    <Synchronization>Synchronous</Synchronization>
-    <Type>10002</Type>
-    <SequenceNumber>1001</SequenceNumber>
-    <Url/>
-    <Assembly>Microsoft.Office.DocumentManagement, Version=16.0.0.0, Culture=neutral, PublicKeyToken=71e9bce111e9429c</Assembly>
-    <Class>Microsoft.Office.DocumentManagement.Internal.DocIdHandler</Class>
-    <Data/>
-    <Filter/>
-  </Receiver>
-  <Receiver>
-    <Name>Document ID Generator</Name>
-    <Synchronization>Synchronous</Synchronization>
-    <Type>10004</Type>
-    <SequenceNumber>1002</SequenceNumber>
-    <Url/>
-    <Assembly>Microsoft.Office.DocumentManagement, Version=16.0.0.0, Culture=neutral, PublicKeyToken=71e9bce111e9429c</Assembly>
-    <Class>Microsoft.Office.DocumentManagement.Internal.DocIdHandler</Class>
-    <Data/>
-    <Filter/>
-  </Receiver>
-  <Receiver>
-    <Name>Document ID Generator</Name>
-    <Synchronization>Synchronous</Synchronization>
-    <Type>10006</Type>
-    <SequenceNumber>1003</SequenceNumber>
-    <Url/>
-    <Assembly>Microsoft.Office.DocumentManagement, Version=16.0.0.0, Culture=neutral, PublicKeyToken=71e9bce111e9429c</Assembly>
-    <Class>Microsoft.Office.DocumentManagement.Internal.DocIdHandler</Class>
-    <Data/>
-    <Filter/>
-  </Receiver>
-</spe:Receivers>
+<p:properties xmlns:p="http://schemas.microsoft.com/office/2006/metadata/properties" xmlns:xsi="http://www.w3.org/2001/XMLSchema-instance" xmlns:pc="http://schemas.microsoft.com/office/infopath/2007/PartnerControls">
+  <documentManagement>
+    <TaxCatchAll xmlns="6dedcb10-c833-433a-ac85-a71007a78acc">
+      <Value>4</Value>
+      <Value>10</Value>
+      <Value>2</Value>
+      <Value>3</Value>
+    </TaxCatchAll>
+    <Abstract xmlns="51e2b858-bf58-46a2-91b2-3dafa82a619b" xsi:nil="true"/>
+    <neda87fc916d4e679a7e41b9a8103b08 xmlns="51e2b858-bf58-46a2-91b2-3dafa82a619b">
+      <Terms xmlns="http://schemas.microsoft.com/office/infopath/2007/PartnerControls">
+        <TermInfo xmlns="http://schemas.microsoft.com/office/infopath/2007/PartnerControls">
+          <TermName xmlns="http://schemas.microsoft.com/office/infopath/2007/PartnerControls">C - valid</TermName>
+          <TermId xmlns="http://schemas.microsoft.com/office/infopath/2007/PartnerControls">0c95109a-f409-44c4-ba27-12fbc6f76f24</TermId>
+        </TermInfo>
+      </Terms>
+    </neda87fc916d4e679a7e41b9a8103b08>
+    <j1058322525a448cbab87226107f51c4 xmlns="51e2b858-bf58-46a2-91b2-3dafa82a619b">
+      <Terms xmlns="http://schemas.microsoft.com/office/infopath/2007/PartnerControls">
+        <TermInfo xmlns="http://schemas.microsoft.com/office/infopath/2007/PartnerControls">
+          <TermName xmlns="http://schemas.microsoft.com/office/infopath/2007/PartnerControls">Documentation</TermName>
+          <TermId xmlns="http://schemas.microsoft.com/office/infopath/2007/PartnerControls">4374477c-d144-4e1f-bf15-77ba8dc2d6ee</TermId>
+        </TermInfo>
+      </Terms>
+    </j1058322525a448cbab87226107f51c4>
+    <fad0ae6618ec41d8bed90675241c3993 xmlns="51e2b858-bf58-46a2-91b2-3dafa82a619b">
+      <Terms xmlns="http://schemas.microsoft.com/office/infopath/2007/PartnerControls">
+        <TermInfo xmlns="http://schemas.microsoft.com/office/infopath/2007/PartnerControls">
+          <TermName xmlns="http://schemas.microsoft.com/office/infopath/2007/PartnerControls">A - internal</TermName>
+          <TermId xmlns="http://schemas.microsoft.com/office/infopath/2007/PartnerControls">b9f71f92-fb46-4487-9019-025349c14948</TermId>
+        </TermInfo>
+      </Terms>
+    </fad0ae6618ec41d8bed90675241c3993>
+    <ba46f578df2f4cc59a79294d268b0c87 xmlns="51e2b858-bf58-46a2-91b2-3dafa82a619b">
+      <Terms xmlns="http://schemas.microsoft.com/office/infopath/2007/PartnerControls">
+        <TermInfo xmlns="http://schemas.microsoft.com/office/infopath/2007/PartnerControls">
+          <TermName xmlns="http://schemas.microsoft.com/office/infopath/2007/PartnerControls">No solution</TermName>
+          <TermId xmlns="http://schemas.microsoft.com/office/infopath/2007/PartnerControls">227ba552-7fd7-40d5-abf3-76f160b7a704</TermId>
+        </TermInfo>
+      </Terms>
+    </ba46f578df2f4cc59a79294d268b0c87>
+    <_dlc_DocId xmlns="6dedcb10-c833-433a-ac85-a71007a78acc">KJNT26DDK5R3-2073477213-2081</_dlc_DocId>
+    <_dlc_DocIdUrl xmlns="6dedcb10-c833-433a-ac85-a71007a78acc">
+      <Url>https://tecalliance.sharepoint.com/sites/TA_Templates/_layouts/15/DocIdRedir.aspx?ID=KJNT26DDK5R3-2073477213-2081</Url>
+      <Description>KJNT26DDK5R3-2073477213-2081</Description>
+    </_dlc_DocIdUrl>
+  </documentManagement>
+</p:properties>
 </file>
 
 <file path=customXml/itemProps1.xml><?xml version="1.0" encoding="utf-8"?>
@@ -9667,20 +9667,9 @@
 </file>
 
 <file path=customXml/itemProps2.xml><?xml version="1.0" encoding="utf-8"?>
-<ds:datastoreItem xmlns:ds="http://schemas.openxmlformats.org/officeDocument/2006/customXml" ds:itemID="{7949718B-A5E5-46E7-AFC7-B9ECBEAA9285}">
+<ds:datastoreItem xmlns:ds="http://schemas.openxmlformats.org/officeDocument/2006/customXml" ds:itemID="{C2D3F007-E527-40F2-825C-916613B331EC}">
   <ds:schemaRefs>
-    <ds:schemaRef ds:uri="http://schemas.microsoft.com/office/2006/metadata/properties"/>
-    <ds:schemaRef ds:uri="395926fc-aba2-4e43-93d3-293d49ac187c"/>
-    <ds:schemaRef ds:uri="http://schemas.microsoft.com/office/2006/documentManagement/types"/>
-    <ds:schemaRef ds:uri="http://purl.org/dc/elements/1.1/"/>
-    <ds:schemaRef ds:uri="http://purl.org/dc/terms/"/>
-    <ds:schemaRef ds:uri="http://purl.org/dc/dcmitype/"/>
-    <ds:schemaRef ds:uri="http://www.w3.org/XML/1998/namespace"/>
-    <ds:schemaRef ds:uri="http://schemas.microsoft.com/office/infopath/2007/PartnerControls"/>
-    <ds:schemaRef ds:uri="http://schemas.openxmlformats.org/package/2006/metadata/core-properties"/>
-    <ds:schemaRef ds:uri="8abda921-aac1-49ce-9133-db7eff363c36"/>
-    <ds:schemaRef ds:uri="6dedcb10-c833-433a-ac85-a71007a78acc"/>
-    <ds:schemaRef ds:uri="51e2b858-bf58-46a2-91b2-3dafa82a619b"/>
+    <ds:schemaRef ds:uri="http://schemas.microsoft.com/sharepoint/events"/>
   </ds:schemaRefs>
 </ds:datastoreItem>
 </file>
@@ -9705,9 +9694,20 @@
 </file>
 
 <file path=customXml/itemProps4.xml><?xml version="1.0" encoding="utf-8"?>
-<ds:datastoreItem xmlns:ds="http://schemas.openxmlformats.org/officeDocument/2006/customXml" ds:itemID="{C2D3F007-E527-40F2-825C-916613B331EC}">
+<ds:datastoreItem xmlns:ds="http://schemas.openxmlformats.org/officeDocument/2006/customXml" ds:itemID="{7949718B-A5E5-46E7-AFC7-B9ECBEAA9285}">
   <ds:schemaRefs>
-    <ds:schemaRef ds:uri="http://schemas.microsoft.com/sharepoint/events"/>
+    <ds:schemaRef ds:uri="http://schemas.microsoft.com/office/2006/metadata/properties"/>
+    <ds:schemaRef ds:uri="395926fc-aba2-4e43-93d3-293d49ac187c"/>
+    <ds:schemaRef ds:uri="http://schemas.microsoft.com/office/2006/documentManagement/types"/>
+    <ds:schemaRef ds:uri="http://purl.org/dc/elements/1.1/"/>
+    <ds:schemaRef ds:uri="http://purl.org/dc/terms/"/>
+    <ds:schemaRef ds:uri="http://purl.org/dc/dcmitype/"/>
+    <ds:schemaRef ds:uri="http://www.w3.org/XML/1998/namespace"/>
+    <ds:schemaRef ds:uri="http://schemas.microsoft.com/office/infopath/2007/PartnerControls"/>
+    <ds:schemaRef ds:uri="http://schemas.openxmlformats.org/package/2006/metadata/core-properties"/>
+    <ds:schemaRef ds:uri="8abda921-aac1-49ce-9133-db7eff363c36"/>
+    <ds:schemaRef ds:uri="6dedcb10-c833-433a-ac85-a71007a78acc"/>
+    <ds:schemaRef ds:uri="51e2b858-bf58-46a2-91b2-3dafa82a619b"/>
   </ds:schemaRefs>
 </ds:datastoreItem>
 </file>
--- a/IniciacionDePracticasExternas.pptx
+++ b/IniciacionDePracticasExternas.pptx
@@ -5,7 +5,7 @@
     <p:sldMasterId id="2147483648" r:id="rId5"/>
   </p:sldMasterIdLst>
   <p:handoutMasterIdLst>
-    <p:handoutMasterId r:id="rId19"/>
+    <p:handoutMasterId r:id="rId20"/>
   </p:handoutMasterIdLst>
   <p:sldIdLst>
     <p:sldId id="256" r:id="rId6"/>
@@ -21,6 +21,7 @@
     <p:sldId id="286" r:id="rId16"/>
     <p:sldId id="284" r:id="rId17"/>
     <p:sldId id="287" r:id="rId18"/>
+    <p:sldId id="288" r:id="rId19"/>
   </p:sldIdLst>
   <p:sldSz cx="12192000" cy="6858000"/>
   <p:notesSz cx="6858000" cy="9144000"/>
@@ -272,7 +273,7 @@
           <a:p>
             <a:fld id="{D18408C4-2C7F-214C-83E2-CEB72601B4F7}" type="slidenum">
               <a:rPr lang="en-DE" smtClean="0"/>
-              <a:t>‹#›</a:t>
+              <a:t>‹Nº›</a:t>
             </a:fld>
             <a:endParaRPr lang="en-DE"/>
           </a:p>
@@ -6128,16 +6129,8 @@
               <a:t> </a:t>
             </a:r>
             <a:r>
-              <a:rPr lang="en-US" dirty="0" err="1"/>
-              <a:t>aplicaci</a:t>
-            </a:r>
-            <a:r>
-              <a:rPr lang="es-ES" dirty="0" err="1"/>
-              <a:t>ón</a:t>
-            </a:r>
-            <a:r>
               <a:rPr lang="es-ES" dirty="0"/>
-              <a:t> base de </a:t>
+              <a:t>aplicación base de </a:t>
             </a:r>
             <a:r>
               <a:rPr lang="es-ES" dirty="0" err="1">
@@ -6146,28 +6139,42 @@
               <a:t>Ángular</a:t>
             </a:r>
             <a:r>
+              <a:rPr lang="es-ES" dirty="0"/>
+              <a:t>, la cual consta de un </a:t>
+            </a:r>
+            <a:r>
               <a:rPr lang="es-ES" dirty="0" err="1"/>
-              <a:t>,se</a:t>
+              <a:t>login</a:t>
             </a:r>
             <a:r>
               <a:rPr lang="es-ES" dirty="0"/>
-              <a:t> ha </a:t>
+              <a:t> sencillo que no tiene funcionalidad alguna por el momento.</a:t>
+            </a:r>
+          </a:p>
+          <a:p>
+            <a:pPr algn="just"/>
+            <a:r>
+              <a:rPr lang="es-ES" dirty="0"/>
+              <a:t>Se ha realizado una imagen del servicio de </a:t>
             </a:r>
             <a:r>
               <a:rPr lang="es-ES" dirty="0" err="1"/>
-              <a:t>dockerizado</a:t>
+              <a:t>front</a:t>
             </a:r>
             <a:r>
               <a:rPr lang="es-ES" dirty="0"/>
-              <a:t> y unido a una nueva Virtual Network a la que pertenece el contenedor de la API.</a:t>
+              <a:t> y hecho un contenedor a partir de esta. Además se ha unido a una nueva Virtual Network a la que pertenece el contenedor de la API.</a:t>
             </a:r>
           </a:p>
           <a:p>
             <a:pPr algn="just"/>
             <a:r>
               <a:rPr lang="es-ES" dirty="0"/>
-              <a:t>…</a:t>
-            </a:r>
+              <a:t>Para probar un buen funcionamiento de todas las conexiones, se ha realizado una petición GET exitosa a la base de datos.</a:t>
+            </a:r>
+          </a:p>
+          <a:p>
+            <a:pPr algn="just"/>
             <a:endParaRPr lang="en-US" dirty="0"/>
           </a:p>
         </p:txBody>
@@ -6282,16 +6289,12 @@
               <a:t>7- </a:t>
             </a:r>
             <a:r>
+              <a:rPr lang="en-GB" dirty="0"/>
+              <a:t>Proyecto </a:t>
+            </a:r>
+            <a:r>
               <a:rPr lang="en-GB" dirty="0" err="1"/>
-              <a:t>Futuro</a:t>
-            </a:r>
-            <a:r>
-              <a:rPr lang="en-GB" dirty="0"/>
-              <a:t> </a:t>
-            </a:r>
-            <a:r>
-              <a:rPr lang="en-GB" dirty="0" err="1"/>
-              <a:t>desarrollo</a:t>
+              <a:t>completo</a:t>
             </a:r>
             <a:br>
               <a:rPr lang="en-GB" dirty="0"/>
@@ -6330,9 +6333,113 @@
           <a:bodyPr/>
           <a:lstStyle/>
           <a:p>
-            <a:pPr marL="0" indent="0" algn="just">
-              <a:buNone/>
-            </a:pPr>
+            <a:pPr algn="just"/>
+            <a:r>
+              <a:rPr lang="es-ES" dirty="0"/>
+              <a:t>Seguidamente a este primer contacto con las tecnologías, se plantea hacer una aplicación web para controlar un servicio de renting para una empresa. </a:t>
+            </a:r>
+          </a:p>
+          <a:p>
+            <a:pPr algn="just"/>
+            <a:r>
+              <a:rPr lang="es-ES" dirty="0"/>
+              <a:t>Se planea que un usuario administrador ponga de oferta de renting coches que estén registrados en la DGT. Por ello, la base de datos tendrá que contemplar la implementación de una base de datos importada de una página oficial de la DGT</a:t>
+            </a:r>
+            <a:r>
+              <a:rPr lang="en-US" dirty="0"/>
+              <a:t>.</a:t>
+            </a:r>
+          </a:p>
+          <a:p>
+            <a:pPr algn="just"/>
+            <a:r>
+              <a:rPr lang="en-US" dirty="0"/>
+              <a:t>Por </a:t>
+            </a:r>
+            <a:r>
+              <a:rPr lang="en-US" dirty="0" err="1"/>
+              <a:t>último</a:t>
+            </a:r>
+            <a:r>
+              <a:rPr lang="en-US" dirty="0"/>
+              <a:t>, se </a:t>
+            </a:r>
+            <a:r>
+              <a:rPr lang="en-US" dirty="0" err="1"/>
+              <a:t>automatizará</a:t>
+            </a:r>
+            <a:r>
+              <a:rPr lang="en-US" dirty="0"/>
+              <a:t> la </a:t>
+            </a:r>
+            <a:r>
+              <a:rPr lang="en-US" dirty="0" err="1"/>
+              <a:t>lectura</a:t>
+            </a:r>
+            <a:r>
+              <a:rPr lang="en-US" dirty="0"/>
+              <a:t> de </a:t>
+            </a:r>
+            <a:r>
+              <a:rPr lang="en-US" dirty="0" err="1"/>
+              <a:t>los</a:t>
+            </a:r>
+            <a:r>
+              <a:rPr lang="en-US" dirty="0"/>
+              <a:t> </a:t>
+            </a:r>
+            <a:r>
+              <a:rPr lang="en-US" dirty="0" err="1"/>
+              <a:t>datos</a:t>
+            </a:r>
+            <a:r>
+              <a:rPr lang="en-US" dirty="0"/>
+              <a:t> y </a:t>
+            </a:r>
+            <a:r>
+              <a:rPr lang="en-US" dirty="0" err="1"/>
+              <a:t>generación</a:t>
+            </a:r>
+            <a:r>
+              <a:rPr lang="en-US" dirty="0"/>
+              <a:t> de </a:t>
+            </a:r>
+            <a:r>
+              <a:rPr lang="en-US" dirty="0" err="1"/>
+              <a:t>una</a:t>
+            </a:r>
+            <a:r>
+              <a:rPr lang="en-US" dirty="0"/>
+              <a:t> base de </a:t>
+            </a:r>
+            <a:r>
+              <a:rPr lang="en-US" dirty="0" err="1"/>
+              <a:t>datos</a:t>
+            </a:r>
+            <a:r>
+              <a:rPr lang="en-US" dirty="0"/>
+              <a:t> a </a:t>
+            </a:r>
+            <a:r>
+              <a:rPr lang="en-US" dirty="0" err="1"/>
+              <a:t>partir</a:t>
+            </a:r>
+            <a:r>
+              <a:rPr lang="en-US" dirty="0"/>
+              <a:t> de </a:t>
+            </a:r>
+            <a:r>
+              <a:rPr lang="en-US" dirty="0" err="1"/>
+              <a:t>estos</a:t>
+            </a:r>
+            <a:endParaRPr lang="en-US" dirty="0"/>
+          </a:p>
+          <a:p>
+            <a:pPr algn="just"/>
+            <a:endParaRPr lang="en-US" dirty="0"/>
+          </a:p>
+          <a:p>
+            <a:pPr algn="just"/>
             <a:endParaRPr lang="en-US" dirty="0"/>
           </a:p>
         </p:txBody>
@@ -6388,6 +6495,91 @@
     <p:extLst>
       <p:ext uri="{BB962C8B-B14F-4D97-AF65-F5344CB8AC3E}">
         <p14:creationId xmlns:p14="http://schemas.microsoft.com/office/powerpoint/2010/main" val="4033736536"/>
+      </p:ext>
+    </p:extLst>
+  </p:cSld>
+  <p:clrMapOvr>
+    <a:masterClrMapping/>
+  </p:clrMapOvr>
+</p:sld>
+</file>
+
+<file path=ppt/slides/slide14.xml><?xml version="1.0" encoding="utf-8"?>
+<p:sld xmlns:a="http://schemas.openxmlformats.org/drawingml/2006/main" xmlns:r="http://schemas.openxmlformats.org/officeDocument/2006/relationships" xmlns:p="http://schemas.openxmlformats.org/presentationml/2006/main">
+  <p:cSld>
+    <p:spTree>
+      <p:nvGrpSpPr>
+        <p:cNvPr id="1" name=""/>
+        <p:cNvGrpSpPr/>
+        <p:nvPr/>
+      </p:nvGrpSpPr>
+      <p:grpSpPr>
+        <a:xfrm>
+          <a:off x="0" y="0"/>
+          <a:ext cx="0" cy="0"/>
+          <a:chOff x="0" y="0"/>
+          <a:chExt cx="0" cy="0"/>
+        </a:xfrm>
+      </p:grpSpPr>
+      <p:sp>
+        <p:nvSpPr>
+          <p:cNvPr id="2" name="Título 1">
+            <a:extLst>
+              <a:ext uri="{FF2B5EF4-FFF2-40B4-BE49-F238E27FC236}">
+                <a16:creationId xmlns:a16="http://schemas.microsoft.com/office/drawing/2014/main" id="{DADB9051-CFA2-4C58-B217-42FCAB30AF21}"/>
+              </a:ext>
+            </a:extLst>
+          </p:cNvPr>
+          <p:cNvSpPr>
+            <a:spLocks noGrp="1"/>
+          </p:cNvSpPr>
+          <p:nvPr>
+            <p:ph type="title"/>
+          </p:nvPr>
+        </p:nvSpPr>
+        <p:spPr/>
+        <p:txBody>
+          <a:bodyPr>
+            <a:normAutofit fontScale="90000"/>
+          </a:bodyPr>
+          <a:lstStyle/>
+          <a:p>
+            <a:r>
+              <a:rPr lang="es-ES" dirty="0"/>
+              <a:t>8- Casos de uso</a:t>
+            </a:r>
+          </a:p>
+        </p:txBody>
+      </p:sp>
+      <p:sp>
+        <p:nvSpPr>
+          <p:cNvPr id="3" name="Marcador de contenido 2">
+            <a:extLst>
+              <a:ext uri="{FF2B5EF4-FFF2-40B4-BE49-F238E27FC236}">
+                <a16:creationId xmlns:a16="http://schemas.microsoft.com/office/drawing/2014/main" id="{E005AFF3-F10E-4A31-A7D6-7198EC59281B}"/>
+              </a:ext>
+            </a:extLst>
+          </p:cNvPr>
+          <p:cNvSpPr>
+            <a:spLocks noGrp="1"/>
+          </p:cNvSpPr>
+          <p:nvPr>
+            <p:ph idx="1"/>
+          </p:nvPr>
+        </p:nvSpPr>
+        <p:spPr/>
+        <p:txBody>
+          <a:bodyPr/>
+          <a:lstStyle/>
+          <a:p>
+            <a:endParaRPr lang="es-ES"/>
+          </a:p>
+        </p:txBody>
+      </p:sp>
+    </p:spTree>
+    <p:extLst>
+      <p:ext uri="{BB962C8B-B14F-4D97-AF65-F5344CB8AC3E}">
+        <p14:creationId xmlns:p14="http://schemas.microsoft.com/office/powerpoint/2010/main" val="406973091"/>
       </p:ext>
     </p:extLst>
   </p:cSld>
@@ -7211,16 +7403,12 @@
           <a:lstStyle/>
           <a:p>
             <a:r>
+              <a:rPr lang="en-GB" dirty="0"/>
+              <a:t>Proyecto </a:t>
+            </a:r>
+            <a:r>
               <a:rPr lang="en-GB" dirty="0" err="1"/>
-              <a:t>Futuro</a:t>
-            </a:r>
-            <a:r>
-              <a:rPr lang="en-GB" dirty="0"/>
-              <a:t> </a:t>
-            </a:r>
-            <a:r>
-              <a:rPr lang="en-GB" dirty="0" err="1"/>
-              <a:t>desarrollo</a:t>
+              <a:t>completo</a:t>
             </a:r>
             <a:endParaRPr lang="en-GB" dirty="0"/>
           </a:p>
@@ -7299,6 +7487,14 @@
           <a:bodyPr/>
           <a:lstStyle/>
           <a:p>
+            <a:r>
+              <a:rPr lang="en-GB" dirty="0"/>
+              <a:t>Casos de </a:t>
+            </a:r>
+            <a:r>
+              <a:rPr lang="en-GB" dirty="0" err="1"/>
+              <a:t>uso</a:t>
+            </a:r>
             <a:endParaRPr lang="en-GB" dirty="0"/>
           </a:p>
         </p:txBody>
@@ -9269,6 +9465,57 @@
 </file>
 
 <file path=customXml/item1.xml><?xml version="1.0" encoding="utf-8"?>
+<p:properties xmlns:p="http://schemas.microsoft.com/office/2006/metadata/properties" xmlns:xsi="http://www.w3.org/2001/XMLSchema-instance" xmlns:pc="http://schemas.microsoft.com/office/infopath/2007/PartnerControls">
+  <documentManagement>
+    <TaxCatchAll xmlns="6dedcb10-c833-433a-ac85-a71007a78acc">
+      <Value>4</Value>
+      <Value>10</Value>
+      <Value>2</Value>
+      <Value>3</Value>
+    </TaxCatchAll>
+    <Abstract xmlns="51e2b858-bf58-46a2-91b2-3dafa82a619b" xsi:nil="true"/>
+    <neda87fc916d4e679a7e41b9a8103b08 xmlns="51e2b858-bf58-46a2-91b2-3dafa82a619b">
+      <Terms xmlns="http://schemas.microsoft.com/office/infopath/2007/PartnerControls">
+        <TermInfo xmlns="http://schemas.microsoft.com/office/infopath/2007/PartnerControls">
+          <TermName xmlns="http://schemas.microsoft.com/office/infopath/2007/PartnerControls">C - valid</TermName>
+          <TermId xmlns="http://schemas.microsoft.com/office/infopath/2007/PartnerControls">0c95109a-f409-44c4-ba27-12fbc6f76f24</TermId>
+        </TermInfo>
+      </Terms>
+    </neda87fc916d4e679a7e41b9a8103b08>
+    <j1058322525a448cbab87226107f51c4 xmlns="51e2b858-bf58-46a2-91b2-3dafa82a619b">
+      <Terms xmlns="http://schemas.microsoft.com/office/infopath/2007/PartnerControls">
+        <TermInfo xmlns="http://schemas.microsoft.com/office/infopath/2007/PartnerControls">
+          <TermName xmlns="http://schemas.microsoft.com/office/infopath/2007/PartnerControls">Documentation</TermName>
+          <TermId xmlns="http://schemas.microsoft.com/office/infopath/2007/PartnerControls">4374477c-d144-4e1f-bf15-77ba8dc2d6ee</TermId>
+        </TermInfo>
+      </Terms>
+    </j1058322525a448cbab87226107f51c4>
+    <fad0ae6618ec41d8bed90675241c3993 xmlns="51e2b858-bf58-46a2-91b2-3dafa82a619b">
+      <Terms xmlns="http://schemas.microsoft.com/office/infopath/2007/PartnerControls">
+        <TermInfo xmlns="http://schemas.microsoft.com/office/infopath/2007/PartnerControls">
+          <TermName xmlns="http://schemas.microsoft.com/office/infopath/2007/PartnerControls">A - internal</TermName>
+          <TermId xmlns="http://schemas.microsoft.com/office/infopath/2007/PartnerControls">b9f71f92-fb46-4487-9019-025349c14948</TermId>
+        </TermInfo>
+      </Terms>
+    </fad0ae6618ec41d8bed90675241c3993>
+    <ba46f578df2f4cc59a79294d268b0c87 xmlns="51e2b858-bf58-46a2-91b2-3dafa82a619b">
+      <Terms xmlns="http://schemas.microsoft.com/office/infopath/2007/PartnerControls">
+        <TermInfo xmlns="http://schemas.microsoft.com/office/infopath/2007/PartnerControls">
+          <TermName xmlns="http://schemas.microsoft.com/office/infopath/2007/PartnerControls">No solution</TermName>
+          <TermId xmlns="http://schemas.microsoft.com/office/infopath/2007/PartnerControls">227ba552-7fd7-40d5-abf3-76f160b7a704</TermId>
+        </TermInfo>
+      </Terms>
+    </ba46f578df2f4cc59a79294d268b0c87>
+    <_dlc_DocId xmlns="6dedcb10-c833-433a-ac85-a71007a78acc">KJNT26DDK5R3-2073477213-2081</_dlc_DocId>
+    <_dlc_DocIdUrl xmlns="6dedcb10-c833-433a-ac85-a71007a78acc">
+      <Url>https://tecalliance.sharepoint.com/sites/TA_Templates/_layouts/15/DocIdRedir.aspx?ID=KJNT26DDK5R3-2073477213-2081</Url>
+      <Description>KJNT26DDK5R3-2073477213-2081</Description>
+    </_dlc_DocIdUrl>
+  </documentManagement>
+</p:properties>
+</file>
+
+<file path=customXml/item2.xml><?xml version="1.0" encoding="utf-8"?>
 <?mso-contentType ?>
 <FormTemplates xmlns="http://schemas.microsoft.com/sharepoint/v3/contenttype/forms">
   <Display>DocumentLibraryForm</Display>
@@ -9277,7 +9524,7 @@
 </FormTemplates>
 </file>
 
-<file path=customXml/item2.xml><?xml version="1.0" encoding="utf-8"?>
+<file path=customXml/item3.xml><?xml version="1.0" encoding="utf-8"?>
 <?mso-contentType ?>
 <spe:Receivers xmlns:spe="http://schemas.microsoft.com/sharepoint/events">
   <Receiver>
@@ -9327,7 +9574,7 @@
 </spe:Receivers>
 </file>
 
-<file path=customXml/item3.xml><?xml version="1.0" encoding="utf-8"?>
+<file path=customXml/item4.xml><?xml version="1.0" encoding="utf-8"?>
 <ct:contentTypeSchema xmlns:ct="http://schemas.microsoft.com/office/2006/metadata/contentType" xmlns:ma="http://schemas.microsoft.com/office/2006/metadata/properties/metaAttributes" ct:_="" ma:_="" ma:contentTypeName="Document" ma:contentTypeID="0x010100CCD2CB7645A6664EBA7D2C1B319298D9" ma:contentTypeVersion="20" ma:contentTypeDescription="Create a new document." ma:contentTypeScope="" ma:versionID="1b89333854ece0126e4211b82251641e">
   <xsd:schema xmlns:xsd="http://www.w3.org/2001/XMLSchema" xmlns:xs="http://www.w3.org/2001/XMLSchema" xmlns:p="http://schemas.microsoft.com/office/2006/metadata/properties" xmlns:ns2="6dedcb10-c833-433a-ac85-a71007a78acc" xmlns:ns3="51e2b858-bf58-46a2-91b2-3dafa82a619b" targetNamespace="http://schemas.microsoft.com/office/2006/metadata/properties" ma:root="true" ma:fieldsID="ff5f21df02492c208f9b75ad1252c953" ns2:_="" ns3:_="">
     <xsd:import namespace="6dedcb10-c833-433a-ac85-a71007a78acc"/>
@@ -9607,58 +9854,26 @@
 </ct:contentTypeSchema>
 </file>
 
-<file path=customXml/item4.xml><?xml version="1.0" encoding="utf-8"?>
-<p:properties xmlns:p="http://schemas.microsoft.com/office/2006/metadata/properties" xmlns:xsi="http://www.w3.org/2001/XMLSchema-instance" xmlns:pc="http://schemas.microsoft.com/office/infopath/2007/PartnerControls">
-  <documentManagement>
-    <TaxCatchAll xmlns="6dedcb10-c833-433a-ac85-a71007a78acc">
-      <Value>4</Value>
-      <Value>10</Value>
-      <Value>2</Value>
-      <Value>3</Value>
-    </TaxCatchAll>
-    <Abstract xmlns="51e2b858-bf58-46a2-91b2-3dafa82a619b" xsi:nil="true"/>
-    <neda87fc916d4e679a7e41b9a8103b08 xmlns="51e2b858-bf58-46a2-91b2-3dafa82a619b">
-      <Terms xmlns="http://schemas.microsoft.com/office/infopath/2007/PartnerControls">
-        <TermInfo xmlns="http://schemas.microsoft.com/office/infopath/2007/PartnerControls">
-          <TermName xmlns="http://schemas.microsoft.com/office/infopath/2007/PartnerControls">C - valid</TermName>
-          <TermId xmlns="http://schemas.microsoft.com/office/infopath/2007/PartnerControls">0c95109a-f409-44c4-ba27-12fbc6f76f24</TermId>
-        </TermInfo>
-      </Terms>
-    </neda87fc916d4e679a7e41b9a8103b08>
-    <j1058322525a448cbab87226107f51c4 xmlns="51e2b858-bf58-46a2-91b2-3dafa82a619b">
-      <Terms xmlns="http://schemas.microsoft.com/office/infopath/2007/PartnerControls">
-        <TermInfo xmlns="http://schemas.microsoft.com/office/infopath/2007/PartnerControls">
-          <TermName xmlns="http://schemas.microsoft.com/office/infopath/2007/PartnerControls">Documentation</TermName>
-          <TermId xmlns="http://schemas.microsoft.com/office/infopath/2007/PartnerControls">4374477c-d144-4e1f-bf15-77ba8dc2d6ee</TermId>
-        </TermInfo>
-      </Terms>
-    </j1058322525a448cbab87226107f51c4>
-    <fad0ae6618ec41d8bed90675241c3993 xmlns="51e2b858-bf58-46a2-91b2-3dafa82a619b">
-      <Terms xmlns="http://schemas.microsoft.com/office/infopath/2007/PartnerControls">
-        <TermInfo xmlns="http://schemas.microsoft.com/office/infopath/2007/PartnerControls">
-          <TermName xmlns="http://schemas.microsoft.com/office/infopath/2007/PartnerControls">A - internal</TermName>
-          <TermId xmlns="http://schemas.microsoft.com/office/infopath/2007/PartnerControls">b9f71f92-fb46-4487-9019-025349c14948</TermId>
-        </TermInfo>
-      </Terms>
-    </fad0ae6618ec41d8bed90675241c3993>
-    <ba46f578df2f4cc59a79294d268b0c87 xmlns="51e2b858-bf58-46a2-91b2-3dafa82a619b">
-      <Terms xmlns="http://schemas.microsoft.com/office/infopath/2007/PartnerControls">
-        <TermInfo xmlns="http://schemas.microsoft.com/office/infopath/2007/PartnerControls">
-          <TermName xmlns="http://schemas.microsoft.com/office/infopath/2007/PartnerControls">No solution</TermName>
-          <TermId xmlns="http://schemas.microsoft.com/office/infopath/2007/PartnerControls">227ba552-7fd7-40d5-abf3-76f160b7a704</TermId>
-        </TermInfo>
-      </Terms>
-    </ba46f578df2f4cc59a79294d268b0c87>
-    <_dlc_DocId xmlns="6dedcb10-c833-433a-ac85-a71007a78acc">KJNT26DDK5R3-2073477213-2081</_dlc_DocId>
-    <_dlc_DocIdUrl xmlns="6dedcb10-c833-433a-ac85-a71007a78acc">
-      <Url>https://tecalliance.sharepoint.com/sites/TA_Templates/_layouts/15/DocIdRedir.aspx?ID=KJNT26DDK5R3-2073477213-2081</Url>
-      <Description>KJNT26DDK5R3-2073477213-2081</Description>
-    </_dlc_DocIdUrl>
-  </documentManagement>
-</p:properties>
+<file path=customXml/itemProps1.xml><?xml version="1.0" encoding="utf-8"?>
+<ds:datastoreItem xmlns:ds="http://schemas.openxmlformats.org/officeDocument/2006/customXml" ds:itemID="{7949718B-A5E5-46E7-AFC7-B9ECBEAA9285}">
+  <ds:schemaRefs>
+    <ds:schemaRef ds:uri="http://schemas.microsoft.com/office/2006/metadata/properties"/>
+    <ds:schemaRef ds:uri="395926fc-aba2-4e43-93d3-293d49ac187c"/>
+    <ds:schemaRef ds:uri="http://schemas.microsoft.com/office/2006/documentManagement/types"/>
+    <ds:schemaRef ds:uri="http://purl.org/dc/elements/1.1/"/>
+    <ds:schemaRef ds:uri="http://purl.org/dc/terms/"/>
+    <ds:schemaRef ds:uri="http://purl.org/dc/dcmitype/"/>
+    <ds:schemaRef ds:uri="http://www.w3.org/XML/1998/namespace"/>
+    <ds:schemaRef ds:uri="http://schemas.microsoft.com/office/infopath/2007/PartnerControls"/>
+    <ds:schemaRef ds:uri="http://schemas.openxmlformats.org/package/2006/metadata/core-properties"/>
+    <ds:schemaRef ds:uri="8abda921-aac1-49ce-9133-db7eff363c36"/>
+    <ds:schemaRef ds:uri="6dedcb10-c833-433a-ac85-a71007a78acc"/>
+    <ds:schemaRef ds:uri="51e2b858-bf58-46a2-91b2-3dafa82a619b"/>
+  </ds:schemaRefs>
+</ds:datastoreItem>
 </file>
 
-<file path=customXml/itemProps1.xml><?xml version="1.0" encoding="utf-8"?>
+<file path=customXml/itemProps2.xml><?xml version="1.0" encoding="utf-8"?>
 <ds:datastoreItem xmlns:ds="http://schemas.openxmlformats.org/officeDocument/2006/customXml" ds:itemID="{FA16A6F6-BA94-4BC1-82EC-740C029F7F2E}">
   <ds:schemaRefs>
     <ds:schemaRef ds:uri="http://schemas.microsoft.com/sharepoint/v3/contenttype/forms"/>
@@ -9666,7 +9881,7 @@
 </ds:datastoreItem>
 </file>
 
-<file path=customXml/itemProps2.xml><?xml version="1.0" encoding="utf-8"?>
+<file path=customXml/itemProps3.xml><?xml version="1.0" encoding="utf-8"?>
 <ds:datastoreItem xmlns:ds="http://schemas.openxmlformats.org/officeDocument/2006/customXml" ds:itemID="{C2D3F007-E527-40F2-825C-916613B331EC}">
   <ds:schemaRefs>
     <ds:schemaRef ds:uri="http://schemas.microsoft.com/sharepoint/events"/>
@@ -9674,7 +9889,7 @@
 </ds:datastoreItem>
 </file>
 
-<file path=customXml/itemProps3.xml><?xml version="1.0" encoding="utf-8"?>
+<file path=customXml/itemProps4.xml><?xml version="1.0" encoding="utf-8"?>
 <ds:datastoreItem xmlns:ds="http://schemas.openxmlformats.org/officeDocument/2006/customXml" ds:itemID="{DB98A7B3-6CBB-482F-883D-79C2A86A89A9}">
   <ds:schemaRefs>
     <ds:schemaRef ds:uri="http://schemas.microsoft.com/office/2006/metadata/contentType"/>
@@ -9691,23 +9906,4 @@
     <ds:schemaRef ds:uri="http://schemas.microsoft.com/internal/obd"/>
   </ds:schemaRefs>
 </ds:datastoreItem>
-</file>
-
-<file path=customXml/itemProps4.xml><?xml version="1.0" encoding="utf-8"?>
-<ds:datastoreItem xmlns:ds="http://schemas.openxmlformats.org/officeDocument/2006/customXml" ds:itemID="{7949718B-A5E5-46E7-AFC7-B9ECBEAA9285}">
-  <ds:schemaRefs>
-    <ds:schemaRef ds:uri="http://schemas.microsoft.com/office/2006/metadata/properties"/>
-    <ds:schemaRef ds:uri="395926fc-aba2-4e43-93d3-293d49ac187c"/>
-    <ds:schemaRef ds:uri="http://schemas.microsoft.com/office/2006/documentManagement/types"/>
-    <ds:schemaRef ds:uri="http://purl.org/dc/elements/1.1/"/>
-    <ds:schemaRef ds:uri="http://purl.org/dc/terms/"/>
-    <ds:schemaRef ds:uri="http://purl.org/dc/dcmitype/"/>
-    <ds:schemaRef ds:uri="http://www.w3.org/XML/1998/namespace"/>
-    <ds:schemaRef ds:uri="http://schemas.microsoft.com/office/infopath/2007/PartnerControls"/>
-    <ds:schemaRef ds:uri="http://schemas.openxmlformats.org/package/2006/metadata/core-properties"/>
-    <ds:schemaRef ds:uri="8abda921-aac1-49ce-9133-db7eff363c36"/>
-    <ds:schemaRef ds:uri="6dedcb10-c833-433a-ac85-a71007a78acc"/>
-    <ds:schemaRef ds:uri="51e2b858-bf58-46a2-91b2-3dafa82a619b"/>
-  </ds:schemaRefs>
-</ds:datastoreItem>
 </file>
--- a/IniciacionDePracticasExternas.pptx
+++ b/IniciacionDePracticasExternas.pptx
@@ -5,7 +5,7 @@
     <p:sldMasterId id="2147483648" r:id="rId5"/>
   </p:sldMasterIdLst>
   <p:handoutMasterIdLst>
-    <p:handoutMasterId r:id="rId20"/>
+    <p:handoutMasterId r:id="rId22"/>
   </p:handoutMasterIdLst>
   <p:sldIdLst>
     <p:sldId id="256" r:id="rId6"/>
@@ -22,6 +22,8 @@
     <p:sldId id="284" r:id="rId17"/>
     <p:sldId id="287" r:id="rId18"/>
     <p:sldId id="288" r:id="rId19"/>
+    <p:sldId id="289" r:id="rId20"/>
+    <p:sldId id="290" r:id="rId21"/>
   </p:sldIdLst>
   <p:sldSz cx="12192000" cy="6858000"/>
   <p:notesSz cx="6858000" cy="9144000"/>
@@ -273,7 +275,7 @@
           <a:p>
             <a:fld id="{D18408C4-2C7F-214C-83E2-CEB72601B4F7}" type="slidenum">
               <a:rPr lang="en-DE" smtClean="0"/>
-              <a:t>‹Nº›</a:t>
+              <a:t>‹#›</a:t>
             </a:fld>
             <a:endParaRPr lang="en-DE"/>
           </a:p>
@@ -6336,14 +6338,14 @@
             <a:pPr algn="just"/>
             <a:r>
               <a:rPr lang="es-ES" dirty="0"/>
-              <a:t>Seguidamente a este primer contacto con las tecnologías, se plantea hacer una aplicación web para controlar un servicio de renting para una empresa. </a:t>
+              <a:t>Seguidamente a este primer contacto con las tecnologías, se plantea hacer una aplicación web completas. Esta tendrá una temática concreta, un servicio de renting para una empresa. </a:t>
             </a:r>
           </a:p>
           <a:p>
             <a:pPr algn="just"/>
             <a:r>
               <a:rPr lang="es-ES" dirty="0"/>
-              <a:t>Se planea que un usuario administrador ponga de oferta de renting coches que estén registrados en la DGT. Por ello, la base de datos tendrá que contemplar la implementación de una base de datos importada de una página oficial de la DGT</a:t>
+              <a:t>Se planea que un usuario administrador ponga de oferta de renting coches que estén registrados en la DGT. Por ello, la base de datos tendrá que contemplar la implementación de todos los datos importados de la página oficial de la DGT</a:t>
             </a:r>
             <a:r>
               <a:rPr lang="en-US" dirty="0"/>
@@ -6378,11 +6380,91 @@
             </a:r>
             <a:r>
               <a:rPr lang="en-US" dirty="0"/>
+              <a:t> de los </a:t>
+            </a:r>
+            <a:r>
+              <a:rPr lang="en-US" dirty="0" err="1"/>
+              <a:t>datos</a:t>
+            </a:r>
+            <a:r>
+              <a:rPr lang="en-US" dirty="0"/>
+              <a:t> y </a:t>
+            </a:r>
+            <a:r>
+              <a:rPr lang="en-US" dirty="0" err="1"/>
+              <a:t>generación</a:t>
+            </a:r>
+            <a:r>
+              <a:rPr lang="en-US" dirty="0"/>
+              <a:t> de una base de </a:t>
+            </a:r>
+            <a:r>
+              <a:rPr lang="en-US" dirty="0" err="1"/>
+              <a:t>datos</a:t>
+            </a:r>
+            <a:r>
+              <a:rPr lang="en-US" dirty="0"/>
+              <a:t> a </a:t>
+            </a:r>
+            <a:r>
+              <a:rPr lang="en-US" dirty="0" err="1"/>
+              <a:t>partir</a:t>
+            </a:r>
+            <a:r>
+              <a:rPr lang="en-US" dirty="0"/>
+              <a:t> de un </a:t>
+            </a:r>
+            <a:r>
+              <a:rPr lang="en-US" dirty="0" err="1"/>
+              <a:t>fichero</a:t>
+            </a:r>
+            <a:r>
+              <a:rPr lang="en-US" dirty="0"/>
+              <a:t> XML que </a:t>
+            </a:r>
+            <a:r>
+              <a:rPr lang="en-US" dirty="0" err="1"/>
+              <a:t>especifica</a:t>
+            </a:r>
+            <a:r>
+              <a:rPr lang="en-US" dirty="0"/>
+              <a:t> los </a:t>
+            </a:r>
+            <a:r>
+              <a:rPr lang="en-US" dirty="0" err="1"/>
+              <a:t>archivos</a:t>
+            </a:r>
+            <a:r>
+              <a:rPr lang="en-US" dirty="0"/>
               <a:t> de </a:t>
             </a:r>
             <a:r>
               <a:rPr lang="en-US" dirty="0" err="1"/>
-              <a:t>los</a:t>
+              <a:t>descarga</a:t>
+            </a:r>
+            <a:r>
+              <a:rPr lang="en-US" dirty="0"/>
+              <a:t> de </a:t>
+            </a:r>
+            <a:r>
+              <a:rPr lang="en-US" dirty="0" err="1"/>
+              <a:t>comprimidos</a:t>
+            </a:r>
+            <a:r>
+              <a:rPr lang="en-US" dirty="0"/>
+              <a:t> de </a:t>
+            </a:r>
+            <a:r>
+              <a:rPr lang="en-US" dirty="0" err="1"/>
+              <a:t>datos</a:t>
+            </a:r>
+            <a:r>
+              <a:rPr lang="en-US" dirty="0"/>
+              <a:t>. Para </a:t>
+            </a:r>
+            <a:r>
+              <a:rPr lang="en-US" dirty="0" err="1"/>
+              <a:t>esta</a:t>
             </a:r>
             <a:r>
               <a:rPr lang="en-US" dirty="0"/>
@@ -6390,49 +6472,46 @@
             </a:r>
             <a:r>
               <a:rPr lang="en-US" dirty="0" err="1"/>
-              <a:t>datos</a:t>
+              <a:t>tarea</a:t>
             </a:r>
             <a:r>
               <a:rPr lang="en-US" dirty="0"/>
-              <a:t> y </a:t>
+              <a:t>, se </a:t>
             </a:r>
             <a:r>
               <a:rPr lang="en-US" dirty="0" err="1"/>
-              <a:t>generación</a:t>
+              <a:t>utilizará</a:t>
             </a:r>
             <a:r>
               <a:rPr lang="en-US" dirty="0"/>
-              <a:t> de </a:t>
+              <a:t> </a:t>
             </a:r>
             <a:r>
               <a:rPr lang="en-US" dirty="0" err="1"/>
-              <a:t>una</a:t>
+              <a:t>el</a:t>
             </a:r>
             <a:r>
               <a:rPr lang="en-US" dirty="0"/>
-              <a:t> base de </a:t>
+              <a:t> </a:t>
             </a:r>
             <a:r>
               <a:rPr lang="en-US" dirty="0" err="1"/>
-              <a:t>datos</a:t>
+              <a:t>proceso</a:t>
             </a:r>
             <a:r>
               <a:rPr lang="en-US" dirty="0"/>
-              <a:t> a </a:t>
-            </a:r>
-            <a:r>
-              <a:rPr lang="en-US" dirty="0" err="1"/>
-              <a:t>partir</a:t>
+              <a:t> </a:t>
+            </a:r>
+            <a:r>
+              <a:rPr lang="en-US" dirty="0">
+                <a:hlinkClick r:id="rId2"/>
+              </a:rPr>
+              <a:t>ETL</a:t>
             </a:r>
             <a:r>
               <a:rPr lang="en-US" dirty="0"/>
-              <a:t> de </a:t>
-            </a:r>
-            <a:r>
-              <a:rPr lang="en-US" dirty="0" err="1"/>
-              <a:t>estos</a:t>
-            </a:r>
-            <a:endParaRPr lang="en-US" dirty="0"/>
+              <a:t>(Extract, Transform, Load).</a:t>
+            </a:r>
           </a:p>
           <a:p>
             <a:pPr algn="just"/>
@@ -6459,7 +6538,7 @@
           <p:nvPr/>
         </p:nvPicPr>
         <p:blipFill>
-          <a:blip r:embed="rId2">
+          <a:blip r:embed="rId3">
             <a:extLst>
               <a:ext uri="{28A0092B-C50C-407E-A947-70E740481C1C}">
                 <a14:useLocalDpi xmlns:a14="http://schemas.microsoft.com/office/drawing/2010/main" val="0"/>
@@ -6572,7 +6651,98 @@
           <a:bodyPr/>
           <a:lstStyle/>
           <a:p>
-            <a:endParaRPr lang="es-ES"/>
+            <a:r>
+              <a:rPr lang="es-ES" dirty="0"/>
+              <a:t>Se ha diseñado un diagrama de casos de uso en </a:t>
+            </a:r>
+            <a:r>
+              <a:rPr lang="es-ES" dirty="0">
+                <a:hlinkClick r:id="rId2"/>
+              </a:rPr>
+              <a:t>draw.io</a:t>
+            </a:r>
+            <a:r>
+              <a:rPr lang="es-ES" dirty="0"/>
+              <a:t> para cubrir todas las acciones que puedan llegar a hacer los usuarios:</a:t>
+            </a:r>
+          </a:p>
+          <a:p>
+            <a:pPr lvl="1"/>
+            <a:r>
+              <a:rPr lang="es-ES" dirty="0"/>
+              <a:t>Como usuario cliente:</a:t>
+            </a:r>
+          </a:p>
+          <a:p>
+            <a:pPr lvl="2"/>
+            <a:r>
+              <a:rPr lang="es-ES" dirty="0"/>
+              <a:t>Puedo iniciar sesión con mi perfil</a:t>
+            </a:r>
+          </a:p>
+          <a:p>
+            <a:pPr lvl="2"/>
+            <a:r>
+              <a:rPr lang="es-ES" dirty="0"/>
+              <a:t>Puedo registrarme en la página</a:t>
+            </a:r>
+          </a:p>
+          <a:p>
+            <a:pPr lvl="2"/>
+            <a:r>
+              <a:rPr lang="es-ES" dirty="0"/>
+              <a:t>Puedo ver una pantalla de bienvenida con coches en oferta de alquiler</a:t>
+            </a:r>
+          </a:p>
+          <a:p>
+            <a:pPr lvl="2"/>
+            <a:r>
+              <a:rPr lang="es-ES" dirty="0"/>
+              <a:t>Puedo ver más información sobre un coche concreto</a:t>
+            </a:r>
+          </a:p>
+          <a:p>
+            <a:pPr lvl="2"/>
+            <a:r>
+              <a:rPr lang="es-ES" dirty="0"/>
+              <a:t>Puedo añadir un coche en concreto a mi lista de alquiler</a:t>
+            </a:r>
+          </a:p>
+          <a:p>
+            <a:pPr lvl="2"/>
+            <a:r>
+              <a:rPr lang="es-ES" dirty="0"/>
+              <a:t>Puedo modificar un coche en concreto de mi lista de alquiler</a:t>
+            </a:r>
+          </a:p>
+          <a:p>
+            <a:pPr lvl="2"/>
+            <a:r>
+              <a:rPr lang="es-ES" dirty="0"/>
+              <a:t>Puedo eliminar un coche en concreto de mi lista de alquiler</a:t>
+            </a:r>
+          </a:p>
+          <a:p>
+            <a:pPr lvl="2"/>
+            <a:r>
+              <a:rPr lang="es-ES" dirty="0"/>
+              <a:t>Puedo buscar un coche en concreto disponible para alquilar</a:t>
+            </a:r>
+          </a:p>
+          <a:p>
+            <a:pPr lvl="2"/>
+            <a:r>
+              <a:rPr lang="es-ES" dirty="0"/>
+              <a:t>Puedo ver mi lista de coches en alquiler</a:t>
+            </a:r>
+          </a:p>
+          <a:p>
+            <a:pPr lvl="2"/>
+            <a:endParaRPr lang="es-ES" dirty="0"/>
+          </a:p>
+          <a:p>
+            <a:pPr lvl="2"/>
+            <a:endParaRPr lang="es-ES" dirty="0"/>
           </a:p>
         </p:txBody>
       </p:sp>
@@ -6580,6 +6750,268 @@
     <p:extLst>
       <p:ext uri="{BB962C8B-B14F-4D97-AF65-F5344CB8AC3E}">
         <p14:creationId xmlns:p14="http://schemas.microsoft.com/office/powerpoint/2010/main" val="406973091"/>
+      </p:ext>
+    </p:extLst>
+  </p:cSld>
+  <p:clrMapOvr>
+    <a:masterClrMapping/>
+  </p:clrMapOvr>
+</p:sld>
+</file>
+
+<file path=ppt/slides/slide15.xml><?xml version="1.0" encoding="utf-8"?>
+<p:sld xmlns:a="http://schemas.openxmlformats.org/drawingml/2006/main" xmlns:r="http://schemas.openxmlformats.org/officeDocument/2006/relationships" xmlns:p="http://schemas.openxmlformats.org/presentationml/2006/main">
+  <p:cSld>
+    <p:spTree>
+      <p:nvGrpSpPr>
+        <p:cNvPr id="1" name=""/>
+        <p:cNvGrpSpPr/>
+        <p:nvPr/>
+      </p:nvGrpSpPr>
+      <p:grpSpPr>
+        <a:xfrm>
+          <a:off x="0" y="0"/>
+          <a:ext cx="0" cy="0"/>
+          <a:chOff x="0" y="0"/>
+          <a:chExt cx="0" cy="0"/>
+        </a:xfrm>
+      </p:grpSpPr>
+      <p:sp>
+        <p:nvSpPr>
+          <p:cNvPr id="2" name="Título 1">
+            <a:extLst>
+              <a:ext uri="{FF2B5EF4-FFF2-40B4-BE49-F238E27FC236}">
+                <a16:creationId xmlns:a16="http://schemas.microsoft.com/office/drawing/2014/main" id="{DADB9051-CFA2-4C58-B217-42FCAB30AF21}"/>
+              </a:ext>
+            </a:extLst>
+          </p:cNvPr>
+          <p:cNvSpPr>
+            <a:spLocks noGrp="1"/>
+          </p:cNvSpPr>
+          <p:nvPr>
+            <p:ph type="title"/>
+          </p:nvPr>
+        </p:nvSpPr>
+        <p:spPr/>
+        <p:txBody>
+          <a:bodyPr>
+            <a:normAutofit fontScale="90000"/>
+          </a:bodyPr>
+          <a:lstStyle/>
+          <a:p>
+            <a:r>
+              <a:rPr lang="es-ES" dirty="0"/>
+              <a:t>8- Casos de uso</a:t>
+            </a:r>
+          </a:p>
+        </p:txBody>
+      </p:sp>
+      <p:sp>
+        <p:nvSpPr>
+          <p:cNvPr id="3" name="Marcador de contenido 2">
+            <a:extLst>
+              <a:ext uri="{FF2B5EF4-FFF2-40B4-BE49-F238E27FC236}">
+                <a16:creationId xmlns:a16="http://schemas.microsoft.com/office/drawing/2014/main" id="{E005AFF3-F10E-4A31-A7D6-7198EC59281B}"/>
+              </a:ext>
+            </a:extLst>
+          </p:cNvPr>
+          <p:cNvSpPr>
+            <a:spLocks noGrp="1"/>
+          </p:cNvSpPr>
+          <p:nvPr>
+            <p:ph idx="1"/>
+          </p:nvPr>
+        </p:nvSpPr>
+        <p:spPr/>
+        <p:txBody>
+          <a:bodyPr/>
+          <a:lstStyle/>
+          <a:p>
+            <a:pPr lvl="1"/>
+            <a:r>
+              <a:rPr lang="es-ES" dirty="0"/>
+              <a:t>Como usuario administrador:</a:t>
+            </a:r>
+          </a:p>
+          <a:p>
+            <a:pPr lvl="2"/>
+            <a:r>
+              <a:rPr lang="es-ES" dirty="0"/>
+              <a:t>Puedo iniciar sesión con mi perfil</a:t>
+            </a:r>
+          </a:p>
+          <a:p>
+            <a:pPr lvl="2"/>
+            <a:r>
+              <a:rPr lang="es-ES" dirty="0"/>
+              <a:t>Puedo ver una pantalla de bienvenida con coches en oferta de alquiler</a:t>
+            </a:r>
+          </a:p>
+          <a:p>
+            <a:pPr lvl="2"/>
+            <a:r>
+              <a:rPr lang="es-ES" dirty="0"/>
+              <a:t>Puedo ver más información sobre un coche concreto</a:t>
+            </a:r>
+          </a:p>
+          <a:p>
+            <a:pPr lvl="2"/>
+            <a:r>
+              <a:rPr lang="es-ES" dirty="0"/>
+              <a:t>Puedo añadir un coche en concreto a la lista general de coches en alquiler</a:t>
+            </a:r>
+          </a:p>
+          <a:p>
+            <a:pPr lvl="2"/>
+            <a:r>
+              <a:rPr lang="es-ES" dirty="0"/>
+              <a:t>Puedo modificar un coche en concreto en la lista general de coches en alquiler</a:t>
+            </a:r>
+          </a:p>
+          <a:p>
+            <a:pPr lvl="2"/>
+            <a:r>
+              <a:rPr lang="es-ES" dirty="0"/>
+              <a:t>Puedo eliminar un coche en concreto en la lista general de coches en alquiler </a:t>
+            </a:r>
+          </a:p>
+          <a:p>
+            <a:pPr lvl="2"/>
+            <a:r>
+              <a:rPr lang="es-ES" dirty="0"/>
+              <a:t>Puedo buscar un coche en concreto disponible para alquilar</a:t>
+            </a:r>
+          </a:p>
+          <a:p>
+            <a:pPr lvl="2"/>
+            <a:r>
+              <a:rPr lang="es-ES" dirty="0"/>
+              <a:t>Puedo ver todos los usuarios registrados</a:t>
+            </a:r>
+          </a:p>
+          <a:p>
+            <a:pPr lvl="2"/>
+            <a:r>
+              <a:rPr lang="es-ES" dirty="0"/>
+              <a:t>Puedo ver todos los perfiles de usuario</a:t>
+            </a:r>
+          </a:p>
+          <a:p>
+            <a:pPr marL="914400" lvl="2" indent="0">
+              <a:buNone/>
+            </a:pPr>
+            <a:endParaRPr lang="es-ES" dirty="0"/>
+          </a:p>
+          <a:p>
+            <a:pPr lvl="2"/>
+            <a:endParaRPr lang="es-ES" dirty="0"/>
+          </a:p>
+          <a:p>
+            <a:pPr lvl="2"/>
+            <a:endParaRPr lang="es-ES" dirty="0"/>
+          </a:p>
+        </p:txBody>
+      </p:sp>
+    </p:spTree>
+    <p:extLst>
+      <p:ext uri="{BB962C8B-B14F-4D97-AF65-F5344CB8AC3E}">
+        <p14:creationId xmlns:p14="http://schemas.microsoft.com/office/powerpoint/2010/main" val="1601533620"/>
+      </p:ext>
+    </p:extLst>
+  </p:cSld>
+  <p:clrMapOvr>
+    <a:masterClrMapping/>
+  </p:clrMapOvr>
+</p:sld>
+</file>
+
+<file path=ppt/slides/slide16.xml><?xml version="1.0" encoding="utf-8"?>
+<p:sld xmlns:a="http://schemas.openxmlformats.org/drawingml/2006/main" xmlns:r="http://schemas.openxmlformats.org/officeDocument/2006/relationships" xmlns:p="http://schemas.openxmlformats.org/presentationml/2006/main">
+  <p:cSld>
+    <p:spTree>
+      <p:nvGrpSpPr>
+        <p:cNvPr id="1" name=""/>
+        <p:cNvGrpSpPr/>
+        <p:nvPr/>
+      </p:nvGrpSpPr>
+      <p:grpSpPr>
+        <a:xfrm>
+          <a:off x="0" y="0"/>
+          <a:ext cx="0" cy="0"/>
+          <a:chOff x="0" y="0"/>
+          <a:chExt cx="0" cy="0"/>
+        </a:xfrm>
+      </p:grpSpPr>
+      <p:sp>
+        <p:nvSpPr>
+          <p:cNvPr id="2" name="Título 1">
+            <a:extLst>
+              <a:ext uri="{FF2B5EF4-FFF2-40B4-BE49-F238E27FC236}">
+                <a16:creationId xmlns:a16="http://schemas.microsoft.com/office/drawing/2014/main" id="{DADB9051-CFA2-4C58-B217-42FCAB30AF21}"/>
+              </a:ext>
+            </a:extLst>
+          </p:cNvPr>
+          <p:cNvSpPr>
+            <a:spLocks noGrp="1"/>
+          </p:cNvSpPr>
+          <p:nvPr>
+            <p:ph type="title"/>
+          </p:nvPr>
+        </p:nvSpPr>
+        <p:spPr/>
+        <p:txBody>
+          <a:bodyPr>
+            <a:normAutofit fontScale="90000"/>
+          </a:bodyPr>
+          <a:lstStyle/>
+          <a:p>
+            <a:r>
+              <a:rPr lang="es-ES" dirty="0"/>
+              <a:t>8- Casos de uso</a:t>
+            </a:r>
+          </a:p>
+        </p:txBody>
+      </p:sp>
+      <p:pic>
+        <p:nvPicPr>
+          <p:cNvPr id="7" name="Picture 6" descr="Diagram&#10;&#10;Description automatically generated">
+            <a:extLst>
+              <a:ext uri="{FF2B5EF4-FFF2-40B4-BE49-F238E27FC236}">
+                <a16:creationId xmlns:a16="http://schemas.microsoft.com/office/drawing/2014/main" id="{53594F7B-CBA5-4D61-B79D-FB5AA83A1B04}"/>
+              </a:ext>
+            </a:extLst>
+          </p:cNvPr>
+          <p:cNvPicPr>
+            <a:picLocks noChangeAspect="1"/>
+          </p:cNvPicPr>
+          <p:nvPr/>
+        </p:nvPicPr>
+        <p:blipFill>
+          <a:blip r:embed="rId2">
+            <a:extLst>
+              <a:ext uri="{28A0092B-C50C-407E-A947-70E740481C1C}">
+                <a14:useLocalDpi xmlns:a14="http://schemas.microsoft.com/office/drawing/2010/main" val="0"/>
+              </a:ext>
+            </a:extLst>
+          </a:blip>
+          <a:stretch>
+            <a:fillRect/>
+          </a:stretch>
+        </p:blipFill>
+        <p:spPr>
+          <a:xfrm>
+            <a:off x="3819620" y="529817"/>
+            <a:ext cx="5080540" cy="6079739"/>
+          </a:xfrm>
+          <a:prstGeom prst="rect">
+            <a:avLst/>
+          </a:prstGeom>
+        </p:spPr>
+      </p:pic>
+    </p:spTree>
+    <p:extLst>
+      <p:ext uri="{BB962C8B-B14F-4D97-AF65-F5344CB8AC3E}">
+        <p14:creationId xmlns:p14="http://schemas.microsoft.com/office/powerpoint/2010/main" val="216390767"/>
       </p:ext>
     </p:extLst>
   </p:cSld>
@@ -6696,6 +7128,13 @@
             <a:r>
               <a:rPr lang="es-ES" dirty="0"/>
               <a:t>Usuario administrador.</a:t>
+            </a:r>
+          </a:p>
+          <a:p>
+            <a:pPr algn="just"/>
+            <a:r>
+              <a:rPr lang="es-ES" dirty="0"/>
+              <a:t>Antes de comenzar el proyecto completo, se trabajará con las tecnologías que se van a utilizar con el objetivo de llevar un aprendizaje sencillo de estas.</a:t>
             </a:r>
           </a:p>
         </p:txBody>
@@ -7908,7 +8347,23 @@
             </a:r>
             <a:r>
               <a:rPr lang="es-ES" dirty="0"/>
-              <a:t> en el proyecto. Esta es una herramienta de documentación que, al acceder a una ruta previamente configurada, muestra todas aquellas peticiones que puede atender nuestra API.</a:t>
+              <a:t> en el proyecto. Esta es una herramienta de documentación que, al acceder a una ruta previamente configurada (localhost:[</a:t>
+            </a:r>
+            <a:r>
+              <a:rPr lang="es-ES" dirty="0" err="1"/>
+              <a:t>port</a:t>
+            </a:r>
+            <a:r>
+              <a:rPr lang="es-ES" dirty="0"/>
+              <a:t>]/</a:t>
+            </a:r>
+            <a:r>
+              <a:rPr lang="es-ES" dirty="0" err="1"/>
+              <a:t>swagger</a:t>
+            </a:r>
+            <a:r>
+              <a:rPr lang="es-ES" dirty="0"/>
+              <a:t>), muestra todas aquellas peticiones que puede atender nuestra API.</a:t>
             </a:r>
           </a:p>
           <a:p>
@@ -8337,7 +8792,7 @@
             </a:r>
             <a:r>
               <a:rPr lang="es-ES" dirty="0"/>
-              <a:t> como la funcionalidad previamente comentada de </a:t>
+              <a:t> como la funcionalidad previamente mencionada de </a:t>
             </a:r>
             <a:r>
               <a:rPr lang="es-ES" dirty="0" err="1"/>
@@ -8393,21 +8848,11 @@
               <a:t>GET /api/</a:t>
             </a:r>
             <a:r>
-              <a:rPr lang="es-ES" dirty="0" err="1">
-                <a:solidFill>
-                  <a:srgbClr val="212121"/>
-                </a:solidFill>
-                <a:latin typeface="Inter"/>
-              </a:rPr>
+              <a:rPr lang="es-ES" dirty="0" err="1"/>
               <a:t>myCars</a:t>
             </a:r>
             <a:r>
-              <a:rPr lang="es-ES" dirty="0">
-                <a:solidFill>
-                  <a:srgbClr val="212121"/>
-                </a:solidFill>
-                <a:latin typeface="Inter"/>
-              </a:rPr>
+              <a:rPr lang="es-ES" dirty="0"/>
               <a:t>: Devuelve los coches registrados en la base de datos a nombre del usuario. Hay que mandar el JWT válido previo para que sea una petición permitida</a:t>
             </a:r>
           </a:p>
@@ -8419,42 +8864,18 @@
             </a:r>
             <a:r>
               <a:rPr lang="es-ES" dirty="0" err="1"/>
-              <a:t>all</a:t>
-            </a:r>
-            <a:r>
-              <a:rPr lang="es-ES" dirty="0" err="1">
-                <a:solidFill>
-                  <a:srgbClr val="212121"/>
-                </a:solidFill>
-                <a:latin typeface="Inter"/>
-              </a:rPr>
-              <a:t>Cars</a:t>
-            </a:r>
-            <a:r>
-              <a:rPr lang="es-ES" dirty="0">
-                <a:solidFill>
-                  <a:srgbClr val="212121"/>
-                </a:solidFill>
-                <a:latin typeface="Inter"/>
-              </a:rPr>
+              <a:t>allCars</a:t>
+            </a:r>
+            <a:r>
+              <a:rPr lang="es-ES" dirty="0"/>
               <a:t>: Devuelve todos los coches registrados. Esta petición solo la puede realizar un administrador aportando su JTW en el </a:t>
             </a:r>
             <a:r>
-              <a:rPr lang="es-ES" dirty="0" err="1">
-                <a:solidFill>
-                  <a:srgbClr val="212121"/>
-                </a:solidFill>
-                <a:latin typeface="Inter"/>
-              </a:rPr>
+              <a:rPr lang="es-ES" dirty="0" err="1"/>
               <a:t>header</a:t>
             </a:r>
             <a:r>
-              <a:rPr lang="es-ES" dirty="0">
-                <a:solidFill>
-                  <a:srgbClr val="212121"/>
-                </a:solidFill>
-                <a:latin typeface="Inter"/>
-              </a:rPr>
+              <a:rPr lang="es-ES" dirty="0"/>
               <a:t>.</a:t>
             </a:r>
           </a:p>
@@ -8830,49 +9251,49 @@
           <a:p>
             <a:pPr algn="just"/>
             <a:r>
-              <a:rPr lang="es-ES"/>
-              <a:t>Se ha utilizado SQL Server para este ejercicio. </a:t>
+              <a:rPr lang="es-ES" dirty="0"/>
+              <a:t>Para poner en práctica todos los apartados anteriores se ha realizado una prueba de forma local en SQL Server.</a:t>
             </a:r>
           </a:p>
           <a:p>
             <a:pPr algn="just"/>
             <a:r>
-              <a:rPr lang="es-ES"/>
-              <a:t>Solo se ha realizado por el momento una tabla “Coches”, que tienen como atributos:</a:t>
+              <a:rPr lang="es-ES" dirty="0"/>
+              <a:t>Solo se ha realizado por el momento una tabla “Coches”, ya que los usuarios, por este momento, se encuentra alojado en la propia API de forma momentánea. Los atributos de prueba que tiene esta tabla son :</a:t>
             </a:r>
           </a:p>
           <a:p>
             <a:pPr lvl="1" algn="just"/>
             <a:r>
-              <a:rPr lang="es-ES"/>
+              <a:rPr lang="es-ES" dirty="0"/>
               <a:t>Id</a:t>
             </a:r>
           </a:p>
           <a:p>
             <a:pPr lvl="1" algn="just"/>
             <a:r>
-              <a:rPr lang="es-ES"/>
+              <a:rPr lang="es-ES" dirty="0"/>
               <a:t>Nombre de usuario</a:t>
             </a:r>
           </a:p>
           <a:p>
             <a:pPr lvl="1" algn="just"/>
             <a:r>
-              <a:rPr lang="es-ES"/>
+              <a:rPr lang="es-ES" dirty="0"/>
               <a:t>Matrícula</a:t>
             </a:r>
           </a:p>
           <a:p>
             <a:pPr lvl="1" algn="just"/>
             <a:r>
-              <a:rPr lang="es-ES"/>
+              <a:rPr lang="es-ES" dirty="0"/>
               <a:t>Año de fabricación</a:t>
             </a:r>
           </a:p>
           <a:p>
             <a:pPr lvl="1" algn="just"/>
             <a:r>
-              <a:rPr lang="es-ES"/>
+              <a:rPr lang="es-ES" dirty="0"/>
               <a:t>Siguiente ITV</a:t>
             </a:r>
           </a:p>
@@ -9465,6 +9886,15 @@
 </file>
 
 <file path=customXml/item1.xml><?xml version="1.0" encoding="utf-8"?>
+<?mso-contentType ?>
+<FormTemplates xmlns="http://schemas.microsoft.com/sharepoint/v3/contenttype/forms">
+  <Display>DocumentLibraryForm</Display>
+  <Edit>DocumentLibraryForm</Edit>
+  <New>DocumentLibraryForm</New>
+</FormTemplates>
+</file>
+
+<file path=customXml/item2.xml><?xml version="1.0" encoding="utf-8"?>
 <p:properties xmlns:p="http://schemas.microsoft.com/office/2006/metadata/properties" xmlns:xsi="http://www.w3.org/2001/XMLSchema-instance" xmlns:pc="http://schemas.microsoft.com/office/infopath/2007/PartnerControls">
   <documentManagement>
     <TaxCatchAll xmlns="6dedcb10-c833-433a-ac85-a71007a78acc">
@@ -9515,66 +9945,7 @@
 </p:properties>
 </file>
 
-<file path=customXml/item2.xml><?xml version="1.0" encoding="utf-8"?>
-<?mso-contentType ?>
-<FormTemplates xmlns="http://schemas.microsoft.com/sharepoint/v3/contenttype/forms">
-  <Display>DocumentLibraryForm</Display>
-  <Edit>DocumentLibraryForm</Edit>
-  <New>DocumentLibraryForm</New>
-</FormTemplates>
-</file>
-
 <file path=customXml/item3.xml><?xml version="1.0" encoding="utf-8"?>
-<?mso-contentType ?>
-<spe:Receivers xmlns:spe="http://schemas.microsoft.com/sharepoint/events">
-  <Receiver>
-    <Name>Document ID Generator</Name>
-    <Synchronization>Synchronous</Synchronization>
-    <Type>10001</Type>
-    <SequenceNumber>1000</SequenceNumber>
-    <Url/>
-    <Assembly>Microsoft.Office.DocumentManagement, Version=16.0.0.0, Culture=neutral, PublicKeyToken=71e9bce111e9429c</Assembly>
-    <Class>Microsoft.Office.DocumentManagement.Internal.DocIdHandler</Class>
-    <Data/>
-    <Filter/>
-  </Receiver>
-  <Receiver>
-    <Name>Document ID Generator</Name>
-    <Synchronization>Synchronous</Synchronization>
-    <Type>10002</Type>
-    <SequenceNumber>1001</SequenceNumber>
-    <Url/>
-    <Assembly>Microsoft.Office.DocumentManagement, Version=16.0.0.0, Culture=neutral, PublicKeyToken=71e9bce111e9429c</Assembly>
-    <Class>Microsoft.Office.DocumentManagement.Internal.DocIdHandler</Class>
-    <Data/>
-    <Filter/>
-  </Receiver>
-  <Receiver>
-    <Name>Document ID Generator</Name>
-    <Synchronization>Synchronous</Synchronization>
-    <Type>10004</Type>
-    <SequenceNumber>1002</SequenceNumber>
-    <Url/>
-    <Assembly>Microsoft.Office.DocumentManagement, Version=16.0.0.0, Culture=neutral, PublicKeyToken=71e9bce111e9429c</Assembly>
-    <Class>Microsoft.Office.DocumentManagement.Internal.DocIdHandler</Class>
-    <Data/>
-    <Filter/>
-  </Receiver>
-  <Receiver>
-    <Name>Document ID Generator</Name>
-    <Synchronization>Synchronous</Synchronization>
-    <Type>10006</Type>
-    <SequenceNumber>1003</SequenceNumber>
-    <Url/>
-    <Assembly>Microsoft.Office.DocumentManagement, Version=16.0.0.0, Culture=neutral, PublicKeyToken=71e9bce111e9429c</Assembly>
-    <Class>Microsoft.Office.DocumentManagement.Internal.DocIdHandler</Class>
-    <Data/>
-    <Filter/>
-  </Receiver>
-</spe:Receivers>
-</file>
-
-<file path=customXml/item4.xml><?xml version="1.0" encoding="utf-8"?>
 <ct:contentTypeSchema xmlns:ct="http://schemas.microsoft.com/office/2006/metadata/contentType" xmlns:ma="http://schemas.microsoft.com/office/2006/metadata/properties/metaAttributes" ct:_="" ma:_="" ma:contentTypeName="Document" ma:contentTypeID="0x010100CCD2CB7645A6664EBA7D2C1B319298D9" ma:contentTypeVersion="20" ma:contentTypeDescription="Create a new document." ma:contentTypeScope="" ma:versionID="1b89333854ece0126e4211b82251641e">
   <xsd:schema xmlns:xsd="http://www.w3.org/2001/XMLSchema" xmlns:xs="http://www.w3.org/2001/XMLSchema" xmlns:p="http://schemas.microsoft.com/office/2006/metadata/properties" xmlns:ns2="6dedcb10-c833-433a-ac85-a71007a78acc" xmlns:ns3="51e2b858-bf58-46a2-91b2-3dafa82a619b" targetNamespace="http://schemas.microsoft.com/office/2006/metadata/properties" ma:root="true" ma:fieldsID="ff5f21df02492c208f9b75ad1252c953" ns2:_="" ns3:_="">
     <xsd:import namespace="6dedcb10-c833-433a-ac85-a71007a78acc"/>
@@ -9854,7 +10225,65 @@
 </ct:contentTypeSchema>
 </file>
 
+<file path=customXml/item4.xml><?xml version="1.0" encoding="utf-8"?>
+<?mso-contentType ?>
+<spe:Receivers xmlns:spe="http://schemas.microsoft.com/sharepoint/events">
+  <Receiver>
+    <Name>Document ID Generator</Name>
+    <Synchronization>Synchronous</Synchronization>
+    <Type>10001</Type>
+    <SequenceNumber>1000</SequenceNumber>
+    <Url/>
+    <Assembly>Microsoft.Office.DocumentManagement, Version=16.0.0.0, Culture=neutral, PublicKeyToken=71e9bce111e9429c</Assembly>
+    <Class>Microsoft.Office.DocumentManagement.Internal.DocIdHandler</Class>
+    <Data/>
+    <Filter/>
+  </Receiver>
+  <Receiver>
+    <Name>Document ID Generator</Name>
+    <Synchronization>Synchronous</Synchronization>
+    <Type>10002</Type>
+    <SequenceNumber>1001</SequenceNumber>
+    <Url/>
+    <Assembly>Microsoft.Office.DocumentManagement, Version=16.0.0.0, Culture=neutral, PublicKeyToken=71e9bce111e9429c</Assembly>
+    <Class>Microsoft.Office.DocumentManagement.Internal.DocIdHandler</Class>
+    <Data/>
+    <Filter/>
+  </Receiver>
+  <Receiver>
+    <Name>Document ID Generator</Name>
+    <Synchronization>Synchronous</Synchronization>
+    <Type>10004</Type>
+    <SequenceNumber>1002</SequenceNumber>
+    <Url/>
+    <Assembly>Microsoft.Office.DocumentManagement, Version=16.0.0.0, Culture=neutral, PublicKeyToken=71e9bce111e9429c</Assembly>
+    <Class>Microsoft.Office.DocumentManagement.Internal.DocIdHandler</Class>
+    <Data/>
+    <Filter/>
+  </Receiver>
+  <Receiver>
+    <Name>Document ID Generator</Name>
+    <Synchronization>Synchronous</Synchronization>
+    <Type>10006</Type>
+    <SequenceNumber>1003</SequenceNumber>
+    <Url/>
+    <Assembly>Microsoft.Office.DocumentManagement, Version=16.0.0.0, Culture=neutral, PublicKeyToken=71e9bce111e9429c</Assembly>
+    <Class>Microsoft.Office.DocumentManagement.Internal.DocIdHandler</Class>
+    <Data/>
+    <Filter/>
+  </Receiver>
+</spe:Receivers>
+</file>
+
 <file path=customXml/itemProps1.xml><?xml version="1.0" encoding="utf-8"?>
+<ds:datastoreItem xmlns:ds="http://schemas.openxmlformats.org/officeDocument/2006/customXml" ds:itemID="{FA16A6F6-BA94-4BC1-82EC-740C029F7F2E}">
+  <ds:schemaRefs>
+    <ds:schemaRef ds:uri="http://schemas.microsoft.com/sharepoint/v3/contenttype/forms"/>
+  </ds:schemaRefs>
+</ds:datastoreItem>
+</file>
+
+<file path=customXml/itemProps2.xml><?xml version="1.0" encoding="utf-8"?>
 <ds:datastoreItem xmlns:ds="http://schemas.openxmlformats.org/officeDocument/2006/customXml" ds:itemID="{7949718B-A5E5-46E7-AFC7-B9ECBEAA9285}">
   <ds:schemaRefs>
     <ds:schemaRef ds:uri="http://schemas.microsoft.com/office/2006/metadata/properties"/>
@@ -9873,23 +10302,7 @@
 </ds:datastoreItem>
 </file>
 
-<file path=customXml/itemProps2.xml><?xml version="1.0" encoding="utf-8"?>
-<ds:datastoreItem xmlns:ds="http://schemas.openxmlformats.org/officeDocument/2006/customXml" ds:itemID="{FA16A6F6-BA94-4BC1-82EC-740C029F7F2E}">
-  <ds:schemaRefs>
-    <ds:schemaRef ds:uri="http://schemas.microsoft.com/sharepoint/v3/contenttype/forms"/>
-  </ds:schemaRefs>
-</ds:datastoreItem>
-</file>
-
 <file path=customXml/itemProps3.xml><?xml version="1.0" encoding="utf-8"?>
-<ds:datastoreItem xmlns:ds="http://schemas.openxmlformats.org/officeDocument/2006/customXml" ds:itemID="{C2D3F007-E527-40F2-825C-916613B331EC}">
-  <ds:schemaRefs>
-    <ds:schemaRef ds:uri="http://schemas.microsoft.com/sharepoint/events"/>
-  </ds:schemaRefs>
-</ds:datastoreItem>
-</file>
-
-<file path=customXml/itemProps4.xml><?xml version="1.0" encoding="utf-8"?>
 <ds:datastoreItem xmlns:ds="http://schemas.openxmlformats.org/officeDocument/2006/customXml" ds:itemID="{DB98A7B3-6CBB-482F-883D-79C2A86A89A9}">
   <ds:schemaRefs>
     <ds:schemaRef ds:uri="http://schemas.microsoft.com/office/2006/metadata/contentType"/>
@@ -9906,4 +10319,12 @@
     <ds:schemaRef ds:uri="http://schemas.microsoft.com/internal/obd"/>
   </ds:schemaRefs>
 </ds:datastoreItem>
+</file>
+
+<file path=customXml/itemProps4.xml><?xml version="1.0" encoding="utf-8"?>
+<ds:datastoreItem xmlns:ds="http://schemas.openxmlformats.org/officeDocument/2006/customXml" ds:itemID="{C2D3F007-E527-40F2-825C-916613B331EC}">
+  <ds:schemaRefs>
+    <ds:schemaRef ds:uri="http://schemas.microsoft.com/sharepoint/events"/>
+  </ds:schemaRefs>
+</ds:datastoreItem>
 </file>
--- a/IniciacionDePracticasExternas.pptx
+++ b/IniciacionDePracticasExternas.pptx
@@ -5511,7 +5511,7 @@
           <a:p>
             <a:r>
               <a:rPr lang="es-ES" dirty="0"/>
-              <a:t>Iniciación prácticas externas</a:t>
+              <a:t>Prácticas externas</a:t>
             </a:r>
           </a:p>
         </p:txBody>
@@ -6338,14 +6338,14 @@
             <a:pPr algn="just"/>
             <a:r>
               <a:rPr lang="es-ES" dirty="0"/>
-              <a:t>Seguidamente a este primer contacto con las tecnologías, se plantea hacer una aplicación web completas. Esta tendrá una temática concreta, un servicio de renting para una empresa. </a:t>
+              <a:t>Seguidamente a este primer contacto con las tecnologías, se plantea hacer una aplicación web completa. Esta tendrá una temática concreta, un servicio de renting para una empresa. </a:t>
             </a:r>
           </a:p>
           <a:p>
             <a:pPr algn="just"/>
             <a:r>
               <a:rPr lang="es-ES" dirty="0"/>
-              <a:t>Se planea que un usuario administrador ponga de oferta de renting coches que estén registrados en la DGT. Por ello, la base de datos tendrá que contemplar la implementación de todos los datos importados de la página oficial de la DGT</a:t>
+              <a:t>Se planea que un usuario administrador ponga en oferta de renting coches que estén registrados en la DGT. Por ello, y para que según en código VIN del coche se puedan obtener todos los datos exactos de este, la base de datos tendrá que contemplar la implementación de todos los datos importados de la página oficial de la DGT</a:t>
             </a:r>
             <a:r>
               <a:rPr lang="en-US" dirty="0"/>
@@ -6355,162 +6355,34 @@
           <a:p>
             <a:pPr algn="just"/>
             <a:r>
-              <a:rPr lang="en-US" dirty="0"/>
-              <a:t>Por </a:t>
-            </a:r>
-            <a:r>
-              <a:rPr lang="en-US" dirty="0" err="1"/>
-              <a:t>último</a:t>
-            </a:r>
-            <a:r>
-              <a:rPr lang="en-US" dirty="0"/>
-              <a:t>, se </a:t>
-            </a:r>
-            <a:r>
-              <a:rPr lang="en-US" dirty="0" err="1"/>
-              <a:t>automatizará</a:t>
-            </a:r>
-            <a:r>
-              <a:rPr lang="en-US" dirty="0"/>
-              <a:t> la </a:t>
-            </a:r>
-            <a:r>
-              <a:rPr lang="en-US" dirty="0" err="1"/>
-              <a:t>lectura</a:t>
-            </a:r>
-            <a:r>
-              <a:rPr lang="en-US" dirty="0"/>
-              <a:t> de los </a:t>
-            </a:r>
-            <a:r>
-              <a:rPr lang="en-US" dirty="0" err="1"/>
-              <a:t>datos</a:t>
-            </a:r>
-            <a:r>
-              <a:rPr lang="en-US" dirty="0"/>
-              <a:t> y </a:t>
-            </a:r>
-            <a:r>
-              <a:rPr lang="en-US" dirty="0" err="1"/>
-              <a:t>generación</a:t>
-            </a:r>
-            <a:r>
-              <a:rPr lang="en-US" dirty="0"/>
-              <a:t> de una base de </a:t>
-            </a:r>
-            <a:r>
-              <a:rPr lang="en-US" dirty="0" err="1"/>
-              <a:t>datos</a:t>
-            </a:r>
-            <a:r>
-              <a:rPr lang="en-US" dirty="0"/>
-              <a:t> a </a:t>
-            </a:r>
-            <a:r>
-              <a:rPr lang="en-US" dirty="0" err="1"/>
-              <a:t>partir</a:t>
-            </a:r>
-            <a:r>
-              <a:rPr lang="en-US" dirty="0"/>
-              <a:t> de un </a:t>
-            </a:r>
-            <a:r>
-              <a:rPr lang="en-US" dirty="0" err="1"/>
-              <a:t>fichero</a:t>
-            </a:r>
-            <a:r>
-              <a:rPr lang="en-US" dirty="0"/>
-              <a:t> XML que </a:t>
-            </a:r>
-            <a:r>
-              <a:rPr lang="en-US" dirty="0" err="1"/>
-              <a:t>especifica</a:t>
-            </a:r>
-            <a:r>
-              <a:rPr lang="en-US" dirty="0"/>
-              <a:t> los </a:t>
-            </a:r>
-            <a:r>
-              <a:rPr lang="en-US" dirty="0" err="1"/>
-              <a:t>archivos</a:t>
-            </a:r>
-            <a:r>
-              <a:rPr lang="en-US" dirty="0"/>
-              <a:t> de </a:t>
-            </a:r>
-            <a:r>
-              <a:rPr lang="en-US" dirty="0" err="1"/>
-              <a:t>descarga</a:t>
-            </a:r>
-            <a:r>
-              <a:rPr lang="en-US" dirty="0"/>
-              <a:t> de </a:t>
-            </a:r>
-            <a:r>
-              <a:rPr lang="en-US" dirty="0" err="1"/>
-              <a:t>comprimidos</a:t>
-            </a:r>
-            <a:r>
-              <a:rPr lang="en-US" dirty="0"/>
-              <a:t> de </a:t>
-            </a:r>
-            <a:r>
-              <a:rPr lang="en-US" dirty="0" err="1"/>
-              <a:t>datos</a:t>
-            </a:r>
-            <a:r>
-              <a:rPr lang="en-US" dirty="0"/>
-              <a:t>. Para </a:t>
-            </a:r>
-            <a:r>
-              <a:rPr lang="en-US" dirty="0" err="1"/>
-              <a:t>esta</a:t>
-            </a:r>
-            <a:r>
-              <a:rPr lang="en-US" dirty="0"/>
-              <a:t> </a:t>
-            </a:r>
-            <a:r>
-              <a:rPr lang="en-US" dirty="0" err="1"/>
-              <a:t>tarea</a:t>
-            </a:r>
-            <a:r>
-              <a:rPr lang="en-US" dirty="0"/>
-              <a:t>, se </a:t>
-            </a:r>
-            <a:r>
-              <a:rPr lang="en-US" dirty="0" err="1"/>
-              <a:t>utilizará</a:t>
-            </a:r>
-            <a:r>
-              <a:rPr lang="en-US" dirty="0"/>
-              <a:t> </a:t>
-            </a:r>
-            <a:r>
-              <a:rPr lang="en-US" dirty="0" err="1"/>
-              <a:t>el</a:t>
-            </a:r>
-            <a:r>
-              <a:rPr lang="en-US" dirty="0"/>
-              <a:t> </a:t>
-            </a:r>
-            <a:r>
-              <a:rPr lang="en-US" dirty="0" err="1"/>
-              <a:t>proceso</a:t>
-            </a:r>
-            <a:r>
-              <a:rPr lang="en-US" dirty="0"/>
-              <a:t> </a:t>
-            </a:r>
-            <a:r>
-              <a:rPr lang="en-US" dirty="0">
+              <a:rPr lang="es-ES" dirty="0"/>
+              <a:t>Por último, se automatizará la lectura de los datos y generación de una base de datos a partir de un fichero XML que especifica los archivos de descarga de comprimidos de datos. Para esta tarea, se utilizará el proceso </a:t>
+            </a:r>
+            <a:r>
+              <a:rPr lang="es-ES" dirty="0">
                 <a:hlinkClick r:id="rId2"/>
               </a:rPr>
               <a:t>ETL</a:t>
             </a:r>
             <a:r>
-              <a:rPr lang="en-US" dirty="0"/>
-              <a:t>(Extract, Transform, Load).</a:t>
+              <a:rPr lang="es-ES" dirty="0"/>
+              <a:t>(</a:t>
+            </a:r>
+            <a:r>
+              <a:rPr lang="es-ES" dirty="0" err="1"/>
+              <a:t>Extract</a:t>
+            </a:r>
+            <a:r>
+              <a:rPr lang="es-ES" dirty="0"/>
+              <a:t>, </a:t>
+            </a:r>
+            <a:r>
+              <a:rPr lang="es-ES" dirty="0" err="1"/>
+              <a:t>Transform</a:t>
+            </a:r>
+            <a:r>
+              <a:rPr lang="es-ES" dirty="0"/>
+              <a:t>, Load).</a:t>
             </a:r>
           </a:p>
           <a:p>
@@ -6746,6 +6618,53 @@
           </a:p>
         </p:txBody>
       </p:sp>
+      <p:pic>
+        <p:nvPicPr>
+          <p:cNvPr id="4" name="Picture 2" descr="Universidad de La Laguna (ULL) – 9º Encuentro BID">
+            <a:extLst>
+              <a:ext uri="{FF2B5EF4-FFF2-40B4-BE49-F238E27FC236}">
+                <a16:creationId xmlns:a16="http://schemas.microsoft.com/office/drawing/2014/main" id="{23F2EA15-5455-464B-9C93-C7B23D2DD441}"/>
+              </a:ext>
+            </a:extLst>
+          </p:cNvPr>
+          <p:cNvPicPr>
+            <a:picLocks noChangeAspect="1" noChangeArrowheads="1"/>
+          </p:cNvPicPr>
+          <p:nvPr/>
+        </p:nvPicPr>
+        <p:blipFill>
+          <a:blip r:embed="rId3">
+            <a:extLst>
+              <a:ext uri="{28A0092B-C50C-407E-A947-70E740481C1C}">
+                <a14:useLocalDpi xmlns:a14="http://schemas.microsoft.com/office/drawing/2010/main" val="0"/>
+              </a:ext>
+            </a:extLst>
+          </a:blip>
+          <a:srcRect/>
+          <a:stretch>
+            <a:fillRect/>
+          </a:stretch>
+        </p:blipFill>
+        <p:spPr bwMode="auto">
+          <a:xfrm>
+            <a:off x="8621351" y="295682"/>
+            <a:ext cx="1828935" cy="438250"/>
+          </a:xfrm>
+          <a:prstGeom prst="rect">
+            <a:avLst/>
+          </a:prstGeom>
+          <a:noFill/>
+          <a:extLst>
+            <a:ext uri="{909E8E84-426E-40DD-AFC4-6F175D3DCCD1}">
+              <a14:hiddenFill xmlns:a14="http://schemas.microsoft.com/office/drawing/2010/main">
+                <a:solidFill>
+                  <a:srgbClr val="FFFFFF"/>
+                </a:solidFill>
+              </a14:hiddenFill>
+            </a:ext>
+          </a:extLst>
+        </p:spPr>
+      </p:pic>
     </p:spTree>
     <p:extLst>
       <p:ext uri="{BB962C8B-B14F-4D97-AF65-F5344CB8AC3E}">
@@ -6912,6 +6831,53 @@
           </a:p>
         </p:txBody>
       </p:sp>
+      <p:pic>
+        <p:nvPicPr>
+          <p:cNvPr id="4" name="Picture 2" descr="Universidad de La Laguna (ULL) – 9º Encuentro BID">
+            <a:extLst>
+              <a:ext uri="{FF2B5EF4-FFF2-40B4-BE49-F238E27FC236}">
+                <a16:creationId xmlns:a16="http://schemas.microsoft.com/office/drawing/2014/main" id="{14AA323D-A637-4151-BA3E-5FF61BDE0BB9}"/>
+              </a:ext>
+            </a:extLst>
+          </p:cNvPr>
+          <p:cNvPicPr>
+            <a:picLocks noChangeAspect="1" noChangeArrowheads="1"/>
+          </p:cNvPicPr>
+          <p:nvPr/>
+        </p:nvPicPr>
+        <p:blipFill>
+          <a:blip r:embed="rId2">
+            <a:extLst>
+              <a:ext uri="{28A0092B-C50C-407E-A947-70E740481C1C}">
+                <a14:useLocalDpi xmlns:a14="http://schemas.microsoft.com/office/drawing/2010/main" val="0"/>
+              </a:ext>
+            </a:extLst>
+          </a:blip>
+          <a:srcRect/>
+          <a:stretch>
+            <a:fillRect/>
+          </a:stretch>
+        </p:blipFill>
+        <p:spPr bwMode="auto">
+          <a:xfrm>
+            <a:off x="8621351" y="295682"/>
+            <a:ext cx="1828935" cy="438250"/>
+          </a:xfrm>
+          <a:prstGeom prst="rect">
+            <a:avLst/>
+          </a:prstGeom>
+          <a:noFill/>
+          <a:extLst>
+            <a:ext uri="{909E8E84-426E-40DD-AFC4-6F175D3DCCD1}">
+              <a14:hiddenFill xmlns:a14="http://schemas.microsoft.com/office/drawing/2010/main">
+                <a:solidFill>
+                  <a:srgbClr val="FFFFFF"/>
+                </a:solidFill>
+              </a14:hiddenFill>
+            </a:ext>
+          </a:extLst>
+        </p:spPr>
+      </p:pic>
     </p:spTree>
     <p:extLst>
       <p:ext uri="{BB962C8B-B14F-4D97-AF65-F5344CB8AC3E}">
@@ -7006,6 +6972,53 @@
           <a:prstGeom prst="rect">
             <a:avLst/>
           </a:prstGeom>
+        </p:spPr>
+      </p:pic>
+      <p:pic>
+        <p:nvPicPr>
+          <p:cNvPr id="8" name="Picture 2" descr="Universidad de La Laguna (ULL) – 9º Encuentro BID">
+            <a:extLst>
+              <a:ext uri="{FF2B5EF4-FFF2-40B4-BE49-F238E27FC236}">
+                <a16:creationId xmlns:a16="http://schemas.microsoft.com/office/drawing/2014/main" id="{9CEE50E6-6600-451F-B2CA-9A8EEF250448}"/>
+              </a:ext>
+            </a:extLst>
+          </p:cNvPr>
+          <p:cNvPicPr>
+            <a:picLocks noChangeAspect="1" noChangeArrowheads="1"/>
+          </p:cNvPicPr>
+          <p:nvPr/>
+        </p:nvPicPr>
+        <p:blipFill>
+          <a:blip r:embed="rId3">
+            <a:extLst>
+              <a:ext uri="{28A0092B-C50C-407E-A947-70E740481C1C}">
+                <a14:useLocalDpi xmlns:a14="http://schemas.microsoft.com/office/drawing/2010/main" val="0"/>
+              </a:ext>
+            </a:extLst>
+          </a:blip>
+          <a:srcRect/>
+          <a:stretch>
+            <a:fillRect/>
+          </a:stretch>
+        </p:blipFill>
+        <p:spPr bwMode="auto">
+          <a:xfrm>
+            <a:off x="8621351" y="295682"/>
+            <a:ext cx="1828935" cy="438250"/>
+          </a:xfrm>
+          <a:prstGeom prst="rect">
+            <a:avLst/>
+          </a:prstGeom>
+          <a:noFill/>
+          <a:extLst>
+            <a:ext uri="{909E8E84-426E-40DD-AFC4-6F175D3DCCD1}">
+              <a14:hiddenFill xmlns:a14="http://schemas.microsoft.com/office/drawing/2010/main">
+                <a:solidFill>
+                  <a:srgbClr val="FFFFFF"/>
+                </a:solidFill>
+              </a14:hiddenFill>
+            </a:ext>
+          </a:extLst>
         </p:spPr>
       </p:pic>
     </p:spTree>
@@ -7090,23 +7103,17 @@
           <a:bodyPr/>
           <a:lstStyle/>
           <a:p>
-            <a:pPr marL="0" indent="0" algn="just">
-              <a:buNone/>
-            </a:pPr>
-            <a:endParaRPr lang="en-US" dirty="0"/>
-          </a:p>
-          <a:p>
             <a:pPr algn="just"/>
             <a:r>
               <a:rPr lang="es-ES" dirty="0"/>
-              <a:t>El objetivo de este ejercicio es pasar por todas las fases del desarrollo de una aplicación web para familiarizarse con todas las tecnologías que se encuentran en este dentro de una empresa.</a:t>
+              <a:t>El objetivo general de estas prácticas externas es pasar por todas las fases del desarrollo de una aplicación web para familiarizarse con todas las tecnologías que se encuentran en este dentro de una empresa.</a:t>
             </a:r>
           </a:p>
           <a:p>
             <a:pPr algn="just"/>
             <a:r>
               <a:rPr lang="es-ES" dirty="0"/>
-              <a:t>La temática de la aplicación a realizar será una página con autentificación que consulte una base de datos sobre vehículos de usuarios registrados.  </a:t>
+              <a:t>La temática de la aplicación a realizar será una página con autentificación que consulte una base de datos sobre vehículos y el objetivo final será construir una infraestructura destinada al alquiler de estos.  </a:t>
             </a:r>
           </a:p>
           <a:p>
@@ -7134,7 +7141,15 @@
             <a:pPr algn="just"/>
             <a:r>
               <a:rPr lang="es-ES" dirty="0"/>
-              <a:t>Antes de comenzar el proyecto completo, se trabajará con las tecnologías que se van a utilizar con el objetivo de llevar un aprendizaje sencillo de estas.</a:t>
+              <a:t>Antes de comenzar el proyecto completo, se trabajará con las tecnologías que se van a utilizar con el objetivo de llevar un </a:t>
+            </a:r>
+            <a:r>
+              <a:rPr lang="es-ES"/>
+              <a:t>aprendizaje de </a:t>
+            </a:r>
+            <a:r>
+              <a:rPr lang="es-ES" dirty="0"/>
+              <a:t>estas.</a:t>
             </a:r>
           </a:p>
         </p:txBody>
@@ -8114,75 +8129,91 @@
           <a:p>
             <a:pPr algn="just"/>
             <a:r>
-              <a:rPr lang="es-ES"/>
-              <a:t>Se han empezado por un proceso de aprendizaje básico sobre C# y .Net Core para empezar a trabajar con la definición de la API. Para ello se han consultado recursos en </a:t>
-            </a:r>
-            <a:r>
-              <a:rPr lang="es-ES">
+              <a:rPr lang="es-ES" dirty="0"/>
+              <a:t>Se han empezado por un proceso de aprendizaje básico sobre C# y </a:t>
+            </a:r>
+            <a:r>
+              <a:rPr lang="es-ES" dirty="0" err="1"/>
+              <a:t>.Net</a:t>
+            </a:r>
+            <a:r>
+              <a:rPr lang="es-ES" dirty="0"/>
+              <a:t> Core para empezar a trabajar con la definición de la API. Para ello se han consultado recursos en </a:t>
+            </a:r>
+            <a:r>
+              <a:rPr lang="es-ES" dirty="0" err="1">
                 <a:hlinkClick r:id="rId2"/>
               </a:rPr>
               <a:t>Pluralsight</a:t>
             </a:r>
             <a:r>
-              <a:rPr lang="es-ES"/>
+              <a:rPr lang="es-ES" dirty="0"/>
               <a:t>.</a:t>
             </a:r>
           </a:p>
           <a:p>
             <a:pPr algn="just"/>
             <a:r>
-              <a:rPr lang="es-ES"/>
-              <a:t>Se ha implementado un login sencillo sin usar aun la base de datos, en el que los únicos atributos de los usuarios son:</a:t>
+              <a:rPr lang="es-ES" dirty="0"/>
+              <a:t>Se ha implementado un </a:t>
+            </a:r>
+            <a:r>
+              <a:rPr lang="es-ES" dirty="0" err="1"/>
+              <a:t>login</a:t>
+            </a:r>
+            <a:r>
+              <a:rPr lang="es-ES" dirty="0"/>
+              <a:t> sencillo sin usar aun la base de datos, en el que los únicos atributos de los usuarios son:</a:t>
             </a:r>
           </a:p>
           <a:p>
             <a:pPr lvl="1" algn="just"/>
             <a:r>
-              <a:rPr lang="es-ES"/>
+              <a:rPr lang="es-ES" dirty="0"/>
               <a:t>Nombre de usuario</a:t>
             </a:r>
           </a:p>
           <a:p>
             <a:pPr lvl="1" algn="just"/>
             <a:r>
-              <a:rPr lang="es-ES"/>
+              <a:rPr lang="es-ES" dirty="0"/>
               <a:t>Contraseña </a:t>
             </a:r>
           </a:p>
           <a:p>
             <a:pPr lvl="1" algn="just"/>
             <a:r>
-              <a:rPr lang="es-ES"/>
+              <a:rPr lang="es-ES" dirty="0"/>
               <a:t>Rol</a:t>
             </a:r>
           </a:p>
           <a:p>
             <a:pPr algn="just"/>
             <a:r>
-              <a:rPr lang="es-ES"/>
+              <a:rPr lang="es-ES" dirty="0"/>
               <a:t>Se ha añadido la funcionalidad de generar </a:t>
             </a:r>
             <a:r>
-              <a:rPr lang="es-ES">
+              <a:rPr lang="es-ES" dirty="0">
                 <a:hlinkClick r:id="rId3"/>
               </a:rPr>
               <a:t>JSON Web Token</a:t>
             </a:r>
             <a:r>
-              <a:rPr lang="es-ES"/>
+              <a:rPr lang="es-ES" dirty="0"/>
               <a:t> para la autentificación de la aplicación.</a:t>
             </a:r>
           </a:p>
           <a:p>
             <a:pPr algn="just"/>
             <a:r>
-              <a:rPr lang="es-ES"/>
+              <a:rPr lang="es-ES" dirty="0"/>
               <a:t>Se han implementado controladores que tengan en cuenta las peticiones de inicio de sesión y consultas de coches.</a:t>
             </a:r>
           </a:p>
           <a:p>
             <a:pPr algn="just"/>
-            <a:endParaRPr lang="es-ES"/>
+            <a:endParaRPr lang="es-ES" dirty="0"/>
           </a:p>
         </p:txBody>
       </p:sp>

--- a/IniciacionDePracticasExternas.pptx
+++ b/IniciacionDePracticasExternas.pptx
@@ -5,7 +5,7 @@
     <p:sldMasterId id="2147483648" r:id="rId5"/>
   </p:sldMasterIdLst>
   <p:handoutMasterIdLst>
-    <p:handoutMasterId r:id="rId22"/>
+    <p:handoutMasterId r:id="rId21"/>
   </p:handoutMasterIdLst>
   <p:sldIdLst>
     <p:sldId id="256" r:id="rId6"/>
@@ -19,11 +19,10 @@
     <p:sldId id="282" r:id="rId14"/>
     <p:sldId id="283" r:id="rId15"/>
     <p:sldId id="286" r:id="rId16"/>
-    <p:sldId id="284" r:id="rId17"/>
-    <p:sldId id="287" r:id="rId18"/>
-    <p:sldId id="288" r:id="rId19"/>
-    <p:sldId id="289" r:id="rId20"/>
-    <p:sldId id="290" r:id="rId21"/>
+    <p:sldId id="287" r:id="rId17"/>
+    <p:sldId id="288" r:id="rId18"/>
+    <p:sldId id="289" r:id="rId19"/>
+    <p:sldId id="290" r:id="rId20"/>
   </p:sldIdLst>
   <p:sldSz cx="12192000" cy="6858000"/>
   <p:notesSz cx="6858000" cy="9144000"/>
@@ -5534,13 +5533,24 @@
         </p:nvSpPr>
         <p:spPr>
           <a:xfrm>
-            <a:off x="535264" y="3055620"/>
-            <a:ext cx="6202095" cy="746760"/>
-          </a:xfrm>
-        </p:spPr>
-        <p:txBody>
-          <a:bodyPr/>
+            <a:off x="535264" y="2407069"/>
+            <a:ext cx="6202095" cy="1373767"/>
+          </a:xfrm>
+        </p:spPr>
+        <p:txBody>
+          <a:bodyPr>
+            <a:normAutofit fontScale="92500" lnSpcReduction="10000"/>
+          </a:bodyPr>
           <a:lstStyle/>
+          <a:p>
+            <a:r>
+              <a:rPr lang="de-DE" dirty="0"/>
+              <a:t>@TecAlliance</a:t>
+            </a:r>
+          </a:p>
+          <a:p>
+            <a:endParaRPr lang="de-DE" dirty="0"/>
+          </a:p>
           <a:p>
             <a:r>
               <a:rPr lang="de-DE" dirty="0"/>
@@ -5662,6 +5672,13 @@
               <a:rPr lang="en-GB" dirty="0" err="1"/>
               <a:t>Dockerización</a:t>
             </a:r>
+            <a:r>
+              <a:rPr lang="en-GB" dirty="0"/>
+              <a:t> / deployment</a:t>
+            </a:r>
+            <a:br>
+              <a:rPr lang="en-GB" dirty="0"/>
+            </a:br>
             <a:br>
               <a:rPr lang="en-GB" dirty="0"/>
             </a:br>
@@ -5698,54 +5715,122 @@
           <a:p>
             <a:pPr algn="just"/>
             <a:r>
-              <a:rPr lang="es-ES"/>
-              <a:t>Usando la tecnología de </a:t>
-            </a:r>
-            <a:r>
-              <a:rPr lang="es-ES">
+              <a:rPr lang="es-ES" dirty="0"/>
+              <a:t>Usando la tecnología de contenedores, se han </a:t>
+            </a:r>
+            <a:r>
+              <a:rPr lang="es-ES" dirty="0" err="1"/>
+              <a:t>dockerizado</a:t>
+            </a:r>
+            <a:r>
+              <a:rPr lang="es-ES" dirty="0"/>
+              <a:t> todos los componentes de nuestro entorno.</a:t>
+            </a:r>
+          </a:p>
+          <a:p>
+            <a:pPr algn="just"/>
+            <a:r>
+              <a:rPr lang="es-ES" dirty="0"/>
+              <a:t>Se ha creado un contenedor de la </a:t>
+            </a:r>
+            <a:r>
+              <a:rPr lang="es-ES" dirty="0">
                 <a:hlinkClick r:id="rId2"/>
               </a:rPr>
-              <a:t>Docker</a:t>
-            </a:r>
-            <a:r>
-              <a:rPr lang="es-ES"/>
-              <a:t>, se han dockerizado todos los components de nuestro entorno.</a:t>
+              <a:t>imagen oficial</a:t>
+            </a:r>
+            <a:r>
+              <a:rPr lang="es-ES" dirty="0"/>
+              <a:t> de Microsoft SQL Server. </a:t>
             </a:r>
           </a:p>
           <a:p>
             <a:pPr algn="just"/>
             <a:r>
-              <a:rPr lang="es-ES"/>
-              <a:t>Se ha descargado una imagen de SQL Server, de la cual se ha instanciado un contenedor de prueba. </a:t>
-            </a:r>
-          </a:p>
-          <a:p>
-            <a:pPr algn="just"/>
-            <a:r>
-              <a:rPr lang="es-ES"/>
+              <a:rPr lang="es-ES" dirty="0"/>
               <a:t>Se ha configurado un </a:t>
             </a:r>
             <a:r>
-              <a:rPr lang="es-ES">
+              <a:rPr lang="es-ES" dirty="0" err="1">
                 <a:hlinkClick r:id="rId3"/>
               </a:rPr>
               <a:t>Dockerfile</a:t>
             </a:r>
             <a:r>
-              <a:rPr lang="es-ES"/>
+              <a:rPr lang="es-ES" dirty="0"/>
               <a:t> en nuestro servicio API y se ha instanciado un contenedor de prueba.</a:t>
             </a:r>
           </a:p>
           <a:p>
             <a:pPr algn="just"/>
             <a:r>
-              <a:rPr lang="es-ES"/>
-              <a:t>Se ha configurado una Private Virtual Network entre ambos contenedores.</a:t>
+              <a:rPr lang="es-ES" dirty="0"/>
+              <a:t>Se ha configurado una </a:t>
+            </a:r>
+            <a:r>
+              <a:rPr lang="es-ES" dirty="0" err="1"/>
+              <a:t>Private</a:t>
+            </a:r>
+            <a:r>
+              <a:rPr lang="es-ES" dirty="0"/>
+              <a:t> Virtual Network entre ambos contenedores.</a:t>
             </a:r>
           </a:p>
           <a:p>
             <a:pPr algn="just"/>
-            <a:endParaRPr lang="es-ES"/>
+            <a:r>
+              <a:rPr lang="en-US" dirty="0"/>
+              <a:t>Se ha </a:t>
+            </a:r>
+            <a:r>
+              <a:rPr lang="es-ES" dirty="0"/>
+              <a:t>inicializado</a:t>
+            </a:r>
+            <a:r>
+              <a:rPr lang="en-US" dirty="0"/>
+              <a:t> una </a:t>
+            </a:r>
+            <a:r>
+              <a:rPr lang="es-ES" dirty="0"/>
+              <a:t>aplicación base de </a:t>
+            </a:r>
+            <a:r>
+              <a:rPr lang="es-ES" dirty="0" err="1">
+                <a:hlinkClick r:id="rId4"/>
+              </a:rPr>
+              <a:t>Ángular</a:t>
+            </a:r>
+            <a:r>
+              <a:rPr lang="es-ES" dirty="0"/>
+              <a:t>. Se ha realizado una imagen del servicio de </a:t>
+            </a:r>
+            <a:r>
+              <a:rPr lang="es-ES" dirty="0" err="1"/>
+              <a:t>front</a:t>
+            </a:r>
+            <a:r>
+              <a:rPr lang="es-ES" dirty="0"/>
+              <a:t> y hecho un contenedor a partir de esta. Además se ha unido a una nueva Virtual Network a la que pertenece el contenedor de la API.</a:t>
+            </a:r>
+          </a:p>
+          <a:p>
+            <a:pPr algn="just"/>
+            <a:r>
+              <a:rPr lang="es-ES" dirty="0"/>
+              <a:t>Para probar un buen funcionamiento de todas las conexiones, se ha realizado una petición GET exitosa a la base de datos desde el contenedor de </a:t>
+            </a:r>
+            <a:r>
+              <a:rPr lang="es-ES" dirty="0" err="1"/>
+              <a:t>Ángular</a:t>
+            </a:r>
+            <a:r>
+              <a:rPr lang="es-ES" dirty="0"/>
+              <a:t>.</a:t>
+            </a:r>
+          </a:p>
+          <a:p>
+            <a:pPr algn="just"/>
+            <a:endParaRPr lang="es-ES" dirty="0"/>
           </a:p>
         </p:txBody>
       </p:sp>
@@ -5764,7 +5849,7 @@
           <p:nvPr/>
         </p:nvPicPr>
         <p:blipFill>
-          <a:blip r:embed="rId4">
+          <a:blip r:embed="rId5">
             <a:extLst>
               <a:ext uri="{28A0092B-C50C-407E-A947-70E740481C1C}">
                 <a14:useLocalDpi xmlns:a14="http://schemas.microsoft.com/office/drawing/2010/main" val="0"/>
@@ -5862,6 +5947,10 @@
               <a:rPr lang="en-GB" dirty="0" err="1"/>
               <a:t>Dockerización</a:t>
             </a:r>
+            <a:r>
+              <a:rPr lang="en-GB" dirty="0"/>
+              <a:t> / deployment</a:t>
+            </a:r>
             <a:br>
               <a:rPr lang="en-GB" dirty="0"/>
             </a:br>
@@ -5922,12 +6011,48 @@
           </a:extLst>
         </p:spPr>
       </p:pic>
+      <p:sp>
+        <p:nvSpPr>
+          <p:cNvPr id="10" name="TextBox 9">
+            <a:extLst>
+              <a:ext uri="{FF2B5EF4-FFF2-40B4-BE49-F238E27FC236}">
+                <a16:creationId xmlns:a16="http://schemas.microsoft.com/office/drawing/2014/main" id="{810E525B-2BE9-4E04-8A90-22C687B065BA}"/>
+              </a:ext>
+            </a:extLst>
+          </p:cNvPr>
+          <p:cNvSpPr txBox="1"/>
+          <p:nvPr/>
+        </p:nvSpPr>
+        <p:spPr>
+          <a:xfrm>
+            <a:off x="3993026" y="5799064"/>
+            <a:ext cx="4383894" cy="307777"/>
+          </a:xfrm>
+          <a:prstGeom prst="rect">
+            <a:avLst/>
+          </a:prstGeom>
+          <a:noFill/>
+        </p:spPr>
+        <p:txBody>
+          <a:bodyPr wrap="square" rtlCol="0">
+            <a:spAutoFit/>
+          </a:bodyPr>
+          <a:lstStyle/>
+          <a:p>
+            <a:r>
+              <a:rPr lang="es-ES" sz="1400" i="1" dirty="0"/>
+              <a:t>Diseño de la estructura del entorno de la aplicación</a:t>
+            </a:r>
+            <a:endParaRPr lang="LID4096" sz="1400" i="1" dirty="0"/>
+          </a:p>
+        </p:txBody>
+      </p:sp>
       <p:pic>
         <p:nvPicPr>
-          <p:cNvPr id="7" name="Picture 6" descr="Diagram&#10;&#10;Description automatically generated">
-            <a:extLst>
-              <a:ext uri="{FF2B5EF4-FFF2-40B4-BE49-F238E27FC236}">
-                <a16:creationId xmlns:a16="http://schemas.microsoft.com/office/drawing/2014/main" id="{41CC29C4-065F-4A12-96B3-5A92F8499698}"/>
+          <p:cNvPr id="6" name="Picture 5" descr="Diagram&#10;&#10;Description automatically generated">
+            <a:extLst>
+              <a:ext uri="{FF2B5EF4-FFF2-40B4-BE49-F238E27FC236}">
+                <a16:creationId xmlns:a16="http://schemas.microsoft.com/office/drawing/2014/main" id="{9AF442D8-7CF7-4E60-988F-43BC2870E932}"/>
               </a:ext>
             </a:extLst>
           </p:cNvPr>
@@ -5950,50 +6075,14 @@
         </p:blipFill>
         <p:spPr>
           <a:xfrm>
-            <a:off x="3500343" y="1802960"/>
-            <a:ext cx="6657975" cy="2781300"/>
+            <a:off x="2962143" y="1228725"/>
+            <a:ext cx="7324725" cy="4400550"/>
           </a:xfrm>
           <a:prstGeom prst="rect">
             <a:avLst/>
           </a:prstGeom>
         </p:spPr>
       </p:pic>
-      <p:sp>
-        <p:nvSpPr>
-          <p:cNvPr id="10" name="TextBox 9">
-            <a:extLst>
-              <a:ext uri="{FF2B5EF4-FFF2-40B4-BE49-F238E27FC236}">
-                <a16:creationId xmlns:a16="http://schemas.microsoft.com/office/drawing/2014/main" id="{810E525B-2BE9-4E04-8A90-22C687B065BA}"/>
-              </a:ext>
-            </a:extLst>
-          </p:cNvPr>
-          <p:cNvSpPr txBox="1"/>
-          <p:nvPr/>
-        </p:nvSpPr>
-        <p:spPr>
-          <a:xfrm>
-            <a:off x="3993026" y="5119555"/>
-            <a:ext cx="4383894" cy="307777"/>
-          </a:xfrm>
-          <a:prstGeom prst="rect">
-            <a:avLst/>
-          </a:prstGeom>
-          <a:noFill/>
-        </p:spPr>
-        <p:txBody>
-          <a:bodyPr wrap="square" rtlCol="0">
-            <a:spAutoFit/>
-          </a:bodyPr>
-          <a:lstStyle/>
-          <a:p>
-            <a:r>
-              <a:rPr lang="es-ES" sz="1400" i="1" dirty="0"/>
-              <a:t>Diseño de la estructura del entorno de la aplicación</a:t>
-            </a:r>
-            <a:endParaRPr lang="LID4096" sz="1400" i="1" dirty="0"/>
-          </a:p>
-        </p:txBody>
-      </p:sp>
     </p:spTree>
     <p:extLst>
       <p:ext uri="{BB962C8B-B14F-4D97-AF65-F5344CB8AC3E}">
@@ -6057,20 +6146,8 @@
               <a:t>6- </a:t>
             </a:r>
             <a:r>
-              <a:rPr lang="en-GB" dirty="0"/>
-              <a:t>Front de </a:t>
-            </a:r>
-            <a:r>
               <a:rPr lang="en-GB" dirty="0" err="1"/>
-              <a:t>Ángular</a:t>
-            </a:r>
-            <a:r>
-              <a:rPr lang="en-GB" dirty="0"/>
-              <a:t> </a:t>
-            </a:r>
-            <a:r>
-              <a:rPr lang="en-GB" dirty="0" err="1"/>
-              <a:t>dockerizado</a:t>
+              <a:t>Próximamente</a:t>
             </a:r>
             <a:br>
               <a:rPr lang="en-GB" dirty="0"/>
@@ -6111,69 +6188,57 @@
           <a:p>
             <a:pPr algn="just"/>
             <a:r>
+              <a:rPr lang="es-ES" dirty="0"/>
+              <a:t>Seguidamente a este primer contacto con las tecnologías, se plantea hacer un portal completo. Esta tendrá una temática concreta, un servicio de renting para una empresa. </a:t>
+            </a:r>
+          </a:p>
+          <a:p>
+            <a:pPr algn="just"/>
+            <a:r>
+              <a:rPr lang="es-ES" dirty="0"/>
+              <a:t>Se planea que un usuario administrador ponga en oferta de renting coches que estén registrados en la DGT. Por ello, y para que según en código VIN del coche se puedan obtener todos los datos exactos de este, la base de datos tendrá que contemplar la implementación de todos los datos importados de la página oficial de la DGT</a:t>
+            </a:r>
+            <a:r>
               <a:rPr lang="en-US" dirty="0"/>
-              <a:t>Se ha </a:t>
-            </a:r>
-            <a:r>
-              <a:rPr lang="en-US" dirty="0" err="1"/>
-              <a:t>inicializado</a:t>
-            </a:r>
-            <a:r>
-              <a:rPr lang="en-US" dirty="0"/>
-              <a:t> </a:t>
-            </a:r>
-            <a:r>
-              <a:rPr lang="en-US" dirty="0" err="1"/>
-              <a:t>una</a:t>
-            </a:r>
-            <a:r>
-              <a:rPr lang="en-US" dirty="0"/>
-              <a:t> </a:t>
-            </a:r>
+              <a:t>.</a:t>
+            </a:r>
+          </a:p>
+          <a:p>
+            <a:pPr algn="just"/>
             <a:r>
               <a:rPr lang="es-ES" dirty="0"/>
-              <a:t>aplicación base de </a:t>
-            </a:r>
-            <a:r>
-              <a:rPr lang="es-ES" dirty="0" err="1">
+              <a:t>Para esta tarea, se utilizará el proceso </a:t>
+            </a:r>
+            <a:r>
+              <a:rPr lang="es-ES" dirty="0">
                 <a:hlinkClick r:id="rId2"/>
               </a:rPr>
-              <a:t>Ángular</a:t>
+              <a:t>ETL</a:t>
             </a:r>
             <a:r>
               <a:rPr lang="es-ES" dirty="0"/>
-              <a:t>, la cual consta de un </a:t>
+              <a:t>(</a:t>
             </a:r>
             <a:r>
               <a:rPr lang="es-ES" dirty="0" err="1"/>
-              <a:t>login</a:t>
+              <a:t>Extract</a:t>
             </a:r>
             <a:r>
               <a:rPr lang="es-ES" dirty="0"/>
-              <a:t> sencillo que no tiene funcionalidad alguna por el momento.</a:t>
+              <a:t>, </a:t>
+            </a:r>
+            <a:r>
+              <a:rPr lang="es-ES" dirty="0" err="1"/>
+              <a:t>Transform</a:t>
+            </a:r>
+            <a:r>
+              <a:rPr lang="es-ES" dirty="0"/>
+              <a:t>, Load) de forma que se puedan extraer los datos ofrecidos por un servicio, transformarlos y cargarlos en la base de datos.</a:t>
             </a:r>
           </a:p>
           <a:p>
             <a:pPr algn="just"/>
-            <a:r>
-              <a:rPr lang="es-ES" dirty="0"/>
-              <a:t>Se ha realizado una imagen del servicio de </a:t>
-            </a:r>
-            <a:r>
-              <a:rPr lang="es-ES" dirty="0" err="1"/>
-              <a:t>front</a:t>
-            </a:r>
-            <a:r>
-              <a:rPr lang="es-ES" dirty="0"/>
-              <a:t> y hecho un contenedor a partir de esta. Además se ha unido a una nueva Virtual Network a la que pertenece el contenedor de la API.</a:t>
-            </a:r>
-          </a:p>
-          <a:p>
-            <a:pPr algn="just"/>
-            <a:r>
-              <a:rPr lang="es-ES" dirty="0"/>
-              <a:t>Para probar un buen funcionamiento de todas las conexiones, se ha realizado una petición GET exitosa a la base de datos.</a:t>
-            </a:r>
+            <a:endParaRPr lang="en-US" dirty="0"/>
           </a:p>
           <a:p>
             <a:pPr algn="just"/>
@@ -6231,7 +6296,7 @@
     </p:spTree>
     <p:extLst>
       <p:ext uri="{BB962C8B-B14F-4D97-AF65-F5344CB8AC3E}">
-        <p14:creationId xmlns:p14="http://schemas.microsoft.com/office/powerpoint/2010/main" val="3119397065"/>
+        <p14:creationId xmlns:p14="http://schemas.microsoft.com/office/powerpoint/2010/main" val="4033736536"/>
       </p:ext>
     </p:extLst>
   </p:cSld>
@@ -6260,10 +6325,10 @@
       </p:grpSpPr>
       <p:sp>
         <p:nvSpPr>
-          <p:cNvPr id="2" name="Titel 1">
-            <a:extLst>
-              <a:ext uri="{FF2B5EF4-FFF2-40B4-BE49-F238E27FC236}">
-                <a16:creationId xmlns:a16="http://schemas.microsoft.com/office/drawing/2014/main" id="{577718E3-62E8-4D37-AEFF-2A611E32F1A9}"/>
+          <p:cNvPr id="2" name="Título 1">
+            <a:extLst>
+              <a:ext uri="{FF2B5EF4-FFF2-40B4-BE49-F238E27FC236}">
+                <a16:creationId xmlns:a16="http://schemas.microsoft.com/office/drawing/2014/main" id="{DADB9051-CFA2-4C58-B217-42FCAB30AF21}"/>
               </a:ext>
             </a:extLst>
           </p:cNvPr>
@@ -6274,12 +6339,7 @@
             <p:ph type="title"/>
           </p:nvPr>
         </p:nvSpPr>
-        <p:spPr>
-          <a:xfrm>
-            <a:off x="358811" y="295682"/>
-            <a:ext cx="8139237" cy="474040"/>
-          </a:xfrm>
-        </p:spPr>
+        <p:spPr/>
         <p:txBody>
           <a:bodyPr>
             <a:normAutofit fontScale="90000"/>
@@ -6288,38 +6348,17 @@
           <a:p>
             <a:r>
               <a:rPr lang="es-ES" dirty="0"/>
-              <a:t>7- </a:t>
-            </a:r>
-            <a:r>
-              <a:rPr lang="en-GB" dirty="0"/>
-              <a:t>Proyecto </a:t>
-            </a:r>
-            <a:r>
-              <a:rPr lang="en-GB" dirty="0" err="1"/>
-              <a:t>completo</a:t>
-            </a:r>
-            <a:br>
-              <a:rPr lang="en-GB" dirty="0"/>
-            </a:br>
-            <a:br>
-              <a:rPr lang="en-GB" dirty="0"/>
-            </a:br>
-            <a:br>
-              <a:rPr lang="en-GB" dirty="0"/>
-            </a:br>
-            <a:br>
-              <a:rPr lang="en-GB" dirty="0"/>
-            </a:br>
-            <a:endParaRPr lang="de-DE" dirty="0"/>
-          </a:p>
-        </p:txBody>
-      </p:sp>
-      <p:sp>
-        <p:nvSpPr>
-          <p:cNvPr id="3" name="Inhaltsplatzhalter 2">
-            <a:extLst>
-              <a:ext uri="{FF2B5EF4-FFF2-40B4-BE49-F238E27FC236}">
-                <a16:creationId xmlns:a16="http://schemas.microsoft.com/office/drawing/2014/main" id="{7F1FDFB0-D952-4E0F-94FA-D47BF67ED655}"/>
+              <a:t>7- Casos de uso</a:t>
+            </a:r>
+          </a:p>
+        </p:txBody>
+      </p:sp>
+      <p:sp>
+        <p:nvSpPr>
+          <p:cNvPr id="3" name="Marcador de contenido 2">
+            <a:extLst>
+              <a:ext uri="{FF2B5EF4-FFF2-40B4-BE49-F238E27FC236}">
+                <a16:creationId xmlns:a16="http://schemas.microsoft.com/office/drawing/2014/main" id="{E005AFF3-F10E-4A31-A7D6-7198EC59281B}"/>
               </a:ext>
             </a:extLst>
           </p:cNvPr>
@@ -6335,72 +6374,103 @@
           <a:bodyPr/>
           <a:lstStyle/>
           <a:p>
-            <a:pPr algn="just"/>
             <a:r>
               <a:rPr lang="es-ES" dirty="0"/>
-              <a:t>Seguidamente a este primer contacto con las tecnologías, se plantea hacer una aplicación web completa. Esta tendrá una temática concreta, un servicio de renting para una empresa. </a:t>
-            </a:r>
-          </a:p>
-          <a:p>
-            <a:pPr algn="just"/>
-            <a:r>
-              <a:rPr lang="es-ES" dirty="0"/>
-              <a:t>Se planea que un usuario administrador ponga en oferta de renting coches que estén registrados en la DGT. Por ello, y para que según en código VIN del coche se puedan obtener todos los datos exactos de este, la base de datos tendrá que contemplar la implementación de todos los datos importados de la página oficial de la DGT</a:t>
-            </a:r>
-            <a:r>
-              <a:rPr lang="en-US" dirty="0"/>
-              <a:t>.</a:t>
-            </a:r>
-          </a:p>
-          <a:p>
-            <a:pPr algn="just"/>
-            <a:r>
-              <a:rPr lang="es-ES" dirty="0"/>
-              <a:t>Por último, se automatizará la lectura de los datos y generación de una base de datos a partir de un fichero XML que especifica los archivos de descarga de comprimidos de datos. Para esta tarea, se utilizará el proceso </a:t>
+              <a:t>Se ha diseñado un diagrama de casos de uso en </a:t>
             </a:r>
             <a:r>
               <a:rPr lang="es-ES" dirty="0">
                 <a:hlinkClick r:id="rId2"/>
               </a:rPr>
-              <a:t>ETL</a:t>
+              <a:t>draw.io</a:t>
             </a:r>
             <a:r>
               <a:rPr lang="es-ES" dirty="0"/>
-              <a:t>(</a:t>
-            </a:r>
-            <a:r>
-              <a:rPr lang="es-ES" dirty="0" err="1"/>
-              <a:t>Extract</a:t>
-            </a:r>
+              <a:t> para cubrir todas las acciones que puedan llegar a hacer los usuarios:</a:t>
+            </a:r>
+          </a:p>
+          <a:p>
+            <a:pPr lvl="1"/>
             <a:r>
               <a:rPr lang="es-ES" dirty="0"/>
-              <a:t>, </a:t>
-            </a:r>
-            <a:r>
-              <a:rPr lang="es-ES" dirty="0" err="1"/>
-              <a:t>Transform</a:t>
-            </a:r>
+              <a:t>Como usuario cliente:</a:t>
+            </a:r>
+          </a:p>
+          <a:p>
+            <a:pPr lvl="2"/>
             <a:r>
               <a:rPr lang="es-ES" dirty="0"/>
-              <a:t>, Load).</a:t>
-            </a:r>
-          </a:p>
-          <a:p>
-            <a:pPr algn="just"/>
-            <a:endParaRPr lang="en-US" dirty="0"/>
-          </a:p>
-          <a:p>
-            <a:pPr algn="just"/>
-            <a:endParaRPr lang="en-US" dirty="0"/>
+              <a:t>Puedo iniciar sesión con mi perfil</a:t>
+            </a:r>
+          </a:p>
+          <a:p>
+            <a:pPr lvl="2"/>
+            <a:r>
+              <a:rPr lang="es-ES" dirty="0"/>
+              <a:t>Puedo registrarme en la página</a:t>
+            </a:r>
+          </a:p>
+          <a:p>
+            <a:pPr lvl="2"/>
+            <a:r>
+              <a:rPr lang="es-ES" dirty="0"/>
+              <a:t>Puedo ver una pantalla de bienvenida con coches disponibles</a:t>
+            </a:r>
+          </a:p>
+          <a:p>
+            <a:pPr lvl="2"/>
+            <a:r>
+              <a:rPr lang="es-ES" dirty="0"/>
+              <a:t>Puedo ver más información sobre un coche concreto</a:t>
+            </a:r>
+          </a:p>
+          <a:p>
+            <a:pPr lvl="2"/>
+            <a:r>
+              <a:rPr lang="es-ES" dirty="0"/>
+              <a:t>Puedo añadir un coche en concreto a mi lista</a:t>
+            </a:r>
+          </a:p>
+          <a:p>
+            <a:pPr lvl="2"/>
+            <a:r>
+              <a:rPr lang="es-ES" dirty="0"/>
+              <a:t>Puedo modificar un coche en concreto de mi lista de alquiler</a:t>
+            </a:r>
+          </a:p>
+          <a:p>
+            <a:pPr lvl="2"/>
+            <a:r>
+              <a:rPr lang="es-ES" dirty="0"/>
+              <a:t>Puedo eliminar un coche en concreto de mi lista </a:t>
+            </a:r>
+          </a:p>
+          <a:p>
+            <a:pPr lvl="2"/>
+            <a:r>
+              <a:rPr lang="es-ES" dirty="0"/>
+              <a:t>Puedo buscar un coche en concreto disponible </a:t>
+            </a:r>
+          </a:p>
+          <a:p>
+            <a:pPr lvl="2"/>
+            <a:r>
+              <a:rPr lang="es-ES" dirty="0"/>
+              <a:t>Puedo ver mi lista de coches</a:t>
+            </a:r>
+          </a:p>
+          <a:p>
+            <a:pPr lvl="2"/>
+            <a:endParaRPr lang="es-ES" dirty="0"/>
           </a:p>
         </p:txBody>
       </p:sp>
       <p:pic>
         <p:nvPicPr>
-          <p:cNvPr id="2050" name="Picture 2" descr="Universidad de La Laguna (ULL) – 9º Encuentro BID">
-            <a:extLst>
-              <a:ext uri="{FF2B5EF4-FFF2-40B4-BE49-F238E27FC236}">
-                <a16:creationId xmlns:a16="http://schemas.microsoft.com/office/drawing/2014/main" id="{882940A1-F76E-46F8-8D6F-3B268F96020C}"/>
+          <p:cNvPr id="4" name="Picture 2" descr="Universidad de La Laguna (ULL) – 9º Encuentro BID">
+            <a:extLst>
+              <a:ext uri="{FF2B5EF4-FFF2-40B4-BE49-F238E27FC236}">
+                <a16:creationId xmlns:a16="http://schemas.microsoft.com/office/drawing/2014/main" id="{23F2EA15-5455-464B-9C93-C7B23D2DD441}"/>
               </a:ext>
             </a:extLst>
           </p:cNvPr>
@@ -6445,7 +6515,7 @@
     </p:spTree>
     <p:extLst>
       <p:ext uri="{BB962C8B-B14F-4D97-AF65-F5344CB8AC3E}">
-        <p14:creationId xmlns:p14="http://schemas.microsoft.com/office/powerpoint/2010/main" val="4033736536"/>
+        <p14:creationId xmlns:p14="http://schemas.microsoft.com/office/powerpoint/2010/main" val="406973091"/>
       </p:ext>
     </p:extLst>
   </p:cSld>
@@ -6497,7 +6567,7 @@
           <a:p>
             <a:r>
               <a:rPr lang="es-ES" dirty="0"/>
-              <a:t>8- Casos de uso</a:t>
+              <a:t>7- Casos de uso</a:t>
             </a:r>
           </a:p>
         </p:txBody>
@@ -6523,26 +6593,10 @@
           <a:bodyPr/>
           <a:lstStyle/>
           <a:p>
+            <a:pPr lvl="1"/>
             <a:r>
               <a:rPr lang="es-ES" dirty="0"/>
-              <a:t>Se ha diseñado un diagrama de casos de uso en </a:t>
-            </a:r>
-            <a:r>
-              <a:rPr lang="es-ES" dirty="0">
-                <a:hlinkClick r:id="rId2"/>
-              </a:rPr>
-              <a:t>draw.io</a:t>
-            </a:r>
-            <a:r>
-              <a:rPr lang="es-ES" dirty="0"/>
-              <a:t> para cubrir todas las acciones que puedan llegar a hacer los usuarios:</a:t>
-            </a:r>
-          </a:p>
-          <a:p>
-            <a:pPr lvl="1"/>
-            <a:r>
-              <a:rPr lang="es-ES" dirty="0"/>
-              <a:t>Como usuario cliente:</a:t>
+              <a:t>Como usuario administrador:</a:t>
             </a:r>
           </a:p>
           <a:p>
@@ -6556,14 +6610,7 @@
             <a:pPr lvl="2"/>
             <a:r>
               <a:rPr lang="es-ES" dirty="0"/>
-              <a:t>Puedo registrarme en la página</a:t>
-            </a:r>
-          </a:p>
-          <a:p>
-            <a:pPr lvl="2"/>
-            <a:r>
-              <a:rPr lang="es-ES" dirty="0"/>
-              <a:t>Puedo ver una pantalla de bienvenida con coches en oferta de alquiler</a:t>
+              <a:t>Puedo ver una pantalla de bienvenida con coches en oferta </a:t>
             </a:r>
           </a:p>
           <a:p>
@@ -6577,36 +6624,49 @@
             <a:pPr lvl="2"/>
             <a:r>
               <a:rPr lang="es-ES" dirty="0"/>
-              <a:t>Puedo añadir un coche en concreto a mi lista de alquiler</a:t>
+              <a:t>Puedo añadir un coche en concreto a la lista general de coches </a:t>
             </a:r>
           </a:p>
           <a:p>
             <a:pPr lvl="2"/>
             <a:r>
               <a:rPr lang="es-ES" dirty="0"/>
-              <a:t>Puedo modificar un coche en concreto de mi lista de alquiler</a:t>
+              <a:t>Puedo modificar un coche en concreto de la lista general de coches </a:t>
             </a:r>
           </a:p>
           <a:p>
             <a:pPr lvl="2"/>
             <a:r>
               <a:rPr lang="es-ES" dirty="0"/>
-              <a:t>Puedo eliminar un coche en concreto de mi lista de alquiler</a:t>
+              <a:t>Puedo eliminar un coche en concreto de la lista general de coches</a:t>
             </a:r>
           </a:p>
           <a:p>
             <a:pPr lvl="2"/>
             <a:r>
               <a:rPr lang="es-ES" dirty="0"/>
-              <a:t>Puedo buscar un coche en concreto disponible para alquilar</a:t>
+              <a:t>Puedo buscar un coche en concreto disponible </a:t>
             </a:r>
           </a:p>
           <a:p>
             <a:pPr lvl="2"/>
             <a:r>
               <a:rPr lang="es-ES" dirty="0"/>
-              <a:t>Puedo ver mi lista de coches en alquiler</a:t>
-            </a:r>
+              <a:t>Puedo ver todos los usuarios registrados</a:t>
+            </a:r>
+          </a:p>
+          <a:p>
+            <a:pPr lvl="2"/>
+            <a:r>
+              <a:rPr lang="es-ES" dirty="0"/>
+              <a:t>Puedo ver todos los perfiles de usuario</a:t>
+            </a:r>
+          </a:p>
+          <a:p>
+            <a:pPr marL="914400" lvl="2" indent="0">
+              <a:buNone/>
+            </a:pPr>
+            <a:endParaRPr lang="es-ES" dirty="0"/>
           </a:p>
           <a:p>
             <a:pPr lvl="2"/>
@@ -6623,7 +6683,7 @@
           <p:cNvPr id="4" name="Picture 2" descr="Universidad de La Laguna (ULL) – 9º Encuentro BID">
             <a:extLst>
               <a:ext uri="{FF2B5EF4-FFF2-40B4-BE49-F238E27FC236}">
-                <a16:creationId xmlns:a16="http://schemas.microsoft.com/office/drawing/2014/main" id="{23F2EA15-5455-464B-9C93-C7B23D2DD441}"/>
+                <a16:creationId xmlns:a16="http://schemas.microsoft.com/office/drawing/2014/main" id="{14AA323D-A637-4151-BA3E-5FF61BDE0BB9}"/>
               </a:ext>
             </a:extLst>
           </p:cNvPr>
@@ -6633,7 +6693,7 @@
           <p:nvPr/>
         </p:nvPicPr>
         <p:blipFill>
-          <a:blip r:embed="rId3">
+          <a:blip r:embed="rId2">
             <a:extLst>
               <a:ext uri="{28A0092B-C50C-407E-A947-70E740481C1C}">
                 <a14:useLocalDpi xmlns:a14="http://schemas.microsoft.com/office/drawing/2010/main" val="0"/>
@@ -6668,7 +6728,7 @@
     </p:spTree>
     <p:extLst>
       <p:ext uri="{BB962C8B-B14F-4D97-AF65-F5344CB8AC3E}">
-        <p14:creationId xmlns:p14="http://schemas.microsoft.com/office/powerpoint/2010/main" val="406973091"/>
+        <p14:creationId xmlns:p14="http://schemas.microsoft.com/office/powerpoint/2010/main" val="1601533620"/>
       </p:ext>
     </p:extLst>
   </p:cSld>
@@ -6720,123 +6780,17 @@
           <a:p>
             <a:r>
               <a:rPr lang="es-ES" dirty="0"/>
-              <a:t>8- Casos de uso</a:t>
-            </a:r>
-          </a:p>
-        </p:txBody>
-      </p:sp>
-      <p:sp>
-        <p:nvSpPr>
-          <p:cNvPr id="3" name="Marcador de contenido 2">
-            <a:extLst>
-              <a:ext uri="{FF2B5EF4-FFF2-40B4-BE49-F238E27FC236}">
-                <a16:creationId xmlns:a16="http://schemas.microsoft.com/office/drawing/2014/main" id="{E005AFF3-F10E-4A31-A7D6-7198EC59281B}"/>
-              </a:ext>
-            </a:extLst>
-          </p:cNvPr>
-          <p:cNvSpPr>
-            <a:spLocks noGrp="1"/>
-          </p:cNvSpPr>
-          <p:nvPr>
-            <p:ph idx="1"/>
-          </p:nvPr>
-        </p:nvSpPr>
-        <p:spPr/>
-        <p:txBody>
-          <a:bodyPr/>
-          <a:lstStyle/>
-          <a:p>
-            <a:pPr lvl="1"/>
-            <a:r>
-              <a:rPr lang="es-ES" dirty="0"/>
-              <a:t>Como usuario administrador:</a:t>
-            </a:r>
-          </a:p>
-          <a:p>
-            <a:pPr lvl="2"/>
-            <a:r>
-              <a:rPr lang="es-ES" dirty="0"/>
-              <a:t>Puedo iniciar sesión con mi perfil</a:t>
-            </a:r>
-          </a:p>
-          <a:p>
-            <a:pPr lvl="2"/>
-            <a:r>
-              <a:rPr lang="es-ES" dirty="0"/>
-              <a:t>Puedo ver una pantalla de bienvenida con coches en oferta de alquiler</a:t>
-            </a:r>
-          </a:p>
-          <a:p>
-            <a:pPr lvl="2"/>
-            <a:r>
-              <a:rPr lang="es-ES" dirty="0"/>
-              <a:t>Puedo ver más información sobre un coche concreto</a:t>
-            </a:r>
-          </a:p>
-          <a:p>
-            <a:pPr lvl="2"/>
-            <a:r>
-              <a:rPr lang="es-ES" dirty="0"/>
-              <a:t>Puedo añadir un coche en concreto a la lista general de coches en alquiler</a:t>
-            </a:r>
-          </a:p>
-          <a:p>
-            <a:pPr lvl="2"/>
-            <a:r>
-              <a:rPr lang="es-ES" dirty="0"/>
-              <a:t>Puedo modificar un coche en concreto en la lista general de coches en alquiler</a:t>
-            </a:r>
-          </a:p>
-          <a:p>
-            <a:pPr lvl="2"/>
-            <a:r>
-              <a:rPr lang="es-ES" dirty="0"/>
-              <a:t>Puedo eliminar un coche en concreto en la lista general de coches en alquiler </a:t>
-            </a:r>
-          </a:p>
-          <a:p>
-            <a:pPr lvl="2"/>
-            <a:r>
-              <a:rPr lang="es-ES" dirty="0"/>
-              <a:t>Puedo buscar un coche en concreto disponible para alquilar</a:t>
-            </a:r>
-          </a:p>
-          <a:p>
-            <a:pPr lvl="2"/>
-            <a:r>
-              <a:rPr lang="es-ES" dirty="0"/>
-              <a:t>Puedo ver todos los usuarios registrados</a:t>
-            </a:r>
-          </a:p>
-          <a:p>
-            <a:pPr lvl="2"/>
-            <a:r>
-              <a:rPr lang="es-ES" dirty="0"/>
-              <a:t>Puedo ver todos los perfiles de usuario</a:t>
-            </a:r>
-          </a:p>
-          <a:p>
-            <a:pPr marL="914400" lvl="2" indent="0">
-              <a:buNone/>
-            </a:pPr>
-            <a:endParaRPr lang="es-ES" dirty="0"/>
-          </a:p>
-          <a:p>
-            <a:pPr lvl="2"/>
-            <a:endParaRPr lang="es-ES" dirty="0"/>
-          </a:p>
-          <a:p>
-            <a:pPr lvl="2"/>
-            <a:endParaRPr lang="es-ES" dirty="0"/>
+              <a:t>7- Casos de uso</a:t>
+            </a:r>
           </a:p>
         </p:txBody>
       </p:sp>
       <p:pic>
         <p:nvPicPr>
-          <p:cNvPr id="4" name="Picture 2" descr="Universidad de La Laguna (ULL) – 9º Encuentro BID">
-            <a:extLst>
-              <a:ext uri="{FF2B5EF4-FFF2-40B4-BE49-F238E27FC236}">
-                <a16:creationId xmlns:a16="http://schemas.microsoft.com/office/drawing/2014/main" id="{14AA323D-A637-4151-BA3E-5FF61BDE0BB9}"/>
+          <p:cNvPr id="8" name="Picture 2" descr="Universidad de La Laguna (ULL) – 9º Encuentro BID">
+            <a:extLst>
+              <a:ext uri="{FF2B5EF4-FFF2-40B4-BE49-F238E27FC236}">
+                <a16:creationId xmlns:a16="http://schemas.microsoft.com/office/drawing/2014/main" id="{9CEE50E6-6600-451F-B2CA-9A8EEF250448}"/>
               </a:ext>
             </a:extLst>
           </p:cNvPr>
@@ -6878,72 +6832,12 @@
           </a:extLst>
         </p:spPr>
       </p:pic>
-    </p:spTree>
-    <p:extLst>
-      <p:ext uri="{BB962C8B-B14F-4D97-AF65-F5344CB8AC3E}">
-        <p14:creationId xmlns:p14="http://schemas.microsoft.com/office/powerpoint/2010/main" val="1601533620"/>
-      </p:ext>
-    </p:extLst>
-  </p:cSld>
-  <p:clrMapOvr>
-    <a:masterClrMapping/>
-  </p:clrMapOvr>
-</p:sld>
-</file>
-
-<file path=ppt/slides/slide16.xml><?xml version="1.0" encoding="utf-8"?>
-<p:sld xmlns:a="http://schemas.openxmlformats.org/drawingml/2006/main" xmlns:r="http://schemas.openxmlformats.org/officeDocument/2006/relationships" xmlns:p="http://schemas.openxmlformats.org/presentationml/2006/main">
-  <p:cSld>
-    <p:spTree>
-      <p:nvGrpSpPr>
-        <p:cNvPr id="1" name=""/>
-        <p:cNvGrpSpPr/>
-        <p:nvPr/>
-      </p:nvGrpSpPr>
-      <p:grpSpPr>
-        <a:xfrm>
-          <a:off x="0" y="0"/>
-          <a:ext cx="0" cy="0"/>
-          <a:chOff x="0" y="0"/>
-          <a:chExt cx="0" cy="0"/>
-        </a:xfrm>
-      </p:grpSpPr>
-      <p:sp>
-        <p:nvSpPr>
-          <p:cNvPr id="2" name="Título 1">
-            <a:extLst>
-              <a:ext uri="{FF2B5EF4-FFF2-40B4-BE49-F238E27FC236}">
-                <a16:creationId xmlns:a16="http://schemas.microsoft.com/office/drawing/2014/main" id="{DADB9051-CFA2-4C58-B217-42FCAB30AF21}"/>
-              </a:ext>
-            </a:extLst>
-          </p:cNvPr>
-          <p:cNvSpPr>
-            <a:spLocks noGrp="1"/>
-          </p:cNvSpPr>
-          <p:nvPr>
-            <p:ph type="title"/>
-          </p:nvPr>
-        </p:nvSpPr>
-        <p:spPr/>
-        <p:txBody>
-          <a:bodyPr>
-            <a:normAutofit fontScale="90000"/>
-          </a:bodyPr>
-          <a:lstStyle/>
-          <a:p>
-            <a:r>
-              <a:rPr lang="es-ES" dirty="0"/>
-              <a:t>8- Casos de uso</a:t>
-            </a:r>
-          </a:p>
-        </p:txBody>
-      </p:sp>
       <p:pic>
         <p:nvPicPr>
-          <p:cNvPr id="7" name="Picture 6" descr="Diagram&#10;&#10;Description automatically generated">
-            <a:extLst>
-              <a:ext uri="{FF2B5EF4-FFF2-40B4-BE49-F238E27FC236}">
-                <a16:creationId xmlns:a16="http://schemas.microsoft.com/office/drawing/2014/main" id="{53594F7B-CBA5-4D61-B79D-FB5AA83A1B04}"/>
+          <p:cNvPr id="10" name="Picture 9" descr="Diagram&#10;&#10;Description automatically generated">
+            <a:extLst>
+              <a:ext uri="{FF2B5EF4-FFF2-40B4-BE49-F238E27FC236}">
+                <a16:creationId xmlns:a16="http://schemas.microsoft.com/office/drawing/2014/main" id="{A0C5D774-1A2F-4615-905E-B67CA332C094}"/>
               </a:ext>
             </a:extLst>
           </p:cNvPr>
@@ -6953,7 +6847,7 @@
           <p:nvPr/>
         </p:nvPicPr>
         <p:blipFill>
-          <a:blip r:embed="rId2">
+          <a:blip r:embed="rId3">
             <a:extLst>
               <a:ext uri="{28A0092B-C50C-407E-A947-70E740481C1C}">
                 <a14:useLocalDpi xmlns:a14="http://schemas.microsoft.com/office/drawing/2010/main" val="0"/>
@@ -6966,59 +6860,12 @@
         </p:blipFill>
         <p:spPr>
           <a:xfrm>
-            <a:off x="3819620" y="529817"/>
-            <a:ext cx="5080540" cy="6079739"/>
+            <a:off x="3249873" y="207659"/>
+            <a:ext cx="5206230" cy="6230148"/>
           </a:xfrm>
           <a:prstGeom prst="rect">
             <a:avLst/>
           </a:prstGeom>
-        </p:spPr>
-      </p:pic>
-      <p:pic>
-        <p:nvPicPr>
-          <p:cNvPr id="8" name="Picture 2" descr="Universidad de La Laguna (ULL) – 9º Encuentro BID">
-            <a:extLst>
-              <a:ext uri="{FF2B5EF4-FFF2-40B4-BE49-F238E27FC236}">
-                <a16:creationId xmlns:a16="http://schemas.microsoft.com/office/drawing/2014/main" id="{9CEE50E6-6600-451F-B2CA-9A8EEF250448}"/>
-              </a:ext>
-            </a:extLst>
-          </p:cNvPr>
-          <p:cNvPicPr>
-            <a:picLocks noChangeAspect="1" noChangeArrowheads="1"/>
-          </p:cNvPicPr>
-          <p:nvPr/>
-        </p:nvPicPr>
-        <p:blipFill>
-          <a:blip r:embed="rId3">
-            <a:extLst>
-              <a:ext uri="{28A0092B-C50C-407E-A947-70E740481C1C}">
-                <a14:useLocalDpi xmlns:a14="http://schemas.microsoft.com/office/drawing/2010/main" val="0"/>
-              </a:ext>
-            </a:extLst>
-          </a:blip>
-          <a:srcRect/>
-          <a:stretch>
-            <a:fillRect/>
-          </a:stretch>
-        </p:blipFill>
-        <p:spPr bwMode="auto">
-          <a:xfrm>
-            <a:off x="8621351" y="295682"/>
-            <a:ext cx="1828935" cy="438250"/>
-          </a:xfrm>
-          <a:prstGeom prst="rect">
-            <a:avLst/>
-          </a:prstGeom>
-          <a:noFill/>
-          <a:extLst>
-            <a:ext uri="{909E8E84-426E-40DD-AFC4-6F175D3DCCD1}">
-              <a14:hiddenFill xmlns:a14="http://schemas.microsoft.com/office/drawing/2010/main">
-                <a:solidFill>
-                  <a:srgbClr val="FFFFFF"/>
-                </a:solidFill>
-              </a14:hiddenFill>
-            </a:ext>
-          </a:extLst>
         </p:spPr>
       </p:pic>
     </p:spTree>
@@ -7106,50 +6953,28 @@
             <a:pPr algn="just"/>
             <a:r>
               <a:rPr lang="es-ES" dirty="0"/>
-              <a:t>El objetivo general de estas prácticas externas es pasar por todas las fases del desarrollo de una aplicación web para familiarizarse con todas las tecnologías que se encuentran en este dentro de una empresa.</a:t>
+              <a:t>El objetivo general de estas prácticas externas es pasar por todas las fases del desarrollo de un sistema IT para familiarizarse con tecnologías que se encuentran dentro de una empresa.</a:t>
             </a:r>
           </a:p>
           <a:p>
             <a:pPr algn="just"/>
             <a:r>
               <a:rPr lang="es-ES" dirty="0"/>
-              <a:t>La temática de la aplicación a realizar será una página con autentificación que consulte una base de datos sobre vehículos y el objetivo final será construir una infraestructura destinada al alquiler de estos.  </a:t>
+              <a:t>La temática a realizar será crear un portal que gestione la flota de vehículos de una empresa. Dicho portal estará vinculado con la DTG y hará uso de los microdatos que proporciona.</a:t>
             </a:r>
           </a:p>
           <a:p>
             <a:pPr algn="just"/>
             <a:r>
               <a:rPr lang="es-ES" dirty="0"/>
-              <a:t>Se tendrá en cuenta dos vistas: </a:t>
-            </a:r>
-          </a:p>
-          <a:p>
-            <a:pPr lvl="1" algn="just"/>
+              <a:t>Previamente al proyecto completo, se profundizará con las tecnologías disponibles que se pueden utilizar con el objetivo de llevar un aprendizaje de estas.</a:t>
+            </a:r>
+          </a:p>
+          <a:p>
+            <a:pPr algn="just"/>
             <a:r>
               <a:rPr lang="es-ES" dirty="0"/>
-              <a:t>Usuario común.</a:t>
-            </a:r>
-          </a:p>
-          <a:p>
-            <a:pPr lvl="1" algn="just"/>
-            <a:r>
-              <a:rPr lang="es-ES" dirty="0"/>
-              <a:t>Usuario administrador.</a:t>
-            </a:r>
-          </a:p>
-          <a:p>
-            <a:pPr algn="just"/>
-            <a:r>
-              <a:rPr lang="es-ES" dirty="0"/>
-              <a:t>Antes de comenzar el proyecto completo, se trabajará con las tecnologías que se van a utilizar con el objetivo de llevar un </a:t>
-            </a:r>
-            <a:r>
-              <a:rPr lang="es-ES"/>
-              <a:t>aprendizaje de </a:t>
-            </a:r>
-            <a:r>
-              <a:rPr lang="es-ES" dirty="0"/>
-              <a:t>estas.</a:t>
+              <a:t>También se planea entrar en contacto con los Principios de Desarrollo de Software(KISS, DRY, SOLID)</a:t>
             </a:r>
           </a:p>
         </p:txBody>
@@ -7256,7 +7081,15 @@
           <a:p>
             <a:r>
               <a:rPr lang="en-GB" dirty="0" err="1"/>
-              <a:t>Contenidos</a:t>
+              <a:t>Estudios</a:t>
+            </a:r>
+            <a:r>
+              <a:rPr lang="en-GB" dirty="0"/>
+              <a:t> </a:t>
+            </a:r>
+            <a:r>
+              <a:rPr lang="en-GB" dirty="0" err="1"/>
+              <a:t>previos</a:t>
             </a:r>
             <a:endParaRPr lang="en-GB" dirty="0"/>
           </a:p>
@@ -7319,13 +7152,8 @@
             </a:r>
             <a:r>
               <a:rPr lang="en-GB" dirty="0"/>
-              <a:t> Core API </a:t>
-            </a:r>
-            <a:r>
-              <a:rPr lang="en-GB" dirty="0" err="1"/>
-              <a:t>inicializada</a:t>
-            </a:r>
-            <a:endParaRPr lang="en-GB" dirty="0"/>
+              <a:t> Core API</a:t>
+            </a:r>
           </a:p>
         </p:txBody>
       </p:sp>
@@ -7591,9 +7419,18 @@
           <a:lstStyle/>
           <a:p>
             <a:r>
+              <a:rPr lang="en-GB" dirty="0" err="1"/>
+              <a:t>Selección</a:t>
+            </a:r>
+            <a:r>
               <a:rPr lang="en-GB" dirty="0"/>
-              <a:t>SQL Server</a:t>
-            </a:r>
+              <a:t> de bases de </a:t>
+            </a:r>
+            <a:r>
+              <a:rPr lang="en-GB" dirty="0" err="1"/>
+              <a:t>datos</a:t>
+            </a:r>
+            <a:endParaRPr lang="en-GB" dirty="0"/>
           </a:p>
         </p:txBody>
       </p:sp>
@@ -7677,7 +7514,10 @@
               <a:rPr lang="en-GB" dirty="0" err="1"/>
               <a:t>Dockerización</a:t>
             </a:r>
-            <a:endParaRPr lang="en-GB" dirty="0"/>
+            <a:r>
+              <a:rPr lang="en-GB" dirty="0"/>
+              <a:t> / deployment</a:t>
+            </a:r>
           </a:p>
         </p:txBody>
       </p:sp>
@@ -7758,24 +7598,9 @@
           <a:lstStyle/>
           <a:p>
             <a:r>
-              <a:rPr lang="en-GB" dirty="0"/>
-              <a:t>Front de </a:t>
-            </a:r>
-            <a:r>
               <a:rPr lang="en-GB" dirty="0" err="1"/>
-              <a:t>Ángular</a:t>
-            </a:r>
-            <a:r>
-              <a:rPr lang="en-GB" dirty="0"/>
-              <a:t> </a:t>
-            </a:r>
-            <a:r>
-              <a:rPr lang="en-GB" dirty="0" err="1"/>
-              <a:t>dockerizado</a:t>
-            </a:r>
-            <a:endParaRPr lang="en-GB" dirty="0"/>
-          </a:p>
-          <a:p>
+              <a:t>Próximamente</a:t>
+            </a:r>
             <a:endParaRPr lang="en-GB" dirty="0"/>
           </a:p>
         </p:txBody>
@@ -7858,12 +7683,15 @@
           <a:p>
             <a:r>
               <a:rPr lang="en-GB" dirty="0"/>
-              <a:t>Proyecto </a:t>
+              <a:t>Casos de </a:t>
             </a:r>
             <a:r>
               <a:rPr lang="en-GB" dirty="0" err="1"/>
-              <a:t>completo</a:t>
-            </a:r>
+              <a:t>uso</a:t>
+            </a:r>
+            <a:endParaRPr lang="en-GB" dirty="0"/>
+          </a:p>
+          <a:p>
             <a:endParaRPr lang="en-GB" dirty="0"/>
           </a:p>
         </p:txBody>
@@ -7916,7 +7744,7 @@
           </a:bodyPr>
           <a:lstStyle/>
           <a:p>
-            <a:endParaRPr lang="en-GB"/>
+            <a:endParaRPr lang="en-GB" dirty="0"/>
           </a:p>
         </p:txBody>
       </p:sp>
@@ -7941,14 +7769,6 @@
           <a:bodyPr/>
           <a:lstStyle/>
           <a:p>
-            <a:r>
-              <a:rPr lang="en-GB" dirty="0"/>
-              <a:t>Casos de </a:t>
-            </a:r>
-            <a:r>
-              <a:rPr lang="en-GB" dirty="0" err="1"/>
-              <a:t>uso</a:t>
-            </a:r>
             <a:endParaRPr lang="en-GB" dirty="0"/>
           </a:p>
         </p:txBody>
@@ -8093,11 +7913,7 @@
             </a:r>
             <a:r>
               <a:rPr lang="en-GB" dirty="0"/>
-              <a:t> Core API </a:t>
-            </a:r>
-            <a:r>
-              <a:rPr lang="es-ES" dirty="0"/>
-              <a:t>inicializada</a:t>
+              <a:t> Core API</a:t>
             </a:r>
             <a:br>
               <a:rPr lang="en-GB" dirty="0"/>
@@ -8366,6 +8182,10 @@
           <a:lstStyle/>
           <a:p>
             <a:pPr algn="just"/>
+            <a:endParaRPr lang="es-ES" dirty="0"/>
+          </a:p>
+          <a:p>
+            <a:pPr algn="just"/>
             <a:r>
               <a:rPr lang="es-ES" dirty="0"/>
               <a:t>Con el objetivo de tener la API documentada, se ha hecho uso de </a:t>
@@ -9240,11 +9060,7 @@
           <a:p>
             <a:r>
               <a:rPr lang="es-ES" dirty="0"/>
-              <a:t>4- </a:t>
-            </a:r>
-            <a:r>
-              <a:rPr lang="en-GB" dirty="0"/>
-              <a:t>SQL Server</a:t>
+              <a:t>4- Selección de base de datos</a:t>
             </a:r>
             <a:br>
               <a:rPr lang="en-GB" dirty="0"/>
@@ -9281,51 +9097,20 @@
           <a:lstStyle/>
           <a:p>
             <a:pPr algn="just"/>
+            <a:endParaRPr lang="es-ES" dirty="0"/>
+          </a:p>
+          <a:p>
+            <a:pPr algn="just"/>
             <a:r>
               <a:rPr lang="es-ES" dirty="0"/>
-              <a:t>Para poner en práctica todos los apartados anteriores se ha realizado una prueba de forma local en SQL Server.</a:t>
+              <a:t>Para poner en práctica algunos apartados anteriores se ha realizado una prueba de forma local en SQL Server Express. </a:t>
             </a:r>
           </a:p>
           <a:p>
             <a:pPr algn="just"/>
             <a:r>
               <a:rPr lang="es-ES" dirty="0"/>
-              <a:t>Solo se ha realizado por el momento una tabla “Coches”, ya que los usuarios, por este momento, se encuentra alojado en la propia API de forma momentánea. Los atributos de prueba que tiene esta tabla son :</a:t>
-            </a:r>
-          </a:p>
-          <a:p>
-            <a:pPr lvl="1" algn="just"/>
-            <a:r>
-              <a:rPr lang="es-ES" dirty="0"/>
-              <a:t>Id</a:t>
-            </a:r>
-          </a:p>
-          <a:p>
-            <a:pPr lvl="1" algn="just"/>
-            <a:r>
-              <a:rPr lang="es-ES" dirty="0"/>
-              <a:t>Nombre de usuario</a:t>
-            </a:r>
-          </a:p>
-          <a:p>
-            <a:pPr lvl="1" algn="just"/>
-            <a:r>
-              <a:rPr lang="es-ES" dirty="0"/>
-              <a:t>Matrícula</a:t>
-            </a:r>
-          </a:p>
-          <a:p>
-            <a:pPr lvl="1" algn="just"/>
-            <a:r>
-              <a:rPr lang="es-ES" dirty="0"/>
-              <a:t>Año de fabricación</a:t>
-            </a:r>
-          </a:p>
-          <a:p>
-            <a:pPr lvl="1" algn="just"/>
-            <a:r>
-              <a:rPr lang="es-ES" dirty="0"/>
-              <a:t>Siguiente ITV</a:t>
+              <a:t>También se planea realizar una implementación de datos mantenidos en modo caché en una base de datos Redis de cara a trabajar con una gran base de datos.  </a:t>
             </a:r>
           </a:p>
         </p:txBody>

--- a/IniciacionDePracticasExternas.pptx
+++ b/IniciacionDePracticasExternas.pptx
@@ -274,7 +274,7 @@
           <a:p>
             <a:fld id="{D18408C4-2C7F-214C-83E2-CEB72601B4F7}" type="slidenum">
               <a:rPr lang="en-DE" smtClean="0"/>
-              <a:t>‹#›</a:t>
+              <a:t>‹Nº›</a:t>
             </a:fld>
             <a:endParaRPr lang="en-DE"/>
           </a:p>
@@ -6974,7 +6974,7 @@
             <a:pPr algn="just"/>
             <a:r>
               <a:rPr lang="es-ES" dirty="0"/>
-              <a:t>También se planea entrar en contacto con los Principios de Desarrollo de Software(KISS, DRY, SOLID)</a:t>
+              <a:t>También se planea entrar en contacto con los Principios de Desarrollo de Software(KISS, DRY, SOLID).</a:t>
             </a:r>
           </a:p>
         </p:txBody>
@@ -8719,7 +8719,15 @@
             </a:r>
             <a:r>
               <a:rPr lang="es-ES" dirty="0"/>
-              <a:t>: Devuelve todos los coches registrados. Esta petición solo la puede realizar un administrador aportando su JTW en el </a:t>
+              <a:t>: </a:t>
+            </a:r>
+            <a:r>
+              <a:rPr lang="es-ES" u="sng" dirty="0"/>
+              <a:t>Devuelve</a:t>
+            </a:r>
+            <a:r>
+              <a:rPr lang="es-ES" dirty="0"/>
+              <a:t> todos los coches registrados. Esta petición solo la puede realizar un administrador aportando su JTW en el </a:t>
             </a:r>
             <a:r>
               <a:rPr lang="es-ES" dirty="0" err="1"/>
@@ -9702,15 +9710,6 @@
 </file>
 
 <file path=customXml/item1.xml><?xml version="1.0" encoding="utf-8"?>
-<?mso-contentType ?>
-<FormTemplates xmlns="http://schemas.microsoft.com/sharepoint/v3/contenttype/forms">
-  <Display>DocumentLibraryForm</Display>
-  <Edit>DocumentLibraryForm</Edit>
-  <New>DocumentLibraryForm</New>
-</FormTemplates>
-</file>
-
-<file path=customXml/item2.xml><?xml version="1.0" encoding="utf-8"?>
 <p:properties xmlns:p="http://schemas.microsoft.com/office/2006/metadata/properties" xmlns:xsi="http://www.w3.org/2001/XMLSchema-instance" xmlns:pc="http://schemas.microsoft.com/office/infopath/2007/PartnerControls">
   <documentManagement>
     <TaxCatchAll xmlns="6dedcb10-c833-433a-ac85-a71007a78acc">
@@ -9761,7 +9760,66 @@
 </p:properties>
 </file>
 
+<file path=customXml/item2.xml><?xml version="1.0" encoding="utf-8"?>
+<?mso-contentType ?>
+<FormTemplates xmlns="http://schemas.microsoft.com/sharepoint/v3/contenttype/forms">
+  <Display>DocumentLibraryForm</Display>
+  <Edit>DocumentLibraryForm</Edit>
+  <New>DocumentLibraryForm</New>
+</FormTemplates>
+</file>
+
 <file path=customXml/item3.xml><?xml version="1.0" encoding="utf-8"?>
+<?mso-contentType ?>
+<spe:Receivers xmlns:spe="http://schemas.microsoft.com/sharepoint/events">
+  <Receiver>
+    <Name>Document ID Generator</Name>
+    <Synchronization>Synchronous</Synchronization>
+    <Type>10001</Type>
+    <SequenceNumber>1000</SequenceNumber>
+    <Url/>
+    <Assembly>Microsoft.Office.DocumentManagement, Version=16.0.0.0, Culture=neutral, PublicKeyToken=71e9bce111e9429c</Assembly>
+    <Class>Microsoft.Office.DocumentManagement.Internal.DocIdHandler</Class>
+    <Data/>
+    <Filter/>
+  </Receiver>
+  <Receiver>
+    <Name>Document ID Generator</Name>
+    <Synchronization>Synchronous</Synchronization>
+    <Type>10002</Type>
+    <SequenceNumber>1001</SequenceNumber>
+    <Url/>
+    <Assembly>Microsoft.Office.DocumentManagement, Version=16.0.0.0, Culture=neutral, PublicKeyToken=71e9bce111e9429c</Assembly>
+    <Class>Microsoft.Office.DocumentManagement.Internal.DocIdHandler</Class>
+    <Data/>
+    <Filter/>
+  </Receiver>
+  <Receiver>
+    <Name>Document ID Generator</Name>
+    <Synchronization>Synchronous</Synchronization>
+    <Type>10004</Type>
+    <SequenceNumber>1002</SequenceNumber>
+    <Url/>
+    <Assembly>Microsoft.Office.DocumentManagement, Version=16.0.0.0, Culture=neutral, PublicKeyToken=71e9bce111e9429c</Assembly>
+    <Class>Microsoft.Office.DocumentManagement.Internal.DocIdHandler</Class>
+    <Data/>
+    <Filter/>
+  </Receiver>
+  <Receiver>
+    <Name>Document ID Generator</Name>
+    <Synchronization>Synchronous</Synchronization>
+    <Type>10006</Type>
+    <SequenceNumber>1003</SequenceNumber>
+    <Url/>
+    <Assembly>Microsoft.Office.DocumentManagement, Version=16.0.0.0, Culture=neutral, PublicKeyToken=71e9bce111e9429c</Assembly>
+    <Class>Microsoft.Office.DocumentManagement.Internal.DocIdHandler</Class>
+    <Data/>
+    <Filter/>
+  </Receiver>
+</spe:Receivers>
+</file>
+
+<file path=customXml/item4.xml><?xml version="1.0" encoding="utf-8"?>
 <ct:contentTypeSchema xmlns:ct="http://schemas.microsoft.com/office/2006/metadata/contentType" xmlns:ma="http://schemas.microsoft.com/office/2006/metadata/properties/metaAttributes" ct:_="" ma:_="" ma:contentTypeName="Document" ma:contentTypeID="0x010100CCD2CB7645A6664EBA7D2C1B319298D9" ma:contentTypeVersion="20" ma:contentTypeDescription="Create a new document." ma:contentTypeScope="" ma:versionID="1b89333854ece0126e4211b82251641e">
   <xsd:schema xmlns:xsd="http://www.w3.org/2001/XMLSchema" xmlns:xs="http://www.w3.org/2001/XMLSchema" xmlns:p="http://schemas.microsoft.com/office/2006/metadata/properties" xmlns:ns2="6dedcb10-c833-433a-ac85-a71007a78acc" xmlns:ns3="51e2b858-bf58-46a2-91b2-3dafa82a619b" targetNamespace="http://schemas.microsoft.com/office/2006/metadata/properties" ma:root="true" ma:fieldsID="ff5f21df02492c208f9b75ad1252c953" ns2:_="" ns3:_="">
     <xsd:import namespace="6dedcb10-c833-433a-ac85-a71007a78acc"/>
@@ -10041,65 +10099,7 @@
 </ct:contentTypeSchema>
 </file>
 
-<file path=customXml/item4.xml><?xml version="1.0" encoding="utf-8"?>
-<?mso-contentType ?>
-<spe:Receivers xmlns:spe="http://schemas.microsoft.com/sharepoint/events">
-  <Receiver>
-    <Name>Document ID Generator</Name>
-    <Synchronization>Synchronous</Synchronization>
-    <Type>10001</Type>
-    <SequenceNumber>1000</SequenceNumber>
-    <Url/>
-    <Assembly>Microsoft.Office.DocumentManagement, Version=16.0.0.0, Culture=neutral, PublicKeyToken=71e9bce111e9429c</Assembly>
-    <Class>Microsoft.Office.DocumentManagement.Internal.DocIdHandler</Class>
-    <Data/>
-    <Filter/>
-  </Receiver>
-  <Receiver>
-    <Name>Document ID Generator</Name>
-    <Synchronization>Synchronous</Synchronization>
-    <Type>10002</Type>
-    <SequenceNumber>1001</SequenceNumber>
-    <Url/>
-    <Assembly>Microsoft.Office.DocumentManagement, Version=16.0.0.0, Culture=neutral, PublicKeyToken=71e9bce111e9429c</Assembly>
-    <Class>Microsoft.Office.DocumentManagement.Internal.DocIdHandler</Class>
-    <Data/>
-    <Filter/>
-  </Receiver>
-  <Receiver>
-    <Name>Document ID Generator</Name>
-    <Synchronization>Synchronous</Synchronization>
-    <Type>10004</Type>
-    <SequenceNumber>1002</SequenceNumber>
-    <Url/>
-    <Assembly>Microsoft.Office.DocumentManagement, Version=16.0.0.0, Culture=neutral, PublicKeyToken=71e9bce111e9429c</Assembly>
-    <Class>Microsoft.Office.DocumentManagement.Internal.DocIdHandler</Class>
-    <Data/>
-    <Filter/>
-  </Receiver>
-  <Receiver>
-    <Name>Document ID Generator</Name>
-    <Synchronization>Synchronous</Synchronization>
-    <Type>10006</Type>
-    <SequenceNumber>1003</SequenceNumber>
-    <Url/>
-    <Assembly>Microsoft.Office.DocumentManagement, Version=16.0.0.0, Culture=neutral, PublicKeyToken=71e9bce111e9429c</Assembly>
-    <Class>Microsoft.Office.DocumentManagement.Internal.DocIdHandler</Class>
-    <Data/>
-    <Filter/>
-  </Receiver>
-</spe:Receivers>
-</file>
-
 <file path=customXml/itemProps1.xml><?xml version="1.0" encoding="utf-8"?>
-<ds:datastoreItem xmlns:ds="http://schemas.openxmlformats.org/officeDocument/2006/customXml" ds:itemID="{FA16A6F6-BA94-4BC1-82EC-740C029F7F2E}">
-  <ds:schemaRefs>
-    <ds:schemaRef ds:uri="http://schemas.microsoft.com/sharepoint/v3/contenttype/forms"/>
-  </ds:schemaRefs>
-</ds:datastoreItem>
-</file>
-
-<file path=customXml/itemProps2.xml><?xml version="1.0" encoding="utf-8"?>
 <ds:datastoreItem xmlns:ds="http://schemas.openxmlformats.org/officeDocument/2006/customXml" ds:itemID="{7949718B-A5E5-46E7-AFC7-B9ECBEAA9285}">
   <ds:schemaRefs>
     <ds:schemaRef ds:uri="http://schemas.microsoft.com/office/2006/metadata/properties"/>
@@ -10118,7 +10118,23 @@
 </ds:datastoreItem>
 </file>
 
+<file path=customXml/itemProps2.xml><?xml version="1.0" encoding="utf-8"?>
+<ds:datastoreItem xmlns:ds="http://schemas.openxmlformats.org/officeDocument/2006/customXml" ds:itemID="{FA16A6F6-BA94-4BC1-82EC-740C029F7F2E}">
+  <ds:schemaRefs>
+    <ds:schemaRef ds:uri="http://schemas.microsoft.com/sharepoint/v3/contenttype/forms"/>
+  </ds:schemaRefs>
+</ds:datastoreItem>
+</file>
+
 <file path=customXml/itemProps3.xml><?xml version="1.0" encoding="utf-8"?>
+<ds:datastoreItem xmlns:ds="http://schemas.openxmlformats.org/officeDocument/2006/customXml" ds:itemID="{C2D3F007-E527-40F2-825C-916613B331EC}">
+  <ds:schemaRefs>
+    <ds:schemaRef ds:uri="http://schemas.microsoft.com/sharepoint/events"/>
+  </ds:schemaRefs>
+</ds:datastoreItem>
+</file>
+
+<file path=customXml/itemProps4.xml><?xml version="1.0" encoding="utf-8"?>
 <ds:datastoreItem xmlns:ds="http://schemas.openxmlformats.org/officeDocument/2006/customXml" ds:itemID="{DB98A7B3-6CBB-482F-883D-79C2A86A89A9}">
   <ds:schemaRefs>
     <ds:schemaRef ds:uri="http://schemas.microsoft.com/office/2006/metadata/contentType"/>
@@ -10135,12 +10151,4 @@
     <ds:schemaRef ds:uri="http://schemas.microsoft.com/internal/obd"/>
   </ds:schemaRefs>
 </ds:datastoreItem>
-</file>
-
-<file path=customXml/itemProps4.xml><?xml version="1.0" encoding="utf-8"?>
-<ds:datastoreItem xmlns:ds="http://schemas.openxmlformats.org/officeDocument/2006/customXml" ds:itemID="{C2D3F007-E527-40F2-825C-916613B331EC}">
-  <ds:schemaRefs>
-    <ds:schemaRef ds:uri="http://schemas.microsoft.com/sharepoint/events"/>
-  </ds:schemaRefs>
-</ds:datastoreItem>
 </file>
--- a/IniciacionDePracticasExternas.pptx
+++ b/IniciacionDePracticasExternas.pptx
@@ -6189,14 +6189,14 @@
             <a:pPr algn="just"/>
             <a:r>
               <a:rPr lang="es-ES" dirty="0"/>
-              <a:t>Seguidamente a este primer contacto con las tecnologías, se plantea hacer un portal completo. Esta tendrá una temática concreta, un servicio de renting para una empresa. </a:t>
+              <a:t>Seguidamente a este primer contacto con las tecnologías, se plantea hacer un portal completo. Este tendrá una temática concreta, gestionar la flota de vehículos de una empresa. </a:t>
             </a:r>
           </a:p>
           <a:p>
             <a:pPr algn="just"/>
             <a:r>
               <a:rPr lang="es-ES" dirty="0"/>
-              <a:t>Se planea que un usuario administrador ponga en oferta de renting coches que estén registrados en la DGT. Por ello, y para que según en código VIN del coche se puedan obtener todos los datos exactos de este, la base de datos tendrá que contemplar la implementación de todos los datos importados de la página oficial de la DGT</a:t>
+              <a:t>Se planea que un usuario administrador ponga en disponibilidad coches que estén registrados en la DGT. Por ello, y para que según en código VIN del coche se puedan obtener todos los datos exactos de este, la base de datos tendrá que contemplar la implementación de todos los datos importados de la página oficial de la DGT</a:t>
             </a:r>
             <a:r>
               <a:rPr lang="en-US" dirty="0"/>
@@ -9710,6 +9710,15 @@
 </file>
 
 <file path=customXml/item1.xml><?xml version="1.0" encoding="utf-8"?>
+<?mso-contentType ?>
+<FormTemplates xmlns="http://schemas.microsoft.com/sharepoint/v3/contenttype/forms">
+  <Display>DocumentLibraryForm</Display>
+  <Edit>DocumentLibraryForm</Edit>
+  <New>DocumentLibraryForm</New>
+</FormTemplates>
+</file>
+
+<file path=customXml/item2.xml><?xml version="1.0" encoding="utf-8"?>
 <p:properties xmlns:p="http://schemas.microsoft.com/office/2006/metadata/properties" xmlns:xsi="http://www.w3.org/2001/XMLSchema-instance" xmlns:pc="http://schemas.microsoft.com/office/infopath/2007/PartnerControls">
   <documentManagement>
     <TaxCatchAll xmlns="6dedcb10-c833-433a-ac85-a71007a78acc">
@@ -9760,66 +9769,7 @@
 </p:properties>
 </file>
 
-<file path=customXml/item2.xml><?xml version="1.0" encoding="utf-8"?>
-<?mso-contentType ?>
-<FormTemplates xmlns="http://schemas.microsoft.com/sharepoint/v3/contenttype/forms">
-  <Display>DocumentLibraryForm</Display>
-  <Edit>DocumentLibraryForm</Edit>
-  <New>DocumentLibraryForm</New>
-</FormTemplates>
-</file>
-
 <file path=customXml/item3.xml><?xml version="1.0" encoding="utf-8"?>
-<?mso-contentType ?>
-<spe:Receivers xmlns:spe="http://schemas.microsoft.com/sharepoint/events">
-  <Receiver>
-    <Name>Document ID Generator</Name>
-    <Synchronization>Synchronous</Synchronization>
-    <Type>10001</Type>
-    <SequenceNumber>1000</SequenceNumber>
-    <Url/>
-    <Assembly>Microsoft.Office.DocumentManagement, Version=16.0.0.0, Culture=neutral, PublicKeyToken=71e9bce111e9429c</Assembly>
-    <Class>Microsoft.Office.DocumentManagement.Internal.DocIdHandler</Class>
-    <Data/>
-    <Filter/>
-  </Receiver>
-  <Receiver>
-    <Name>Document ID Generator</Name>
-    <Synchronization>Synchronous</Synchronization>
-    <Type>10002</Type>
-    <SequenceNumber>1001</SequenceNumber>
-    <Url/>
-    <Assembly>Microsoft.Office.DocumentManagement, Version=16.0.0.0, Culture=neutral, PublicKeyToken=71e9bce111e9429c</Assembly>
-    <Class>Microsoft.Office.DocumentManagement.Internal.DocIdHandler</Class>
-    <Data/>
-    <Filter/>
-  </Receiver>
-  <Receiver>
-    <Name>Document ID Generator</Name>
-    <Synchronization>Synchronous</Synchronization>
-    <Type>10004</Type>
-    <SequenceNumber>1002</SequenceNumber>
-    <Url/>
-    <Assembly>Microsoft.Office.DocumentManagement, Version=16.0.0.0, Culture=neutral, PublicKeyToken=71e9bce111e9429c</Assembly>
-    <Class>Microsoft.Office.DocumentManagement.Internal.DocIdHandler</Class>
-    <Data/>
-    <Filter/>
-  </Receiver>
-  <Receiver>
-    <Name>Document ID Generator</Name>
-    <Synchronization>Synchronous</Synchronization>
-    <Type>10006</Type>
-    <SequenceNumber>1003</SequenceNumber>
-    <Url/>
-    <Assembly>Microsoft.Office.DocumentManagement, Version=16.0.0.0, Culture=neutral, PublicKeyToken=71e9bce111e9429c</Assembly>
-    <Class>Microsoft.Office.DocumentManagement.Internal.DocIdHandler</Class>
-    <Data/>
-    <Filter/>
-  </Receiver>
-</spe:Receivers>
-</file>
-
-<file path=customXml/item4.xml><?xml version="1.0" encoding="utf-8"?>
 <ct:contentTypeSchema xmlns:ct="http://schemas.microsoft.com/office/2006/metadata/contentType" xmlns:ma="http://schemas.microsoft.com/office/2006/metadata/properties/metaAttributes" ct:_="" ma:_="" ma:contentTypeName="Document" ma:contentTypeID="0x010100CCD2CB7645A6664EBA7D2C1B319298D9" ma:contentTypeVersion="20" ma:contentTypeDescription="Create a new document." ma:contentTypeScope="" ma:versionID="1b89333854ece0126e4211b82251641e">
   <xsd:schema xmlns:xsd="http://www.w3.org/2001/XMLSchema" xmlns:xs="http://www.w3.org/2001/XMLSchema" xmlns:p="http://schemas.microsoft.com/office/2006/metadata/properties" xmlns:ns2="6dedcb10-c833-433a-ac85-a71007a78acc" xmlns:ns3="51e2b858-bf58-46a2-91b2-3dafa82a619b" targetNamespace="http://schemas.microsoft.com/office/2006/metadata/properties" ma:root="true" ma:fieldsID="ff5f21df02492c208f9b75ad1252c953" ns2:_="" ns3:_="">
     <xsd:import namespace="6dedcb10-c833-433a-ac85-a71007a78acc"/>
@@ -10099,7 +10049,65 @@
 </ct:contentTypeSchema>
 </file>
 
+<file path=customXml/item4.xml><?xml version="1.0" encoding="utf-8"?>
+<?mso-contentType ?>
+<spe:Receivers xmlns:spe="http://schemas.microsoft.com/sharepoint/events">
+  <Receiver>
+    <Name>Document ID Generator</Name>
+    <Synchronization>Synchronous</Synchronization>
+    <Type>10001</Type>
+    <SequenceNumber>1000</SequenceNumber>
+    <Url/>
+    <Assembly>Microsoft.Office.DocumentManagement, Version=16.0.0.0, Culture=neutral, PublicKeyToken=71e9bce111e9429c</Assembly>
+    <Class>Microsoft.Office.DocumentManagement.Internal.DocIdHandler</Class>
+    <Data/>
+    <Filter/>
+  </Receiver>
+  <Receiver>
+    <Name>Document ID Generator</Name>
+    <Synchronization>Synchronous</Synchronization>
+    <Type>10002</Type>
+    <SequenceNumber>1001</SequenceNumber>
+    <Url/>
+    <Assembly>Microsoft.Office.DocumentManagement, Version=16.0.0.0, Culture=neutral, PublicKeyToken=71e9bce111e9429c</Assembly>
+    <Class>Microsoft.Office.DocumentManagement.Internal.DocIdHandler</Class>
+    <Data/>
+    <Filter/>
+  </Receiver>
+  <Receiver>
+    <Name>Document ID Generator</Name>
+    <Synchronization>Synchronous</Synchronization>
+    <Type>10004</Type>
+    <SequenceNumber>1002</SequenceNumber>
+    <Url/>
+    <Assembly>Microsoft.Office.DocumentManagement, Version=16.0.0.0, Culture=neutral, PublicKeyToken=71e9bce111e9429c</Assembly>
+    <Class>Microsoft.Office.DocumentManagement.Internal.DocIdHandler</Class>
+    <Data/>
+    <Filter/>
+  </Receiver>
+  <Receiver>
+    <Name>Document ID Generator</Name>
+    <Synchronization>Synchronous</Synchronization>
+    <Type>10006</Type>
+    <SequenceNumber>1003</SequenceNumber>
+    <Url/>
+    <Assembly>Microsoft.Office.DocumentManagement, Version=16.0.0.0, Culture=neutral, PublicKeyToken=71e9bce111e9429c</Assembly>
+    <Class>Microsoft.Office.DocumentManagement.Internal.DocIdHandler</Class>
+    <Data/>
+    <Filter/>
+  </Receiver>
+</spe:Receivers>
+</file>
+
 <file path=customXml/itemProps1.xml><?xml version="1.0" encoding="utf-8"?>
+<ds:datastoreItem xmlns:ds="http://schemas.openxmlformats.org/officeDocument/2006/customXml" ds:itemID="{FA16A6F6-BA94-4BC1-82EC-740C029F7F2E}">
+  <ds:schemaRefs>
+    <ds:schemaRef ds:uri="http://schemas.microsoft.com/sharepoint/v3/contenttype/forms"/>
+  </ds:schemaRefs>
+</ds:datastoreItem>
+</file>
+
+<file path=customXml/itemProps2.xml><?xml version="1.0" encoding="utf-8"?>
 <ds:datastoreItem xmlns:ds="http://schemas.openxmlformats.org/officeDocument/2006/customXml" ds:itemID="{7949718B-A5E5-46E7-AFC7-B9ECBEAA9285}">
   <ds:schemaRefs>
     <ds:schemaRef ds:uri="http://schemas.microsoft.com/office/2006/metadata/properties"/>
@@ -10118,23 +10126,7 @@
 </ds:datastoreItem>
 </file>
 
-<file path=customXml/itemProps2.xml><?xml version="1.0" encoding="utf-8"?>
-<ds:datastoreItem xmlns:ds="http://schemas.openxmlformats.org/officeDocument/2006/customXml" ds:itemID="{FA16A6F6-BA94-4BC1-82EC-740C029F7F2E}">
-  <ds:schemaRefs>
-    <ds:schemaRef ds:uri="http://schemas.microsoft.com/sharepoint/v3/contenttype/forms"/>
-  </ds:schemaRefs>
-</ds:datastoreItem>
-</file>
-
 <file path=customXml/itemProps3.xml><?xml version="1.0" encoding="utf-8"?>
-<ds:datastoreItem xmlns:ds="http://schemas.openxmlformats.org/officeDocument/2006/customXml" ds:itemID="{C2D3F007-E527-40F2-825C-916613B331EC}">
-  <ds:schemaRefs>
-    <ds:schemaRef ds:uri="http://schemas.microsoft.com/sharepoint/events"/>
-  </ds:schemaRefs>
-</ds:datastoreItem>
-</file>
-
-<file path=customXml/itemProps4.xml><?xml version="1.0" encoding="utf-8"?>
 <ds:datastoreItem xmlns:ds="http://schemas.openxmlformats.org/officeDocument/2006/customXml" ds:itemID="{DB98A7B3-6CBB-482F-883D-79C2A86A89A9}">
   <ds:schemaRefs>
     <ds:schemaRef ds:uri="http://schemas.microsoft.com/office/2006/metadata/contentType"/>
@@ -10151,4 +10143,12 @@
     <ds:schemaRef ds:uri="http://schemas.microsoft.com/internal/obd"/>
   </ds:schemaRefs>
 </ds:datastoreItem>
+</file>
+
+<file path=customXml/itemProps4.xml><?xml version="1.0" encoding="utf-8"?>
+<ds:datastoreItem xmlns:ds="http://schemas.openxmlformats.org/officeDocument/2006/customXml" ds:itemID="{C2D3F007-E527-40F2-825C-916613B331EC}">
+  <ds:schemaRefs>
+    <ds:schemaRef ds:uri="http://schemas.microsoft.com/sharepoint/events"/>
+  </ds:schemaRefs>
+</ds:datastoreItem>
 </file>
--- a/IniciacionDePracticasExternas.pptx
+++ b/IniciacionDePracticasExternas.pptx
@@ -274,7 +274,7 @@
           <a:p>
             <a:fld id="{D18408C4-2C7F-214C-83E2-CEB72601B4F7}" type="slidenum">
               <a:rPr lang="en-DE" smtClean="0"/>
-              <a:t>‹Nº›</a:t>
+              <a:t>‹#›</a:t>
             </a:fld>
             <a:endParaRPr lang="en-DE"/>
           </a:p>
@@ -8719,15 +8719,7 @@
             </a:r>
             <a:r>
               <a:rPr lang="es-ES" dirty="0"/>
-              <a:t>: </a:t>
-            </a:r>
-            <a:r>
-              <a:rPr lang="es-ES" u="sng" dirty="0"/>
-              <a:t>Devuelve</a:t>
-            </a:r>
-            <a:r>
-              <a:rPr lang="es-ES" dirty="0"/>
-              <a:t> todos los coches registrados. Esta petición solo la puede realizar un administrador aportando su JTW en el </a:t>
+              <a:t>: Devuelve todos los coches registrados. Esta petición solo la puede realizar un administrador aportando su JTW en el </a:t>
             </a:r>
             <a:r>
               <a:rPr lang="es-ES" dirty="0" err="1"/>
@@ -8741,48 +8733,23 @@
           <a:p>
             <a:pPr algn="just"/>
             <a:r>
-              <a:rPr lang="es-ES" dirty="0">
-                <a:solidFill>
-                  <a:srgbClr val="212121"/>
-                </a:solidFill>
-                <a:latin typeface="Inter"/>
-              </a:rPr>
+              <a:rPr lang="es-ES" dirty="0"/>
               <a:t>La decisión de también configurar </a:t>
             </a:r>
             <a:r>
-              <a:rPr lang="es-ES" dirty="0" err="1">
-                <a:solidFill>
-                  <a:srgbClr val="212121"/>
-                </a:solidFill>
-                <a:latin typeface="Inter"/>
-              </a:rPr>
+              <a:rPr lang="es-ES" dirty="0" err="1"/>
               <a:t>Swagger</a:t>
             </a:r>
             <a:r>
-              <a:rPr lang="es-ES" dirty="0">
-                <a:solidFill>
-                  <a:srgbClr val="212121"/>
-                </a:solidFill>
-                <a:latin typeface="Inter"/>
-              </a:rPr>
+              <a:rPr lang="es-ES" dirty="0"/>
               <a:t> para que funcionase de forma similar a la de </a:t>
             </a:r>
             <a:r>
-              <a:rPr lang="es-ES" dirty="0" err="1">
-                <a:solidFill>
-                  <a:srgbClr val="212121"/>
-                </a:solidFill>
-                <a:latin typeface="Inter"/>
-              </a:rPr>
+              <a:rPr lang="es-ES" dirty="0" err="1"/>
               <a:t>Postman</a:t>
             </a:r>
             <a:r>
-              <a:rPr lang="es-ES" dirty="0">
-                <a:solidFill>
-                  <a:srgbClr val="212121"/>
-                </a:solidFill>
-                <a:latin typeface="Inter"/>
-              </a:rPr>
+              <a:rPr lang="es-ES" dirty="0"/>
               <a:t> es conocer otras herramientas a parte de esta, ya que se trata de una tecnología libre frente a una de pago.</a:t>
             </a:r>
           </a:p>
@@ -9719,54 +9686,53 @@
 </file>
 
 <file path=customXml/item2.xml><?xml version="1.0" encoding="utf-8"?>
-<p:properties xmlns:p="http://schemas.microsoft.com/office/2006/metadata/properties" xmlns:xsi="http://www.w3.org/2001/XMLSchema-instance" xmlns:pc="http://schemas.microsoft.com/office/infopath/2007/PartnerControls">
-  <documentManagement>
-    <TaxCatchAll xmlns="6dedcb10-c833-433a-ac85-a71007a78acc">
-      <Value>4</Value>
-      <Value>10</Value>
-      <Value>2</Value>
-      <Value>3</Value>
-    </TaxCatchAll>
-    <Abstract xmlns="51e2b858-bf58-46a2-91b2-3dafa82a619b" xsi:nil="true"/>
-    <neda87fc916d4e679a7e41b9a8103b08 xmlns="51e2b858-bf58-46a2-91b2-3dafa82a619b">
-      <Terms xmlns="http://schemas.microsoft.com/office/infopath/2007/PartnerControls">
-        <TermInfo xmlns="http://schemas.microsoft.com/office/infopath/2007/PartnerControls">
-          <TermName xmlns="http://schemas.microsoft.com/office/infopath/2007/PartnerControls">C - valid</TermName>
-          <TermId xmlns="http://schemas.microsoft.com/office/infopath/2007/PartnerControls">0c95109a-f409-44c4-ba27-12fbc6f76f24</TermId>
-        </TermInfo>
-      </Terms>
-    </neda87fc916d4e679a7e41b9a8103b08>
-    <j1058322525a448cbab87226107f51c4 xmlns="51e2b858-bf58-46a2-91b2-3dafa82a619b">
-      <Terms xmlns="http://schemas.microsoft.com/office/infopath/2007/PartnerControls">
-        <TermInfo xmlns="http://schemas.microsoft.com/office/infopath/2007/PartnerControls">
-          <TermName xmlns="http://schemas.microsoft.com/office/infopath/2007/PartnerControls">Documentation</TermName>
-          <TermId xmlns="http://schemas.microsoft.com/office/infopath/2007/PartnerControls">4374477c-d144-4e1f-bf15-77ba8dc2d6ee</TermId>
-        </TermInfo>
-      </Terms>
-    </j1058322525a448cbab87226107f51c4>
-    <fad0ae6618ec41d8bed90675241c3993 xmlns="51e2b858-bf58-46a2-91b2-3dafa82a619b">
-      <Terms xmlns="http://schemas.microsoft.com/office/infopath/2007/PartnerControls">
-        <TermInfo xmlns="http://schemas.microsoft.com/office/infopath/2007/PartnerControls">
-          <TermName xmlns="http://schemas.microsoft.com/office/infopath/2007/PartnerControls">A - internal</TermName>
-          <TermId xmlns="http://schemas.microsoft.com/office/infopath/2007/PartnerControls">b9f71f92-fb46-4487-9019-025349c14948</TermId>
-        </TermInfo>
-      </Terms>
-    </fad0ae6618ec41d8bed90675241c3993>
-    <ba46f578df2f4cc59a79294d268b0c87 xmlns="51e2b858-bf58-46a2-91b2-3dafa82a619b">
-      <Terms xmlns="http://schemas.microsoft.com/office/infopath/2007/PartnerControls">
-        <TermInfo xmlns="http://schemas.microsoft.com/office/infopath/2007/PartnerControls">
-          <TermName xmlns="http://schemas.microsoft.com/office/infopath/2007/PartnerControls">No solution</TermName>
-          <TermId xmlns="http://schemas.microsoft.com/office/infopath/2007/PartnerControls">227ba552-7fd7-40d5-abf3-76f160b7a704</TermId>
-        </TermInfo>
-      </Terms>
-    </ba46f578df2f4cc59a79294d268b0c87>
-    <_dlc_DocId xmlns="6dedcb10-c833-433a-ac85-a71007a78acc">KJNT26DDK5R3-2073477213-2081</_dlc_DocId>
-    <_dlc_DocIdUrl xmlns="6dedcb10-c833-433a-ac85-a71007a78acc">
-      <Url>https://tecalliance.sharepoint.com/sites/TA_Templates/_layouts/15/DocIdRedir.aspx?ID=KJNT26DDK5R3-2073477213-2081</Url>
-      <Description>KJNT26DDK5R3-2073477213-2081</Description>
-    </_dlc_DocIdUrl>
-  </documentManagement>
-</p:properties>
+<?mso-contentType ?>
+<spe:Receivers xmlns:spe="http://schemas.microsoft.com/sharepoint/events">
+  <Receiver>
+    <Name>Document ID Generator</Name>
+    <Synchronization>Synchronous</Synchronization>
+    <Type>10001</Type>
+    <SequenceNumber>1000</SequenceNumber>
+    <Url/>
+    <Assembly>Microsoft.Office.DocumentManagement, Version=16.0.0.0, Culture=neutral, PublicKeyToken=71e9bce111e9429c</Assembly>
+    <Class>Microsoft.Office.DocumentManagement.Internal.DocIdHandler</Class>
+    <Data/>
+    <Filter/>
+  </Receiver>
+  <Receiver>
+    <Name>Document ID Generator</Name>
+    <Synchronization>Synchronous</Synchronization>
+    <Type>10002</Type>
+    <SequenceNumber>1001</SequenceNumber>
+    <Url/>
+    <Assembly>Microsoft.Office.DocumentManagement, Version=16.0.0.0, Culture=neutral, PublicKeyToken=71e9bce111e9429c</Assembly>
+    <Class>Microsoft.Office.DocumentManagement.Internal.DocIdHandler</Class>
+    <Data/>
+    <Filter/>
+  </Receiver>
+  <Receiver>
+    <Name>Document ID Generator</Name>
+    <Synchronization>Synchronous</Synchronization>
+    <Type>10004</Type>
+    <SequenceNumber>1002</SequenceNumber>
+    <Url/>
+    <Assembly>Microsoft.Office.DocumentManagement, Version=16.0.0.0, Culture=neutral, PublicKeyToken=71e9bce111e9429c</Assembly>
+    <Class>Microsoft.Office.DocumentManagement.Internal.DocIdHandler</Class>
+    <Data/>
+    <Filter/>
+  </Receiver>
+  <Receiver>
+    <Name>Document ID Generator</Name>
+    <Synchronization>Synchronous</Synchronization>
+    <Type>10006</Type>
+    <SequenceNumber>1003</SequenceNumber>
+    <Url/>
+    <Assembly>Microsoft.Office.DocumentManagement, Version=16.0.0.0, Culture=neutral, PublicKeyToken=71e9bce111e9429c</Assembly>
+    <Class>Microsoft.Office.DocumentManagement.Internal.DocIdHandler</Class>
+    <Data/>
+    <Filter/>
+  </Receiver>
+</spe:Receivers>
 </file>
 
 <file path=customXml/item3.xml><?xml version="1.0" encoding="utf-8"?>
@@ -10050,53 +10016,54 @@
 </file>
 
 <file path=customXml/item4.xml><?xml version="1.0" encoding="utf-8"?>
-<?mso-contentType ?>
-<spe:Receivers xmlns:spe="http://schemas.microsoft.com/sharepoint/events">
-  <Receiver>
-    <Name>Document ID Generator</Name>
-    <Synchronization>Synchronous</Synchronization>
-    <Type>10001</Type>
-    <SequenceNumber>1000</SequenceNumber>
-    <Url/>
-    <Assembly>Microsoft.Office.DocumentManagement, Version=16.0.0.0, Culture=neutral, PublicKeyToken=71e9bce111e9429c</Assembly>
-    <Class>Microsoft.Office.DocumentManagement.Internal.DocIdHandler</Class>
-    <Data/>
-    <Filter/>
-  </Receiver>
-  <Receiver>
-    <Name>Document ID Generator</Name>
-    <Synchronization>Synchronous</Synchronization>
-    <Type>10002</Type>
-    <SequenceNumber>1001</SequenceNumber>
-    <Url/>
-    <Assembly>Microsoft.Office.DocumentManagement, Version=16.0.0.0, Culture=neutral, PublicKeyToken=71e9bce111e9429c</Assembly>
-    <Class>Microsoft.Office.DocumentManagement.Internal.DocIdHandler</Class>
-    <Data/>
-    <Filter/>
-  </Receiver>
-  <Receiver>
-    <Name>Document ID Generator</Name>
-    <Synchronization>Synchronous</Synchronization>
-    <Type>10004</Type>
-    <SequenceNumber>1002</SequenceNumber>
-    <Url/>
-    <Assembly>Microsoft.Office.DocumentManagement, Version=16.0.0.0, Culture=neutral, PublicKeyToken=71e9bce111e9429c</Assembly>
-    <Class>Microsoft.Office.DocumentManagement.Internal.DocIdHandler</Class>
-    <Data/>
-    <Filter/>
-  </Receiver>
-  <Receiver>
-    <Name>Document ID Generator</Name>
-    <Synchronization>Synchronous</Synchronization>
-    <Type>10006</Type>
-    <SequenceNumber>1003</SequenceNumber>
-    <Url/>
-    <Assembly>Microsoft.Office.DocumentManagement, Version=16.0.0.0, Culture=neutral, PublicKeyToken=71e9bce111e9429c</Assembly>
-    <Class>Microsoft.Office.DocumentManagement.Internal.DocIdHandler</Class>
-    <Data/>
-    <Filter/>
-  </Receiver>
-</spe:Receivers>
+<p:properties xmlns:p="http://schemas.microsoft.com/office/2006/metadata/properties" xmlns:xsi="http://www.w3.org/2001/XMLSchema-instance" xmlns:pc="http://schemas.microsoft.com/office/infopath/2007/PartnerControls">
+  <documentManagement>
+    <TaxCatchAll xmlns="6dedcb10-c833-433a-ac85-a71007a78acc">
+      <Value>4</Value>
+      <Value>10</Value>
+      <Value>2</Value>
+      <Value>3</Value>
+    </TaxCatchAll>
+    <Abstract xmlns="51e2b858-bf58-46a2-91b2-3dafa82a619b" xsi:nil="true"/>
+    <neda87fc916d4e679a7e41b9a8103b08 xmlns="51e2b858-bf58-46a2-91b2-3dafa82a619b">
+      <Terms xmlns="http://schemas.microsoft.com/office/infopath/2007/PartnerControls">
+        <TermInfo xmlns="http://schemas.microsoft.com/office/infopath/2007/PartnerControls">
+          <TermName xmlns="http://schemas.microsoft.com/office/infopath/2007/PartnerControls">C - valid</TermName>
+          <TermId xmlns="http://schemas.microsoft.com/office/infopath/2007/PartnerControls">0c95109a-f409-44c4-ba27-12fbc6f76f24</TermId>
+        </TermInfo>
+      </Terms>
+    </neda87fc916d4e679a7e41b9a8103b08>
+    <j1058322525a448cbab87226107f51c4 xmlns="51e2b858-bf58-46a2-91b2-3dafa82a619b">
+      <Terms xmlns="http://schemas.microsoft.com/office/infopath/2007/PartnerControls">
+        <TermInfo xmlns="http://schemas.microsoft.com/office/infopath/2007/PartnerControls">
+          <TermName xmlns="http://schemas.microsoft.com/office/infopath/2007/PartnerControls">Documentation</TermName>
+          <TermId xmlns="http://schemas.microsoft.com/office/infopath/2007/PartnerControls">4374477c-d144-4e1f-bf15-77ba8dc2d6ee</TermId>
+        </TermInfo>
+      </Terms>
+    </j1058322525a448cbab87226107f51c4>
+    <fad0ae6618ec41d8bed90675241c3993 xmlns="51e2b858-bf58-46a2-91b2-3dafa82a619b">
+      <Terms xmlns="http://schemas.microsoft.com/office/infopath/2007/PartnerControls">
+        <TermInfo xmlns="http://schemas.microsoft.com/office/infopath/2007/PartnerControls">
+          <TermName xmlns="http://schemas.microsoft.com/office/infopath/2007/PartnerControls">A - internal</TermName>
+          <TermId xmlns="http://schemas.microsoft.com/office/infopath/2007/PartnerControls">b9f71f92-fb46-4487-9019-025349c14948</TermId>
+        </TermInfo>
+      </Terms>
+    </fad0ae6618ec41d8bed90675241c3993>
+    <ba46f578df2f4cc59a79294d268b0c87 xmlns="51e2b858-bf58-46a2-91b2-3dafa82a619b">
+      <Terms xmlns="http://schemas.microsoft.com/office/infopath/2007/PartnerControls">
+        <TermInfo xmlns="http://schemas.microsoft.com/office/infopath/2007/PartnerControls">
+          <TermName xmlns="http://schemas.microsoft.com/office/infopath/2007/PartnerControls">No solution</TermName>
+          <TermId xmlns="http://schemas.microsoft.com/office/infopath/2007/PartnerControls">227ba552-7fd7-40d5-abf3-76f160b7a704</TermId>
+        </TermInfo>
+      </Terms>
+    </ba46f578df2f4cc59a79294d268b0c87>
+    <_dlc_DocId xmlns="6dedcb10-c833-433a-ac85-a71007a78acc">KJNT26DDK5R3-2073477213-2081</_dlc_DocId>
+    <_dlc_DocIdUrl xmlns="6dedcb10-c833-433a-ac85-a71007a78acc">
+      <Url>https://tecalliance.sharepoint.com/sites/TA_Templates/_layouts/15/DocIdRedir.aspx?ID=KJNT26DDK5R3-2073477213-2081</Url>
+      <Description>KJNT26DDK5R3-2073477213-2081</Description>
+    </_dlc_DocIdUrl>
+  </documentManagement>
+</p:properties>
 </file>
 
 <file path=customXml/itemProps1.xml><?xml version="1.0" encoding="utf-8"?>
@@ -10108,20 +10075,9 @@
 </file>
 
 <file path=customXml/itemProps2.xml><?xml version="1.0" encoding="utf-8"?>
-<ds:datastoreItem xmlns:ds="http://schemas.openxmlformats.org/officeDocument/2006/customXml" ds:itemID="{7949718B-A5E5-46E7-AFC7-B9ECBEAA9285}">
+<ds:datastoreItem xmlns:ds="http://schemas.openxmlformats.org/officeDocument/2006/customXml" ds:itemID="{C2D3F007-E527-40F2-825C-916613B331EC}">
   <ds:schemaRefs>
-    <ds:schemaRef ds:uri="http://schemas.microsoft.com/office/2006/metadata/properties"/>
-    <ds:schemaRef ds:uri="395926fc-aba2-4e43-93d3-293d49ac187c"/>
-    <ds:schemaRef ds:uri="http://schemas.microsoft.com/office/2006/documentManagement/types"/>
-    <ds:schemaRef ds:uri="http://purl.org/dc/elements/1.1/"/>
-    <ds:schemaRef ds:uri="http://purl.org/dc/terms/"/>
-    <ds:schemaRef ds:uri="http://purl.org/dc/dcmitype/"/>
-    <ds:schemaRef ds:uri="http://www.w3.org/XML/1998/namespace"/>
-    <ds:schemaRef ds:uri="http://schemas.microsoft.com/office/infopath/2007/PartnerControls"/>
-    <ds:schemaRef ds:uri="http://schemas.openxmlformats.org/package/2006/metadata/core-properties"/>
-    <ds:schemaRef ds:uri="8abda921-aac1-49ce-9133-db7eff363c36"/>
-    <ds:schemaRef ds:uri="6dedcb10-c833-433a-ac85-a71007a78acc"/>
-    <ds:schemaRef ds:uri="51e2b858-bf58-46a2-91b2-3dafa82a619b"/>
+    <ds:schemaRef ds:uri="http://schemas.microsoft.com/sharepoint/events"/>
   </ds:schemaRefs>
 </ds:datastoreItem>
 </file>
@@ -10146,9 +10102,20 @@
 </file>
 
 <file path=customXml/itemProps4.xml><?xml version="1.0" encoding="utf-8"?>
-<ds:datastoreItem xmlns:ds="http://schemas.openxmlformats.org/officeDocument/2006/customXml" ds:itemID="{C2D3F007-E527-40F2-825C-916613B331EC}">
+<ds:datastoreItem xmlns:ds="http://schemas.openxmlformats.org/officeDocument/2006/customXml" ds:itemID="{7949718B-A5E5-46E7-AFC7-B9ECBEAA9285}">
   <ds:schemaRefs>
-    <ds:schemaRef ds:uri="http://schemas.microsoft.com/sharepoint/events"/>
+    <ds:schemaRef ds:uri="http://schemas.microsoft.com/office/2006/metadata/properties"/>
+    <ds:schemaRef ds:uri="395926fc-aba2-4e43-93d3-293d49ac187c"/>
+    <ds:schemaRef ds:uri="http://schemas.microsoft.com/office/2006/documentManagement/types"/>
+    <ds:schemaRef ds:uri="http://purl.org/dc/elements/1.1/"/>
+    <ds:schemaRef ds:uri="http://purl.org/dc/terms/"/>
+    <ds:schemaRef ds:uri="http://purl.org/dc/dcmitype/"/>
+    <ds:schemaRef ds:uri="http://www.w3.org/XML/1998/namespace"/>
+    <ds:schemaRef ds:uri="http://schemas.microsoft.com/office/infopath/2007/PartnerControls"/>
+    <ds:schemaRef ds:uri="http://schemas.openxmlformats.org/package/2006/metadata/core-properties"/>
+    <ds:schemaRef ds:uri="8abda921-aac1-49ce-9133-db7eff363c36"/>
+    <ds:schemaRef ds:uri="6dedcb10-c833-433a-ac85-a71007a78acc"/>
+    <ds:schemaRef ds:uri="51e2b858-bf58-46a2-91b2-3dafa82a619b"/>
   </ds:schemaRefs>
 </ds:datastoreItem>
 </file>